--- a/Diplom/ПЕРЕЗАПУСК_DS_Novikov.pptx
+++ b/Diplom/ПЕРЕЗАПУСК_DS_Novikov.pptx
@@ -19,10 +19,17 @@
     <p:sldId id="276" r:id="rId13"/>
     <p:sldId id="274" r:id="rId14"/>
     <p:sldId id="275" r:id="rId15"/>
-    <p:sldId id="264" r:id="rId16"/>
-    <p:sldId id="262" r:id="rId17"/>
-    <p:sldId id="260" r:id="rId18"/>
-    <p:sldId id="263" r:id="rId19"/>
+    <p:sldId id="277" r:id="rId16"/>
+    <p:sldId id="279" r:id="rId17"/>
+    <p:sldId id="278" r:id="rId18"/>
+    <p:sldId id="280" r:id="rId19"/>
+    <p:sldId id="281" r:id="rId20"/>
+    <p:sldId id="282" r:id="rId21"/>
+    <p:sldId id="283" r:id="rId22"/>
+    <p:sldId id="284" r:id="rId23"/>
+    <p:sldId id="285" r:id="rId24"/>
+    <p:sldId id="264" r:id="rId25"/>
+    <p:sldId id="263" r:id="rId26"/>
   </p:sldIdLst>
   <p:sldSz cx="12192000" cy="6858000"/>
   <p:notesSz cx="6858000" cy="9144000"/>
@@ -123,7 +130,7 @@
   </p:defaultTextStyle>
   <p:extLst>
     <p:ext uri="{EFAFB233-063F-42B5-8137-9DF3F51BA10A}">
-      <p15:sldGuideLst xmlns="" xmlns:p15="http://schemas.microsoft.com/office/powerpoint/2012/main"/>
+      <p15:sldGuideLst xmlns:p15="http://schemas.microsoft.com/office/powerpoint/2012/main" xmlns=""/>
     </p:ext>
   </p:extLst>
 </p:presentation>
@@ -297,7 +304,7 @@
           <p:cNvPr id="18" name="Прямоугольник 17">
             <a:extLst>
               <a:ext uri="{FF2B5EF4-FFF2-40B4-BE49-F238E27FC236}">
-                <a16:creationId xmlns="" xmlns:a16="http://schemas.microsoft.com/office/drawing/2014/main" id="{CBC5F2EB-A7EF-7341-95C5-1D35103D9A8D}"/>
+                <a16:creationId xmlns:a16="http://schemas.microsoft.com/office/drawing/2014/main" xmlns="" id="{CBC5F2EB-A7EF-7341-95C5-1D35103D9A8D}"/>
               </a:ext>
             </a:extLst>
           </p:cNvPr>
@@ -1003,7 +1010,7 @@
           <a:p>
             <a:fld id="{4583FB6F-ACA5-4987-9D7D-422181772236}" type="datetimeFigureOut">
               <a:rPr lang="ru-RU" smtClean="0"/>
-              <a:t>28.08.2022</a:t>
+              <a:t>29.08.2022</a:t>
             </a:fld>
             <a:endParaRPr lang="ru-RU"/>
           </a:p>
@@ -2109,7 +2116,7 @@
           <a:p>
             <a:fld id="{4583FB6F-ACA5-4987-9D7D-422181772236}" type="datetimeFigureOut">
               <a:rPr lang="ru-RU" smtClean="0"/>
-              <a:t>28.08.2022</a:t>
+              <a:t>29.08.2022</a:t>
             </a:fld>
             <a:endParaRPr lang="ru-RU"/>
           </a:p>
@@ -2320,7 +2327,7 @@
           <a:p>
             <a:fld id="{4583FB6F-ACA5-4987-9D7D-422181772236}" type="datetimeFigureOut">
               <a:rPr lang="ru-RU" smtClean="0"/>
-              <a:t>28.08.2022</a:t>
+              <a:t>29.08.2022</a:t>
             </a:fld>
             <a:endParaRPr lang="ru-RU"/>
           </a:p>
@@ -3805,7 +3812,7 @@
         </p:nvSpPr>
         <p:spPr>
           <a:xfrm>
-            <a:off x="826864" y="1281519"/>
+            <a:off x="838199" y="1258848"/>
             <a:ext cx="10588021" cy="437704"/>
           </a:xfrm>
         </p:spPr>
@@ -3820,11 +3827,7 @@
             </a:pPr>
             <a:r>
               <a:rPr lang="ru-RU" dirty="0" smtClean="0"/>
-              <a:t>Тот же график с режиссёрами, но без столбца с </a:t>
-            </a:r>
-            <a:r>
-              <a:rPr lang="ru-RU" dirty="0" err="1" smtClean="0"/>
-              <a:t>неизсетными</a:t>
+              <a:t>Текст</a:t>
             </a:r>
             <a:endParaRPr lang="ru-RU" dirty="0"/>
           </a:p>
@@ -3923,28 +3926,146 @@
         </p:nvSpPr>
         <p:spPr>
           <a:xfrm>
-            <a:off x="826864" y="1281519"/>
-            <a:ext cx="10588021" cy="437704"/>
+            <a:off x="842609" y="1413163"/>
+            <a:ext cx="10477816" cy="5021643"/>
           </a:xfrm>
         </p:spPr>
         <p:txBody>
           <a:bodyPr>
-            <a:normAutofit fontScale="92500" lnSpcReduction="10000"/>
+            <a:normAutofit fontScale="70000" lnSpcReduction="20000"/>
           </a:bodyPr>
           <a:lstStyle/>
           <a:p>
-            <a:pPr marL="0" indent="0">
-              <a:buNone/>
-            </a:pPr>
+            <a:r>
+              <a:rPr lang="ru-RU" b="1" dirty="0"/>
+              <a:t>BERT</a:t>
+            </a:r>
+            <a:r>
+              <a:rPr lang="ru-RU" dirty="0"/>
+              <a:t> – это двунаправленная </a:t>
+            </a:r>
+            <a:r>
+              <a:rPr lang="ru-RU" dirty="0" err="1"/>
+              <a:t>мультиязычная</a:t>
+            </a:r>
+            <a:r>
+              <a:rPr lang="ru-RU" dirty="0"/>
+              <a:t> модель с </a:t>
+            </a:r>
+            <a:r>
+              <a:rPr lang="ru-RU" dirty="0" err="1" smtClean="0"/>
+              <a:t>transformer</a:t>
+            </a:r>
             <a:r>
               <a:rPr lang="ru-RU" dirty="0" smtClean="0"/>
-              <a:t>Тот же график с режиссёрами, но без столбца с </a:t>
-            </a:r>
-            <a:r>
-              <a:rPr lang="ru-RU" dirty="0" err="1" smtClean="0"/>
-              <a:t>неизсетными</a:t>
+              <a:t>-архитектурой, </a:t>
+            </a:r>
+            <a:r>
+              <a:rPr lang="ru-RU" dirty="0"/>
+              <a:t>предназначенная для решения конкретных NLP-задач, например, определение эмоциональной окраски (тональности) текста, вопросно-ответные системы, классификация текстов, построение выводов по тексту и т.д. Помимо распознавания речи, классической NLP-задачей является анализ текста, включая извлечение данных, информационный поиск и анализ высказываний. Также к обработке естественного языка относятся генерирование текстов, синтез речи, машинный перевод и автоматическое реферирование, аннотирование и упрощение текстовой информации. Таким образом, цель применения NLP-технологий – это не только распознавание живого языка средствами искусственного интеллекта, но и возможность адекватного с ним взаимодействия. Последнее, фактически, означает понимание AI-инструментом устной или письменной </a:t>
+            </a:r>
+            <a:r>
+              <a:rPr lang="ru-RU" dirty="0" smtClean="0"/>
+              <a:t>речи.</a:t>
             </a:r>
             <a:endParaRPr lang="ru-RU" dirty="0"/>
+          </a:p>
+          <a:p>
+            <a:r>
+              <a:rPr lang="ru-RU" b="1" dirty="0"/>
+              <a:t>BERT</a:t>
+            </a:r>
+            <a:r>
+              <a:rPr lang="ru-RU" dirty="0"/>
+              <a:t>-модель предварительно обучена без учителя на 2-х NLP-задачах: моделирование языковых масок и предсказание следующего предложения. В основу работы BERT положены самые последние достижения в области </a:t>
+            </a:r>
+            <a:r>
+              <a:rPr lang="ru-RU" dirty="0" err="1"/>
+              <a:t>нейросетей</a:t>
+            </a:r>
+            <a:r>
+              <a:rPr lang="ru-RU" dirty="0"/>
+              <a:t> и NLP-технологий, опубликованные в 2018 году (</a:t>
+            </a:r>
+            <a:r>
+              <a:rPr lang="ru-RU" dirty="0" err="1">
+                <a:hlinkClick r:id="rId2"/>
+              </a:rPr>
+              <a:t>ELMo</a:t>
+            </a:r>
+            <a:r>
+              <a:rPr lang="ru-RU" dirty="0"/>
+              <a:t>, </a:t>
+            </a:r>
+            <a:r>
+              <a:rPr lang="ru-RU" dirty="0" err="1">
+                <a:hlinkClick r:id="rId3"/>
+              </a:rPr>
+              <a:t>ULMFiT</a:t>
+            </a:r>
+            <a:r>
+              <a:rPr lang="ru-RU" dirty="0">
+                <a:hlinkClick r:id="rId3"/>
+              </a:rPr>
+              <a:t>,</a:t>
+            </a:r>
+            <a:r>
+              <a:rPr lang="ru-RU" dirty="0"/>
+              <a:t> </a:t>
+            </a:r>
+            <a:r>
+              <a:rPr lang="ru-RU" dirty="0" err="1">
+                <a:hlinkClick r:id="rId4"/>
+              </a:rPr>
+              <a:t>OpenAI</a:t>
+            </a:r>
+            <a:r>
+              <a:rPr lang="ru-RU" dirty="0">
+                <a:hlinkClick r:id="rId4"/>
+              </a:rPr>
+              <a:t> </a:t>
+            </a:r>
+            <a:r>
+              <a:rPr lang="ru-RU" dirty="0" err="1">
+                <a:hlinkClick r:id="rId4"/>
+              </a:rPr>
+              <a:t>Transformer</a:t>
+            </a:r>
+            <a:r>
+              <a:rPr lang="ru-RU" dirty="0"/>
+              <a:t> и </a:t>
+            </a:r>
+            <a:r>
+              <a:rPr lang="ru-RU" dirty="0">
+                <a:hlinkClick r:id="rId5"/>
+              </a:rPr>
+              <a:t>GPT-2</a:t>
+            </a:r>
+            <a:r>
+              <a:rPr lang="ru-RU" dirty="0"/>
+              <a:t>), которые позволяют </a:t>
+            </a:r>
+            <a:r>
+              <a:rPr lang="ru-RU" dirty="0" err="1"/>
+              <a:t>предобучать</a:t>
+            </a:r>
+            <a:r>
+              <a:rPr lang="ru-RU" dirty="0"/>
+              <a:t> языковые модели без учителя на больших корпусах данных и затем подстраивать их под конкретные </a:t>
+            </a:r>
+            <a:r>
+              <a:rPr lang="ru-RU" dirty="0" smtClean="0"/>
+              <a:t>проблемы. </a:t>
+            </a:r>
+            <a:r>
+              <a:rPr lang="ru-RU" dirty="0"/>
+              <a:t>Благодаря этому с помощью BERT можно разрабатывать эффективные ИИ-программы для обработки естественного языка: отвечать на вопросы, заданные в произвольной форме, создавать чат-ботов, выполнять автоматические переводы, анализировать текст и </a:t>
+            </a:r>
+            <a:r>
+              <a:rPr lang="ru-RU" dirty="0" smtClean="0"/>
+              <a:t>пр.</a:t>
+            </a:r>
+            <a:endParaRPr lang="en-US" dirty="0" smtClean="0"/>
           </a:p>
         </p:txBody>
       </p:sp>
@@ -3994,9 +4115,38 @@
           <a:lstStyle/>
           <a:p>
             <a:r>
-              <a:rPr lang="ru-RU" dirty="0"/>
-              <a:t>Бизнес-логика</a:t>
-            </a:r>
+              <a:rPr lang="ru-RU" dirty="0" smtClean="0"/>
+              <a:t>Часть </a:t>
+            </a:r>
+            <a:r>
+              <a:rPr lang="en-US" dirty="0" smtClean="0"/>
+              <a:t>I</a:t>
+            </a:r>
+            <a:r>
+              <a:rPr lang="en-US" dirty="0"/>
+              <a:t> </a:t>
+            </a:r>
+            <a:r>
+              <a:rPr lang="en-US" dirty="0" err="1" smtClean="0"/>
+              <a:t>I</a:t>
+            </a:r>
+            <a:r>
+              <a:rPr lang="en-US" dirty="0"/>
+              <a:t> </a:t>
+            </a:r>
+            <a:r>
+              <a:rPr lang="en-US" dirty="0" err="1"/>
+              <a:t>I</a:t>
+            </a:r>
+            <a:r>
+              <a:rPr lang="en-US" dirty="0" smtClean="0"/>
+              <a:t> – </a:t>
+            </a:r>
+            <a:r>
+              <a:rPr lang="ru-RU" dirty="0" smtClean="0"/>
+              <a:t>Предсказания Берты</a:t>
+            </a:r>
+            <a:endParaRPr lang="ru-RU" dirty="0"/>
           </a:p>
         </p:txBody>
       </p:sp>
@@ -4010,45 +4160,110 @@
             <p:ph idx="1"/>
           </p:nvPr>
         </p:nvSpPr>
-        <p:spPr/>
+        <p:spPr>
+          <a:xfrm>
+            <a:off x="841978" y="1651813"/>
+            <a:ext cx="10588021" cy="1661944"/>
+          </a:xfrm>
+        </p:spPr>
         <p:txBody>
-          <a:bodyPr/>
+          <a:bodyPr>
+            <a:normAutofit/>
+          </a:bodyPr>
           <a:lstStyle/>
           <a:p>
-            <a:r>
-              <a:rPr lang="ru-RU" i="1" dirty="0">
-                <a:solidFill>
-                  <a:schemeClr val="tx1">
-                    <a:lumMod val="65000"/>
-                    <a:lumOff val="35000"/>
-                  </a:schemeClr>
-                </a:solidFill>
-              </a:rPr>
-              <a:t>Опишите схематично реализованный бизнес-процесс</a:t>
-            </a:r>
-          </a:p>
-          <a:p>
-            <a:endParaRPr lang="ru-RU" i="1" dirty="0">
-              <a:solidFill>
-                <a:schemeClr val="tx1">
-                  <a:lumMod val="65000"/>
-                  <a:lumOff val="35000"/>
-                </a:schemeClr>
-              </a:solidFill>
-            </a:endParaRPr>
-          </a:p>
-          <a:p>
             <a:pPr marL="0" indent="0">
               <a:buNone/>
             </a:pPr>
+            <a:r>
+              <a:rPr lang="ru-RU" dirty="0"/>
+              <a:t>Одним из классических NLP-кейсов считается задача классификации текста, которая предполагает, что каждый документ принадлежит одному или нескольким классам (</a:t>
+            </a:r>
+            <a:r>
+              <a:rPr lang="ru-RU" dirty="0" smtClean="0"/>
+              <a:t>меткам)</a:t>
+            </a:r>
+            <a:r>
+              <a:rPr lang="en-US" dirty="0" smtClean="0"/>
+              <a:t> </a:t>
+            </a:r>
+            <a:r>
+              <a:rPr lang="ru-RU" dirty="0" smtClean="0"/>
+              <a:t>например</a:t>
+            </a:r>
+            <a:r>
+              <a:rPr lang="en-US" dirty="0"/>
+              <a:t>,</a:t>
+            </a:r>
+            <a:r>
+              <a:rPr lang="en-US" dirty="0" smtClean="0"/>
+              <a:t> </a:t>
+            </a:r>
+            <a:r>
+              <a:rPr lang="ru-RU" dirty="0" smtClean="0"/>
+              <a:t>определение </a:t>
+            </a:r>
+            <a:r>
+              <a:rPr lang="ru-RU" dirty="0"/>
+              <a:t>жанра у </a:t>
+            </a:r>
+            <a:r>
+              <a:rPr lang="ru-RU" dirty="0" smtClean="0"/>
+              <a:t>фильма</a:t>
+            </a:r>
+            <a:r>
+              <a:rPr lang="en-US" dirty="0"/>
+              <a:t>.</a:t>
+            </a:r>
             <a:endParaRPr lang="ru-RU" dirty="0"/>
           </a:p>
         </p:txBody>
       </p:sp>
+      <p:pic>
+        <p:nvPicPr>
+          <p:cNvPr id="1026" name="Picture 2" descr="Рис. 2. Бинарная и мультиклассовая классификации"/>
+          <p:cNvPicPr>
+            <a:picLocks noChangeAspect="1" noChangeArrowheads="1"/>
+          </p:cNvPicPr>
+          <p:nvPr/>
+        </p:nvPicPr>
+        <p:blipFill>
+          <a:blip r:embed="rId2">
+            <a:extLst>
+              <a:ext uri="{28A0092B-C50C-407E-A947-70E740481C1C}">
+                <a14:useLocalDpi xmlns:a14="http://schemas.microsoft.com/office/drawing/2010/main" val="0"/>
+              </a:ext>
+            </a:extLst>
+          </a:blip>
+          <a:srcRect/>
+          <a:stretch>
+            <a:fillRect/>
+          </a:stretch>
+        </p:blipFill>
+        <p:spPr bwMode="auto">
+          <a:xfrm>
+            <a:off x="956619" y="3492604"/>
+            <a:ext cx="4886325" cy="2552700"/>
+          </a:xfrm>
+          <a:prstGeom prst="rect">
+            <a:avLst/>
+          </a:prstGeom>
+          <a:noFill/>
+          <a:extLst>
+            <a:ext uri="{909E8E84-426E-40DD-AFC4-6F175D3DCCD1}">
+              <a14:hiddenFill xmlns:a14="http://schemas.microsoft.com/office/drawing/2010/main">
+                <a:solidFill>
+                  <a:srgbClr val="FFFFFF"/>
+                </a:solidFill>
+              </a14:hiddenFill>
+            </a:ext>
+          </a:extLst>
+        </p:spPr>
+      </p:pic>
     </p:spTree>
     <p:extLst>
       <p:ext uri="{BB962C8B-B14F-4D97-AF65-F5344CB8AC3E}">
-        <p14:creationId xmlns:p14="http://schemas.microsoft.com/office/powerpoint/2010/main" val="2225149509"/>
+        <p14:creationId xmlns:p14="http://schemas.microsoft.com/office/powerpoint/2010/main" val="3035956862"/>
       </p:ext>
     </p:extLst>
   </p:cSld>
@@ -4091,9 +4306,38 @@
           <a:lstStyle/>
           <a:p>
             <a:r>
-              <a:rPr lang="ru-RU" dirty="0"/>
-              <a:t>Модель данных</a:t>
-            </a:r>
+              <a:rPr lang="ru-RU" dirty="0" smtClean="0"/>
+              <a:t>Часть </a:t>
+            </a:r>
+            <a:r>
+              <a:rPr lang="en-US" dirty="0" smtClean="0"/>
+              <a:t>I</a:t>
+            </a:r>
+            <a:r>
+              <a:rPr lang="en-US" dirty="0"/>
+              <a:t> </a:t>
+            </a:r>
+            <a:r>
+              <a:rPr lang="en-US" dirty="0" err="1" smtClean="0"/>
+              <a:t>I</a:t>
+            </a:r>
+            <a:r>
+              <a:rPr lang="en-US" dirty="0"/>
+              <a:t> </a:t>
+            </a:r>
+            <a:r>
+              <a:rPr lang="en-US" dirty="0" err="1"/>
+              <a:t>I</a:t>
+            </a:r>
+            <a:r>
+              <a:rPr lang="en-US" dirty="0" smtClean="0"/>
+              <a:t> – </a:t>
+            </a:r>
+            <a:r>
+              <a:rPr lang="ru-RU" dirty="0" smtClean="0"/>
+              <a:t>Предсказания Берты</a:t>
+            </a:r>
+            <a:endParaRPr lang="ru-RU" dirty="0"/>
           </a:p>
         </p:txBody>
       </p:sp>
@@ -4107,26 +4351,345 @@
             <p:ph idx="1"/>
           </p:nvPr>
         </p:nvSpPr>
-        <p:spPr/>
+        <p:spPr>
+          <a:xfrm>
+            <a:off x="830643" y="1270182"/>
+            <a:ext cx="10588021" cy="2107414"/>
+          </a:xfrm>
+        </p:spPr>
         <p:txBody>
-          <a:bodyPr/>
+          <a:bodyPr>
+            <a:normAutofit fontScale="25000" lnSpcReduction="20000"/>
+          </a:bodyPr>
           <a:lstStyle/>
           <a:p>
-            <a:endParaRPr lang="ru-RU" i="1" dirty="0">
-              <a:solidFill>
-                <a:schemeClr val="tx1">
-                  <a:lumMod val="65000"/>
-                  <a:lumOff val="35000"/>
-                </a:schemeClr>
-              </a:solidFill>
-            </a:endParaRPr>
+            <a:pPr marL="0" indent="0">
+              <a:buNone/>
+            </a:pPr>
+            <a:r>
+              <a:rPr lang="ru-RU" sz="4800" dirty="0" smtClean="0"/>
+              <a:t>Результаты обучения </a:t>
+            </a:r>
+            <a:r>
+              <a:rPr lang="en-US" sz="4800" dirty="0" smtClean="0"/>
+              <a:t>BERT </a:t>
+            </a:r>
+            <a:r>
+              <a:rPr lang="ru-RU" sz="4800" dirty="0" smtClean="0"/>
+              <a:t>на </a:t>
+            </a:r>
+            <a:r>
+              <a:rPr lang="ru-RU" sz="4800" dirty="0" err="1" smtClean="0"/>
+              <a:t>датасете</a:t>
+            </a:r>
+            <a:r>
+              <a:rPr lang="ru-RU" sz="4800" dirty="0" smtClean="0"/>
+              <a:t> </a:t>
+            </a:r>
+            <a:r>
+              <a:rPr lang="en-US" sz="4800" dirty="0"/>
+              <a:t>wiki_movie_plots_deduped.csv</a:t>
+            </a:r>
+            <a:r>
+              <a:rPr lang="ru-RU" sz="4800" dirty="0" smtClean="0"/>
+              <a:t>:</a:t>
+            </a:r>
+          </a:p>
+          <a:p>
+            <a:pPr marL="0" indent="0">
+              <a:buNone/>
+            </a:pPr>
+            <a:r>
+              <a:rPr lang="ru-RU" sz="4800" dirty="0" smtClean="0"/>
+              <a:t>Подготовка данных:</a:t>
+            </a:r>
+          </a:p>
+          <a:p>
+            <a:r>
+              <a:rPr lang="ru-RU" sz="4800" dirty="0" smtClean="0"/>
+              <a:t>Из общего </a:t>
+            </a:r>
+            <a:r>
+              <a:rPr lang="ru-RU" sz="4800" dirty="0" err="1" smtClean="0"/>
+              <a:t>датасета</a:t>
+            </a:r>
+            <a:r>
+              <a:rPr lang="ru-RU" sz="4800" dirty="0" smtClean="0"/>
+              <a:t> выбрали столбцы</a:t>
+            </a:r>
+            <a:r>
+              <a:rPr lang="en-US" sz="4800" dirty="0" smtClean="0"/>
+              <a:t> </a:t>
+            </a:r>
+            <a:r>
+              <a:rPr lang="ru-RU" sz="4800" dirty="0" smtClean="0"/>
+              <a:t>«</a:t>
+            </a:r>
+            <a:r>
+              <a:rPr lang="en-US" sz="4800" dirty="0" smtClean="0"/>
+              <a:t>Plot</a:t>
+            </a:r>
+            <a:r>
+              <a:rPr lang="ru-RU" sz="4800" dirty="0" smtClean="0"/>
+              <a:t>» и «</a:t>
+            </a:r>
+            <a:r>
+              <a:rPr lang="en-US" sz="4800" dirty="0" smtClean="0"/>
+              <a:t>Genre</a:t>
+            </a:r>
+            <a:r>
+              <a:rPr lang="ru-RU" sz="4800" dirty="0" smtClean="0"/>
+              <a:t>»</a:t>
+            </a:r>
+          </a:p>
+          <a:p>
+            <a:r>
+              <a:rPr lang="ru-RU" sz="4800" dirty="0" smtClean="0"/>
+              <a:t>Преобразование жанров</a:t>
+            </a:r>
+            <a:r>
+              <a:rPr lang="en-US" sz="4800" dirty="0" smtClean="0"/>
+              <a:t>: </a:t>
+            </a:r>
+            <a:endParaRPr lang="ru-RU" sz="4800" dirty="0" smtClean="0"/>
+          </a:p>
+          <a:p>
+            <a:pPr lvl="1"/>
+            <a:r>
+              <a:rPr lang="en-US" sz="4400" dirty="0" smtClean="0"/>
+              <a:t>1</a:t>
+            </a:r>
+            <a:r>
+              <a:rPr lang="en-US" sz="4400" dirty="0"/>
+              <a:t>) </a:t>
+            </a:r>
+            <a:r>
+              <a:rPr lang="ru-RU" sz="4400" dirty="0" smtClean="0"/>
+              <a:t>«</a:t>
+            </a:r>
+            <a:r>
+              <a:rPr lang="en-US" sz="4400" dirty="0" smtClean="0"/>
+              <a:t>sci-fi</a:t>
+            </a:r>
+            <a:r>
+              <a:rPr lang="ru-RU" sz="4400" dirty="0" smtClean="0"/>
+              <a:t>»</a:t>
+            </a:r>
+            <a:r>
+              <a:rPr lang="en-US" sz="4400" dirty="0" smtClean="0"/>
+              <a:t> </a:t>
+            </a:r>
+            <a:r>
+              <a:rPr lang="ru-RU" sz="4400" dirty="0" smtClean="0">
+                <a:sym typeface="Wingdings" pitchFamily="2" charset="2"/>
+              </a:rPr>
+              <a:t></a:t>
+            </a:r>
+            <a:r>
+              <a:rPr lang="en-US" sz="4400" dirty="0" smtClean="0"/>
+              <a:t> </a:t>
+            </a:r>
+            <a:r>
+              <a:rPr lang="ru-RU" sz="4400" dirty="0" smtClean="0"/>
+              <a:t>«</a:t>
+            </a:r>
+            <a:r>
+              <a:rPr lang="en-US" sz="4400" dirty="0" smtClean="0"/>
+              <a:t>science fiction</a:t>
+            </a:r>
+            <a:r>
+              <a:rPr lang="ru-RU" sz="4400" dirty="0" smtClean="0"/>
+              <a:t>»</a:t>
+            </a:r>
+          </a:p>
+          <a:p>
+            <a:pPr lvl="1"/>
+            <a:r>
+              <a:rPr lang="en-US" sz="4400" dirty="0" smtClean="0"/>
+              <a:t>2</a:t>
+            </a:r>
+            <a:r>
+              <a:rPr lang="en-US" sz="4400" dirty="0"/>
+              <a:t>) </a:t>
+            </a:r>
+            <a:r>
+              <a:rPr lang="ru-RU" sz="4400" dirty="0" smtClean="0"/>
+              <a:t>«</a:t>
+            </a:r>
+            <a:r>
+              <a:rPr lang="en-US" sz="4400" dirty="0" smtClean="0"/>
+              <a:t>romantic comedy</a:t>
+            </a:r>
+            <a:r>
+              <a:rPr lang="ru-RU" sz="4400" dirty="0" smtClean="0"/>
+              <a:t>»</a:t>
+            </a:r>
+            <a:r>
+              <a:rPr lang="en-US" sz="4400" dirty="0" smtClean="0"/>
+              <a:t> </a:t>
+            </a:r>
+            <a:r>
+              <a:rPr lang="en-US" sz="4400" dirty="0" smtClean="0">
+                <a:sym typeface="Wingdings" pitchFamily="2" charset="2"/>
+              </a:rPr>
+              <a:t></a:t>
+            </a:r>
+            <a:r>
+              <a:rPr lang="en-US" sz="4400" dirty="0" smtClean="0"/>
+              <a:t> </a:t>
+            </a:r>
+            <a:r>
+              <a:rPr lang="ru-RU" sz="4400" dirty="0" smtClean="0"/>
+              <a:t>«</a:t>
+            </a:r>
+            <a:r>
+              <a:rPr lang="en-US" sz="4400" dirty="0" smtClean="0"/>
+              <a:t>romance</a:t>
+            </a:r>
+            <a:r>
+              <a:rPr lang="ru-RU" sz="4400" dirty="0" smtClean="0"/>
+              <a:t>»</a:t>
+            </a:r>
+            <a:endParaRPr lang="en-US" sz="4400" dirty="0" smtClean="0"/>
+          </a:p>
+          <a:p>
+            <a:r>
+              <a:rPr lang="ru-RU" sz="4800" dirty="0" smtClean="0"/>
+              <a:t>Выбрали жанры встречающиеся более 200 раз</a:t>
+            </a:r>
+          </a:p>
+          <a:p>
+            <a:r>
+              <a:rPr lang="ru-RU" sz="4800" dirty="0" smtClean="0"/>
+              <a:t>Выбрали примерно равное </a:t>
+            </a:r>
+            <a:r>
+              <a:rPr lang="ru-RU" sz="4800" dirty="0"/>
+              <a:t>количества сюжетов фильмов из разных жанров (чтобы уменьшить проблемы классового </a:t>
+            </a:r>
+            <a:r>
+              <a:rPr lang="ru-RU" sz="4800" dirty="0" smtClean="0"/>
+              <a:t>дисбаланса)</a:t>
+            </a:r>
+          </a:p>
+          <a:p>
+            <a:r>
+              <a:rPr lang="ru-RU" sz="4800" dirty="0" smtClean="0"/>
+              <a:t>Добавили с</a:t>
+            </a:r>
+            <a:r>
+              <a:rPr lang="ru-RU" sz="4800" dirty="0"/>
+              <a:t>т</a:t>
+            </a:r>
+            <a:r>
+              <a:rPr lang="ru-RU" sz="4800" dirty="0" smtClean="0"/>
+              <a:t>олбец с кодом жанра «</a:t>
+            </a:r>
+            <a:r>
+              <a:rPr lang="en-US" sz="4800" dirty="0" err="1" smtClean="0"/>
+              <a:t>genre_encoded</a:t>
+            </a:r>
+            <a:r>
+              <a:rPr lang="ru-RU" sz="4800" dirty="0" smtClean="0"/>
+              <a:t>»</a:t>
+            </a:r>
+            <a:r>
+              <a:rPr lang="en-US" dirty="0"/>
+              <a:t/>
+            </a:r>
+            <a:br>
+              <a:rPr lang="en-US" dirty="0"/>
+            </a:br>
+            <a:endParaRPr lang="en-US" dirty="0"/>
+          </a:p>
+          <a:p>
+            <a:pPr marL="0" indent="0">
+              <a:buNone/>
+            </a:pPr>
+            <a:endParaRPr lang="ru-RU" dirty="0" smtClean="0"/>
+          </a:p>
+          <a:p>
+            <a:pPr marL="0" indent="0">
+              <a:buNone/>
+            </a:pPr>
+            <a:endParaRPr lang="ru-RU" dirty="0"/>
+          </a:p>
+          <a:p>
+            <a:pPr marL="0" indent="0">
+              <a:buNone/>
+            </a:pPr>
+            <a:endParaRPr lang="ru-RU" dirty="0"/>
           </a:p>
         </p:txBody>
       </p:sp>
+      <p:pic>
+        <p:nvPicPr>
+          <p:cNvPr id="2050" name="Picture 2"/>
+          <p:cNvPicPr>
+            <a:picLocks noChangeAspect="1" noChangeArrowheads="1"/>
+          </p:cNvPicPr>
+          <p:nvPr/>
+        </p:nvPicPr>
+        <p:blipFill>
+          <a:blip r:embed="rId2">
+            <a:extLst>
+              <a:ext uri="{28A0092B-C50C-407E-A947-70E740481C1C}">
+                <a14:useLocalDpi xmlns:a14="http://schemas.microsoft.com/office/drawing/2010/main" val="0"/>
+              </a:ext>
+            </a:extLst>
+          </a:blip>
+          <a:srcRect/>
+          <a:stretch>
+            <a:fillRect/>
+          </a:stretch>
+        </p:blipFill>
+        <p:spPr bwMode="auto">
+          <a:xfrm>
+            <a:off x="880392" y="3377596"/>
+            <a:ext cx="4811083" cy="3254910"/>
+          </a:xfrm>
+          <a:prstGeom prst="rect">
+            <a:avLst/>
+          </a:prstGeom>
+          <a:noFill/>
+          <a:ln>
+            <a:noFill/>
+          </a:ln>
+          <a:effectLst/>
+          <a:extLst>
+            <a:ext uri="{909E8E84-426E-40DD-AFC4-6F175D3DCCD1}">
+              <a14:hiddenFill xmlns:a14="http://schemas.microsoft.com/office/drawing/2010/main">
+                <a:solidFill>
+                  <a:schemeClr val="accent1"/>
+                </a:solidFill>
+              </a14:hiddenFill>
+            </a:ext>
+            <a:ext uri="{91240B29-F687-4F45-9708-019B960494DF}">
+              <a14:hiddenLine xmlns:a14="http://schemas.microsoft.com/office/drawing/2010/main" w="9525">
+                <a:solidFill>
+                  <a:schemeClr val="tx1"/>
+                </a:solidFill>
+                <a:miter lim="800000"/>
+                <a:headEnd/>
+                <a:tailEnd/>
+              </a14:hiddenLine>
+            </a:ext>
+            <a:ext uri="{AF507438-7753-43E0-B8FC-AC1667EBCBE1}">
+              <a14:hiddenEffects xmlns:a14="http://schemas.microsoft.com/office/drawing/2010/main">
+                <a:effectLst>
+                  <a:outerShdw dist="35921" dir="2700000" algn="ctr" rotWithShape="0">
+                    <a:schemeClr val="bg2"/>
+                  </a:outerShdw>
+                </a:effectLst>
+              </a14:hiddenEffects>
+            </a:ext>
+          </a:extLst>
+        </p:spPr>
+      </p:pic>
     </p:spTree>
     <p:extLst>
       <p:ext uri="{BB962C8B-B14F-4D97-AF65-F5344CB8AC3E}">
-        <p14:creationId xmlns:p14="http://schemas.microsoft.com/office/powerpoint/2010/main" val="376533900"/>
+        <p14:creationId xmlns:p14="http://schemas.microsoft.com/office/powerpoint/2010/main" val="3035956862"/>
       </p:ext>
     </p:extLst>
   </p:cSld>
@@ -4163,20 +4726,44 @@
             <p:ph type="title"/>
           </p:nvPr>
         </p:nvSpPr>
-        <p:spPr>
-          <a:xfrm>
-            <a:off x="838200" y="355889"/>
-            <a:ext cx="10515600" cy="752475"/>
-          </a:xfrm>
-        </p:spPr>
+        <p:spPr/>
         <p:txBody>
           <a:bodyPr/>
           <a:lstStyle/>
           <a:p>
             <a:r>
-              <a:rPr lang="ru-RU" dirty="0"/>
-              <a:t>Используемые технологии</a:t>
-            </a:r>
+              <a:rPr lang="ru-RU" dirty="0" smtClean="0"/>
+              <a:t>Часть </a:t>
+            </a:r>
+            <a:r>
+              <a:rPr lang="en-US" dirty="0" smtClean="0"/>
+              <a:t>I</a:t>
+            </a:r>
+            <a:r>
+              <a:rPr lang="en-US" dirty="0"/>
+              <a:t> </a:t>
+            </a:r>
+            <a:r>
+              <a:rPr lang="en-US" dirty="0" err="1" smtClean="0"/>
+              <a:t>I</a:t>
+            </a:r>
+            <a:r>
+              <a:rPr lang="en-US" dirty="0"/>
+              <a:t> </a:t>
+            </a:r>
+            <a:r>
+              <a:rPr lang="en-US" dirty="0" err="1"/>
+              <a:t>I</a:t>
+            </a:r>
+            <a:r>
+              <a:rPr lang="en-US" dirty="0" smtClean="0"/>
+              <a:t> – </a:t>
+            </a:r>
+            <a:r>
+              <a:rPr lang="ru-RU" dirty="0" smtClean="0"/>
+              <a:t>Предсказания Берты</a:t>
+            </a:r>
+            <a:endParaRPr lang="ru-RU" dirty="0"/>
           </a:p>
         </p:txBody>
       </p:sp>
@@ -4190,31 +4777,206 @@
             <p:ph idx="1"/>
           </p:nvPr>
         </p:nvSpPr>
-        <p:spPr/>
+        <p:spPr>
+          <a:xfrm>
+            <a:off x="826864" y="1281518"/>
+            <a:ext cx="10588021" cy="4843451"/>
+          </a:xfrm>
+        </p:spPr>
         <p:txBody>
           <a:bodyPr>
-            <a:normAutofit/>
+            <a:normAutofit fontScale="85000" lnSpcReduction="20000"/>
           </a:bodyPr>
           <a:lstStyle/>
           <a:p>
-            <a:r>
-              <a:rPr lang="ru-RU" i="1" dirty="0">
-                <a:solidFill>
-                  <a:schemeClr val="tx1">
-                    <a:lumMod val="65000"/>
-                    <a:lumOff val="35000"/>
-                  </a:schemeClr>
-                </a:solidFill>
-              </a:rPr>
-              <a:t>Перечислите используемые технологии</a:t>
-            </a:r>
+            <a:pPr marL="0" indent="0">
+              <a:buNone/>
+            </a:pPr>
+            <a:r>
+              <a:rPr lang="ru-RU" dirty="0" smtClean="0"/>
+              <a:t>Аргументы построения модели</a:t>
+            </a:r>
+            <a:r>
+              <a:rPr lang="en-US" dirty="0"/>
+              <a:t> (wiki_movie_plots_deduped.csv)</a:t>
+            </a:r>
+            <a:r>
+              <a:rPr lang="ru-RU" dirty="0" smtClean="0"/>
+              <a:t>:</a:t>
+            </a:r>
+          </a:p>
+          <a:p>
+            <a:pPr marL="0" indent="0">
+              <a:buNone/>
+            </a:pPr>
+            <a:r>
+              <a:rPr lang="en-US" dirty="0" err="1"/>
+              <a:t>model_args</a:t>
+            </a:r>
+            <a:r>
+              <a:rPr lang="en-US" dirty="0"/>
+              <a:t> = {</a:t>
+            </a:r>
+          </a:p>
+          <a:p>
+            <a:pPr marL="0" indent="0">
+              <a:buNone/>
+            </a:pPr>
+            <a:r>
+              <a:rPr lang="en-US" dirty="0"/>
+              <a:t> </a:t>
+            </a:r>
+            <a:r>
+              <a:rPr lang="en-US" dirty="0" smtClean="0"/>
+              <a:t>   "</a:t>
+            </a:r>
+            <a:r>
+              <a:rPr lang="en-US" dirty="0" err="1" smtClean="0"/>
+              <a:t>reprocess_input_data</a:t>
+            </a:r>
+            <a:r>
+              <a:rPr lang="en-US" dirty="0" smtClean="0"/>
+              <a:t>": True,</a:t>
+            </a:r>
+          </a:p>
+          <a:p>
+            <a:pPr marL="0" indent="0">
+              <a:buNone/>
+            </a:pPr>
+            <a:r>
+              <a:rPr lang="en-US" dirty="0" smtClean="0"/>
+              <a:t>    "</a:t>
+            </a:r>
+            <a:r>
+              <a:rPr lang="en-US" dirty="0" err="1" smtClean="0"/>
+              <a:t>overwrite_output_dir</a:t>
+            </a:r>
+            <a:r>
+              <a:rPr lang="en-US" dirty="0" smtClean="0"/>
+              <a:t>": True,</a:t>
+            </a:r>
+          </a:p>
+          <a:p>
+            <a:pPr marL="0" indent="0">
+              <a:buNone/>
+            </a:pPr>
+            <a:r>
+              <a:rPr lang="en-US" dirty="0" smtClean="0"/>
+              <a:t>    "</a:t>
+            </a:r>
+            <a:r>
+              <a:rPr lang="en-US" dirty="0" err="1" smtClean="0"/>
+              <a:t>save_model_every_epoch</a:t>
+            </a:r>
+            <a:r>
+              <a:rPr lang="en-US" dirty="0" smtClean="0"/>
+              <a:t>": False,</a:t>
+            </a:r>
+          </a:p>
+          <a:p>
+            <a:pPr marL="0" indent="0">
+              <a:buNone/>
+            </a:pPr>
+            <a:r>
+              <a:rPr lang="en-US" dirty="0" smtClean="0"/>
+              <a:t>    "</a:t>
+            </a:r>
+            <a:r>
+              <a:rPr lang="en-US" dirty="0" err="1" smtClean="0"/>
+              <a:t>save_eval_checkpoints</a:t>
+            </a:r>
+            <a:r>
+              <a:rPr lang="en-US" dirty="0" smtClean="0"/>
+              <a:t>": False,</a:t>
+            </a:r>
+          </a:p>
+          <a:p>
+            <a:pPr marL="0" indent="0">
+              <a:buNone/>
+            </a:pPr>
+            <a:r>
+              <a:rPr lang="en-US" dirty="0" smtClean="0"/>
+              <a:t>    "</a:t>
+            </a:r>
+            <a:r>
+              <a:rPr lang="en-US" dirty="0" err="1" smtClean="0"/>
+              <a:t>max_seq_length</a:t>
+            </a:r>
+            <a:r>
+              <a:rPr lang="en-US" dirty="0" smtClean="0"/>
+              <a:t>": 512,</a:t>
+            </a:r>
+          </a:p>
+          <a:p>
+            <a:pPr marL="0" indent="0">
+              <a:buNone/>
+            </a:pPr>
+            <a:r>
+              <a:rPr lang="en-US" dirty="0"/>
+              <a:t>    "</a:t>
+            </a:r>
+            <a:r>
+              <a:rPr lang="en-US" dirty="0" err="1"/>
+              <a:t>train_batch_size</a:t>
+            </a:r>
+            <a:r>
+              <a:rPr lang="en-US" dirty="0"/>
+              <a:t>": 16,</a:t>
+            </a:r>
+          </a:p>
+          <a:p>
+            <a:pPr marL="0" indent="0">
+              <a:buNone/>
+            </a:pPr>
+            <a:r>
+              <a:rPr lang="en-US" dirty="0"/>
+              <a:t>    "</a:t>
+            </a:r>
+            <a:r>
+              <a:rPr lang="en-US" dirty="0" err="1"/>
+              <a:t>num_train_epochs</a:t>
+            </a:r>
+            <a:r>
+              <a:rPr lang="en-US" dirty="0"/>
+              <a:t>": 4,</a:t>
+            </a:r>
+          </a:p>
+          <a:p>
+            <a:pPr marL="0" indent="0">
+              <a:buNone/>
+            </a:pPr>
+            <a:r>
+              <a:rPr lang="en-US" dirty="0"/>
+              <a:t>}</a:t>
+            </a:r>
+          </a:p>
+          <a:p>
+            <a:pPr marL="0" indent="0">
+              <a:buNone/>
+            </a:pPr>
+            <a:endParaRPr lang="ru-RU" dirty="0" smtClean="0"/>
+          </a:p>
+          <a:p>
+            <a:pPr marL="0" indent="0">
+              <a:buNone/>
+            </a:pPr>
+            <a:r>
+              <a:rPr lang="ru-RU" dirty="0"/>
+              <a:t>Определили тестовую выборку равную 30% </a:t>
+            </a:r>
+          </a:p>
+          <a:p>
+            <a:pPr marL="0" indent="0">
+              <a:buNone/>
+            </a:pPr>
+            <a:endParaRPr lang="ru-RU" dirty="0"/>
           </a:p>
         </p:txBody>
       </p:sp>
     </p:spTree>
     <p:extLst>
       <p:ext uri="{BB962C8B-B14F-4D97-AF65-F5344CB8AC3E}">
-        <p14:creationId xmlns:p14="http://schemas.microsoft.com/office/powerpoint/2010/main" val="32908407"/>
+        <p14:creationId xmlns:p14="http://schemas.microsoft.com/office/powerpoint/2010/main" val="3035956862"/>
       </p:ext>
     </p:extLst>
   </p:cSld>
@@ -4243,42 +5005,365 @@
       </p:grpSpPr>
       <p:sp>
         <p:nvSpPr>
-          <p:cNvPr id="2" name="TextBox 1"/>
-          <p:cNvSpPr txBox="1"/>
-          <p:nvPr/>
+          <p:cNvPr id="2" name="Заголовок 1"/>
+          <p:cNvSpPr>
+            <a:spLocks noGrp="1"/>
+          </p:cNvSpPr>
+          <p:nvPr>
+            <p:ph type="title"/>
+          </p:nvPr>
+        </p:nvSpPr>
+        <p:spPr/>
+        <p:txBody>
+          <a:bodyPr/>
+          <a:lstStyle/>
+          <a:p>
+            <a:r>
+              <a:rPr lang="ru-RU" dirty="0" smtClean="0"/>
+              <a:t>Часть </a:t>
+            </a:r>
+            <a:r>
+              <a:rPr lang="en-US" dirty="0" smtClean="0"/>
+              <a:t>I</a:t>
+            </a:r>
+            <a:r>
+              <a:rPr lang="en-US" dirty="0"/>
+              <a:t> </a:t>
+            </a:r>
+            <a:r>
+              <a:rPr lang="en-US" dirty="0" err="1" smtClean="0"/>
+              <a:t>I</a:t>
+            </a:r>
+            <a:r>
+              <a:rPr lang="en-US" dirty="0"/>
+              <a:t> </a:t>
+            </a:r>
+            <a:r>
+              <a:rPr lang="en-US" dirty="0" err="1"/>
+              <a:t>I</a:t>
+            </a:r>
+            <a:r>
+              <a:rPr lang="en-US" dirty="0" smtClean="0"/>
+              <a:t> – </a:t>
+            </a:r>
+            <a:r>
+              <a:rPr lang="ru-RU" dirty="0" smtClean="0"/>
+              <a:t>Предсказания Берты</a:t>
+            </a:r>
+            <a:endParaRPr lang="ru-RU" dirty="0"/>
+          </a:p>
+        </p:txBody>
+      </p:sp>
+      <p:sp>
+        <p:nvSpPr>
+          <p:cNvPr id="3" name="Объект 2"/>
+          <p:cNvSpPr>
+            <a:spLocks noGrp="1"/>
+          </p:cNvSpPr>
+          <p:nvPr>
+            <p:ph idx="1"/>
+          </p:nvPr>
         </p:nvSpPr>
         <p:spPr>
           <a:xfrm>
-            <a:off x="1500796" y="2440549"/>
-            <a:ext cx="9190008" cy="1015663"/>
+            <a:off x="826864" y="1281518"/>
+            <a:ext cx="10588021" cy="3536085"/>
+          </a:xfrm>
+        </p:spPr>
+        <p:txBody>
+          <a:bodyPr>
+            <a:normAutofit/>
+          </a:bodyPr>
+          <a:lstStyle/>
+          <a:p>
+            <a:pPr marL="0" indent="0">
+              <a:buNone/>
+            </a:pPr>
+            <a:r>
+              <a:rPr lang="ru-RU" dirty="0" smtClean="0"/>
+              <a:t>Результаты обучения</a:t>
+            </a:r>
+            <a:r>
+              <a:rPr lang="en-US" dirty="0"/>
+              <a:t> (wiki_movie_plots_deduped.csv)</a:t>
+            </a:r>
+            <a:r>
+              <a:rPr lang="ru-RU" dirty="0" smtClean="0"/>
+              <a:t>:</a:t>
+            </a:r>
+          </a:p>
+          <a:p>
+            <a:pPr marL="0" indent="0">
+              <a:buNone/>
+            </a:pPr>
+            <a:r>
+              <a:rPr lang="en-US" dirty="0"/>
+              <a:t>{'mcc': 0.5387296237435334, '</a:t>
+            </a:r>
+            <a:r>
+              <a:rPr lang="en-US" dirty="0" err="1"/>
+              <a:t>eval_loss</a:t>
+            </a:r>
+            <a:r>
+              <a:rPr lang="en-US" dirty="0"/>
+              <a:t>': 1.3980516397312983} </a:t>
+            </a:r>
+            <a:endParaRPr lang="ru-RU" dirty="0" smtClean="0"/>
+          </a:p>
+          <a:p>
+            <a:pPr marL="0" indent="0">
+              <a:buNone/>
+            </a:pPr>
+            <a:r>
+              <a:rPr lang="en-US" dirty="0" smtClean="0"/>
+              <a:t>CPU </a:t>
+            </a:r>
+            <a:r>
+              <a:rPr lang="en-US" dirty="0"/>
+              <a:t>times: total: 1d 16h 27min 54s </a:t>
+            </a:r>
+            <a:endParaRPr lang="ru-RU" dirty="0" smtClean="0"/>
+          </a:p>
+          <a:p>
+            <a:pPr marL="0" indent="0">
+              <a:buNone/>
+            </a:pPr>
+            <a:r>
+              <a:rPr lang="en-US" dirty="0" smtClean="0"/>
+              <a:t>Wall </a:t>
+            </a:r>
+            <a:r>
+              <a:rPr lang="en-US" dirty="0"/>
+              <a:t>time: 7h 7min </a:t>
+            </a:r>
+            <a:r>
+              <a:rPr lang="en-US" dirty="0" smtClean="0"/>
+              <a:t>33s</a:t>
+            </a:r>
+            <a:endParaRPr lang="ru-RU" dirty="0" smtClean="0"/>
+          </a:p>
+          <a:p>
+            <a:pPr marL="0" indent="0">
+              <a:buNone/>
+            </a:pPr>
+            <a:endParaRPr lang="ru-RU" dirty="0"/>
+          </a:p>
+          <a:p>
+            <a:pPr marL="0" indent="0">
+              <a:buNone/>
+            </a:pPr>
+            <a:r>
+              <a:rPr lang="ru-RU" dirty="0" smtClean="0"/>
+              <a:t>На тестовой выборке из 100 случайных элементо</a:t>
+            </a:r>
+            <a:r>
+              <a:rPr lang="ru-RU" dirty="0" smtClean="0"/>
+              <a:t>в модель делала верные предсказания в 50-60 случаях</a:t>
+            </a:r>
+            <a:endParaRPr lang="ru-RU" dirty="0"/>
+          </a:p>
+        </p:txBody>
+      </p:sp>
+    </p:spTree>
+    <p:extLst>
+      <p:ext uri="{BB962C8B-B14F-4D97-AF65-F5344CB8AC3E}">
+        <p14:creationId xmlns:p14="http://schemas.microsoft.com/office/powerpoint/2010/main" val="1988454811"/>
+      </p:ext>
+    </p:extLst>
+  </p:cSld>
+  <p:clrMapOvr>
+    <a:masterClrMapping/>
+  </p:clrMapOvr>
+</p:sld>
+</file>
+
+<file path=ppt/slides/slide19.xml><?xml version="1.0" encoding="utf-8"?>
+<p:sld xmlns:a="http://schemas.openxmlformats.org/drawingml/2006/main" xmlns:r="http://schemas.openxmlformats.org/officeDocument/2006/relationships" xmlns:p="http://schemas.openxmlformats.org/presentationml/2006/main">
+  <p:cSld>
+    <p:spTree>
+      <p:nvGrpSpPr>
+        <p:cNvPr id="1" name=""/>
+        <p:cNvGrpSpPr/>
+        <p:nvPr/>
+      </p:nvGrpSpPr>
+      <p:grpSpPr>
+        <a:xfrm>
+          <a:off x="0" y="0"/>
+          <a:ext cx="0" cy="0"/>
+          <a:chOff x="0" y="0"/>
+          <a:chExt cx="0" cy="0"/>
+        </a:xfrm>
+      </p:grpSpPr>
+      <p:sp>
+        <p:nvSpPr>
+          <p:cNvPr id="2" name="Заголовок 1"/>
+          <p:cNvSpPr>
+            <a:spLocks noGrp="1"/>
+          </p:cNvSpPr>
+          <p:nvPr>
+            <p:ph type="title"/>
+          </p:nvPr>
+        </p:nvSpPr>
+        <p:spPr/>
+        <p:txBody>
+          <a:bodyPr/>
+          <a:lstStyle/>
+          <a:p>
+            <a:r>
+              <a:rPr lang="ru-RU" dirty="0" smtClean="0"/>
+              <a:t>Часть </a:t>
+            </a:r>
+            <a:r>
+              <a:rPr lang="en-US" dirty="0" smtClean="0"/>
+              <a:t>I</a:t>
+            </a:r>
+            <a:r>
+              <a:rPr lang="en-US" dirty="0"/>
+              <a:t> </a:t>
+            </a:r>
+            <a:r>
+              <a:rPr lang="en-US" dirty="0" err="1" smtClean="0"/>
+              <a:t>I</a:t>
+            </a:r>
+            <a:r>
+              <a:rPr lang="en-US" dirty="0"/>
+              <a:t> </a:t>
+            </a:r>
+            <a:r>
+              <a:rPr lang="en-US" dirty="0" err="1"/>
+              <a:t>I</a:t>
+            </a:r>
+            <a:r>
+              <a:rPr lang="en-US" dirty="0" smtClean="0"/>
+              <a:t> – </a:t>
+            </a:r>
+            <a:r>
+              <a:rPr lang="ru-RU" dirty="0" smtClean="0"/>
+              <a:t>Предсказания Берты</a:t>
+            </a:r>
+            <a:endParaRPr lang="ru-RU" dirty="0"/>
+          </a:p>
+        </p:txBody>
+      </p:sp>
+      <p:sp>
+        <p:nvSpPr>
+          <p:cNvPr id="3" name="Объект 2"/>
+          <p:cNvSpPr>
+            <a:spLocks noGrp="1"/>
+          </p:cNvSpPr>
+          <p:nvPr>
+            <p:ph idx="1"/>
+          </p:nvPr>
+        </p:nvSpPr>
+        <p:spPr>
+          <a:xfrm>
+            <a:off x="826864" y="1281519"/>
+            <a:ext cx="10588021" cy="460376"/>
+          </a:xfrm>
+        </p:spPr>
+        <p:txBody>
+          <a:bodyPr>
+            <a:normAutofit lnSpcReduction="10000"/>
+          </a:bodyPr>
+          <a:lstStyle/>
+          <a:p>
+            <a:pPr marL="0" indent="0">
+              <a:buNone/>
+            </a:pPr>
+            <a:r>
+              <a:rPr lang="en-US" dirty="0" err="1" smtClean="0"/>
+              <a:t>Heatmap</a:t>
+            </a:r>
+            <a:r>
+              <a:rPr lang="en-US" dirty="0" smtClean="0"/>
+              <a:t> w</a:t>
+            </a:r>
+            <a:r>
+              <a:rPr lang="en-US" dirty="0"/>
+              <a:t>. labels &amp; </a:t>
+            </a:r>
+            <a:r>
+              <a:rPr lang="en-US" dirty="0" smtClean="0"/>
+              <a:t>annotations (wiki_movie_plots_deduped.csv)</a:t>
+            </a:r>
+            <a:endParaRPr lang="en-US" dirty="0"/>
+          </a:p>
+          <a:p>
+            <a:pPr marL="0" indent="0">
+              <a:buNone/>
+            </a:pPr>
+            <a:endParaRPr lang="ru-RU" dirty="0"/>
+          </a:p>
+        </p:txBody>
+      </p:sp>
+      <p:pic>
+        <p:nvPicPr>
+          <p:cNvPr id="3074" name="Picture 2"/>
+          <p:cNvPicPr>
+            <a:picLocks noChangeAspect="1" noChangeArrowheads="1"/>
+          </p:cNvPicPr>
+          <p:nvPr/>
+        </p:nvPicPr>
+        <p:blipFill>
+          <a:blip r:embed="rId2" cstate="print">
+            <a:extLst>
+              <a:ext uri="{28A0092B-C50C-407E-A947-70E740481C1C}">
+                <a14:useLocalDpi xmlns:a14="http://schemas.microsoft.com/office/drawing/2010/main" val="0"/>
+              </a:ext>
+            </a:extLst>
+          </a:blip>
+          <a:srcRect/>
+          <a:stretch>
+            <a:fillRect/>
+          </a:stretch>
+        </p:blipFill>
+        <p:spPr bwMode="auto">
+          <a:xfrm>
+            <a:off x="905017" y="1642026"/>
+            <a:ext cx="5027247" cy="4547000"/>
           </a:xfrm>
           <a:prstGeom prst="rect">
             <a:avLst/>
           </a:prstGeom>
           <a:noFill/>
+          <a:ln>
+            <a:noFill/>
+          </a:ln>
+          <a:effectLst/>
+          <a:extLst>
+            <a:ext uri="{909E8E84-426E-40DD-AFC4-6F175D3DCCD1}">
+              <a14:hiddenFill xmlns:a14="http://schemas.microsoft.com/office/drawing/2010/main">
+                <a:solidFill>
+                  <a:schemeClr val="accent1"/>
+                </a:solidFill>
+              </a14:hiddenFill>
+            </a:ext>
+            <a:ext uri="{91240B29-F687-4F45-9708-019B960494DF}">
+              <a14:hiddenLine xmlns:a14="http://schemas.microsoft.com/office/drawing/2010/main" w="9525">
+                <a:solidFill>
+                  <a:schemeClr val="tx1"/>
+                </a:solidFill>
+                <a:miter lim="800000"/>
+                <a:headEnd/>
+                <a:tailEnd/>
+              </a14:hiddenLine>
+            </a:ext>
+            <a:ext uri="{AF507438-7753-43E0-B8FC-AC1667EBCBE1}">
+              <a14:hiddenEffects xmlns:a14="http://schemas.microsoft.com/office/drawing/2010/main">
+                <a:effectLst>
+                  <a:outerShdw dist="35921" dir="2700000" algn="ctr" rotWithShape="0">
+                    <a:schemeClr val="bg2"/>
+                  </a:outerShdw>
+                </a:effectLst>
+              </a14:hiddenEffects>
+            </a:ext>
+          </a:extLst>
         </p:spPr>
-        <p:txBody>
-          <a:bodyPr wrap="square" rtlCol="0">
-            <a:spAutoFit/>
-          </a:bodyPr>
-          <a:lstStyle/>
-          <a:p>
-            <a:pPr algn="ctr"/>
-            <a:r>
-              <a:rPr lang="ru-RU" sz="6000" dirty="0">
-                <a:solidFill>
-                  <a:srgbClr val="2BA630"/>
-                </a:solidFill>
-              </a:rPr>
-              <a:t>СПАСИБО ЗА ВНИМАНИЕ!</a:t>
-            </a:r>
-          </a:p>
-        </p:txBody>
-      </p:sp>
+      </p:pic>
     </p:spTree>
     <p:extLst>
       <p:ext uri="{BB962C8B-B14F-4D97-AF65-F5344CB8AC3E}">
-        <p14:creationId xmlns:p14="http://schemas.microsoft.com/office/powerpoint/2010/main" val="3907949203"/>
+        <p14:creationId xmlns:p14="http://schemas.microsoft.com/office/powerpoint/2010/main" val="1988454811"/>
       </p:ext>
     </p:extLst>
   </p:cSld>
@@ -4546,6 +5631,1293 @@
     <p:extLst>
       <p:ext uri="{BB962C8B-B14F-4D97-AF65-F5344CB8AC3E}">
         <p14:creationId xmlns:p14="http://schemas.microsoft.com/office/powerpoint/2010/main" val="2355443536"/>
+      </p:ext>
+    </p:extLst>
+  </p:cSld>
+  <p:clrMapOvr>
+    <a:masterClrMapping/>
+  </p:clrMapOvr>
+</p:sld>
+</file>
+
+<file path=ppt/slides/slide20.xml><?xml version="1.0" encoding="utf-8"?>
+<p:sld xmlns:a="http://schemas.openxmlformats.org/drawingml/2006/main" xmlns:r="http://schemas.openxmlformats.org/officeDocument/2006/relationships" xmlns:p="http://schemas.openxmlformats.org/presentationml/2006/main">
+  <p:cSld>
+    <p:spTree>
+      <p:nvGrpSpPr>
+        <p:cNvPr id="1" name=""/>
+        <p:cNvGrpSpPr/>
+        <p:nvPr/>
+      </p:nvGrpSpPr>
+      <p:grpSpPr>
+        <a:xfrm>
+          <a:off x="0" y="0"/>
+          <a:ext cx="0" cy="0"/>
+          <a:chOff x="0" y="0"/>
+          <a:chExt cx="0" cy="0"/>
+        </a:xfrm>
+      </p:grpSpPr>
+      <p:sp>
+        <p:nvSpPr>
+          <p:cNvPr id="2" name="Заголовок 1"/>
+          <p:cNvSpPr>
+            <a:spLocks noGrp="1"/>
+          </p:cNvSpPr>
+          <p:nvPr>
+            <p:ph type="title"/>
+          </p:nvPr>
+        </p:nvSpPr>
+        <p:spPr/>
+        <p:txBody>
+          <a:bodyPr/>
+          <a:lstStyle/>
+          <a:p>
+            <a:r>
+              <a:rPr lang="ru-RU" dirty="0" smtClean="0"/>
+              <a:t>Часть </a:t>
+            </a:r>
+            <a:r>
+              <a:rPr lang="en-US" dirty="0" smtClean="0"/>
+              <a:t>I</a:t>
+            </a:r>
+            <a:r>
+              <a:rPr lang="en-US" dirty="0"/>
+              <a:t> </a:t>
+            </a:r>
+            <a:r>
+              <a:rPr lang="en-US" dirty="0" err="1" smtClean="0"/>
+              <a:t>I</a:t>
+            </a:r>
+            <a:r>
+              <a:rPr lang="en-US" dirty="0"/>
+              <a:t> </a:t>
+            </a:r>
+            <a:r>
+              <a:rPr lang="en-US" dirty="0" err="1"/>
+              <a:t>I</a:t>
+            </a:r>
+            <a:r>
+              <a:rPr lang="en-US" dirty="0" smtClean="0"/>
+              <a:t> – </a:t>
+            </a:r>
+            <a:r>
+              <a:rPr lang="ru-RU" dirty="0" smtClean="0"/>
+              <a:t>Предсказания Берты</a:t>
+            </a:r>
+            <a:endParaRPr lang="ru-RU" dirty="0"/>
+          </a:p>
+        </p:txBody>
+      </p:sp>
+      <p:sp>
+        <p:nvSpPr>
+          <p:cNvPr id="3" name="Объект 2"/>
+          <p:cNvSpPr>
+            <a:spLocks noGrp="1"/>
+          </p:cNvSpPr>
+          <p:nvPr>
+            <p:ph idx="1"/>
+          </p:nvPr>
+        </p:nvSpPr>
+        <p:spPr>
+          <a:xfrm>
+            <a:off x="842608" y="1270182"/>
+            <a:ext cx="10576056" cy="1797970"/>
+          </a:xfrm>
+        </p:spPr>
+        <p:txBody>
+          <a:bodyPr>
+            <a:normAutofit fontScale="25000" lnSpcReduction="20000"/>
+          </a:bodyPr>
+          <a:lstStyle/>
+          <a:p>
+            <a:pPr marL="0" indent="0">
+              <a:buNone/>
+            </a:pPr>
+            <a:r>
+              <a:rPr lang="ru-RU" sz="4800" dirty="0" smtClean="0"/>
+              <a:t>Результаты обучения </a:t>
+            </a:r>
+            <a:r>
+              <a:rPr lang="en-US" sz="4800" dirty="0" smtClean="0"/>
+              <a:t>BERT </a:t>
+            </a:r>
+            <a:r>
+              <a:rPr lang="ru-RU" sz="4800" dirty="0" smtClean="0"/>
+              <a:t>на </a:t>
+            </a:r>
+            <a:r>
+              <a:rPr lang="ru-RU" sz="4800" dirty="0" err="1" smtClean="0"/>
+              <a:t>датасете</a:t>
+            </a:r>
+            <a:r>
+              <a:rPr lang="ru-RU" sz="4800" dirty="0" smtClean="0"/>
+              <a:t> </a:t>
+            </a:r>
+            <a:r>
+              <a:rPr lang="en-US" sz="4800" dirty="0"/>
+              <a:t>kinopoisk-top250.csv</a:t>
+            </a:r>
+            <a:r>
+              <a:rPr lang="ru-RU" sz="4800" dirty="0" smtClean="0"/>
+              <a:t>:</a:t>
+            </a:r>
+          </a:p>
+          <a:p>
+            <a:pPr marL="0" indent="0">
+              <a:buNone/>
+            </a:pPr>
+            <a:r>
+              <a:rPr lang="ru-RU" sz="4800" dirty="0" smtClean="0"/>
+              <a:t>Подготовка данных:</a:t>
+            </a:r>
+          </a:p>
+          <a:p>
+            <a:r>
+              <a:rPr lang="ru-RU" sz="4800" dirty="0" smtClean="0"/>
+              <a:t>Из общего </a:t>
+            </a:r>
+            <a:r>
+              <a:rPr lang="ru-RU" sz="4800" dirty="0" err="1" smtClean="0"/>
+              <a:t>датасета</a:t>
+            </a:r>
+            <a:r>
+              <a:rPr lang="ru-RU" sz="4800" dirty="0" smtClean="0"/>
+              <a:t> столбец</a:t>
+            </a:r>
+            <a:r>
+              <a:rPr lang="en-US" sz="4800" dirty="0" smtClean="0"/>
+              <a:t> </a:t>
+            </a:r>
+            <a:r>
+              <a:rPr lang="ru-RU" sz="4800" dirty="0" smtClean="0"/>
+              <a:t>«</a:t>
+            </a:r>
+            <a:r>
+              <a:rPr lang="en-US" sz="4800" dirty="0" smtClean="0"/>
+              <a:t>Plot</a:t>
+            </a:r>
+            <a:r>
+              <a:rPr lang="ru-RU" sz="4800" dirty="0" smtClean="0"/>
+              <a:t>»</a:t>
+            </a:r>
+          </a:p>
+          <a:p>
+            <a:r>
+              <a:rPr lang="ru-RU" sz="4800" dirty="0" smtClean="0"/>
+              <a:t>Добавили столбец «</a:t>
+            </a:r>
+            <a:r>
+              <a:rPr lang="en-US" sz="4800" dirty="0" smtClean="0"/>
+              <a:t>Genre</a:t>
+            </a:r>
+            <a:r>
+              <a:rPr lang="ru-RU" sz="4800" dirty="0" smtClean="0"/>
+              <a:t>»</a:t>
+            </a:r>
+          </a:p>
+          <a:p>
+            <a:r>
+              <a:rPr lang="ru-RU" sz="4800" dirty="0" smtClean="0"/>
+              <a:t>Выбрали жанры встречающиеся более 2 раз</a:t>
+            </a:r>
+          </a:p>
+          <a:p>
+            <a:r>
+              <a:rPr lang="ru-RU" sz="4800" dirty="0" smtClean="0"/>
+              <a:t>Выбрали примерно равное </a:t>
+            </a:r>
+            <a:r>
+              <a:rPr lang="ru-RU" sz="4800" dirty="0"/>
+              <a:t>количества сюжетов фильмов из разных жанров (чтобы уменьшить проблемы классового </a:t>
+            </a:r>
+            <a:r>
+              <a:rPr lang="ru-RU" sz="4800" dirty="0" smtClean="0"/>
+              <a:t>дисбаланса)</a:t>
+            </a:r>
+          </a:p>
+          <a:p>
+            <a:r>
+              <a:rPr lang="ru-RU" sz="4800" dirty="0" smtClean="0"/>
+              <a:t>Добавили с</a:t>
+            </a:r>
+            <a:r>
+              <a:rPr lang="ru-RU" sz="4800" dirty="0"/>
+              <a:t>т</a:t>
+            </a:r>
+            <a:r>
+              <a:rPr lang="ru-RU" sz="4800" dirty="0" smtClean="0"/>
+              <a:t>олбец с кодом жанра «</a:t>
+            </a:r>
+            <a:r>
+              <a:rPr lang="en-US" sz="4800" dirty="0" err="1" smtClean="0"/>
+              <a:t>genre_encoded</a:t>
+            </a:r>
+            <a:r>
+              <a:rPr lang="ru-RU" sz="4800" dirty="0" smtClean="0"/>
+              <a:t>»</a:t>
+            </a:r>
+            <a:r>
+              <a:rPr lang="en-US" dirty="0"/>
+              <a:t/>
+            </a:r>
+            <a:br>
+              <a:rPr lang="en-US" dirty="0"/>
+            </a:br>
+            <a:endParaRPr lang="en-US" dirty="0"/>
+          </a:p>
+          <a:p>
+            <a:pPr marL="0" indent="0">
+              <a:buNone/>
+            </a:pPr>
+            <a:endParaRPr lang="ru-RU" dirty="0" smtClean="0"/>
+          </a:p>
+          <a:p>
+            <a:pPr marL="0" indent="0">
+              <a:buNone/>
+            </a:pPr>
+            <a:endParaRPr lang="ru-RU" dirty="0"/>
+          </a:p>
+          <a:p>
+            <a:pPr marL="0" indent="0">
+              <a:buNone/>
+            </a:pPr>
+            <a:endParaRPr lang="ru-RU" dirty="0"/>
+          </a:p>
+        </p:txBody>
+      </p:sp>
+      <p:pic>
+        <p:nvPicPr>
+          <p:cNvPr id="4098" name="Picture 2"/>
+          <p:cNvPicPr>
+            <a:picLocks noChangeAspect="1" noChangeArrowheads="1"/>
+          </p:cNvPicPr>
+          <p:nvPr/>
+        </p:nvPicPr>
+        <p:blipFill>
+          <a:blip r:embed="rId2">
+            <a:extLst>
+              <a:ext uri="{28A0092B-C50C-407E-A947-70E740481C1C}">
+                <a14:useLocalDpi xmlns:a14="http://schemas.microsoft.com/office/drawing/2010/main" val="0"/>
+              </a:ext>
+            </a:extLst>
+          </a:blip>
+          <a:srcRect/>
+          <a:stretch>
+            <a:fillRect/>
+          </a:stretch>
+        </p:blipFill>
+        <p:spPr bwMode="auto">
+          <a:xfrm>
+            <a:off x="918179" y="3200440"/>
+            <a:ext cx="5856550" cy="3292255"/>
+          </a:xfrm>
+          <a:prstGeom prst="rect">
+            <a:avLst/>
+          </a:prstGeom>
+          <a:noFill/>
+          <a:ln>
+            <a:noFill/>
+          </a:ln>
+          <a:effectLst/>
+          <a:extLst>
+            <a:ext uri="{909E8E84-426E-40DD-AFC4-6F175D3DCCD1}">
+              <a14:hiddenFill xmlns:a14="http://schemas.microsoft.com/office/drawing/2010/main">
+                <a:solidFill>
+                  <a:schemeClr val="accent1"/>
+                </a:solidFill>
+              </a14:hiddenFill>
+            </a:ext>
+            <a:ext uri="{91240B29-F687-4F45-9708-019B960494DF}">
+              <a14:hiddenLine xmlns:a14="http://schemas.microsoft.com/office/drawing/2010/main" w="9525">
+                <a:solidFill>
+                  <a:schemeClr val="tx1"/>
+                </a:solidFill>
+                <a:miter lim="800000"/>
+                <a:headEnd/>
+                <a:tailEnd/>
+              </a14:hiddenLine>
+            </a:ext>
+            <a:ext uri="{AF507438-7753-43E0-B8FC-AC1667EBCBE1}">
+              <a14:hiddenEffects xmlns:a14="http://schemas.microsoft.com/office/drawing/2010/main">
+                <a:effectLst>
+                  <a:outerShdw dist="35921" dir="2700000" algn="ctr" rotWithShape="0">
+                    <a:schemeClr val="bg2"/>
+                  </a:outerShdw>
+                </a:effectLst>
+              </a14:hiddenEffects>
+            </a:ext>
+          </a:extLst>
+        </p:spPr>
+      </p:pic>
+    </p:spTree>
+    <p:extLst>
+      <p:ext uri="{BB962C8B-B14F-4D97-AF65-F5344CB8AC3E}">
+        <p14:creationId xmlns:p14="http://schemas.microsoft.com/office/powerpoint/2010/main" val="3804974947"/>
+      </p:ext>
+    </p:extLst>
+  </p:cSld>
+  <p:clrMapOvr>
+    <a:masterClrMapping/>
+  </p:clrMapOvr>
+</p:sld>
+</file>
+
+<file path=ppt/slides/slide21.xml><?xml version="1.0" encoding="utf-8"?>
+<p:sld xmlns:a="http://schemas.openxmlformats.org/drawingml/2006/main" xmlns:r="http://schemas.openxmlformats.org/officeDocument/2006/relationships" xmlns:p="http://schemas.openxmlformats.org/presentationml/2006/main">
+  <p:cSld>
+    <p:spTree>
+      <p:nvGrpSpPr>
+        <p:cNvPr id="1" name=""/>
+        <p:cNvGrpSpPr/>
+        <p:nvPr/>
+      </p:nvGrpSpPr>
+      <p:grpSpPr>
+        <a:xfrm>
+          <a:off x="0" y="0"/>
+          <a:ext cx="0" cy="0"/>
+          <a:chOff x="0" y="0"/>
+          <a:chExt cx="0" cy="0"/>
+        </a:xfrm>
+      </p:grpSpPr>
+      <p:sp>
+        <p:nvSpPr>
+          <p:cNvPr id="2" name="Заголовок 1"/>
+          <p:cNvSpPr>
+            <a:spLocks noGrp="1"/>
+          </p:cNvSpPr>
+          <p:nvPr>
+            <p:ph type="title"/>
+          </p:nvPr>
+        </p:nvSpPr>
+        <p:spPr/>
+        <p:txBody>
+          <a:bodyPr/>
+          <a:lstStyle/>
+          <a:p>
+            <a:r>
+              <a:rPr lang="ru-RU" dirty="0" smtClean="0"/>
+              <a:t>Часть </a:t>
+            </a:r>
+            <a:r>
+              <a:rPr lang="en-US" dirty="0" smtClean="0"/>
+              <a:t>I</a:t>
+            </a:r>
+            <a:r>
+              <a:rPr lang="en-US" dirty="0"/>
+              <a:t> </a:t>
+            </a:r>
+            <a:r>
+              <a:rPr lang="en-US" dirty="0" err="1" smtClean="0"/>
+              <a:t>I</a:t>
+            </a:r>
+            <a:r>
+              <a:rPr lang="en-US" dirty="0"/>
+              <a:t> </a:t>
+            </a:r>
+            <a:r>
+              <a:rPr lang="en-US" dirty="0" err="1"/>
+              <a:t>I</a:t>
+            </a:r>
+            <a:r>
+              <a:rPr lang="en-US" dirty="0" smtClean="0"/>
+              <a:t> – </a:t>
+            </a:r>
+            <a:r>
+              <a:rPr lang="ru-RU" dirty="0" smtClean="0"/>
+              <a:t>Предсказания Берты</a:t>
+            </a:r>
+            <a:endParaRPr lang="ru-RU" dirty="0"/>
+          </a:p>
+        </p:txBody>
+      </p:sp>
+      <p:sp>
+        <p:nvSpPr>
+          <p:cNvPr id="3" name="Объект 2"/>
+          <p:cNvSpPr>
+            <a:spLocks noGrp="1"/>
+          </p:cNvSpPr>
+          <p:nvPr>
+            <p:ph idx="1"/>
+          </p:nvPr>
+        </p:nvSpPr>
+        <p:spPr>
+          <a:xfrm>
+            <a:off x="770187" y="1304189"/>
+            <a:ext cx="10588021" cy="5036155"/>
+          </a:xfrm>
+        </p:spPr>
+        <p:txBody>
+          <a:bodyPr>
+            <a:normAutofit fontScale="92500" lnSpcReduction="20000"/>
+          </a:bodyPr>
+          <a:lstStyle/>
+          <a:p>
+            <a:pPr marL="0" indent="0">
+              <a:buNone/>
+            </a:pPr>
+            <a:r>
+              <a:rPr lang="ru-RU" dirty="0" smtClean="0"/>
+              <a:t>Аргументы построения модели</a:t>
+            </a:r>
+            <a:r>
+              <a:rPr lang="en-US" dirty="0"/>
+              <a:t> (kinopoisk-top250.csv)</a:t>
+            </a:r>
+            <a:r>
+              <a:rPr lang="ru-RU" dirty="0" smtClean="0"/>
+              <a:t>:</a:t>
+            </a:r>
+          </a:p>
+          <a:p>
+            <a:r>
+              <a:rPr lang="en-US" dirty="0" err="1"/>
+              <a:t>model_args</a:t>
+            </a:r>
+            <a:r>
+              <a:rPr lang="en-US" dirty="0"/>
+              <a:t> = {</a:t>
+            </a:r>
+          </a:p>
+          <a:p>
+            <a:r>
+              <a:rPr lang="en-US" dirty="0"/>
+              <a:t>    "</a:t>
+            </a:r>
+            <a:r>
+              <a:rPr lang="en-US" dirty="0" err="1"/>
+              <a:t>reprocess_input_data</a:t>
+            </a:r>
+            <a:r>
+              <a:rPr lang="en-US" dirty="0"/>
+              <a:t>": True,</a:t>
+            </a:r>
+          </a:p>
+          <a:p>
+            <a:r>
+              <a:rPr lang="en-US" dirty="0"/>
+              <a:t>    "</a:t>
+            </a:r>
+            <a:r>
+              <a:rPr lang="en-US" dirty="0" err="1"/>
+              <a:t>overwrite_output_dir</a:t>
+            </a:r>
+            <a:r>
+              <a:rPr lang="en-US" dirty="0"/>
+              <a:t>": True,</a:t>
+            </a:r>
+          </a:p>
+          <a:p>
+            <a:r>
+              <a:rPr lang="en-US" dirty="0"/>
+              <a:t>    "</a:t>
+            </a:r>
+            <a:r>
+              <a:rPr lang="en-US" dirty="0" err="1"/>
+              <a:t>save_model_every_epoch</a:t>
+            </a:r>
+            <a:r>
+              <a:rPr lang="en-US" dirty="0"/>
+              <a:t>": False,</a:t>
+            </a:r>
+          </a:p>
+          <a:p>
+            <a:r>
+              <a:rPr lang="en-US" dirty="0"/>
+              <a:t>    "</a:t>
+            </a:r>
+            <a:r>
+              <a:rPr lang="en-US" dirty="0" err="1"/>
+              <a:t>save_eval_checkpoints</a:t>
+            </a:r>
+            <a:r>
+              <a:rPr lang="en-US" dirty="0"/>
+              <a:t>": False,</a:t>
+            </a:r>
+          </a:p>
+          <a:p>
+            <a:r>
+              <a:rPr lang="en-US" dirty="0"/>
+              <a:t>    "</a:t>
+            </a:r>
+            <a:r>
+              <a:rPr lang="en-US" dirty="0" err="1"/>
+              <a:t>max_seq_length</a:t>
+            </a:r>
+            <a:r>
+              <a:rPr lang="en-US" dirty="0"/>
+              <a:t>": 512,</a:t>
+            </a:r>
+          </a:p>
+          <a:p>
+            <a:r>
+              <a:rPr lang="en-US" dirty="0"/>
+              <a:t>    "</a:t>
+            </a:r>
+            <a:r>
+              <a:rPr lang="en-US" dirty="0" err="1"/>
+              <a:t>train_batch_size</a:t>
+            </a:r>
+            <a:r>
+              <a:rPr lang="en-US" dirty="0"/>
+              <a:t>": 8,</a:t>
+            </a:r>
+          </a:p>
+          <a:p>
+            <a:r>
+              <a:rPr lang="en-US" dirty="0"/>
+              <a:t>    "</a:t>
+            </a:r>
+            <a:r>
+              <a:rPr lang="en-US" dirty="0" err="1"/>
+              <a:t>num_train_epochs</a:t>
+            </a:r>
+            <a:r>
+              <a:rPr lang="en-US" dirty="0"/>
+              <a:t>": 10,</a:t>
+            </a:r>
+          </a:p>
+          <a:p>
+            <a:r>
+              <a:rPr lang="en-US" dirty="0"/>
+              <a:t>}</a:t>
+            </a:r>
+          </a:p>
+          <a:p>
+            <a:pPr marL="0" indent="0">
+              <a:buNone/>
+            </a:pPr>
+            <a:endParaRPr lang="ru-RU" dirty="0"/>
+          </a:p>
+          <a:p>
+            <a:pPr marL="0" indent="0">
+              <a:buNone/>
+            </a:pPr>
+            <a:r>
+              <a:rPr lang="ru-RU" dirty="0" smtClean="0"/>
+              <a:t>Определили тестовую выборку равную 30% </a:t>
+            </a:r>
+            <a:endParaRPr lang="ru-RU" dirty="0"/>
+          </a:p>
+        </p:txBody>
+      </p:sp>
+    </p:spTree>
+    <p:extLst>
+      <p:ext uri="{BB962C8B-B14F-4D97-AF65-F5344CB8AC3E}">
+        <p14:creationId xmlns:p14="http://schemas.microsoft.com/office/powerpoint/2010/main" val="4073948790"/>
+      </p:ext>
+    </p:extLst>
+  </p:cSld>
+  <p:clrMapOvr>
+    <a:masterClrMapping/>
+  </p:clrMapOvr>
+</p:sld>
+</file>
+
+<file path=ppt/slides/slide22.xml><?xml version="1.0" encoding="utf-8"?>
+<p:sld xmlns:a="http://schemas.openxmlformats.org/drawingml/2006/main" xmlns:r="http://schemas.openxmlformats.org/officeDocument/2006/relationships" xmlns:p="http://schemas.openxmlformats.org/presentationml/2006/main">
+  <p:cSld>
+    <p:spTree>
+      <p:nvGrpSpPr>
+        <p:cNvPr id="1" name=""/>
+        <p:cNvGrpSpPr/>
+        <p:nvPr/>
+      </p:nvGrpSpPr>
+      <p:grpSpPr>
+        <a:xfrm>
+          <a:off x="0" y="0"/>
+          <a:ext cx="0" cy="0"/>
+          <a:chOff x="0" y="0"/>
+          <a:chExt cx="0" cy="0"/>
+        </a:xfrm>
+      </p:grpSpPr>
+      <p:sp>
+        <p:nvSpPr>
+          <p:cNvPr id="2" name="Заголовок 1"/>
+          <p:cNvSpPr>
+            <a:spLocks noGrp="1"/>
+          </p:cNvSpPr>
+          <p:nvPr>
+            <p:ph type="title"/>
+          </p:nvPr>
+        </p:nvSpPr>
+        <p:spPr/>
+        <p:txBody>
+          <a:bodyPr/>
+          <a:lstStyle/>
+          <a:p>
+            <a:r>
+              <a:rPr lang="ru-RU" dirty="0" smtClean="0"/>
+              <a:t>Часть </a:t>
+            </a:r>
+            <a:r>
+              <a:rPr lang="en-US" dirty="0" smtClean="0"/>
+              <a:t>I</a:t>
+            </a:r>
+            <a:r>
+              <a:rPr lang="en-US" dirty="0"/>
+              <a:t> </a:t>
+            </a:r>
+            <a:r>
+              <a:rPr lang="en-US" dirty="0" err="1" smtClean="0"/>
+              <a:t>I</a:t>
+            </a:r>
+            <a:r>
+              <a:rPr lang="en-US" dirty="0"/>
+              <a:t> </a:t>
+            </a:r>
+            <a:r>
+              <a:rPr lang="en-US" dirty="0" err="1"/>
+              <a:t>I</a:t>
+            </a:r>
+            <a:r>
+              <a:rPr lang="en-US" dirty="0" smtClean="0"/>
+              <a:t> – </a:t>
+            </a:r>
+            <a:r>
+              <a:rPr lang="ru-RU" dirty="0" smtClean="0"/>
+              <a:t>Предсказания Берты</a:t>
+            </a:r>
+            <a:endParaRPr lang="ru-RU" dirty="0"/>
+          </a:p>
+        </p:txBody>
+      </p:sp>
+      <p:sp>
+        <p:nvSpPr>
+          <p:cNvPr id="3" name="Объект 2"/>
+          <p:cNvSpPr>
+            <a:spLocks noGrp="1"/>
+          </p:cNvSpPr>
+          <p:nvPr>
+            <p:ph idx="1"/>
+          </p:nvPr>
+        </p:nvSpPr>
+        <p:spPr>
+          <a:xfrm>
+            <a:off x="826864" y="1281518"/>
+            <a:ext cx="10588021" cy="3536085"/>
+          </a:xfrm>
+        </p:spPr>
+        <p:txBody>
+          <a:bodyPr>
+            <a:normAutofit/>
+          </a:bodyPr>
+          <a:lstStyle/>
+          <a:p>
+            <a:pPr marL="0" indent="0">
+              <a:buNone/>
+            </a:pPr>
+            <a:r>
+              <a:rPr lang="ru-RU" dirty="0" smtClean="0"/>
+              <a:t>Результаты обучения</a:t>
+            </a:r>
+            <a:r>
+              <a:rPr lang="en-US" dirty="0"/>
+              <a:t> (kinopoisk-top250.csv)</a:t>
+            </a:r>
+            <a:r>
+              <a:rPr lang="ru-RU" dirty="0" smtClean="0"/>
+              <a:t>:</a:t>
+            </a:r>
+          </a:p>
+          <a:p>
+            <a:pPr marL="0" indent="0">
+              <a:buNone/>
+            </a:pPr>
+            <a:r>
+              <a:rPr lang="en-US" dirty="0"/>
+              <a:t>{'mcc': 0.9525174544539858, '</a:t>
+            </a:r>
+            <a:r>
+              <a:rPr lang="en-US" dirty="0" err="1"/>
+              <a:t>eval_loss</a:t>
+            </a:r>
+            <a:r>
+              <a:rPr lang="en-US" dirty="0"/>
+              <a:t>': 0.29667600492636365} </a:t>
+            </a:r>
+            <a:endParaRPr lang="ru-RU" dirty="0" smtClean="0"/>
+          </a:p>
+          <a:p>
+            <a:pPr marL="0" indent="0">
+              <a:buNone/>
+            </a:pPr>
+            <a:r>
+              <a:rPr lang="en-US" dirty="0" smtClean="0"/>
+              <a:t>CPU </a:t>
+            </a:r>
+            <a:r>
+              <a:rPr lang="en-US" dirty="0"/>
+              <a:t>times: total: 3h 22min 43s </a:t>
+            </a:r>
+            <a:endParaRPr lang="ru-RU" dirty="0" smtClean="0"/>
+          </a:p>
+          <a:p>
+            <a:pPr marL="0" indent="0">
+              <a:buNone/>
+            </a:pPr>
+            <a:r>
+              <a:rPr lang="en-US" dirty="0" smtClean="0"/>
+              <a:t>Wall </a:t>
+            </a:r>
+            <a:r>
+              <a:rPr lang="en-US" dirty="0"/>
+              <a:t>time: 37min </a:t>
+            </a:r>
+            <a:r>
+              <a:rPr lang="en-US" dirty="0" smtClean="0"/>
+              <a:t>57s</a:t>
+            </a:r>
+            <a:endParaRPr lang="ru-RU" dirty="0" smtClean="0"/>
+          </a:p>
+          <a:p>
+            <a:pPr marL="0" indent="0">
+              <a:buNone/>
+            </a:pPr>
+            <a:endParaRPr lang="ru-RU" dirty="0"/>
+          </a:p>
+          <a:p>
+            <a:pPr marL="0" indent="0">
+              <a:buNone/>
+            </a:pPr>
+            <a:r>
+              <a:rPr lang="ru-RU" dirty="0" smtClean="0"/>
+              <a:t>На тестовой выборке из 10 случайных элементо</a:t>
+            </a:r>
+            <a:r>
+              <a:rPr lang="ru-RU" dirty="0" smtClean="0"/>
+              <a:t>в модель делала верные предсказания в 2-3 случаях.</a:t>
+            </a:r>
+          </a:p>
+          <a:p>
+            <a:pPr marL="0" indent="0">
+              <a:buNone/>
+            </a:pPr>
+            <a:endParaRPr lang="ru-RU" dirty="0"/>
+          </a:p>
+        </p:txBody>
+      </p:sp>
+    </p:spTree>
+    <p:extLst>
+      <p:ext uri="{BB962C8B-B14F-4D97-AF65-F5344CB8AC3E}">
+        <p14:creationId xmlns:p14="http://schemas.microsoft.com/office/powerpoint/2010/main" val="3239326310"/>
+      </p:ext>
+    </p:extLst>
+  </p:cSld>
+  <p:clrMapOvr>
+    <a:masterClrMapping/>
+  </p:clrMapOvr>
+</p:sld>
+</file>
+
+<file path=ppt/slides/slide23.xml><?xml version="1.0" encoding="utf-8"?>
+<p:sld xmlns:a="http://schemas.openxmlformats.org/drawingml/2006/main" xmlns:r="http://schemas.openxmlformats.org/officeDocument/2006/relationships" xmlns:p="http://schemas.openxmlformats.org/presentationml/2006/main">
+  <p:cSld>
+    <p:spTree>
+      <p:nvGrpSpPr>
+        <p:cNvPr id="1" name=""/>
+        <p:cNvGrpSpPr/>
+        <p:nvPr/>
+      </p:nvGrpSpPr>
+      <p:grpSpPr>
+        <a:xfrm>
+          <a:off x="0" y="0"/>
+          <a:ext cx="0" cy="0"/>
+          <a:chOff x="0" y="0"/>
+          <a:chExt cx="0" cy="0"/>
+        </a:xfrm>
+      </p:grpSpPr>
+      <p:sp>
+        <p:nvSpPr>
+          <p:cNvPr id="2" name="Заголовок 1"/>
+          <p:cNvSpPr>
+            <a:spLocks noGrp="1"/>
+          </p:cNvSpPr>
+          <p:nvPr>
+            <p:ph type="title"/>
+          </p:nvPr>
+        </p:nvSpPr>
+        <p:spPr/>
+        <p:txBody>
+          <a:bodyPr/>
+          <a:lstStyle/>
+          <a:p>
+            <a:r>
+              <a:rPr lang="ru-RU" dirty="0" smtClean="0"/>
+              <a:t>Часть </a:t>
+            </a:r>
+            <a:r>
+              <a:rPr lang="en-US" dirty="0" smtClean="0"/>
+              <a:t>I</a:t>
+            </a:r>
+            <a:r>
+              <a:rPr lang="en-US" dirty="0"/>
+              <a:t> </a:t>
+            </a:r>
+            <a:r>
+              <a:rPr lang="en-US" dirty="0" err="1" smtClean="0"/>
+              <a:t>I</a:t>
+            </a:r>
+            <a:r>
+              <a:rPr lang="en-US" dirty="0"/>
+              <a:t> </a:t>
+            </a:r>
+            <a:r>
+              <a:rPr lang="en-US" dirty="0" err="1"/>
+              <a:t>I</a:t>
+            </a:r>
+            <a:r>
+              <a:rPr lang="en-US" dirty="0" smtClean="0"/>
+              <a:t> – </a:t>
+            </a:r>
+            <a:r>
+              <a:rPr lang="ru-RU" dirty="0" smtClean="0"/>
+              <a:t>Предсказания Берты</a:t>
+            </a:r>
+            <a:endParaRPr lang="ru-RU" dirty="0"/>
+          </a:p>
+        </p:txBody>
+      </p:sp>
+      <p:sp>
+        <p:nvSpPr>
+          <p:cNvPr id="3" name="Объект 2"/>
+          <p:cNvSpPr>
+            <a:spLocks noGrp="1"/>
+          </p:cNvSpPr>
+          <p:nvPr>
+            <p:ph idx="1"/>
+          </p:nvPr>
+        </p:nvSpPr>
+        <p:spPr>
+          <a:xfrm>
+            <a:off x="826864" y="1281519"/>
+            <a:ext cx="10588021" cy="460376"/>
+          </a:xfrm>
+        </p:spPr>
+        <p:txBody>
+          <a:bodyPr>
+            <a:normAutofit lnSpcReduction="10000"/>
+          </a:bodyPr>
+          <a:lstStyle/>
+          <a:p>
+            <a:pPr marL="0" indent="0">
+              <a:buNone/>
+            </a:pPr>
+            <a:r>
+              <a:rPr lang="en-US" dirty="0" err="1" smtClean="0"/>
+              <a:t>Heatmap</a:t>
+            </a:r>
+            <a:r>
+              <a:rPr lang="en-US" dirty="0" smtClean="0"/>
+              <a:t> w</a:t>
+            </a:r>
+            <a:r>
+              <a:rPr lang="en-US" dirty="0"/>
+              <a:t>. labels &amp; </a:t>
+            </a:r>
+            <a:r>
+              <a:rPr lang="en-US" dirty="0" smtClean="0"/>
+              <a:t>annotations (</a:t>
+            </a:r>
+            <a:r>
+              <a:rPr lang="en-US" dirty="0"/>
+              <a:t>kinopoisk-top250.csv</a:t>
+            </a:r>
+            <a:r>
+              <a:rPr lang="en-US" dirty="0" smtClean="0"/>
+              <a:t>)</a:t>
+            </a:r>
+            <a:endParaRPr lang="en-US" dirty="0"/>
+          </a:p>
+          <a:p>
+            <a:pPr marL="0" indent="0">
+              <a:buNone/>
+            </a:pPr>
+            <a:endParaRPr lang="ru-RU" dirty="0"/>
+          </a:p>
+        </p:txBody>
+      </p:sp>
+      <p:pic>
+        <p:nvPicPr>
+          <p:cNvPr id="5122" name="Picture 2"/>
+          <p:cNvPicPr>
+            <a:picLocks noChangeAspect="1" noChangeArrowheads="1"/>
+          </p:cNvPicPr>
+          <p:nvPr/>
+        </p:nvPicPr>
+        <p:blipFill>
+          <a:blip r:embed="rId2" cstate="print">
+            <a:extLst>
+              <a:ext uri="{28A0092B-C50C-407E-A947-70E740481C1C}">
+                <a14:useLocalDpi xmlns:a14="http://schemas.microsoft.com/office/drawing/2010/main" val="0"/>
+              </a:ext>
+            </a:extLst>
+          </a:blip>
+          <a:srcRect/>
+          <a:stretch>
+            <a:fillRect/>
+          </a:stretch>
+        </p:blipFill>
+        <p:spPr bwMode="auto">
+          <a:xfrm>
+            <a:off x="869058" y="1748730"/>
+            <a:ext cx="4927180" cy="4464358"/>
+          </a:xfrm>
+          <a:prstGeom prst="rect">
+            <a:avLst/>
+          </a:prstGeom>
+          <a:noFill/>
+          <a:ln>
+            <a:noFill/>
+          </a:ln>
+          <a:effectLst/>
+          <a:extLst>
+            <a:ext uri="{909E8E84-426E-40DD-AFC4-6F175D3DCCD1}">
+              <a14:hiddenFill xmlns:a14="http://schemas.microsoft.com/office/drawing/2010/main">
+                <a:solidFill>
+                  <a:schemeClr val="accent1"/>
+                </a:solidFill>
+              </a14:hiddenFill>
+            </a:ext>
+            <a:ext uri="{91240B29-F687-4F45-9708-019B960494DF}">
+              <a14:hiddenLine xmlns:a14="http://schemas.microsoft.com/office/drawing/2010/main" w="9525">
+                <a:solidFill>
+                  <a:schemeClr val="tx1"/>
+                </a:solidFill>
+                <a:miter lim="800000"/>
+                <a:headEnd/>
+                <a:tailEnd/>
+              </a14:hiddenLine>
+            </a:ext>
+            <a:ext uri="{AF507438-7753-43E0-B8FC-AC1667EBCBE1}">
+              <a14:hiddenEffects xmlns:a14="http://schemas.microsoft.com/office/drawing/2010/main">
+                <a:effectLst>
+                  <a:outerShdw dist="35921" dir="2700000" algn="ctr" rotWithShape="0">
+                    <a:schemeClr val="bg2"/>
+                  </a:outerShdw>
+                </a:effectLst>
+              </a14:hiddenEffects>
+            </a:ext>
+          </a:extLst>
+        </p:spPr>
+      </p:pic>
+    </p:spTree>
+    <p:extLst>
+      <p:ext uri="{BB962C8B-B14F-4D97-AF65-F5344CB8AC3E}">
+        <p14:creationId xmlns:p14="http://schemas.microsoft.com/office/powerpoint/2010/main" val="105919070"/>
+      </p:ext>
+    </p:extLst>
+  </p:cSld>
+  <p:clrMapOvr>
+    <a:masterClrMapping/>
+  </p:clrMapOvr>
+</p:sld>
+</file>
+
+<file path=ppt/slides/slide24.xml><?xml version="1.0" encoding="utf-8"?>
+<p:sld xmlns:a="http://schemas.openxmlformats.org/drawingml/2006/main" xmlns:r="http://schemas.openxmlformats.org/officeDocument/2006/relationships" xmlns:p="http://schemas.openxmlformats.org/presentationml/2006/main">
+  <p:cSld>
+    <p:spTree>
+      <p:nvGrpSpPr>
+        <p:cNvPr id="1" name=""/>
+        <p:cNvGrpSpPr/>
+        <p:nvPr/>
+      </p:nvGrpSpPr>
+      <p:grpSpPr>
+        <a:xfrm>
+          <a:off x="0" y="0"/>
+          <a:ext cx="0" cy="0"/>
+          <a:chOff x="0" y="0"/>
+          <a:chExt cx="0" cy="0"/>
+        </a:xfrm>
+      </p:grpSpPr>
+      <p:sp>
+        <p:nvSpPr>
+          <p:cNvPr id="2" name="Заголовок 1"/>
+          <p:cNvSpPr>
+            <a:spLocks noGrp="1"/>
+          </p:cNvSpPr>
+          <p:nvPr>
+            <p:ph type="title"/>
+          </p:nvPr>
+        </p:nvSpPr>
+        <p:spPr/>
+        <p:txBody>
+          <a:bodyPr/>
+          <a:lstStyle/>
+          <a:p>
+            <a:r>
+              <a:rPr lang="ru-RU" dirty="0" smtClean="0"/>
+              <a:t>Ссылки на </a:t>
+            </a:r>
+            <a:r>
+              <a:rPr lang="en-US" dirty="0" err="1" smtClean="0"/>
+              <a:t>GitHub</a:t>
+            </a:r>
+            <a:endParaRPr lang="ru-RU" dirty="0"/>
+          </a:p>
+        </p:txBody>
+      </p:sp>
+      <p:sp>
+        <p:nvSpPr>
+          <p:cNvPr id="3" name="Объект 2"/>
+          <p:cNvSpPr>
+            <a:spLocks noGrp="1"/>
+          </p:cNvSpPr>
+          <p:nvPr>
+            <p:ph idx="1"/>
+          </p:nvPr>
+        </p:nvSpPr>
+        <p:spPr/>
+        <p:txBody>
+          <a:bodyPr/>
+          <a:lstStyle/>
+          <a:p>
+            <a:r>
+              <a:rPr lang="en-US" sz="2000" i="1" dirty="0" smtClean="0">
+                <a:solidFill>
+                  <a:schemeClr val="tx1">
+                    <a:lumMod val="65000"/>
+                    <a:lumOff val="35000"/>
+                  </a:schemeClr>
+                </a:solidFill>
+                <a:hlinkClick r:id="rId2"/>
+              </a:rPr>
+              <a:t>https</a:t>
+            </a:r>
+            <a:r>
+              <a:rPr lang="en-US" sz="2000" i="1" dirty="0">
+                <a:solidFill>
+                  <a:schemeClr val="tx1">
+                    <a:lumMod val="65000"/>
+                    <a:lumOff val="35000"/>
+                  </a:schemeClr>
+                </a:solidFill>
+                <a:hlinkClick r:id="rId2"/>
+              </a:rPr>
+              <a:t>://</a:t>
+            </a:r>
+            <a:r>
+              <a:rPr lang="en-US" sz="2000" i="1" dirty="0" smtClean="0">
+                <a:solidFill>
+                  <a:schemeClr val="tx1">
+                    <a:lumMod val="65000"/>
+                    <a:lumOff val="35000"/>
+                  </a:schemeClr>
+                </a:solidFill>
+                <a:hlinkClick r:id="rId2"/>
+              </a:rPr>
+              <a:t>github.com/PavelVNovikov/DS_april_2022/blob/main/Diplom/diplom1.ipynb</a:t>
+            </a:r>
+            <a:endParaRPr lang="en-US" sz="2000" i="1" dirty="0" smtClean="0">
+              <a:solidFill>
+                <a:schemeClr val="tx1">
+                  <a:lumMod val="65000"/>
+                  <a:lumOff val="35000"/>
+                </a:schemeClr>
+              </a:solidFill>
+            </a:endParaRPr>
+          </a:p>
+          <a:p>
+            <a:r>
+              <a:rPr lang="en-US" sz="2000" i="1" dirty="0">
+                <a:solidFill>
+                  <a:schemeClr val="tx1">
+                    <a:lumMod val="65000"/>
+                    <a:lumOff val="35000"/>
+                  </a:schemeClr>
+                </a:solidFill>
+                <a:hlinkClick r:id="rId3"/>
+              </a:rPr>
+              <a:t>https://</a:t>
+            </a:r>
+            <a:r>
+              <a:rPr lang="en-US" sz="2000" i="1" dirty="0" smtClean="0">
+                <a:solidFill>
+                  <a:schemeClr val="tx1">
+                    <a:lumMod val="65000"/>
+                    <a:lumOff val="35000"/>
+                  </a:schemeClr>
+                </a:solidFill>
+                <a:hlinkClick r:id="rId3"/>
+              </a:rPr>
+              <a:t>github.com/PavelVNovikov/DS_april_2022/blob/main/Diplom/diplom2.ipynb</a:t>
+            </a:r>
+            <a:endParaRPr lang="en-US" sz="2000" i="1" dirty="0" smtClean="0">
+              <a:solidFill>
+                <a:schemeClr val="tx1">
+                  <a:lumMod val="65000"/>
+                  <a:lumOff val="35000"/>
+                </a:schemeClr>
+              </a:solidFill>
+            </a:endParaRPr>
+          </a:p>
+          <a:p>
+            <a:r>
+              <a:rPr lang="en-US" sz="2000" i="1" dirty="0">
+                <a:solidFill>
+                  <a:schemeClr val="tx1">
+                    <a:lumMod val="65000"/>
+                    <a:lumOff val="35000"/>
+                  </a:schemeClr>
+                </a:solidFill>
+                <a:hlinkClick r:id="rId4"/>
+              </a:rPr>
+              <a:t>https://</a:t>
+            </a:r>
+            <a:r>
+              <a:rPr lang="en-US" sz="2000" i="1" dirty="0" smtClean="0">
+                <a:solidFill>
+                  <a:schemeClr val="tx1">
+                    <a:lumMod val="65000"/>
+                    <a:lumOff val="35000"/>
+                  </a:schemeClr>
+                </a:solidFill>
+                <a:hlinkClick r:id="rId4"/>
+              </a:rPr>
+              <a:t>github.com/PavelVNovikov/DS_april_2022/blob/main/Diplom/diplom3.ipynb</a:t>
+            </a:r>
+            <a:endParaRPr lang="en-US" sz="2000" i="1" dirty="0" smtClean="0">
+              <a:solidFill>
+                <a:schemeClr val="tx1">
+                  <a:lumMod val="65000"/>
+                  <a:lumOff val="35000"/>
+                </a:schemeClr>
+              </a:solidFill>
+            </a:endParaRPr>
+          </a:p>
+          <a:p>
+            <a:r>
+              <a:rPr lang="en-US" sz="2000" i="1" dirty="0">
+                <a:solidFill>
+                  <a:schemeClr val="tx1">
+                    <a:lumMod val="65000"/>
+                    <a:lumOff val="35000"/>
+                  </a:schemeClr>
+                </a:solidFill>
+                <a:hlinkClick r:id="rId5"/>
+              </a:rPr>
+              <a:t>https://</a:t>
+            </a:r>
+            <a:r>
+              <a:rPr lang="en-US" sz="2000" i="1" dirty="0" smtClean="0">
+                <a:solidFill>
+                  <a:schemeClr val="tx1">
+                    <a:lumMod val="65000"/>
+                    <a:lumOff val="35000"/>
+                  </a:schemeClr>
+                </a:solidFill>
+                <a:hlinkClick r:id="rId5"/>
+              </a:rPr>
+              <a:t>github.com/PavelVNovikov/DS_april_2022/blob/main/Diplom/diplom3_ru.ipynb</a:t>
+            </a:r>
+            <a:endParaRPr lang="en-US" sz="2000" i="1" dirty="0" smtClean="0">
+              <a:solidFill>
+                <a:schemeClr val="tx1">
+                  <a:lumMod val="65000"/>
+                  <a:lumOff val="35000"/>
+                </a:schemeClr>
+              </a:solidFill>
+            </a:endParaRPr>
+          </a:p>
+          <a:p>
+            <a:pPr marL="0" indent="0">
+              <a:buNone/>
+            </a:pPr>
+            <a:endParaRPr lang="ru-RU" i="1" dirty="0">
+              <a:solidFill>
+                <a:schemeClr val="tx1">
+                  <a:lumMod val="65000"/>
+                  <a:lumOff val="35000"/>
+                </a:schemeClr>
+              </a:solidFill>
+            </a:endParaRPr>
+          </a:p>
+          <a:p>
+            <a:endParaRPr lang="ru-RU" i="1" dirty="0">
+              <a:solidFill>
+                <a:schemeClr val="tx1">
+                  <a:lumMod val="65000"/>
+                  <a:lumOff val="35000"/>
+                </a:schemeClr>
+              </a:solidFill>
+            </a:endParaRPr>
+          </a:p>
+          <a:p>
+            <a:pPr marL="0" indent="0">
+              <a:buNone/>
+            </a:pPr>
+            <a:endParaRPr lang="ru-RU" dirty="0"/>
+          </a:p>
+        </p:txBody>
+      </p:sp>
+    </p:spTree>
+    <p:extLst>
+      <p:ext uri="{BB962C8B-B14F-4D97-AF65-F5344CB8AC3E}">
+        <p14:creationId xmlns:p14="http://schemas.microsoft.com/office/powerpoint/2010/main" val="2225149509"/>
+      </p:ext>
+    </p:extLst>
+  </p:cSld>
+  <p:clrMapOvr>
+    <a:masterClrMapping/>
+  </p:clrMapOvr>
+</p:sld>
+</file>
+
+<file path=ppt/slides/slide25.xml><?xml version="1.0" encoding="utf-8"?>
+<p:sld xmlns:a="http://schemas.openxmlformats.org/drawingml/2006/main" xmlns:r="http://schemas.openxmlformats.org/officeDocument/2006/relationships" xmlns:p="http://schemas.openxmlformats.org/presentationml/2006/main">
+  <p:cSld>
+    <p:spTree>
+      <p:nvGrpSpPr>
+        <p:cNvPr id="1" name=""/>
+        <p:cNvGrpSpPr/>
+        <p:nvPr/>
+      </p:nvGrpSpPr>
+      <p:grpSpPr>
+        <a:xfrm>
+          <a:off x="0" y="0"/>
+          <a:ext cx="0" cy="0"/>
+          <a:chOff x="0" y="0"/>
+          <a:chExt cx="0" cy="0"/>
+        </a:xfrm>
+      </p:grpSpPr>
+      <p:sp>
+        <p:nvSpPr>
+          <p:cNvPr id="2" name="TextBox 1"/>
+          <p:cNvSpPr txBox="1"/>
+          <p:nvPr/>
+        </p:nvSpPr>
+        <p:spPr>
+          <a:xfrm>
+            <a:off x="1500796" y="2440549"/>
+            <a:ext cx="9190008" cy="1015663"/>
+          </a:xfrm>
+          <a:prstGeom prst="rect">
+            <a:avLst/>
+          </a:prstGeom>
+          <a:noFill/>
+        </p:spPr>
+        <p:txBody>
+          <a:bodyPr wrap="square" rtlCol="0">
+            <a:spAutoFit/>
+          </a:bodyPr>
+          <a:lstStyle/>
+          <a:p>
+            <a:pPr algn="ctr"/>
+            <a:r>
+              <a:rPr lang="ru-RU" sz="6000" dirty="0">
+                <a:solidFill>
+                  <a:srgbClr val="2BA630"/>
+                </a:solidFill>
+              </a:rPr>
+              <a:t>СПАСИБО ЗА ВНИМАНИЕ!</a:t>
+            </a:r>
+          </a:p>
+        </p:txBody>
+      </p:sp>
+    </p:spTree>
+    <p:extLst>
+      <p:ext uri="{BB962C8B-B14F-4D97-AF65-F5344CB8AC3E}">
+        <p14:creationId xmlns:p14="http://schemas.microsoft.com/office/powerpoint/2010/main" val="3907949203"/>
       </p:ext>
     </p:extLst>
   </p:cSld>
@@ -6628,7 +9000,7 @@
   <a:extraClrSchemeLst/>
   <a:extLst>
     <a:ext uri="{05A4C25C-085E-4340-85A3-A5531E510DB2}">
-      <thm15:themeFamily xmlns="" xmlns:thm15="http://schemas.microsoft.com/office/thememl/2012/main" name="Office Theme" id="{62F939B6-93AF-4DB8-9C6B-D6C7DFDC589F}" vid="{4A3C46E8-61CC-4603-A589-7422A47A8E4A}"/>
+      <thm15:themeFamily xmlns:thm15="http://schemas.microsoft.com/office/thememl/2012/main" xmlns="" name="Office Theme" id="{62F939B6-93AF-4DB8-9C6B-D6C7DFDC589F}" vid="{4A3C46E8-61CC-4603-A589-7422A47A8E4A}"/>
     </a:ext>
   </a:extLst>
 </a:theme>

--- a/Diplom/ПЕРЕЗАПУСК_DS_Novikov.pptx
+++ b/Diplom/ПЕРЕЗАПУСК_DS_Novikov.pptx
@@ -18,18 +18,26 @@
     <p:sldId id="271" r:id="rId12"/>
     <p:sldId id="276" r:id="rId13"/>
     <p:sldId id="274" r:id="rId14"/>
-    <p:sldId id="275" r:id="rId15"/>
-    <p:sldId id="277" r:id="rId16"/>
-    <p:sldId id="279" r:id="rId17"/>
-    <p:sldId id="278" r:id="rId18"/>
-    <p:sldId id="280" r:id="rId19"/>
-    <p:sldId id="281" r:id="rId20"/>
-    <p:sldId id="282" r:id="rId21"/>
-    <p:sldId id="283" r:id="rId22"/>
-    <p:sldId id="284" r:id="rId23"/>
-    <p:sldId id="285" r:id="rId24"/>
-    <p:sldId id="264" r:id="rId25"/>
-    <p:sldId id="263" r:id="rId26"/>
+    <p:sldId id="293" r:id="rId15"/>
+    <p:sldId id="294" r:id="rId16"/>
+    <p:sldId id="292" r:id="rId17"/>
+    <p:sldId id="290" r:id="rId18"/>
+    <p:sldId id="291" r:id="rId19"/>
+    <p:sldId id="275" r:id="rId20"/>
+    <p:sldId id="277" r:id="rId21"/>
+    <p:sldId id="279" r:id="rId22"/>
+    <p:sldId id="278" r:id="rId23"/>
+    <p:sldId id="280" r:id="rId24"/>
+    <p:sldId id="281" r:id="rId25"/>
+    <p:sldId id="282" r:id="rId26"/>
+    <p:sldId id="283" r:id="rId27"/>
+    <p:sldId id="284" r:id="rId28"/>
+    <p:sldId id="285" r:id="rId29"/>
+    <p:sldId id="286" r:id="rId30"/>
+    <p:sldId id="287" r:id="rId31"/>
+    <p:sldId id="288" r:id="rId32"/>
+    <p:sldId id="264" r:id="rId33"/>
+    <p:sldId id="263" r:id="rId34"/>
   </p:sldIdLst>
   <p:sldSz cx="12192000" cy="6858000"/>
   <p:notesSz cx="6858000" cy="9144000"/>
@@ -130,7 +138,7 @@
   </p:defaultTextStyle>
   <p:extLst>
     <p:ext uri="{EFAFB233-063F-42B5-8137-9DF3F51BA10A}">
-      <p15:sldGuideLst xmlns:p15="http://schemas.microsoft.com/office/powerpoint/2012/main" xmlns=""/>
+      <p15:sldGuideLst xmlns="" xmlns:p15="http://schemas.microsoft.com/office/powerpoint/2012/main"/>
     </p:ext>
   </p:extLst>
 </p:presentation>
@@ -304,7 +312,7 @@
           <p:cNvPr id="18" name="Прямоугольник 17">
             <a:extLst>
               <a:ext uri="{FF2B5EF4-FFF2-40B4-BE49-F238E27FC236}">
-                <a16:creationId xmlns:a16="http://schemas.microsoft.com/office/drawing/2014/main" xmlns="" id="{CBC5F2EB-A7EF-7341-95C5-1D35103D9A8D}"/>
+                <a16:creationId xmlns="" xmlns:a16="http://schemas.microsoft.com/office/drawing/2014/main" id="{CBC5F2EB-A7EF-7341-95C5-1D35103D9A8D}"/>
               </a:ext>
             </a:extLst>
           </p:cNvPr>
@@ -3812,13 +3820,13 @@
         </p:nvSpPr>
         <p:spPr>
           <a:xfrm>
-            <a:off x="838199" y="1258848"/>
-            <a:ext cx="10588021" cy="437704"/>
+            <a:off x="838199" y="1258847"/>
+            <a:ext cx="10588021" cy="2421424"/>
           </a:xfrm>
         </p:spPr>
         <p:txBody>
           <a:bodyPr>
-            <a:normAutofit fontScale="92500" lnSpcReduction="10000"/>
+            <a:normAutofit/>
           </a:bodyPr>
           <a:lstStyle/>
           <a:p>
@@ -3826,9 +3834,54 @@
               <a:buNone/>
             </a:pPr>
             <a:r>
-              <a:rPr lang="ru-RU" dirty="0" smtClean="0"/>
-              <a:t>Текст</a:t>
-            </a:r>
+              <a:rPr lang="ru-RU" dirty="0" smtClean="0">
+                <a:hlinkClick r:id="rId2"/>
+              </a:rPr>
+              <a:t>Анализ </a:t>
+            </a:r>
+            <a:r>
+              <a:rPr lang="ru-RU" dirty="0">
+                <a:hlinkClick r:id="rId2"/>
+              </a:rPr>
+              <a:t>тональности</a:t>
+            </a:r>
+            <a:r>
+              <a:rPr lang="ru-RU" dirty="0"/>
+              <a:t> (</a:t>
+            </a:r>
+            <a:r>
+              <a:rPr lang="ru-RU" dirty="0" err="1"/>
+              <a:t>сентимент</a:t>
+            </a:r>
+            <a:r>
+              <a:rPr lang="ru-RU" dirty="0"/>
+              <a:t>-анализ) – инструмент компьютерной лингвистики, оценивающий такую субъективную составляющую текста, как отношение пишущего</a:t>
+            </a:r>
+            <a:r>
+              <a:rPr lang="ru-RU" dirty="0" smtClean="0"/>
+              <a:t>.</a:t>
+            </a:r>
+          </a:p>
+          <a:p>
+            <a:pPr marL="0" indent="0">
+              <a:buNone/>
+            </a:pPr>
+            <a:endParaRPr lang="en-US" dirty="0" smtClean="0"/>
+          </a:p>
+          <a:p>
+            <a:pPr marL="0" indent="0">
+              <a:buNone/>
+            </a:pPr>
+            <a:r>
+              <a:rPr lang="ru-RU" dirty="0" smtClean="0"/>
+              <a:t>Попробуем с его помощью научиться распознавать жанры фильмов</a:t>
+            </a:r>
+            <a:endParaRPr lang="en-US" dirty="0" smtClean="0"/>
+          </a:p>
+          <a:p>
+            <a:pPr marL="0" indent="0">
+              <a:buNone/>
+            </a:pPr>
             <a:endParaRPr lang="ru-RU" dirty="0"/>
           </a:p>
         </p:txBody>
@@ -3891,24 +3944,24 @@
               <a:t> </a:t>
             </a:r>
             <a:r>
-              <a:rPr lang="en-US" dirty="0" err="1" smtClean="0"/>
-              <a:t>I</a:t>
-            </a:r>
-            <a:r>
-              <a:rPr lang="en-US" dirty="0"/>
-              <a:t> </a:t>
-            </a:r>
-            <a:r>
               <a:rPr lang="en-US" dirty="0" err="1"/>
               <a:t>I</a:t>
             </a:r>
             <a:r>
               <a:rPr lang="en-US" dirty="0" smtClean="0"/>
-              <a:t> – </a:t>
-            </a:r>
-            <a:r>
-              <a:rPr lang="ru-RU" dirty="0" smtClean="0"/>
-              <a:t>Предсказания Берты</a:t>
+              <a:t> – S</a:t>
+            </a:r>
+            <a:r>
+              <a:rPr lang="ru-RU" dirty="0" err="1" smtClean="0"/>
+              <a:t>entiment</a:t>
+            </a:r>
+            <a:r>
+              <a:rPr lang="ru-RU" dirty="0" smtClean="0"/>
+              <a:t> </a:t>
+            </a:r>
+            <a:r>
+              <a:rPr lang="ru-RU" dirty="0" err="1" smtClean="0"/>
+              <a:t>analysis</a:t>
             </a:r>
             <a:endParaRPr lang="ru-RU" dirty="0"/>
           </a:p>
@@ -3926,153 +3979,171 @@
         </p:nvSpPr>
         <p:spPr>
           <a:xfrm>
-            <a:off x="842609" y="1413163"/>
-            <a:ext cx="10477816" cy="5021643"/>
+            <a:off x="838199" y="1258848"/>
+            <a:ext cx="10588021" cy="1155621"/>
           </a:xfrm>
         </p:spPr>
         <p:txBody>
           <a:bodyPr>
-            <a:normAutofit fontScale="70000" lnSpcReduction="20000"/>
+            <a:normAutofit fontScale="92500"/>
           </a:bodyPr>
           <a:lstStyle/>
           <a:p>
-            <a:r>
-              <a:rPr lang="ru-RU" b="1" dirty="0"/>
-              <a:t>BERT</a:t>
-            </a:r>
-            <a:r>
-              <a:rPr lang="ru-RU" dirty="0"/>
-              <a:t> – это двунаправленная </a:t>
-            </a:r>
-            <a:r>
-              <a:rPr lang="ru-RU" dirty="0" err="1"/>
-              <a:t>мультиязычная</a:t>
-            </a:r>
-            <a:r>
-              <a:rPr lang="ru-RU" dirty="0"/>
-              <a:t> модель с </a:t>
-            </a:r>
+            <a:pPr marL="0" indent="0">
+              <a:buNone/>
+            </a:pPr>
+            <a:r>
+              <a:rPr lang="ru-RU" dirty="0" smtClean="0"/>
+              <a:t>Делаем тренировочный набор данных, из столбцов «</a:t>
+            </a:r>
+            <a:r>
+              <a:rPr lang="en-US" dirty="0" smtClean="0"/>
+              <a:t>Plot</a:t>
+            </a:r>
+            <a:r>
+              <a:rPr lang="ru-RU" dirty="0" smtClean="0"/>
+              <a:t>» и «</a:t>
+            </a:r>
+            <a:r>
+              <a:rPr lang="en-US" dirty="0" smtClean="0"/>
+              <a:t>Genre</a:t>
+            </a:r>
+            <a:r>
+              <a:rPr lang="ru-RU" dirty="0" smtClean="0"/>
+              <a:t>».</a:t>
+            </a:r>
+          </a:p>
+          <a:p>
+            <a:pPr marL="0" indent="0">
+              <a:buNone/>
+            </a:pPr>
+            <a:r>
+              <a:rPr lang="ru-RU" dirty="0" smtClean="0"/>
+              <a:t>Из </a:t>
+            </a:r>
+            <a:r>
+              <a:rPr lang="ru-RU" dirty="0" smtClean="0"/>
+              <a:t>них выбираем строки</a:t>
+            </a:r>
+            <a:r>
+              <a:rPr lang="en-US" dirty="0" smtClean="0"/>
+              <a:t> </a:t>
+            </a:r>
+            <a:r>
+              <a:rPr lang="ru-RU" dirty="0" smtClean="0"/>
+              <a:t>только с комедиями и драмами.</a:t>
+            </a:r>
+          </a:p>
+          <a:p>
+            <a:pPr marL="0" indent="0">
+              <a:buNone/>
+            </a:pPr>
+            <a:endParaRPr lang="ru-RU" dirty="0"/>
+          </a:p>
+        </p:txBody>
+      </p:sp>
+      <p:pic>
+        <p:nvPicPr>
+          <p:cNvPr id="4098" name="Picture 2"/>
+          <p:cNvPicPr>
+            <a:picLocks noChangeAspect="1" noChangeArrowheads="1"/>
+          </p:cNvPicPr>
+          <p:nvPr/>
+        </p:nvPicPr>
+        <p:blipFill>
+          <a:blip r:embed="rId2">
+            <a:extLst>
+              <a:ext uri="{28A0092B-C50C-407E-A947-70E740481C1C}">
+                <a14:useLocalDpi xmlns:a14="http://schemas.microsoft.com/office/drawing/2010/main" val="0"/>
+              </a:ext>
+            </a:extLst>
+          </a:blip>
+          <a:srcRect/>
+          <a:stretch>
+            <a:fillRect/>
+          </a:stretch>
+        </p:blipFill>
+        <p:spPr bwMode="auto">
+          <a:xfrm>
+            <a:off x="940849" y="2243334"/>
+            <a:ext cx="5591976" cy="4211973"/>
+          </a:xfrm>
+          <a:prstGeom prst="rect">
+            <a:avLst/>
+          </a:prstGeom>
+          <a:noFill/>
+          <a:ln>
+            <a:noFill/>
+          </a:ln>
+          <a:effectLst/>
+          <a:extLst>
+            <a:ext uri="{909E8E84-426E-40DD-AFC4-6F175D3DCCD1}">
+              <a14:hiddenFill xmlns:a14="http://schemas.microsoft.com/office/drawing/2010/main">
+                <a:solidFill>
+                  <a:schemeClr val="accent1"/>
+                </a:solidFill>
+              </a14:hiddenFill>
+            </a:ext>
+            <a:ext uri="{91240B29-F687-4F45-9708-019B960494DF}">
+              <a14:hiddenLine xmlns:a14="http://schemas.microsoft.com/office/drawing/2010/main" w="9525">
+                <a:solidFill>
+                  <a:schemeClr val="tx1"/>
+                </a:solidFill>
+                <a:miter lim="800000"/>
+                <a:headEnd/>
+                <a:tailEnd/>
+              </a14:hiddenLine>
+            </a:ext>
+            <a:ext uri="{AF507438-7753-43E0-B8FC-AC1667EBCBE1}">
+              <a14:hiddenEffects xmlns:a14="http://schemas.microsoft.com/office/drawing/2010/main">
+                <a:effectLst>
+                  <a:outerShdw dist="35921" dir="2700000" algn="ctr" rotWithShape="0">
+                    <a:schemeClr val="bg2"/>
+                  </a:outerShdw>
+                </a:effectLst>
+              </a14:hiddenEffects>
+            </a:ext>
+          </a:extLst>
+        </p:spPr>
+      </p:pic>
+      <p:sp>
+        <p:nvSpPr>
+          <p:cNvPr id="6" name="TextBox 5"/>
+          <p:cNvSpPr txBox="1"/>
+          <p:nvPr/>
+        </p:nvSpPr>
+        <p:spPr>
+          <a:xfrm>
+            <a:off x="7077151" y="6085975"/>
+            <a:ext cx="4073237" cy="369332"/>
+          </a:xfrm>
+          <a:prstGeom prst="rect">
+            <a:avLst/>
+          </a:prstGeom>
+          <a:noFill/>
+        </p:spPr>
+        <p:txBody>
+          <a:bodyPr wrap="square" rtlCol="0">
+            <a:spAutoFit/>
+          </a:bodyPr>
+          <a:lstStyle/>
+          <a:p>
             <a:r>
               <a:rPr lang="ru-RU" dirty="0" err="1" smtClean="0"/>
-              <a:t>transformer</a:t>
-            </a:r>
-            <a:r>
-              <a:rPr lang="ru-RU" dirty="0" smtClean="0"/>
-              <a:t>-архитектурой, </a:t>
-            </a:r>
-            <a:r>
-              <a:rPr lang="ru-RU" dirty="0"/>
-              <a:t>предназначенная для решения конкретных NLP-задач, например, определение эмоциональной окраски (тональности) текста, вопросно-ответные системы, классификация текстов, построение выводов по тексту и т.д. Помимо распознавания речи, классической NLP-задачей является анализ текста, включая извлечение данных, информационный поиск и анализ высказываний. Также к обработке естественного языка относятся генерирование текстов, синтез речи, машинный перевод и автоматическое реферирование, аннотирование и упрощение текстовой информации. Таким образом, цель применения NLP-технологий – это не только распознавание живого языка средствами искусственного интеллекта, но и возможность адекватного с ним взаимодействия. Последнее, фактически, означает понимание AI-инструментом устной или письменной </a:t>
-            </a:r>
-            <a:r>
-              <a:rPr lang="ru-RU" dirty="0" smtClean="0"/>
-              <a:t>речи.</a:t>
+              <a:t>Тенировочный</a:t>
+            </a:r>
+            <a:r>
+              <a:rPr lang="ru-RU" dirty="0" smtClean="0"/>
+              <a:t> набор - 7000 строк</a:t>
             </a:r>
             <a:endParaRPr lang="ru-RU" dirty="0"/>
-          </a:p>
-          <a:p>
-            <a:r>
-              <a:rPr lang="ru-RU" b="1" dirty="0"/>
-              <a:t>BERT</a:t>
-            </a:r>
-            <a:r>
-              <a:rPr lang="ru-RU" dirty="0"/>
-              <a:t>-модель предварительно обучена без учителя на 2-х NLP-задачах: моделирование языковых масок и предсказание следующего предложения. В основу работы BERT положены самые последние достижения в области </a:t>
-            </a:r>
-            <a:r>
-              <a:rPr lang="ru-RU" dirty="0" err="1"/>
-              <a:t>нейросетей</a:t>
-            </a:r>
-            <a:r>
-              <a:rPr lang="ru-RU" dirty="0"/>
-              <a:t> и NLP-технологий, опубликованные в 2018 году (</a:t>
-            </a:r>
-            <a:r>
-              <a:rPr lang="ru-RU" dirty="0" err="1">
-                <a:hlinkClick r:id="rId2"/>
-              </a:rPr>
-              <a:t>ELMo</a:t>
-            </a:r>
-            <a:r>
-              <a:rPr lang="ru-RU" dirty="0"/>
-              <a:t>, </a:t>
-            </a:r>
-            <a:r>
-              <a:rPr lang="ru-RU" dirty="0" err="1">
-                <a:hlinkClick r:id="rId3"/>
-              </a:rPr>
-              <a:t>ULMFiT</a:t>
-            </a:r>
-            <a:r>
-              <a:rPr lang="ru-RU" dirty="0">
-                <a:hlinkClick r:id="rId3"/>
-              </a:rPr>
-              <a:t>,</a:t>
-            </a:r>
-            <a:r>
-              <a:rPr lang="ru-RU" dirty="0"/>
-              <a:t> </a:t>
-            </a:r>
-            <a:r>
-              <a:rPr lang="ru-RU" dirty="0" err="1">
-                <a:hlinkClick r:id="rId4"/>
-              </a:rPr>
-              <a:t>OpenAI</a:t>
-            </a:r>
-            <a:r>
-              <a:rPr lang="ru-RU" dirty="0">
-                <a:hlinkClick r:id="rId4"/>
-              </a:rPr>
-              <a:t> </a:t>
-            </a:r>
-            <a:r>
-              <a:rPr lang="ru-RU" dirty="0" err="1">
-                <a:hlinkClick r:id="rId4"/>
-              </a:rPr>
-              <a:t>Transformer</a:t>
-            </a:r>
-            <a:r>
-              <a:rPr lang="ru-RU" dirty="0"/>
-              <a:t> и </a:t>
-            </a:r>
-            <a:r>
-              <a:rPr lang="ru-RU" dirty="0">
-                <a:hlinkClick r:id="rId5"/>
-              </a:rPr>
-              <a:t>GPT-2</a:t>
-            </a:r>
-            <a:r>
-              <a:rPr lang="ru-RU" dirty="0"/>
-              <a:t>), которые позволяют </a:t>
-            </a:r>
-            <a:r>
-              <a:rPr lang="ru-RU" dirty="0" err="1"/>
-              <a:t>предобучать</a:t>
-            </a:r>
-            <a:r>
-              <a:rPr lang="ru-RU" dirty="0"/>
-              <a:t> языковые модели без учителя на больших корпусах данных и затем подстраивать их под конкретные </a:t>
-            </a:r>
-            <a:r>
-              <a:rPr lang="ru-RU" dirty="0" smtClean="0"/>
-              <a:t>проблемы. </a:t>
-            </a:r>
-            <a:r>
-              <a:rPr lang="ru-RU" dirty="0"/>
-              <a:t>Благодаря этому с помощью BERT можно разрабатывать эффективные ИИ-программы для обработки естественного языка: отвечать на вопросы, заданные в произвольной форме, создавать чат-ботов, выполнять автоматические переводы, анализировать текст и </a:t>
-            </a:r>
-            <a:r>
-              <a:rPr lang="ru-RU" dirty="0" smtClean="0"/>
-              <a:t>пр.</a:t>
-            </a:r>
-            <a:endParaRPr lang="en-US" dirty="0" smtClean="0"/>
           </a:p>
         </p:txBody>
       </p:sp>
     </p:spTree>
     <p:extLst>
       <p:ext uri="{BB962C8B-B14F-4D97-AF65-F5344CB8AC3E}">
-        <p14:creationId xmlns:p14="http://schemas.microsoft.com/office/powerpoint/2010/main" val="3161654792"/>
+        <p14:creationId xmlns:p14="http://schemas.microsoft.com/office/powerpoint/2010/main" val="3079924362"/>
       </p:ext>
     </p:extLst>
   </p:cSld>
@@ -4127,24 +4198,24 @@
               <a:t> </a:t>
             </a:r>
             <a:r>
-              <a:rPr lang="en-US" dirty="0" err="1" smtClean="0"/>
-              <a:t>I</a:t>
-            </a:r>
-            <a:r>
-              <a:rPr lang="en-US" dirty="0"/>
-              <a:t> </a:t>
-            </a:r>
-            <a:r>
               <a:rPr lang="en-US" dirty="0" err="1"/>
               <a:t>I</a:t>
             </a:r>
             <a:r>
               <a:rPr lang="en-US" dirty="0" smtClean="0"/>
-              <a:t> – </a:t>
-            </a:r>
-            <a:r>
-              <a:rPr lang="ru-RU" dirty="0" smtClean="0"/>
-              <a:t>Предсказания Берты</a:t>
+              <a:t> – S</a:t>
+            </a:r>
+            <a:r>
+              <a:rPr lang="ru-RU" dirty="0" err="1" smtClean="0"/>
+              <a:t>entiment</a:t>
+            </a:r>
+            <a:r>
+              <a:rPr lang="ru-RU" dirty="0" smtClean="0"/>
+              <a:t> </a:t>
+            </a:r>
+            <a:r>
+              <a:rPr lang="ru-RU" dirty="0" err="1" smtClean="0"/>
+              <a:t>analysis</a:t>
             </a:r>
             <a:endParaRPr lang="ru-RU" dirty="0"/>
           </a:p>
@@ -4162,13 +4233,13 @@
         </p:nvSpPr>
         <p:spPr>
           <a:xfrm>
-            <a:off x="841978" y="1651813"/>
-            <a:ext cx="10588021" cy="1661944"/>
+            <a:off x="838199" y="1258848"/>
+            <a:ext cx="10588021" cy="437704"/>
           </a:xfrm>
         </p:spPr>
         <p:txBody>
           <a:bodyPr>
-            <a:normAutofit/>
+            <a:normAutofit fontScale="92500" lnSpcReduction="10000"/>
           </a:bodyPr>
           <a:lstStyle/>
           <a:p>
@@ -4176,44 +4247,8 @@
               <a:buNone/>
             </a:pPr>
             <a:r>
-              <a:rPr lang="ru-RU" dirty="0"/>
-              <a:t>Одним из классических NLP-кейсов считается задача классификации текста, которая предполагает, что каждый документ принадлежит одному или нескольким классам (</a:t>
-            </a:r>
-            <a:r>
-              <a:rPr lang="ru-RU" dirty="0" smtClean="0"/>
-              <a:t>меткам)</a:t>
-            </a:r>
-            <a:r>
-              <a:rPr lang="en-US" dirty="0" smtClean="0"/>
-              <a:t> </a:t>
-            </a:r>
-            <a:r>
-              <a:rPr lang="ru-RU" dirty="0" smtClean="0"/>
-              <a:t>например</a:t>
-            </a:r>
-            <a:r>
-              <a:rPr lang="en-US" dirty="0"/>
-              <a:t>,</a:t>
-            </a:r>
-            <a:r>
-              <a:rPr lang="en-US" dirty="0" smtClean="0"/>
-              <a:t> </a:t>
-            </a:r>
-            <a:r>
-              <a:rPr lang="ru-RU" dirty="0" smtClean="0"/>
-              <a:t>определение </a:t>
-            </a:r>
-            <a:r>
-              <a:rPr lang="ru-RU" dirty="0"/>
-              <a:t>жанра у </a:t>
-            </a:r>
-            <a:r>
-              <a:rPr lang="ru-RU" dirty="0" smtClean="0"/>
-              <a:t>фильма</a:t>
-            </a:r>
-            <a:r>
-              <a:rPr lang="en-US" dirty="0"/>
-              <a:t>.</a:t>
+              <a:rPr lang="ru-RU" dirty="0" smtClean="0"/>
+              <a:t>В итоге получаем следующий результат:</a:t>
             </a:r>
             <a:endParaRPr lang="ru-RU" dirty="0"/>
           </a:p>
@@ -4221,7 +4256,7 @@
       </p:sp>
       <p:pic>
         <p:nvPicPr>
-          <p:cNvPr id="1026" name="Picture 2" descr="Рис. 2. Бинарная и мультиклассовая классификации"/>
+          <p:cNvPr id="5122" name="Picture 2"/>
           <p:cNvPicPr>
             <a:picLocks noChangeAspect="1" noChangeArrowheads="1"/>
           </p:cNvPicPr>
@@ -4242,20 +4277,107 @@
         </p:blipFill>
         <p:spPr bwMode="auto">
           <a:xfrm>
-            <a:off x="956619" y="3492604"/>
-            <a:ext cx="4886325" cy="2552700"/>
+            <a:off x="940848" y="1701852"/>
+            <a:ext cx="6423473" cy="4846772"/>
           </a:xfrm>
           <a:prstGeom prst="rect">
             <a:avLst/>
           </a:prstGeom>
           <a:noFill/>
+          <a:ln>
+            <a:noFill/>
+          </a:ln>
+          <a:effectLst/>
           <a:extLst>
             <a:ext uri="{909E8E84-426E-40DD-AFC4-6F175D3DCCD1}">
               <a14:hiddenFill xmlns:a14="http://schemas.microsoft.com/office/drawing/2010/main">
                 <a:solidFill>
-                  <a:srgbClr val="FFFFFF"/>
+                  <a:schemeClr val="accent1"/>
                 </a:solidFill>
               </a14:hiddenFill>
+            </a:ext>
+            <a:ext uri="{91240B29-F687-4F45-9708-019B960494DF}">
+              <a14:hiddenLine xmlns:a14="http://schemas.microsoft.com/office/drawing/2010/main" w="9525">
+                <a:solidFill>
+                  <a:schemeClr val="tx1"/>
+                </a:solidFill>
+                <a:miter lim="800000"/>
+                <a:headEnd/>
+                <a:tailEnd/>
+              </a14:hiddenLine>
+            </a:ext>
+            <a:ext uri="{AF507438-7753-43E0-B8FC-AC1667EBCBE1}">
+              <a14:hiddenEffects xmlns:a14="http://schemas.microsoft.com/office/drawing/2010/main">
+                <a:effectLst>
+                  <a:outerShdw dist="35921" dir="2700000" algn="ctr" rotWithShape="0">
+                    <a:schemeClr val="bg2"/>
+                  </a:outerShdw>
+                </a:effectLst>
+              </a14:hiddenEffects>
+            </a:ext>
+          </a:extLst>
+        </p:spPr>
+      </p:pic>
+      <p:pic>
+        <p:nvPicPr>
+          <p:cNvPr id="5123" name="Picture 3"/>
+          <p:cNvPicPr>
+            <a:picLocks noChangeAspect="1" noChangeArrowheads="1"/>
+          </p:cNvPicPr>
+          <p:nvPr/>
+        </p:nvPicPr>
+        <p:blipFill>
+          <a:blip r:embed="rId3">
+            <a:extLst>
+              <a:ext uri="{28A0092B-C50C-407E-A947-70E740481C1C}">
+                <a14:useLocalDpi xmlns:a14="http://schemas.microsoft.com/office/drawing/2010/main" val="0"/>
+              </a:ext>
+            </a:extLst>
+          </a:blip>
+          <a:srcRect/>
+          <a:stretch>
+            <a:fillRect/>
+          </a:stretch>
+        </p:blipFill>
+        <p:spPr bwMode="auto">
+          <a:xfrm>
+            <a:off x="7904370" y="3402235"/>
+            <a:ext cx="3671433" cy="1041295"/>
+          </a:xfrm>
+          <a:prstGeom prst="rect">
+            <a:avLst/>
+          </a:prstGeom>
+          <a:noFill/>
+          <a:ln>
+            <a:noFill/>
+          </a:ln>
+          <a:effectLst/>
+          <a:extLst>
+            <a:ext uri="{909E8E84-426E-40DD-AFC4-6F175D3DCCD1}">
+              <a14:hiddenFill xmlns:a14="http://schemas.microsoft.com/office/drawing/2010/main">
+                <a:solidFill>
+                  <a:schemeClr val="accent1"/>
+                </a:solidFill>
+              </a14:hiddenFill>
+            </a:ext>
+            <a:ext uri="{91240B29-F687-4F45-9708-019B960494DF}">
+              <a14:hiddenLine xmlns:a14="http://schemas.microsoft.com/office/drawing/2010/main" w="9525">
+                <a:solidFill>
+                  <a:schemeClr val="tx1"/>
+                </a:solidFill>
+                <a:miter lim="800000"/>
+                <a:headEnd/>
+                <a:tailEnd/>
+              </a14:hiddenLine>
+            </a:ext>
+            <a:ext uri="{AF507438-7753-43E0-B8FC-AC1667EBCBE1}">
+              <a14:hiddenEffects xmlns:a14="http://schemas.microsoft.com/office/drawing/2010/main">
+                <a:effectLst>
+                  <a:outerShdw dist="35921" dir="2700000" algn="ctr" rotWithShape="0">
+                    <a:schemeClr val="bg2"/>
+                  </a:outerShdw>
+                </a:effectLst>
+              </a14:hiddenEffects>
             </a:ext>
           </a:extLst>
         </p:spPr>
@@ -4263,7 +4385,7 @@
     </p:spTree>
     <p:extLst>
       <p:ext uri="{BB962C8B-B14F-4D97-AF65-F5344CB8AC3E}">
-        <p14:creationId xmlns:p14="http://schemas.microsoft.com/office/powerpoint/2010/main" val="3035956862"/>
+        <p14:creationId xmlns:p14="http://schemas.microsoft.com/office/powerpoint/2010/main" val="2944414536"/>
       </p:ext>
     </p:extLst>
   </p:cSld>
@@ -4318,24 +4440,24 @@
               <a:t> </a:t>
             </a:r>
             <a:r>
-              <a:rPr lang="en-US" dirty="0" err="1" smtClean="0"/>
-              <a:t>I</a:t>
-            </a:r>
-            <a:r>
-              <a:rPr lang="en-US" dirty="0"/>
-              <a:t> </a:t>
-            </a:r>
-            <a:r>
               <a:rPr lang="en-US" dirty="0" err="1"/>
               <a:t>I</a:t>
             </a:r>
             <a:r>
               <a:rPr lang="en-US" dirty="0" smtClean="0"/>
-              <a:t> – </a:t>
-            </a:r>
-            <a:r>
-              <a:rPr lang="ru-RU" dirty="0" smtClean="0"/>
-              <a:t>Предсказания Берты</a:t>
+              <a:t> – S</a:t>
+            </a:r>
+            <a:r>
+              <a:rPr lang="ru-RU" dirty="0" err="1" smtClean="0"/>
+              <a:t>entiment</a:t>
+            </a:r>
+            <a:r>
+              <a:rPr lang="ru-RU" dirty="0" smtClean="0"/>
+              <a:t> </a:t>
+            </a:r>
+            <a:r>
+              <a:rPr lang="ru-RU" dirty="0" err="1" smtClean="0"/>
+              <a:t>analysis</a:t>
             </a:r>
             <a:endParaRPr lang="ru-RU" dirty="0"/>
           </a:p>
@@ -4353,13 +4475,13 @@
         </p:nvSpPr>
         <p:spPr>
           <a:xfrm>
-            <a:off x="830643" y="1270182"/>
-            <a:ext cx="10588021" cy="2107414"/>
+            <a:off x="838199" y="1258848"/>
+            <a:ext cx="10588021" cy="1835754"/>
           </a:xfrm>
         </p:spPr>
         <p:txBody>
           <a:bodyPr>
-            <a:normAutofit fontScale="25000" lnSpcReduction="20000"/>
+            <a:normAutofit fontScale="92500"/>
           </a:bodyPr>
           <a:lstStyle/>
           <a:p>
@@ -4367,252 +4489,124 @@
               <a:buNone/>
             </a:pPr>
             <a:r>
-              <a:rPr lang="ru-RU" sz="4800" dirty="0" smtClean="0"/>
-              <a:t>Результаты обучения </a:t>
-            </a:r>
-            <a:r>
-              <a:rPr lang="en-US" sz="4800" dirty="0" smtClean="0"/>
-              <a:t>BERT </a:t>
-            </a:r>
-            <a:r>
-              <a:rPr lang="ru-RU" sz="4800" dirty="0" smtClean="0"/>
-              <a:t>на </a:t>
-            </a:r>
-            <a:r>
-              <a:rPr lang="ru-RU" sz="4800" dirty="0" err="1" smtClean="0"/>
-              <a:t>датасете</a:t>
-            </a:r>
-            <a:r>
-              <a:rPr lang="ru-RU" sz="4800" dirty="0" smtClean="0"/>
+              <a:rPr lang="ru-RU" dirty="0" smtClean="0"/>
+              <a:t>Делаем тренировочный набор данных, из столбцов «</a:t>
+            </a:r>
+            <a:r>
+              <a:rPr lang="en-US" dirty="0" smtClean="0"/>
+              <a:t>Plot</a:t>
+            </a:r>
+            <a:r>
+              <a:rPr lang="ru-RU" dirty="0" smtClean="0"/>
+              <a:t>» и «</a:t>
+            </a:r>
+            <a:r>
+              <a:rPr lang="en-US" dirty="0" smtClean="0"/>
+              <a:t>Genre</a:t>
+            </a:r>
+            <a:r>
+              <a:rPr lang="ru-RU" dirty="0" smtClean="0"/>
+              <a:t>»</a:t>
+            </a:r>
+          </a:p>
+          <a:p>
+            <a:pPr marL="0" indent="0">
+              <a:buNone/>
+            </a:pPr>
+            <a:r>
+              <a:rPr lang="ru-RU" dirty="0" smtClean="0"/>
+              <a:t>них выбираем строки</a:t>
+            </a:r>
+            <a:r>
+              <a:rPr lang="en-US" dirty="0" smtClean="0"/>
               <a:t> </a:t>
             </a:r>
             <a:r>
-              <a:rPr lang="en-US" sz="4800" dirty="0"/>
-              <a:t>wiki_movie_plots_deduped.csv</a:t>
-            </a:r>
-            <a:r>
-              <a:rPr lang="ru-RU" sz="4800" dirty="0" smtClean="0"/>
-              <a:t>:</a:t>
-            </a:r>
+              <a:rPr lang="ru-RU" dirty="0" smtClean="0"/>
+              <a:t>со следующим списком жанров:</a:t>
+            </a:r>
+            <a:endParaRPr lang="ru-RU" dirty="0"/>
           </a:p>
           <a:p>
             <a:pPr marL="0" indent="0">
               <a:buNone/>
             </a:pPr>
             <a:r>
-              <a:rPr lang="ru-RU" sz="4800" dirty="0" smtClean="0"/>
-              <a:t>Подготовка данных:</a:t>
-            </a:r>
-          </a:p>
-          <a:p>
-            <a:r>
-              <a:rPr lang="ru-RU" sz="4800" dirty="0" smtClean="0"/>
-              <a:t>Из общего </a:t>
-            </a:r>
-            <a:r>
-              <a:rPr lang="ru-RU" sz="4800" dirty="0" err="1" smtClean="0"/>
-              <a:t>датасета</a:t>
-            </a:r>
-            <a:r>
-              <a:rPr lang="ru-RU" sz="4800" dirty="0" smtClean="0"/>
-              <a:t> выбрали столбцы</a:t>
-            </a:r>
-            <a:r>
-              <a:rPr lang="en-US" sz="4800" dirty="0" smtClean="0"/>
+              <a:rPr lang="en-US" dirty="0"/>
+              <a:t>['drama</a:t>
+            </a:r>
+            <a:r>
+              <a:rPr lang="en-US" dirty="0" smtClean="0"/>
+              <a:t>',</a:t>
+            </a:r>
+            <a:r>
+              <a:rPr lang="ru-RU" dirty="0" smtClean="0"/>
               <a:t> </a:t>
             </a:r>
             <a:r>
-              <a:rPr lang="ru-RU" sz="4800" dirty="0" smtClean="0"/>
-              <a:t>«</a:t>
-            </a:r>
-            <a:r>
-              <a:rPr lang="en-US" sz="4800" dirty="0" smtClean="0"/>
-              <a:t>Plot</a:t>
-            </a:r>
-            <a:r>
-              <a:rPr lang="ru-RU" sz="4800" dirty="0" smtClean="0"/>
-              <a:t>» и «</a:t>
-            </a:r>
-            <a:r>
-              <a:rPr lang="en-US" sz="4800" dirty="0" smtClean="0"/>
-              <a:t>Genre</a:t>
-            </a:r>
-            <a:r>
-              <a:rPr lang="ru-RU" sz="4800" dirty="0" smtClean="0"/>
-              <a:t>»</a:t>
-            </a:r>
-          </a:p>
-          <a:p>
-            <a:r>
-              <a:rPr lang="ru-RU" sz="4800" dirty="0" smtClean="0"/>
-              <a:t>Преобразование жанров</a:t>
-            </a:r>
-            <a:r>
-              <a:rPr lang="en-US" sz="4800" dirty="0" smtClean="0"/>
-              <a:t>: </a:t>
-            </a:r>
-            <a:endParaRPr lang="ru-RU" sz="4800" dirty="0" smtClean="0"/>
-          </a:p>
-          <a:p>
-            <a:pPr lvl="1"/>
-            <a:r>
-              <a:rPr lang="en-US" sz="4400" dirty="0" smtClean="0"/>
-              <a:t>1</a:t>
-            </a:r>
-            <a:r>
-              <a:rPr lang="en-US" sz="4400" dirty="0"/>
-              <a:t>) </a:t>
-            </a:r>
-            <a:r>
-              <a:rPr lang="ru-RU" sz="4400" dirty="0" smtClean="0"/>
-              <a:t>«</a:t>
-            </a:r>
-            <a:r>
-              <a:rPr lang="en-US" sz="4400" dirty="0" smtClean="0"/>
-              <a:t>sci-fi</a:t>
-            </a:r>
-            <a:r>
-              <a:rPr lang="ru-RU" sz="4400" dirty="0" smtClean="0"/>
-              <a:t>»</a:t>
-            </a:r>
-            <a:r>
-              <a:rPr lang="en-US" sz="4400" dirty="0" smtClean="0"/>
+              <a:rPr lang="en-US" dirty="0" smtClean="0"/>
+              <a:t>'comedy',</a:t>
+            </a:r>
+            <a:r>
+              <a:rPr lang="ru-RU" dirty="0" smtClean="0"/>
               <a:t> </a:t>
             </a:r>
             <a:r>
-              <a:rPr lang="ru-RU" sz="4400" dirty="0" smtClean="0">
-                <a:sym typeface="Wingdings" pitchFamily="2" charset="2"/>
-              </a:rPr>
-              <a:t></a:t>
-            </a:r>
-            <a:r>
-              <a:rPr lang="en-US" sz="4400" dirty="0" smtClean="0"/>
+              <a:rPr lang="en-US" dirty="0" smtClean="0"/>
+              <a:t>'western',</a:t>
+            </a:r>
+            <a:r>
+              <a:rPr lang="ru-RU" dirty="0" smtClean="0"/>
               <a:t> </a:t>
             </a:r>
             <a:r>
-              <a:rPr lang="ru-RU" sz="4400" dirty="0" smtClean="0"/>
-              <a:t>«</a:t>
-            </a:r>
-            <a:r>
-              <a:rPr lang="en-US" sz="4400" dirty="0" smtClean="0"/>
-              <a:t>science fiction</a:t>
-            </a:r>
-            <a:r>
-              <a:rPr lang="ru-RU" sz="4400" dirty="0" smtClean="0"/>
-              <a:t>»</a:t>
-            </a:r>
-          </a:p>
-          <a:p>
-            <a:pPr lvl="1"/>
-            <a:r>
-              <a:rPr lang="en-US" sz="4400" dirty="0" smtClean="0"/>
-              <a:t>2</a:t>
-            </a:r>
-            <a:r>
-              <a:rPr lang="en-US" sz="4400" dirty="0"/>
-              <a:t>) </a:t>
-            </a:r>
-            <a:r>
-              <a:rPr lang="ru-RU" sz="4400" dirty="0" smtClean="0"/>
-              <a:t>«</a:t>
-            </a:r>
-            <a:r>
-              <a:rPr lang="en-US" sz="4400" dirty="0" smtClean="0"/>
-              <a:t>romantic comedy</a:t>
-            </a:r>
-            <a:r>
-              <a:rPr lang="ru-RU" sz="4400" dirty="0" smtClean="0"/>
-              <a:t>»</a:t>
-            </a:r>
-            <a:r>
-              <a:rPr lang="en-US" sz="4400" dirty="0" smtClean="0"/>
+              <a:rPr lang="en-US" dirty="0" smtClean="0"/>
+              <a:t>'horror',</a:t>
+            </a:r>
+            <a:r>
+              <a:rPr lang="ru-RU" dirty="0" smtClean="0"/>
               <a:t> </a:t>
             </a:r>
             <a:r>
-              <a:rPr lang="en-US" sz="4400" dirty="0" smtClean="0">
-                <a:sym typeface="Wingdings" pitchFamily="2" charset="2"/>
-              </a:rPr>
-              <a:t></a:t>
-            </a:r>
-            <a:r>
-              <a:rPr lang="en-US" sz="4400" dirty="0" smtClean="0"/>
+              <a:rPr lang="en-US" dirty="0" smtClean="0"/>
+              <a:t>'action',</a:t>
+            </a:r>
+            <a:r>
+              <a:rPr lang="ru-RU" dirty="0" smtClean="0"/>
               <a:t> </a:t>
             </a:r>
             <a:r>
-              <a:rPr lang="ru-RU" sz="4400" dirty="0" smtClean="0"/>
-              <a:t>«</a:t>
-            </a:r>
-            <a:r>
-              <a:rPr lang="en-US" sz="4400" dirty="0" smtClean="0"/>
-              <a:t>romance</a:t>
-            </a:r>
-            <a:r>
-              <a:rPr lang="ru-RU" sz="4400" dirty="0" smtClean="0"/>
-              <a:t>»</a:t>
-            </a:r>
-            <a:endParaRPr lang="en-US" sz="4400" dirty="0" smtClean="0"/>
-          </a:p>
-          <a:p>
-            <a:r>
-              <a:rPr lang="ru-RU" sz="4800" dirty="0" smtClean="0"/>
-              <a:t>Выбрали жанры встречающиеся более 200 раз</a:t>
-            </a:r>
-          </a:p>
-          <a:p>
-            <a:r>
-              <a:rPr lang="ru-RU" sz="4800" dirty="0" smtClean="0"/>
-              <a:t>Выбрали примерно равное </a:t>
-            </a:r>
-            <a:r>
-              <a:rPr lang="ru-RU" sz="4800" dirty="0"/>
-              <a:t>количества сюжетов фильмов из разных жанров (чтобы уменьшить проблемы классового </a:t>
-            </a:r>
-            <a:r>
-              <a:rPr lang="ru-RU" sz="4800" dirty="0" smtClean="0"/>
-              <a:t>дисбаланса)</a:t>
-            </a:r>
-          </a:p>
-          <a:p>
-            <a:r>
-              <a:rPr lang="ru-RU" sz="4800" dirty="0" smtClean="0"/>
-              <a:t>Добавили с</a:t>
-            </a:r>
-            <a:r>
-              <a:rPr lang="ru-RU" sz="4800" dirty="0"/>
-              <a:t>т</a:t>
-            </a:r>
-            <a:r>
-              <a:rPr lang="ru-RU" sz="4800" dirty="0" smtClean="0"/>
-              <a:t>олбец с кодом жанра «</a:t>
-            </a:r>
-            <a:r>
-              <a:rPr lang="en-US" sz="4800" dirty="0" err="1" smtClean="0"/>
-              <a:t>genre_encoded</a:t>
-            </a:r>
-            <a:r>
-              <a:rPr lang="ru-RU" sz="4800" dirty="0" smtClean="0"/>
-              <a:t>»</a:t>
+              <a:rPr lang="en-US" dirty="0" smtClean="0"/>
+              <a:t>'thriller',</a:t>
+            </a:r>
+            <a:r>
+              <a:rPr lang="ru-RU" dirty="0" smtClean="0"/>
+              <a:t> </a:t>
+            </a:r>
+            <a:r>
+              <a:rPr lang="en-US" dirty="0" smtClean="0"/>
+              <a:t>'adventure',</a:t>
+            </a:r>
+            <a:r>
+              <a:rPr lang="ru-RU" dirty="0" smtClean="0"/>
+              <a:t> </a:t>
+            </a:r>
+            <a:r>
+              <a:rPr lang="en-US" dirty="0" smtClean="0"/>
+              <a:t>'crime',</a:t>
+            </a:r>
+            <a:r>
+              <a:rPr lang="ru-RU" dirty="0" smtClean="0"/>
+              <a:t> </a:t>
+            </a:r>
+            <a:r>
+              <a:rPr lang="en-US" dirty="0" smtClean="0"/>
+              <a:t>'musical</a:t>
             </a:r>
             <a:r>
               <a:rPr lang="en-US" dirty="0"/>
-              <a:t/>
-            </a:r>
-            <a:br>
-              <a:rPr lang="en-US" dirty="0"/>
-            </a:br>
-            <a:endParaRPr lang="en-US" dirty="0"/>
-          </a:p>
-          <a:p>
-            <a:pPr marL="0" indent="0">
-              <a:buNone/>
-            </a:pPr>
-            <a:endParaRPr lang="ru-RU" dirty="0" smtClean="0"/>
-          </a:p>
-          <a:p>
-            <a:pPr marL="0" indent="0">
-              <a:buNone/>
-            </a:pPr>
-            <a:endParaRPr lang="ru-RU" dirty="0"/>
+              <a:t>']</a:t>
+            </a:r>
           </a:p>
           <a:p>
             <a:pPr marL="0" indent="0">
@@ -4645,8 +4639,8 @@
         </p:blipFill>
         <p:spPr bwMode="auto">
           <a:xfrm>
-            <a:off x="880392" y="3377596"/>
-            <a:ext cx="4811083" cy="3254910"/>
+            <a:off x="974856" y="2997227"/>
+            <a:ext cx="4224508" cy="3236291"/>
           </a:xfrm>
           <a:prstGeom prst="rect">
             <a:avLst/>
@@ -4686,10 +4680,44 @@
           </a:extLst>
         </p:spPr>
       </p:pic>
+      <p:sp>
+        <p:nvSpPr>
+          <p:cNvPr id="4" name="TextBox 3"/>
+          <p:cNvSpPr txBox="1"/>
+          <p:nvPr/>
+        </p:nvSpPr>
+        <p:spPr>
+          <a:xfrm>
+            <a:off x="5985161" y="5864186"/>
+            <a:ext cx="4073237" cy="369332"/>
+          </a:xfrm>
+          <a:prstGeom prst="rect">
+            <a:avLst/>
+          </a:prstGeom>
+          <a:noFill/>
+        </p:spPr>
+        <p:txBody>
+          <a:bodyPr wrap="square" rtlCol="0">
+            <a:spAutoFit/>
+          </a:bodyPr>
+          <a:lstStyle/>
+          <a:p>
+            <a:r>
+              <a:rPr lang="ru-RU" dirty="0" err="1" smtClean="0"/>
+              <a:t>Тенировочный</a:t>
+            </a:r>
+            <a:r>
+              <a:rPr lang="ru-RU" dirty="0" smtClean="0"/>
+              <a:t> набор - 9000 строк</a:t>
+            </a:r>
+            <a:endParaRPr lang="ru-RU" dirty="0"/>
+          </a:p>
+        </p:txBody>
+      </p:sp>
     </p:spTree>
     <p:extLst>
       <p:ext uri="{BB962C8B-B14F-4D97-AF65-F5344CB8AC3E}">
-        <p14:creationId xmlns:p14="http://schemas.microsoft.com/office/powerpoint/2010/main" val="3035956862"/>
+        <p14:creationId xmlns:p14="http://schemas.microsoft.com/office/powerpoint/2010/main" val="3079924362"/>
       </p:ext>
     </p:extLst>
   </p:cSld>
@@ -4744,24 +4772,24 @@
               <a:t> </a:t>
             </a:r>
             <a:r>
-              <a:rPr lang="en-US" dirty="0" err="1" smtClean="0"/>
-              <a:t>I</a:t>
-            </a:r>
-            <a:r>
-              <a:rPr lang="en-US" dirty="0"/>
-              <a:t> </a:t>
-            </a:r>
-            <a:r>
               <a:rPr lang="en-US" dirty="0" err="1"/>
               <a:t>I</a:t>
             </a:r>
             <a:r>
               <a:rPr lang="en-US" dirty="0" smtClean="0"/>
-              <a:t> – </a:t>
-            </a:r>
-            <a:r>
-              <a:rPr lang="ru-RU" dirty="0" smtClean="0"/>
-              <a:t>Предсказания Берты</a:t>
+              <a:t> – S</a:t>
+            </a:r>
+            <a:r>
+              <a:rPr lang="ru-RU" dirty="0" err="1" smtClean="0"/>
+              <a:t>entiment</a:t>
+            </a:r>
+            <a:r>
+              <a:rPr lang="ru-RU" dirty="0" smtClean="0"/>
+              <a:t> </a:t>
+            </a:r>
+            <a:r>
+              <a:rPr lang="ru-RU" dirty="0" err="1" smtClean="0"/>
+              <a:t>analysis</a:t>
             </a:r>
             <a:endParaRPr lang="ru-RU" dirty="0"/>
           </a:p>
@@ -4779,13 +4807,13 @@
         </p:nvSpPr>
         <p:spPr>
           <a:xfrm>
-            <a:off x="826864" y="1281518"/>
-            <a:ext cx="10588021" cy="4843451"/>
+            <a:off x="838199" y="1258848"/>
+            <a:ext cx="10588021" cy="437704"/>
           </a:xfrm>
         </p:spPr>
         <p:txBody>
           <a:bodyPr>
-            <a:normAutofit fontScale="85000" lnSpcReduction="20000"/>
+            <a:normAutofit fontScale="92500" lnSpcReduction="10000"/>
           </a:bodyPr>
           <a:lstStyle/>
           <a:p>
@@ -4794,189 +4822,144 @@
             </a:pPr>
             <a:r>
               <a:rPr lang="ru-RU" dirty="0" smtClean="0"/>
-              <a:t>Аргументы построения модели</a:t>
-            </a:r>
-            <a:r>
-              <a:rPr lang="en-US" dirty="0"/>
-              <a:t> (wiki_movie_plots_deduped.csv)</a:t>
-            </a:r>
-            <a:r>
-              <a:rPr lang="ru-RU" dirty="0" smtClean="0"/>
-              <a:t>:</a:t>
-            </a:r>
-          </a:p>
-          <a:p>
-            <a:pPr marL="0" indent="0">
-              <a:buNone/>
-            </a:pPr>
-            <a:r>
-              <a:rPr lang="en-US" dirty="0" err="1"/>
-              <a:t>model_args</a:t>
-            </a:r>
-            <a:r>
-              <a:rPr lang="en-US" dirty="0"/>
-              <a:t> = {</a:t>
-            </a:r>
-          </a:p>
-          <a:p>
-            <a:pPr marL="0" indent="0">
-              <a:buNone/>
-            </a:pPr>
-            <a:r>
-              <a:rPr lang="en-US" dirty="0"/>
-              <a:t> </a:t>
-            </a:r>
-            <a:r>
-              <a:rPr lang="en-US" dirty="0" smtClean="0"/>
-              <a:t>   "</a:t>
-            </a:r>
-            <a:r>
-              <a:rPr lang="en-US" dirty="0" err="1" smtClean="0"/>
-              <a:t>reprocess_input_data</a:t>
-            </a:r>
-            <a:r>
-              <a:rPr lang="en-US" dirty="0" smtClean="0"/>
-              <a:t>": True,</a:t>
-            </a:r>
-          </a:p>
-          <a:p>
-            <a:pPr marL="0" indent="0">
-              <a:buNone/>
-            </a:pPr>
-            <a:r>
-              <a:rPr lang="en-US" dirty="0" smtClean="0"/>
-              <a:t>    "</a:t>
-            </a:r>
-            <a:r>
-              <a:rPr lang="en-US" dirty="0" err="1" smtClean="0"/>
-              <a:t>overwrite_output_dir</a:t>
-            </a:r>
-            <a:r>
-              <a:rPr lang="en-US" dirty="0" smtClean="0"/>
-              <a:t>": True,</a:t>
-            </a:r>
-          </a:p>
-          <a:p>
-            <a:pPr marL="0" indent="0">
-              <a:buNone/>
-            </a:pPr>
-            <a:r>
-              <a:rPr lang="en-US" dirty="0" smtClean="0"/>
-              <a:t>    "</a:t>
-            </a:r>
-            <a:r>
-              <a:rPr lang="en-US" dirty="0" err="1" smtClean="0"/>
-              <a:t>save_model_every_epoch</a:t>
-            </a:r>
-            <a:r>
-              <a:rPr lang="en-US" dirty="0" smtClean="0"/>
-              <a:t>": False,</a:t>
-            </a:r>
-          </a:p>
-          <a:p>
-            <a:pPr marL="0" indent="0">
-              <a:buNone/>
-            </a:pPr>
-            <a:r>
-              <a:rPr lang="en-US" dirty="0" smtClean="0"/>
-              <a:t>    "</a:t>
-            </a:r>
-            <a:r>
-              <a:rPr lang="en-US" dirty="0" err="1" smtClean="0"/>
-              <a:t>save_eval_checkpoints</a:t>
-            </a:r>
-            <a:r>
-              <a:rPr lang="en-US" dirty="0" smtClean="0"/>
-              <a:t>": False,</a:t>
-            </a:r>
-          </a:p>
-          <a:p>
-            <a:pPr marL="0" indent="0">
-              <a:buNone/>
-            </a:pPr>
-            <a:r>
-              <a:rPr lang="en-US" dirty="0" smtClean="0"/>
-              <a:t>    "</a:t>
-            </a:r>
-            <a:r>
-              <a:rPr lang="en-US" dirty="0" err="1" smtClean="0"/>
-              <a:t>max_seq_length</a:t>
-            </a:r>
-            <a:r>
-              <a:rPr lang="en-US" dirty="0" smtClean="0"/>
-              <a:t>": 512,</a:t>
-            </a:r>
-          </a:p>
-          <a:p>
-            <a:pPr marL="0" indent="0">
-              <a:buNone/>
-            </a:pPr>
-            <a:r>
-              <a:rPr lang="en-US" dirty="0"/>
-              <a:t>    "</a:t>
-            </a:r>
-            <a:r>
-              <a:rPr lang="en-US" dirty="0" err="1"/>
-              <a:t>train_batch_size</a:t>
-            </a:r>
-            <a:r>
-              <a:rPr lang="en-US" dirty="0"/>
-              <a:t>": 16,</a:t>
-            </a:r>
-          </a:p>
-          <a:p>
-            <a:pPr marL="0" indent="0">
-              <a:buNone/>
-            </a:pPr>
-            <a:r>
-              <a:rPr lang="en-US" dirty="0"/>
-              <a:t>    "</a:t>
-            </a:r>
-            <a:r>
-              <a:rPr lang="en-US" dirty="0" err="1"/>
-              <a:t>num_train_epochs</a:t>
-            </a:r>
-            <a:r>
-              <a:rPr lang="en-US" dirty="0"/>
-              <a:t>": 4,</a:t>
-            </a:r>
-          </a:p>
-          <a:p>
-            <a:pPr marL="0" indent="0">
-              <a:buNone/>
-            </a:pPr>
-            <a:r>
-              <a:rPr lang="en-US" dirty="0"/>
-              <a:t>}</a:t>
-            </a:r>
-          </a:p>
-          <a:p>
-            <a:pPr marL="0" indent="0">
-              <a:buNone/>
-            </a:pPr>
-            <a:endParaRPr lang="ru-RU" dirty="0" smtClean="0"/>
-          </a:p>
-          <a:p>
-            <a:pPr marL="0" indent="0">
-              <a:buNone/>
-            </a:pPr>
-            <a:r>
-              <a:rPr lang="ru-RU" dirty="0"/>
-              <a:t>Определили тестовую выборку равную 30% </a:t>
-            </a:r>
-          </a:p>
-          <a:p>
-            <a:pPr marL="0" indent="0">
-              <a:buNone/>
-            </a:pPr>
+              <a:t>В итоге получаем следующий результат:</a:t>
+            </a:r>
             <a:endParaRPr lang="ru-RU" dirty="0"/>
           </a:p>
         </p:txBody>
       </p:sp>
+      <p:pic>
+        <p:nvPicPr>
+          <p:cNvPr id="3074" name="Picture 2"/>
+          <p:cNvPicPr>
+            <a:picLocks noChangeAspect="1" noChangeArrowheads="1"/>
+          </p:cNvPicPr>
+          <p:nvPr/>
+        </p:nvPicPr>
+        <p:blipFill>
+          <a:blip r:embed="rId2">
+            <a:extLst>
+              <a:ext uri="{28A0092B-C50C-407E-A947-70E740481C1C}">
+                <a14:useLocalDpi xmlns:a14="http://schemas.microsoft.com/office/drawing/2010/main" val="0"/>
+              </a:ext>
+            </a:extLst>
+          </a:blip>
+          <a:srcRect/>
+          <a:stretch>
+            <a:fillRect/>
+          </a:stretch>
+        </p:blipFill>
+        <p:spPr bwMode="auto">
+          <a:xfrm>
+            <a:off x="900078" y="1830933"/>
+            <a:ext cx="6408400" cy="4558532"/>
+          </a:xfrm>
+          <a:prstGeom prst="rect">
+            <a:avLst/>
+          </a:prstGeom>
+          <a:noFill/>
+          <a:ln>
+            <a:noFill/>
+          </a:ln>
+          <a:effectLst/>
+          <a:extLst>
+            <a:ext uri="{909E8E84-426E-40DD-AFC4-6F175D3DCCD1}">
+              <a14:hiddenFill xmlns:a14="http://schemas.microsoft.com/office/drawing/2010/main">
+                <a:solidFill>
+                  <a:schemeClr val="accent1"/>
+                </a:solidFill>
+              </a14:hiddenFill>
+            </a:ext>
+            <a:ext uri="{91240B29-F687-4F45-9708-019B960494DF}">
+              <a14:hiddenLine xmlns:a14="http://schemas.microsoft.com/office/drawing/2010/main" w="9525">
+                <a:solidFill>
+                  <a:schemeClr val="tx1"/>
+                </a:solidFill>
+                <a:miter lim="800000"/>
+                <a:headEnd/>
+                <a:tailEnd/>
+              </a14:hiddenLine>
+            </a:ext>
+            <a:ext uri="{AF507438-7753-43E0-B8FC-AC1667EBCBE1}">
+              <a14:hiddenEffects xmlns:a14="http://schemas.microsoft.com/office/drawing/2010/main">
+                <a:effectLst>
+                  <a:outerShdw dist="35921" dir="2700000" algn="ctr" rotWithShape="0">
+                    <a:schemeClr val="bg2"/>
+                  </a:outerShdw>
+                </a:effectLst>
+              </a14:hiddenEffects>
+            </a:ext>
+          </a:extLst>
+        </p:spPr>
+      </p:pic>
+      <p:pic>
+        <p:nvPicPr>
+          <p:cNvPr id="3075" name="Picture 3"/>
+          <p:cNvPicPr>
+            <a:picLocks noChangeAspect="1" noChangeArrowheads="1"/>
+          </p:cNvPicPr>
+          <p:nvPr/>
+        </p:nvPicPr>
+        <p:blipFill>
+          <a:blip r:embed="rId3">
+            <a:extLst>
+              <a:ext uri="{28A0092B-C50C-407E-A947-70E740481C1C}">
+                <a14:useLocalDpi xmlns:a14="http://schemas.microsoft.com/office/drawing/2010/main" val="0"/>
+              </a:ext>
+            </a:extLst>
+          </a:blip>
+          <a:srcRect/>
+          <a:stretch>
+            <a:fillRect/>
+          </a:stretch>
+        </p:blipFill>
+        <p:spPr bwMode="auto">
+          <a:xfrm>
+            <a:off x="7690247" y="3429000"/>
+            <a:ext cx="3881623" cy="1154336"/>
+          </a:xfrm>
+          <a:prstGeom prst="rect">
+            <a:avLst/>
+          </a:prstGeom>
+          <a:noFill/>
+          <a:ln>
+            <a:noFill/>
+          </a:ln>
+          <a:effectLst/>
+          <a:extLst>
+            <a:ext uri="{909E8E84-426E-40DD-AFC4-6F175D3DCCD1}">
+              <a14:hiddenFill xmlns:a14="http://schemas.microsoft.com/office/drawing/2010/main">
+                <a:solidFill>
+                  <a:schemeClr val="accent1"/>
+                </a:solidFill>
+              </a14:hiddenFill>
+            </a:ext>
+            <a:ext uri="{91240B29-F687-4F45-9708-019B960494DF}">
+              <a14:hiddenLine xmlns:a14="http://schemas.microsoft.com/office/drawing/2010/main" w="9525">
+                <a:solidFill>
+                  <a:schemeClr val="tx1"/>
+                </a:solidFill>
+                <a:miter lim="800000"/>
+                <a:headEnd/>
+                <a:tailEnd/>
+              </a14:hiddenLine>
+            </a:ext>
+            <a:ext uri="{AF507438-7753-43E0-B8FC-AC1667EBCBE1}">
+              <a14:hiddenEffects xmlns:a14="http://schemas.microsoft.com/office/drawing/2010/main">
+                <a:effectLst>
+                  <a:outerShdw dist="35921" dir="2700000" algn="ctr" rotWithShape="0">
+                    <a:schemeClr val="bg2"/>
+                  </a:outerShdw>
+                </a:effectLst>
+              </a14:hiddenEffects>
+            </a:ext>
+          </a:extLst>
+        </p:spPr>
+      </p:pic>
     </p:spTree>
     <p:extLst>
       <p:ext uri="{BB962C8B-B14F-4D97-AF65-F5344CB8AC3E}">
-        <p14:creationId xmlns:p14="http://schemas.microsoft.com/office/powerpoint/2010/main" val="3035956862"/>
+        <p14:creationId xmlns:p14="http://schemas.microsoft.com/office/powerpoint/2010/main" val="1663487804"/>
       </p:ext>
     </p:extLst>
   </p:cSld>
@@ -5031,24 +5014,24 @@
               <a:t> </a:t>
             </a:r>
             <a:r>
-              <a:rPr lang="en-US" dirty="0" err="1" smtClean="0"/>
-              <a:t>I</a:t>
-            </a:r>
-            <a:r>
-              <a:rPr lang="en-US" dirty="0"/>
-              <a:t> </a:t>
-            </a:r>
-            <a:r>
               <a:rPr lang="en-US" dirty="0" err="1"/>
               <a:t>I</a:t>
             </a:r>
             <a:r>
               <a:rPr lang="en-US" dirty="0" smtClean="0"/>
-              <a:t> – </a:t>
-            </a:r>
-            <a:r>
-              <a:rPr lang="ru-RU" dirty="0" smtClean="0"/>
-              <a:t>Предсказания Берты</a:t>
+              <a:t> – S</a:t>
+            </a:r>
+            <a:r>
+              <a:rPr lang="ru-RU" dirty="0" err="1" smtClean="0"/>
+              <a:t>entiment</a:t>
+            </a:r>
+            <a:r>
+              <a:rPr lang="ru-RU" dirty="0" smtClean="0"/>
+              <a:t> </a:t>
+            </a:r>
+            <a:r>
+              <a:rPr lang="ru-RU" dirty="0" err="1" smtClean="0"/>
+              <a:t>analysis</a:t>
             </a:r>
             <a:endParaRPr lang="ru-RU" dirty="0"/>
           </a:p>
@@ -5066,13 +5049,13 @@
         </p:nvSpPr>
         <p:spPr>
           <a:xfrm>
-            <a:off x="826864" y="1281518"/>
-            <a:ext cx="10588021" cy="3536085"/>
+            <a:off x="838199" y="1258848"/>
+            <a:ext cx="10588021" cy="437704"/>
           </a:xfrm>
         </p:spPr>
         <p:txBody>
           <a:bodyPr>
-            <a:normAutofit/>
+            <a:normAutofit fontScale="92500" lnSpcReduction="10000"/>
           </a:bodyPr>
           <a:lstStyle/>
           <a:p>
@@ -5081,84 +5064,7 @@
             </a:pPr>
             <a:r>
               <a:rPr lang="ru-RU" dirty="0" smtClean="0"/>
-              <a:t>Результаты обучения</a:t>
-            </a:r>
-            <a:r>
-              <a:rPr lang="en-US" dirty="0"/>
-              <a:t> (wiki_movie_plots_deduped.csv)</a:t>
-            </a:r>
-            <a:r>
-              <a:rPr lang="ru-RU" dirty="0" smtClean="0"/>
-              <a:t>:</a:t>
-            </a:r>
-          </a:p>
-          <a:p>
-            <a:pPr marL="0" indent="0">
-              <a:buNone/>
-            </a:pPr>
-            <a:r>
-              <a:rPr lang="en-US" dirty="0"/>
-              <a:t>{'mcc': 0.5387296237435334, '</a:t>
-            </a:r>
-            <a:r>
-              <a:rPr lang="en-US" dirty="0" err="1"/>
-              <a:t>eval_loss</a:t>
-            </a:r>
-            <a:r>
-              <a:rPr lang="en-US" dirty="0"/>
-              <a:t>': 1.3980516397312983} </a:t>
-            </a:r>
-            <a:endParaRPr lang="ru-RU" dirty="0" smtClean="0"/>
-          </a:p>
-          <a:p>
-            <a:pPr marL="0" indent="0">
-              <a:buNone/>
-            </a:pPr>
-            <a:r>
-              <a:rPr lang="en-US" dirty="0" smtClean="0"/>
-              <a:t>CPU </a:t>
-            </a:r>
-            <a:r>
-              <a:rPr lang="en-US" dirty="0"/>
-              <a:t>times: total: 1d 16h 27min 54s </a:t>
-            </a:r>
-            <a:endParaRPr lang="ru-RU" dirty="0" smtClean="0"/>
-          </a:p>
-          <a:p>
-            <a:pPr marL="0" indent="0">
-              <a:buNone/>
-            </a:pPr>
-            <a:r>
-              <a:rPr lang="en-US" dirty="0" smtClean="0"/>
-              <a:t>Wall </a:t>
-            </a:r>
-            <a:r>
-              <a:rPr lang="en-US" dirty="0"/>
-              <a:t>time: 7h 7min </a:t>
-            </a:r>
-            <a:r>
-              <a:rPr lang="en-US" dirty="0" smtClean="0"/>
-              <a:t>33s</a:t>
-            </a:r>
-            <a:endParaRPr lang="ru-RU" dirty="0" smtClean="0"/>
-          </a:p>
-          <a:p>
-            <a:pPr marL="0" indent="0">
-              <a:buNone/>
-            </a:pPr>
-            <a:endParaRPr lang="ru-RU" dirty="0"/>
-          </a:p>
-          <a:p>
-            <a:pPr marL="0" indent="0">
-              <a:buNone/>
-            </a:pPr>
-            <a:r>
-              <a:rPr lang="ru-RU" dirty="0" smtClean="0"/>
-              <a:t>На тестовой выборке из 100 случайных элементо</a:t>
-            </a:r>
-            <a:r>
-              <a:rPr lang="ru-RU" dirty="0" smtClean="0"/>
-              <a:t>в модель делала верные предсказания в 50-60 случаях</a:t>
+              <a:t>Текст</a:t>
             </a:r>
             <a:endParaRPr lang="ru-RU" dirty="0"/>
           </a:p>
@@ -5167,7 +5073,7 @@
     </p:spTree>
     <p:extLst>
       <p:ext uri="{BB962C8B-B14F-4D97-AF65-F5344CB8AC3E}">
-        <p14:creationId xmlns:p14="http://schemas.microsoft.com/office/powerpoint/2010/main" val="1988454811"/>
+        <p14:creationId xmlns:p14="http://schemas.microsoft.com/office/powerpoint/2010/main" val="1663487804"/>
       </p:ext>
     </p:extLst>
   </p:cSld>
@@ -5257,113 +5163,153 @@
         </p:nvSpPr>
         <p:spPr>
           <a:xfrm>
-            <a:off x="826864" y="1281519"/>
-            <a:ext cx="10588021" cy="460376"/>
+            <a:off x="842609" y="1413163"/>
+            <a:ext cx="10477816" cy="5021643"/>
           </a:xfrm>
         </p:spPr>
         <p:txBody>
           <a:bodyPr>
-            <a:normAutofit lnSpcReduction="10000"/>
+            <a:normAutofit fontScale="70000" lnSpcReduction="20000"/>
           </a:bodyPr>
           <a:lstStyle/>
           <a:p>
-            <a:pPr marL="0" indent="0">
-              <a:buNone/>
-            </a:pPr>
-            <a:r>
-              <a:rPr lang="en-US" dirty="0" err="1" smtClean="0"/>
-              <a:t>Heatmap</a:t>
-            </a:r>
-            <a:r>
-              <a:rPr lang="en-US" dirty="0" smtClean="0"/>
-              <a:t> w</a:t>
-            </a:r>
-            <a:r>
-              <a:rPr lang="en-US" dirty="0"/>
-              <a:t>. labels &amp; </a:t>
-            </a:r>
-            <a:r>
-              <a:rPr lang="en-US" dirty="0" smtClean="0"/>
-              <a:t>annotations (wiki_movie_plots_deduped.csv)</a:t>
-            </a:r>
-            <a:endParaRPr lang="en-US" dirty="0"/>
-          </a:p>
-          <a:p>
-            <a:pPr marL="0" indent="0">
-              <a:buNone/>
-            </a:pPr>
+            <a:r>
+              <a:rPr lang="ru-RU" b="1" dirty="0"/>
+              <a:t>BERT</a:t>
+            </a:r>
+            <a:r>
+              <a:rPr lang="ru-RU" dirty="0"/>
+              <a:t> – это двунаправленная </a:t>
+            </a:r>
+            <a:r>
+              <a:rPr lang="ru-RU" dirty="0" err="1"/>
+              <a:t>мультиязычная</a:t>
+            </a:r>
+            <a:r>
+              <a:rPr lang="ru-RU" dirty="0"/>
+              <a:t> модель с </a:t>
+            </a:r>
+            <a:r>
+              <a:rPr lang="ru-RU" dirty="0" err="1" smtClean="0"/>
+              <a:t>transformer</a:t>
+            </a:r>
+            <a:r>
+              <a:rPr lang="ru-RU" dirty="0" smtClean="0"/>
+              <a:t>-архитектурой, </a:t>
+            </a:r>
+            <a:r>
+              <a:rPr lang="ru-RU" dirty="0"/>
+              <a:t>предназначенная для решения конкретных NLP-задач, например, определение эмоциональной окраски (тональности) текста, вопросно-ответные системы, классификация текстов, построение выводов по тексту и т.д. Помимо распознавания речи, классической NLP-задачей является анализ текста, включая извлечение данных, информационный поиск и анализ высказываний. Также к обработке естественного языка относятся генерирование текстов, синтез речи, машинный перевод и автоматическое реферирование, аннотирование и упрощение текстовой информации. Таким образом, цель применения NLP-технологий – это не только распознавание живого языка средствами искусственного интеллекта, но и возможность адекватного с ним взаимодействия. Последнее, фактически, означает понимание AI-инструментом устной или письменной </a:t>
+            </a:r>
+            <a:r>
+              <a:rPr lang="ru-RU" dirty="0" smtClean="0"/>
+              <a:t>речи.</a:t>
+            </a:r>
             <a:endParaRPr lang="ru-RU" dirty="0"/>
+          </a:p>
+          <a:p>
+            <a:r>
+              <a:rPr lang="ru-RU" b="1" dirty="0"/>
+              <a:t>BERT</a:t>
+            </a:r>
+            <a:r>
+              <a:rPr lang="ru-RU" dirty="0"/>
+              <a:t>-модель предварительно обучена без учителя на 2-х NLP-задачах: моделирование языковых масок и предсказание следующего предложения. В основу работы BERT положены самые последние достижения в области </a:t>
+            </a:r>
+            <a:r>
+              <a:rPr lang="ru-RU" dirty="0" err="1"/>
+              <a:t>нейросетей</a:t>
+            </a:r>
+            <a:r>
+              <a:rPr lang="ru-RU" dirty="0"/>
+              <a:t> и NLP-технологий, опубликованные в 2018 году (</a:t>
+            </a:r>
+            <a:r>
+              <a:rPr lang="ru-RU" dirty="0" err="1">
+                <a:hlinkClick r:id="rId2"/>
+              </a:rPr>
+              <a:t>ELMo</a:t>
+            </a:r>
+            <a:r>
+              <a:rPr lang="ru-RU" dirty="0"/>
+              <a:t>, </a:t>
+            </a:r>
+            <a:r>
+              <a:rPr lang="ru-RU" dirty="0" err="1">
+                <a:hlinkClick r:id="rId3"/>
+              </a:rPr>
+              <a:t>ULMFiT</a:t>
+            </a:r>
+            <a:r>
+              <a:rPr lang="ru-RU" dirty="0">
+                <a:hlinkClick r:id="rId3"/>
+              </a:rPr>
+              <a:t>,</a:t>
+            </a:r>
+            <a:r>
+              <a:rPr lang="ru-RU" dirty="0"/>
+              <a:t> </a:t>
+            </a:r>
+            <a:r>
+              <a:rPr lang="ru-RU" dirty="0" err="1">
+                <a:hlinkClick r:id="rId4"/>
+              </a:rPr>
+              <a:t>OpenAI</a:t>
+            </a:r>
+            <a:r>
+              <a:rPr lang="ru-RU" dirty="0">
+                <a:hlinkClick r:id="rId4"/>
+              </a:rPr>
+              <a:t> </a:t>
+            </a:r>
+            <a:r>
+              <a:rPr lang="ru-RU" dirty="0" err="1">
+                <a:hlinkClick r:id="rId4"/>
+              </a:rPr>
+              <a:t>Transformer</a:t>
+            </a:r>
+            <a:r>
+              <a:rPr lang="ru-RU" dirty="0"/>
+              <a:t> и </a:t>
+            </a:r>
+            <a:r>
+              <a:rPr lang="ru-RU" dirty="0">
+                <a:hlinkClick r:id="rId5"/>
+              </a:rPr>
+              <a:t>GPT-2</a:t>
+            </a:r>
+            <a:r>
+              <a:rPr lang="ru-RU" dirty="0"/>
+              <a:t>), которые позволяют </a:t>
+            </a:r>
+            <a:r>
+              <a:rPr lang="ru-RU" dirty="0" err="1"/>
+              <a:t>предобучать</a:t>
+            </a:r>
+            <a:r>
+              <a:rPr lang="ru-RU" dirty="0"/>
+              <a:t> языковые модели без учителя на больших корпусах данных и затем подстраивать их под конкретные </a:t>
+            </a:r>
+            <a:r>
+              <a:rPr lang="ru-RU" dirty="0" smtClean="0"/>
+              <a:t>проблемы. </a:t>
+            </a:r>
+            <a:r>
+              <a:rPr lang="ru-RU" dirty="0"/>
+              <a:t>Благодаря этому с помощью BERT можно разрабатывать эффективные ИИ-программы для обработки естественного языка: отвечать на вопросы, заданные в произвольной форме, создавать чат-ботов, выполнять автоматические переводы, анализировать текст и </a:t>
+            </a:r>
+            <a:r>
+              <a:rPr lang="ru-RU" dirty="0" smtClean="0"/>
+              <a:t>пр.</a:t>
+            </a:r>
+            <a:endParaRPr lang="en-US" dirty="0" smtClean="0"/>
           </a:p>
         </p:txBody>
       </p:sp>
-      <p:pic>
-        <p:nvPicPr>
-          <p:cNvPr id="3074" name="Picture 2"/>
-          <p:cNvPicPr>
-            <a:picLocks noChangeAspect="1" noChangeArrowheads="1"/>
-          </p:cNvPicPr>
-          <p:nvPr/>
-        </p:nvPicPr>
-        <p:blipFill>
-          <a:blip r:embed="rId2" cstate="print">
-            <a:extLst>
-              <a:ext uri="{28A0092B-C50C-407E-A947-70E740481C1C}">
-                <a14:useLocalDpi xmlns:a14="http://schemas.microsoft.com/office/drawing/2010/main" val="0"/>
-              </a:ext>
-            </a:extLst>
-          </a:blip>
-          <a:srcRect/>
-          <a:stretch>
-            <a:fillRect/>
-          </a:stretch>
-        </p:blipFill>
-        <p:spPr bwMode="auto">
-          <a:xfrm>
-            <a:off x="905017" y="1642026"/>
-            <a:ext cx="5027247" cy="4547000"/>
-          </a:xfrm>
-          <a:prstGeom prst="rect">
-            <a:avLst/>
-          </a:prstGeom>
-          <a:noFill/>
-          <a:ln>
-            <a:noFill/>
-          </a:ln>
-          <a:effectLst/>
-          <a:extLst>
-            <a:ext uri="{909E8E84-426E-40DD-AFC4-6F175D3DCCD1}">
-              <a14:hiddenFill xmlns:a14="http://schemas.microsoft.com/office/drawing/2010/main">
-                <a:solidFill>
-                  <a:schemeClr val="accent1"/>
-                </a:solidFill>
-              </a14:hiddenFill>
-            </a:ext>
-            <a:ext uri="{91240B29-F687-4F45-9708-019B960494DF}">
-              <a14:hiddenLine xmlns:a14="http://schemas.microsoft.com/office/drawing/2010/main" w="9525">
-                <a:solidFill>
-                  <a:schemeClr val="tx1"/>
-                </a:solidFill>
-                <a:miter lim="800000"/>
-                <a:headEnd/>
-                <a:tailEnd/>
-              </a14:hiddenLine>
-            </a:ext>
-            <a:ext uri="{AF507438-7753-43E0-B8FC-AC1667EBCBE1}">
-              <a14:hiddenEffects xmlns:a14="http://schemas.microsoft.com/office/drawing/2010/main">
-                <a:effectLst>
-                  <a:outerShdw dist="35921" dir="2700000" algn="ctr" rotWithShape="0">
-                    <a:schemeClr val="bg2"/>
-                  </a:outerShdw>
-                </a:effectLst>
-              </a14:hiddenEffects>
-            </a:ext>
-          </a:extLst>
-        </p:spPr>
-      </p:pic>
     </p:spTree>
     <p:extLst>
       <p:ext uri="{BB962C8B-B14F-4D97-AF65-F5344CB8AC3E}">
-        <p14:creationId xmlns:p14="http://schemas.microsoft.com/office/powerpoint/2010/main" val="1988454811"/>
+        <p14:creationId xmlns:p14="http://schemas.microsoft.com/office/powerpoint/2010/main" val="3161654792"/>
       </p:ext>
     </p:extLst>
   </p:cSld>
@@ -5720,13 +5666,13 @@
         </p:nvSpPr>
         <p:spPr>
           <a:xfrm>
-            <a:off x="842608" y="1270182"/>
-            <a:ext cx="10576056" cy="1797970"/>
+            <a:off x="841978" y="1651813"/>
+            <a:ext cx="10588021" cy="1661944"/>
           </a:xfrm>
         </p:spPr>
         <p:txBody>
           <a:bodyPr>
-            <a:normAutofit fontScale="25000" lnSpcReduction="20000"/>
+            <a:normAutofit/>
           </a:bodyPr>
           <a:lstStyle/>
           <a:p>
@@ -5734,160 +5680,52 @@
               <a:buNone/>
             </a:pPr>
             <a:r>
-              <a:rPr lang="ru-RU" sz="4800" dirty="0" smtClean="0"/>
-              <a:t>Результаты обучения </a:t>
-            </a:r>
-            <a:r>
-              <a:rPr lang="en-US" sz="4800" dirty="0" smtClean="0"/>
-              <a:t>BERT </a:t>
-            </a:r>
-            <a:r>
-              <a:rPr lang="ru-RU" sz="4800" dirty="0" smtClean="0"/>
-              <a:t>на </a:t>
-            </a:r>
-            <a:r>
-              <a:rPr lang="ru-RU" sz="4800" dirty="0" err="1" smtClean="0"/>
-              <a:t>датасете</a:t>
-            </a:r>
-            <a:r>
-              <a:rPr lang="ru-RU" sz="4800" dirty="0" smtClean="0"/>
+              <a:rPr lang="ru-RU" dirty="0"/>
+              <a:t>Одним из классических NLP-кейсов считается задача классификации текста, которая предполагает, что каждый документ принадлежит одному или нескольким классам (</a:t>
+            </a:r>
+            <a:r>
+              <a:rPr lang="ru-RU" dirty="0" smtClean="0"/>
+              <a:t>меткам)</a:t>
+            </a:r>
+            <a:r>
+              <a:rPr lang="en-US" dirty="0" smtClean="0"/>
               <a:t> </a:t>
             </a:r>
             <a:r>
-              <a:rPr lang="en-US" sz="4800" dirty="0"/>
-              <a:t>kinopoisk-top250.csv</a:t>
-            </a:r>
-            <a:r>
-              <a:rPr lang="ru-RU" sz="4800" dirty="0" smtClean="0"/>
-              <a:t>:</a:t>
-            </a:r>
-          </a:p>
-          <a:p>
-            <a:pPr marL="0" indent="0">
-              <a:buNone/>
-            </a:pPr>
-            <a:r>
-              <a:rPr lang="ru-RU" sz="4800" dirty="0" smtClean="0"/>
-              <a:t>Подготовка данных:</a:t>
-            </a:r>
-          </a:p>
-          <a:p>
-            <a:r>
-              <a:rPr lang="ru-RU" sz="4800" dirty="0" smtClean="0"/>
-              <a:t>Из общего </a:t>
-            </a:r>
-            <a:r>
-              <a:rPr lang="ru-RU" sz="4800" dirty="0" err="1" smtClean="0"/>
-              <a:t>датасета</a:t>
-            </a:r>
-            <a:r>
-              <a:rPr lang="ru-RU" sz="4800" dirty="0" smtClean="0"/>
-              <a:t> столбец</a:t>
-            </a:r>
-            <a:r>
-              <a:rPr lang="en-US" sz="4800" dirty="0" smtClean="0"/>
+              <a:rPr lang="ru-RU" dirty="0" smtClean="0"/>
+              <a:t>например</a:t>
+            </a:r>
+            <a:r>
+              <a:rPr lang="en-US" dirty="0"/>
+              <a:t>,</a:t>
+            </a:r>
+            <a:r>
+              <a:rPr lang="en-US" dirty="0" smtClean="0"/>
               <a:t> </a:t>
             </a:r>
             <a:r>
-              <a:rPr lang="ru-RU" sz="4800" dirty="0" smtClean="0"/>
-              <a:t>«</a:t>
-            </a:r>
-            <a:r>
-              <a:rPr lang="en-US" sz="4800" dirty="0" smtClean="0"/>
-              <a:t>Plot</a:t>
-            </a:r>
-            <a:r>
-              <a:rPr lang="ru-RU" sz="4800" dirty="0" smtClean="0"/>
-              <a:t>»</a:t>
-            </a:r>
-          </a:p>
-          <a:p>
-            <a:r>
-              <a:rPr lang="ru-RU" sz="4800" dirty="0" smtClean="0"/>
-              <a:t>Добавили столбец «</a:t>
-            </a:r>
-            <a:r>
-              <a:rPr lang="en-US" sz="4800" dirty="0" smtClean="0"/>
-              <a:t>Genre</a:t>
-            </a:r>
-            <a:r>
-              <a:rPr lang="ru-RU" sz="4800" dirty="0" smtClean="0"/>
-              <a:t>»</a:t>
-            </a:r>
-          </a:p>
-          <a:p>
-            <a:r>
-              <a:rPr lang="ru-RU" sz="4800" dirty="0" smtClean="0"/>
-              <a:t>Выбрали жанры встречающиеся более 2 раз</a:t>
-            </a:r>
-          </a:p>
-          <a:p>
-            <a:r>
-              <a:rPr lang="ru-RU" sz="4800" dirty="0" smtClean="0"/>
-              <a:t>Выбрали примерно равное </a:t>
-            </a:r>
-            <a:r>
-              <a:rPr lang="ru-RU" sz="4800" dirty="0"/>
-              <a:t>количества сюжетов фильмов из разных жанров (чтобы уменьшить проблемы классового </a:t>
-            </a:r>
-            <a:r>
-              <a:rPr lang="ru-RU" sz="4800" dirty="0" smtClean="0"/>
-              <a:t>дисбаланса)</a:t>
-            </a:r>
-          </a:p>
-          <a:p>
-            <a:r>
-              <a:rPr lang="ru-RU" sz="4800" dirty="0" smtClean="0"/>
-              <a:t>Добавили с</a:t>
-            </a:r>
-            <a:r>
-              <a:rPr lang="ru-RU" sz="4800" dirty="0"/>
-              <a:t>т</a:t>
-            </a:r>
-            <a:r>
-              <a:rPr lang="ru-RU" sz="4800" dirty="0" smtClean="0"/>
-              <a:t>олбец с кодом жанра «</a:t>
-            </a:r>
-            <a:r>
-              <a:rPr lang="en-US" sz="4800" dirty="0" err="1" smtClean="0"/>
-              <a:t>genre_encoded</a:t>
-            </a:r>
-            <a:r>
-              <a:rPr lang="ru-RU" sz="4800" dirty="0" smtClean="0"/>
-              <a:t>»</a:t>
+              <a:rPr lang="ru-RU" dirty="0" smtClean="0"/>
+              <a:t>определение </a:t>
+            </a:r>
+            <a:r>
+              <a:rPr lang="ru-RU" dirty="0"/>
+              <a:t>жанра у </a:t>
+            </a:r>
+            <a:r>
+              <a:rPr lang="ru-RU" dirty="0" smtClean="0"/>
+              <a:t>фильма</a:t>
             </a:r>
             <a:r>
               <a:rPr lang="en-US" dirty="0"/>
-              <a:t/>
-            </a:r>
-            <a:br>
-              <a:rPr lang="en-US" dirty="0"/>
-            </a:br>
-            <a:endParaRPr lang="en-US" dirty="0"/>
-          </a:p>
-          <a:p>
-            <a:pPr marL="0" indent="0">
-              <a:buNone/>
-            </a:pPr>
-            <a:endParaRPr lang="ru-RU" dirty="0" smtClean="0"/>
-          </a:p>
-          <a:p>
-            <a:pPr marL="0" indent="0">
-              <a:buNone/>
-            </a:pPr>
-            <a:endParaRPr lang="ru-RU" dirty="0"/>
-          </a:p>
-          <a:p>
-            <a:pPr marL="0" indent="0">
-              <a:buNone/>
-            </a:pPr>
+              <a:t>.</a:t>
+            </a:r>
             <a:endParaRPr lang="ru-RU" dirty="0"/>
           </a:p>
         </p:txBody>
       </p:sp>
       <p:pic>
         <p:nvPicPr>
-          <p:cNvPr id="4098" name="Picture 2"/>
+          <p:cNvPr id="1026" name="Picture 2" descr="Рис. 2. Бинарная и мультиклассовая классификации"/>
           <p:cNvPicPr>
             <a:picLocks noChangeAspect="1" noChangeArrowheads="1"/>
           </p:cNvPicPr>
@@ -5908,43 +5746,20 @@
         </p:blipFill>
         <p:spPr bwMode="auto">
           <a:xfrm>
-            <a:off x="918179" y="3200440"/>
-            <a:ext cx="5856550" cy="3292255"/>
+            <a:off x="956619" y="3492604"/>
+            <a:ext cx="4886325" cy="2552700"/>
           </a:xfrm>
           <a:prstGeom prst="rect">
             <a:avLst/>
           </a:prstGeom>
           <a:noFill/>
-          <a:ln>
-            <a:noFill/>
-          </a:ln>
-          <a:effectLst/>
           <a:extLst>
             <a:ext uri="{909E8E84-426E-40DD-AFC4-6F175D3DCCD1}">
               <a14:hiddenFill xmlns:a14="http://schemas.microsoft.com/office/drawing/2010/main">
                 <a:solidFill>
-                  <a:schemeClr val="accent1"/>
+                  <a:srgbClr val="FFFFFF"/>
                 </a:solidFill>
               </a14:hiddenFill>
-            </a:ext>
-            <a:ext uri="{91240B29-F687-4F45-9708-019B960494DF}">
-              <a14:hiddenLine xmlns:a14="http://schemas.microsoft.com/office/drawing/2010/main" w="9525">
-                <a:solidFill>
-                  <a:schemeClr val="tx1"/>
-                </a:solidFill>
-                <a:miter lim="800000"/>
-                <a:headEnd/>
-                <a:tailEnd/>
-              </a14:hiddenLine>
-            </a:ext>
-            <a:ext uri="{AF507438-7753-43E0-B8FC-AC1667EBCBE1}">
-              <a14:hiddenEffects xmlns:a14="http://schemas.microsoft.com/office/drawing/2010/main">
-                <a:effectLst>
-                  <a:outerShdw dist="35921" dir="2700000" algn="ctr" rotWithShape="0">
-                    <a:schemeClr val="bg2"/>
-                  </a:outerShdw>
-                </a:effectLst>
-              </a14:hiddenEffects>
             </a:ext>
           </a:extLst>
         </p:spPr>
@@ -5952,7 +5767,7 @@
     </p:spTree>
     <p:extLst>
       <p:ext uri="{BB962C8B-B14F-4D97-AF65-F5344CB8AC3E}">
-        <p14:creationId xmlns:p14="http://schemas.microsoft.com/office/powerpoint/2010/main" val="3804974947"/>
+        <p14:creationId xmlns:p14="http://schemas.microsoft.com/office/powerpoint/2010/main" val="3035956862"/>
       </p:ext>
     </p:extLst>
   </p:cSld>
@@ -6042,13 +5857,13 @@
         </p:nvSpPr>
         <p:spPr>
           <a:xfrm>
-            <a:off x="770187" y="1304189"/>
-            <a:ext cx="10588021" cy="5036155"/>
+            <a:off x="830643" y="1270182"/>
+            <a:ext cx="10588021" cy="2107414"/>
           </a:xfrm>
         </p:spPr>
         <p:txBody>
           <a:bodyPr>
-            <a:normAutofit fontScale="92500" lnSpcReduction="20000"/>
+            <a:normAutofit fontScale="25000" lnSpcReduction="20000"/>
           </a:bodyPr>
           <a:lstStyle/>
           <a:p>
@@ -6056,131 +5871,246 @@
               <a:buNone/>
             </a:pPr>
             <a:r>
-              <a:rPr lang="ru-RU" dirty="0" smtClean="0"/>
-              <a:t>Аргументы построения модели</a:t>
+              <a:rPr lang="ru-RU" sz="4800" dirty="0" smtClean="0"/>
+              <a:t>Результаты обучения </a:t>
+            </a:r>
+            <a:r>
+              <a:rPr lang="en-US" sz="4800" dirty="0" smtClean="0"/>
+              <a:t>BERT </a:t>
+            </a:r>
+            <a:r>
+              <a:rPr lang="ru-RU" sz="4800" dirty="0" smtClean="0"/>
+              <a:t>на </a:t>
+            </a:r>
+            <a:r>
+              <a:rPr lang="ru-RU" sz="4800" dirty="0" err="1" smtClean="0"/>
+              <a:t>датасете</a:t>
+            </a:r>
+            <a:r>
+              <a:rPr lang="ru-RU" sz="4800" dirty="0" smtClean="0"/>
+              <a:t> </a:t>
+            </a:r>
+            <a:r>
+              <a:rPr lang="en-US" sz="4800" dirty="0"/>
+              <a:t>wiki_movie_plots_deduped.csv</a:t>
+            </a:r>
+            <a:r>
+              <a:rPr lang="ru-RU" sz="4800" dirty="0" smtClean="0"/>
+              <a:t>:</a:t>
+            </a:r>
+          </a:p>
+          <a:p>
+            <a:pPr marL="0" indent="0">
+              <a:buNone/>
+            </a:pPr>
+            <a:r>
+              <a:rPr lang="ru-RU" sz="4800" dirty="0" smtClean="0"/>
+              <a:t>Подготовка данных:</a:t>
+            </a:r>
+          </a:p>
+          <a:p>
+            <a:r>
+              <a:rPr lang="ru-RU" sz="4800" dirty="0" smtClean="0"/>
+              <a:t>Из общего </a:t>
+            </a:r>
+            <a:r>
+              <a:rPr lang="ru-RU" sz="4800" dirty="0" err="1" smtClean="0"/>
+              <a:t>датасета</a:t>
+            </a:r>
+            <a:r>
+              <a:rPr lang="ru-RU" sz="4800" dirty="0" smtClean="0"/>
+              <a:t> выбрали столбцы</a:t>
+            </a:r>
+            <a:r>
+              <a:rPr lang="en-US" sz="4800" dirty="0" smtClean="0"/>
+              <a:t> </a:t>
+            </a:r>
+            <a:r>
+              <a:rPr lang="ru-RU" sz="4800" dirty="0" smtClean="0"/>
+              <a:t>«</a:t>
+            </a:r>
+            <a:r>
+              <a:rPr lang="en-US" sz="4800" dirty="0" smtClean="0"/>
+              <a:t>Plot</a:t>
+            </a:r>
+            <a:r>
+              <a:rPr lang="ru-RU" sz="4800" dirty="0" smtClean="0"/>
+              <a:t>» и «</a:t>
+            </a:r>
+            <a:r>
+              <a:rPr lang="en-US" sz="4800" dirty="0" smtClean="0"/>
+              <a:t>Genre</a:t>
+            </a:r>
+            <a:r>
+              <a:rPr lang="ru-RU" sz="4800" dirty="0" smtClean="0"/>
+              <a:t>»</a:t>
+            </a:r>
+          </a:p>
+          <a:p>
+            <a:r>
+              <a:rPr lang="ru-RU" sz="4800" dirty="0" smtClean="0"/>
+              <a:t>Преобразование жанров</a:t>
+            </a:r>
+            <a:r>
+              <a:rPr lang="en-US" sz="4800" dirty="0" smtClean="0"/>
+              <a:t>: </a:t>
+            </a:r>
+            <a:endParaRPr lang="ru-RU" sz="4800" dirty="0" smtClean="0"/>
+          </a:p>
+          <a:p>
+            <a:pPr lvl="1"/>
+            <a:r>
+              <a:rPr lang="en-US" sz="4400" dirty="0" smtClean="0"/>
+              <a:t>1</a:t>
+            </a:r>
+            <a:r>
+              <a:rPr lang="en-US" sz="4400" dirty="0"/>
+              <a:t>) </a:t>
+            </a:r>
+            <a:r>
+              <a:rPr lang="ru-RU" sz="4400" dirty="0" smtClean="0"/>
+              <a:t>«</a:t>
+            </a:r>
+            <a:r>
+              <a:rPr lang="en-US" sz="4400" dirty="0" smtClean="0"/>
+              <a:t>sci-fi</a:t>
+            </a:r>
+            <a:r>
+              <a:rPr lang="ru-RU" sz="4400" dirty="0" smtClean="0"/>
+              <a:t>»</a:t>
+            </a:r>
+            <a:r>
+              <a:rPr lang="en-US" sz="4400" dirty="0" smtClean="0"/>
+              <a:t> </a:t>
+            </a:r>
+            <a:r>
+              <a:rPr lang="ru-RU" sz="4400" dirty="0" smtClean="0">
+                <a:sym typeface="Wingdings" pitchFamily="2" charset="2"/>
+              </a:rPr>
+              <a:t></a:t>
+            </a:r>
+            <a:r>
+              <a:rPr lang="en-US" sz="4400" dirty="0" smtClean="0"/>
+              <a:t> </a:t>
+            </a:r>
+            <a:r>
+              <a:rPr lang="ru-RU" sz="4400" dirty="0" smtClean="0"/>
+              <a:t>«</a:t>
+            </a:r>
+            <a:r>
+              <a:rPr lang="en-US" sz="4400" dirty="0" smtClean="0"/>
+              <a:t>science fiction</a:t>
+            </a:r>
+            <a:r>
+              <a:rPr lang="ru-RU" sz="4400" dirty="0" smtClean="0"/>
+              <a:t>»</a:t>
+            </a:r>
+          </a:p>
+          <a:p>
+            <a:pPr lvl="1"/>
+            <a:r>
+              <a:rPr lang="en-US" sz="4400" dirty="0" smtClean="0"/>
+              <a:t>2</a:t>
+            </a:r>
+            <a:r>
+              <a:rPr lang="en-US" sz="4400" dirty="0"/>
+              <a:t>) </a:t>
+            </a:r>
+            <a:r>
+              <a:rPr lang="ru-RU" sz="4400" dirty="0" smtClean="0"/>
+              <a:t>«</a:t>
+            </a:r>
+            <a:r>
+              <a:rPr lang="en-US" sz="4400" dirty="0" smtClean="0"/>
+              <a:t>romantic comedy</a:t>
+            </a:r>
+            <a:r>
+              <a:rPr lang="ru-RU" sz="4400" dirty="0" smtClean="0"/>
+              <a:t>»</a:t>
+            </a:r>
+            <a:r>
+              <a:rPr lang="en-US" sz="4400" dirty="0" smtClean="0"/>
+              <a:t> </a:t>
+            </a:r>
+            <a:r>
+              <a:rPr lang="en-US" sz="4400" dirty="0" smtClean="0">
+                <a:sym typeface="Wingdings" pitchFamily="2" charset="2"/>
+              </a:rPr>
+              <a:t></a:t>
+            </a:r>
+            <a:r>
+              <a:rPr lang="en-US" sz="4400" dirty="0" smtClean="0"/>
+              <a:t> </a:t>
+            </a:r>
+            <a:r>
+              <a:rPr lang="ru-RU" sz="4400" dirty="0" smtClean="0"/>
+              <a:t>«</a:t>
+            </a:r>
+            <a:r>
+              <a:rPr lang="en-US" sz="4400" dirty="0" smtClean="0"/>
+              <a:t>romance</a:t>
+            </a:r>
+            <a:r>
+              <a:rPr lang="ru-RU" sz="4400" dirty="0" smtClean="0"/>
+              <a:t>»</a:t>
+            </a:r>
+            <a:endParaRPr lang="en-US" sz="4400" dirty="0" smtClean="0"/>
+          </a:p>
+          <a:p>
+            <a:r>
+              <a:rPr lang="ru-RU" sz="4800" dirty="0" smtClean="0"/>
+              <a:t>Выбрали жанры встречающиеся более 200 раз</a:t>
+            </a:r>
+          </a:p>
+          <a:p>
+            <a:r>
+              <a:rPr lang="ru-RU" sz="4800" dirty="0" smtClean="0"/>
+              <a:t>Выбрали примерно равное </a:t>
+            </a:r>
+            <a:r>
+              <a:rPr lang="ru-RU" sz="4800" dirty="0"/>
+              <a:t>количества сюжетов фильмов из разных жанров (чтобы уменьшить проблемы классового </a:t>
+            </a:r>
+            <a:r>
+              <a:rPr lang="ru-RU" sz="4800" dirty="0" smtClean="0"/>
+              <a:t>дисбаланса)</a:t>
+            </a:r>
+          </a:p>
+          <a:p>
+            <a:r>
+              <a:rPr lang="ru-RU" sz="4800" dirty="0" smtClean="0"/>
+              <a:t>Добавили с</a:t>
+            </a:r>
+            <a:r>
+              <a:rPr lang="ru-RU" sz="4800" dirty="0"/>
+              <a:t>т</a:t>
+            </a:r>
+            <a:r>
+              <a:rPr lang="ru-RU" sz="4800" dirty="0" smtClean="0"/>
+              <a:t>олбец с кодом жанра «</a:t>
+            </a:r>
+            <a:r>
+              <a:rPr lang="en-US" sz="4800" dirty="0" err="1" smtClean="0"/>
+              <a:t>genre_encoded</a:t>
+            </a:r>
+            <a:r>
+              <a:rPr lang="ru-RU" sz="4800" dirty="0" smtClean="0"/>
+              <a:t>»</a:t>
             </a:r>
             <a:r>
               <a:rPr lang="en-US" dirty="0"/>
-              <a:t> (kinopoisk-top250.csv)</a:t>
-            </a:r>
-            <a:r>
-              <a:rPr lang="ru-RU" dirty="0" smtClean="0"/>
-              <a:t>:</a:t>
-            </a:r>
-          </a:p>
-          <a:p>
-            <a:r>
-              <a:rPr lang="en-US" dirty="0" err="1"/>
-              <a:t>model_args</a:t>
-            </a:r>
-            <a:r>
+              <a:t/>
+            </a:r>
+            <a:br>
               <a:rPr lang="en-US" dirty="0"/>
-              <a:t> = {</a:t>
-            </a:r>
-          </a:p>
-          <a:p>
-            <a:r>
-              <a:rPr lang="en-US" dirty="0"/>
-              <a:t>    "</a:t>
-            </a:r>
-            <a:r>
-              <a:rPr lang="en-US" dirty="0" err="1"/>
-              <a:t>reprocess_input_data</a:t>
-            </a:r>
-            <a:r>
-              <a:rPr lang="en-US" dirty="0"/>
-              <a:t>": True,</a:t>
-            </a:r>
-          </a:p>
-          <a:p>
-            <a:r>
-              <a:rPr lang="en-US" dirty="0"/>
-              <a:t>    "</a:t>
-            </a:r>
-            <a:r>
-              <a:rPr lang="en-US" dirty="0" err="1"/>
-              <a:t>overwrite_output_dir</a:t>
-            </a:r>
-            <a:r>
-              <a:rPr lang="en-US" dirty="0"/>
-              <a:t>": True,</a:t>
-            </a:r>
-          </a:p>
-          <a:p>
-            <a:r>
-              <a:rPr lang="en-US" dirty="0"/>
-              <a:t>    "</a:t>
-            </a:r>
-            <a:r>
-              <a:rPr lang="en-US" dirty="0" err="1"/>
-              <a:t>save_model_every_epoch</a:t>
-            </a:r>
-            <a:r>
-              <a:rPr lang="en-US" dirty="0"/>
-              <a:t>": False,</a:t>
-            </a:r>
-          </a:p>
-          <a:p>
-            <a:r>
-              <a:rPr lang="en-US" dirty="0"/>
-              <a:t>    "</a:t>
-            </a:r>
-            <a:r>
-              <a:rPr lang="en-US" dirty="0" err="1"/>
-              <a:t>save_eval_checkpoints</a:t>
-            </a:r>
-            <a:r>
-              <a:rPr lang="en-US" dirty="0"/>
-              <a:t>": False,</a:t>
-            </a:r>
-          </a:p>
-          <a:p>
-            <a:r>
-              <a:rPr lang="en-US" dirty="0"/>
-              <a:t>    "</a:t>
-            </a:r>
-            <a:r>
-              <a:rPr lang="en-US" dirty="0" err="1"/>
-              <a:t>max_seq_length</a:t>
-            </a:r>
-            <a:r>
-              <a:rPr lang="en-US" dirty="0"/>
-              <a:t>": 512,</a:t>
-            </a:r>
-          </a:p>
-          <a:p>
-            <a:r>
-              <a:rPr lang="en-US" dirty="0"/>
-              <a:t>    "</a:t>
-            </a:r>
-            <a:r>
-              <a:rPr lang="en-US" dirty="0" err="1"/>
-              <a:t>train_batch_size</a:t>
-            </a:r>
-            <a:r>
-              <a:rPr lang="en-US" dirty="0"/>
-              <a:t>": 8,</a:t>
-            </a:r>
-          </a:p>
-          <a:p>
-            <a:r>
-              <a:rPr lang="en-US" dirty="0"/>
-              <a:t>    "</a:t>
-            </a:r>
-            <a:r>
-              <a:rPr lang="en-US" dirty="0" err="1"/>
-              <a:t>num_train_epochs</a:t>
-            </a:r>
-            <a:r>
-              <a:rPr lang="en-US" dirty="0"/>
-              <a:t>": 10,</a:t>
-            </a:r>
-          </a:p>
-          <a:p>
-            <a:r>
-              <a:rPr lang="en-US" dirty="0"/>
-              <a:t>}</a:t>
-            </a:r>
+            </a:br>
+            <a:endParaRPr lang="en-US" dirty="0"/>
+          </a:p>
+          <a:p>
+            <a:pPr marL="0" indent="0">
+              <a:buNone/>
+            </a:pPr>
+            <a:endParaRPr lang="ru-RU" dirty="0" smtClean="0"/>
           </a:p>
           <a:p>
             <a:pPr marL="0" indent="0">
@@ -6192,18 +6122,78 @@
             <a:pPr marL="0" indent="0">
               <a:buNone/>
             </a:pPr>
-            <a:r>
-              <a:rPr lang="ru-RU" dirty="0" smtClean="0"/>
-              <a:t>Определили тестовую выборку равную 30% </a:t>
-            </a:r>
             <a:endParaRPr lang="ru-RU" dirty="0"/>
           </a:p>
         </p:txBody>
       </p:sp>
+      <p:pic>
+        <p:nvPicPr>
+          <p:cNvPr id="2050" name="Picture 2"/>
+          <p:cNvPicPr>
+            <a:picLocks noChangeAspect="1" noChangeArrowheads="1"/>
+          </p:cNvPicPr>
+          <p:nvPr/>
+        </p:nvPicPr>
+        <p:blipFill>
+          <a:blip r:embed="rId2">
+            <a:extLst>
+              <a:ext uri="{28A0092B-C50C-407E-A947-70E740481C1C}">
+                <a14:useLocalDpi xmlns:a14="http://schemas.microsoft.com/office/drawing/2010/main" val="0"/>
+              </a:ext>
+            </a:extLst>
+          </a:blip>
+          <a:srcRect/>
+          <a:stretch>
+            <a:fillRect/>
+          </a:stretch>
+        </p:blipFill>
+        <p:spPr bwMode="auto">
+          <a:xfrm>
+            <a:off x="880392" y="3377596"/>
+            <a:ext cx="4811083" cy="3254910"/>
+          </a:xfrm>
+          <a:prstGeom prst="rect">
+            <a:avLst/>
+          </a:prstGeom>
+          <a:noFill/>
+          <a:ln>
+            <a:noFill/>
+          </a:ln>
+          <a:effectLst/>
+          <a:extLst>
+            <a:ext uri="{909E8E84-426E-40DD-AFC4-6F175D3DCCD1}">
+              <a14:hiddenFill xmlns:a14="http://schemas.microsoft.com/office/drawing/2010/main">
+                <a:solidFill>
+                  <a:schemeClr val="accent1"/>
+                </a:solidFill>
+              </a14:hiddenFill>
+            </a:ext>
+            <a:ext uri="{91240B29-F687-4F45-9708-019B960494DF}">
+              <a14:hiddenLine xmlns:a14="http://schemas.microsoft.com/office/drawing/2010/main" w="9525">
+                <a:solidFill>
+                  <a:schemeClr val="tx1"/>
+                </a:solidFill>
+                <a:miter lim="800000"/>
+                <a:headEnd/>
+                <a:tailEnd/>
+              </a14:hiddenLine>
+            </a:ext>
+            <a:ext uri="{AF507438-7753-43E0-B8FC-AC1667EBCBE1}">
+              <a14:hiddenEffects xmlns:a14="http://schemas.microsoft.com/office/drawing/2010/main">
+                <a:effectLst>
+                  <a:outerShdw dist="35921" dir="2700000" algn="ctr" rotWithShape="0">
+                    <a:schemeClr val="bg2"/>
+                  </a:outerShdw>
+                </a:effectLst>
+              </a14:hiddenEffects>
+            </a:ext>
+          </a:extLst>
+        </p:spPr>
+      </p:pic>
     </p:spTree>
     <p:extLst>
       <p:ext uri="{BB962C8B-B14F-4D97-AF65-F5344CB8AC3E}">
-        <p14:creationId xmlns:p14="http://schemas.microsoft.com/office/powerpoint/2010/main" val="4073948790"/>
+        <p14:creationId xmlns:p14="http://schemas.microsoft.com/office/powerpoint/2010/main" val="3035956862"/>
       </p:ext>
     </p:extLst>
   </p:cSld>
@@ -6294,12 +6284,12 @@
         <p:spPr>
           <a:xfrm>
             <a:off x="826864" y="1281518"/>
-            <a:ext cx="10588021" cy="3536085"/>
+            <a:ext cx="10588021" cy="4843451"/>
           </a:xfrm>
         </p:spPr>
         <p:txBody>
           <a:bodyPr>
-            <a:normAutofit/>
+            <a:normAutofit fontScale="85000" lnSpcReduction="20000"/>
           </a:bodyPr>
           <a:lstStyle/>
           <a:p>
@@ -6308,11 +6298,11 @@
             </a:pPr>
             <a:r>
               <a:rPr lang="ru-RU" dirty="0" smtClean="0"/>
-              <a:t>Результаты обучения</a:t>
+              <a:t>Аргументы построения модели</a:t>
             </a:r>
             <a:r>
               <a:rPr lang="en-US" dirty="0"/>
-              <a:t> (kinopoisk-top250.csv)</a:t>
+              <a:t> (wiki_movie_plots_deduped.csv)</a:t>
             </a:r>
             <a:r>
               <a:rPr lang="ru-RU" dirty="0" smtClean="0"/>
@@ -6324,17 +6314,150 @@
               <a:buNone/>
             </a:pPr>
             <a:r>
+              <a:rPr lang="en-US" dirty="0" err="1"/>
+              <a:t>model_args</a:t>
+            </a:r>
+            <a:r>
               <a:rPr lang="en-US" dirty="0"/>
-              <a:t>{'mcc': 0.9525174544539858, '</a:t>
+              <a:t> = {</a:t>
+            </a:r>
+          </a:p>
+          <a:p>
+            <a:pPr marL="0" indent="0">
+              <a:buNone/>
+            </a:pPr>
+            <a:r>
+              <a:rPr lang="en-US" dirty="0"/>
+              <a:t> </a:t>
+            </a:r>
+            <a:r>
+              <a:rPr lang="en-US" dirty="0" smtClean="0"/>
+              <a:t>   "</a:t>
+            </a:r>
+            <a:r>
+              <a:rPr lang="en-US" dirty="0" err="1" smtClean="0"/>
+              <a:t>reprocess_input_data</a:t>
+            </a:r>
+            <a:r>
+              <a:rPr lang="en-US" dirty="0" smtClean="0"/>
+              <a:t>": True,</a:t>
+            </a:r>
+          </a:p>
+          <a:p>
+            <a:pPr marL="0" indent="0">
+              <a:buNone/>
+            </a:pPr>
+            <a:r>
+              <a:rPr lang="en-US" dirty="0" smtClean="0"/>
+              <a:t>    "</a:t>
+            </a:r>
+            <a:r>
+              <a:rPr lang="en-US" dirty="0" err="1" smtClean="0"/>
+              <a:t>overwrite_output_dir</a:t>
+            </a:r>
+            <a:r>
+              <a:rPr lang="en-US" dirty="0" smtClean="0"/>
+              <a:t>": True,</a:t>
+            </a:r>
+          </a:p>
+          <a:p>
+            <a:pPr marL="0" indent="0">
+              <a:buNone/>
+            </a:pPr>
+            <a:r>
+              <a:rPr lang="en-US" dirty="0" smtClean="0"/>
+              <a:t>    "</a:t>
+            </a:r>
+            <a:r>
+              <a:rPr lang="en-US" dirty="0" err="1" smtClean="0"/>
+              <a:t>save_model_every_epoch</a:t>
+            </a:r>
+            <a:r>
+              <a:rPr lang="en-US" dirty="0" smtClean="0"/>
+              <a:t>": False,</a:t>
+            </a:r>
+          </a:p>
+          <a:p>
+            <a:pPr marL="0" indent="0">
+              <a:buNone/>
+            </a:pPr>
+            <a:r>
+              <a:rPr lang="en-US" dirty="0" smtClean="0"/>
+              <a:t>    "</a:t>
+            </a:r>
+            <a:r>
+              <a:rPr lang="en-US" dirty="0" err="1" smtClean="0"/>
+              <a:t>save_eval_checkpoints</a:t>
+            </a:r>
+            <a:r>
+              <a:rPr lang="en-US" dirty="0" smtClean="0"/>
+              <a:t>": False,</a:t>
+            </a:r>
+          </a:p>
+          <a:p>
+            <a:pPr marL="0" indent="0">
+              <a:buNone/>
+            </a:pPr>
+            <a:r>
+              <a:rPr lang="en-US" dirty="0" smtClean="0"/>
+              <a:t>    "</a:t>
+            </a:r>
+            <a:r>
+              <a:rPr lang="en-US" dirty="0" err="1" smtClean="0"/>
+              <a:t>max_seq_length</a:t>
+            </a:r>
+            <a:r>
+              <a:rPr lang="en-US" dirty="0" smtClean="0"/>
+              <a:t>": 512,</a:t>
+            </a:r>
+          </a:p>
+          <a:p>
+            <a:pPr marL="0" indent="0">
+              <a:buNone/>
+            </a:pPr>
+            <a:r>
+              <a:rPr lang="en-US" dirty="0"/>
+              <a:t>    "</a:t>
             </a:r>
             <a:r>
               <a:rPr lang="en-US" dirty="0" err="1"/>
-              <a:t>eval_loss</a:t>
+              <a:t>train_batch_size</a:t>
             </a:r>
             <a:r>
               <a:rPr lang="en-US" dirty="0"/>
-              <a:t>': 0.29667600492636365} </a:t>
-            </a:r>
+              <a:t>": 16,</a:t>
+            </a:r>
+          </a:p>
+          <a:p>
+            <a:pPr marL="0" indent="0">
+              <a:buNone/>
+            </a:pPr>
+            <a:r>
+              <a:rPr lang="en-US" dirty="0"/>
+              <a:t>    "</a:t>
+            </a:r>
+            <a:r>
+              <a:rPr lang="en-US" dirty="0" err="1"/>
+              <a:t>num_train_epochs</a:t>
+            </a:r>
+            <a:r>
+              <a:rPr lang="en-US" dirty="0"/>
+              <a:t>": 4,</a:t>
+            </a:r>
+          </a:p>
+          <a:p>
+            <a:pPr marL="0" indent="0">
+              <a:buNone/>
+            </a:pPr>
+            <a:r>
+              <a:rPr lang="en-US" dirty="0"/>
+              <a:t>}</a:t>
+            </a:r>
+          </a:p>
+          <a:p>
+            <a:pPr marL="0" indent="0">
+              <a:buNone/>
+            </a:pPr>
             <a:endParaRPr lang="ru-RU" dirty="0" smtClean="0"/>
           </a:p>
           <a:p>
@@ -6342,50 +6465,8 @@
               <a:buNone/>
             </a:pPr>
             <a:r>
-              <a:rPr lang="en-US" dirty="0" smtClean="0"/>
-              <a:t>CPU </a:t>
-            </a:r>
-            <a:r>
-              <a:rPr lang="en-US" dirty="0"/>
-              <a:t>times: total: 3h 22min 43s </a:t>
-            </a:r>
-            <a:endParaRPr lang="ru-RU" dirty="0" smtClean="0"/>
-          </a:p>
-          <a:p>
-            <a:pPr marL="0" indent="0">
-              <a:buNone/>
-            </a:pPr>
-            <a:r>
-              <a:rPr lang="en-US" dirty="0" smtClean="0"/>
-              <a:t>Wall </a:t>
-            </a:r>
-            <a:r>
-              <a:rPr lang="en-US" dirty="0"/>
-              <a:t>time: 37min </a:t>
-            </a:r>
-            <a:r>
-              <a:rPr lang="en-US" dirty="0" smtClean="0"/>
-              <a:t>57s</a:t>
-            </a:r>
-            <a:endParaRPr lang="ru-RU" dirty="0" smtClean="0"/>
-          </a:p>
-          <a:p>
-            <a:pPr marL="0" indent="0">
-              <a:buNone/>
-            </a:pPr>
-            <a:endParaRPr lang="ru-RU" dirty="0"/>
-          </a:p>
-          <a:p>
-            <a:pPr marL="0" indent="0">
-              <a:buNone/>
-            </a:pPr>
-            <a:r>
-              <a:rPr lang="ru-RU" dirty="0" smtClean="0"/>
-              <a:t>На тестовой выборке из 10 случайных элементо</a:t>
-            </a:r>
-            <a:r>
-              <a:rPr lang="ru-RU" dirty="0" smtClean="0"/>
-              <a:t>в модель делала верные предсказания в 2-3 случаях.</a:t>
+              <a:rPr lang="ru-RU" dirty="0"/>
+              <a:t>Определили тестовую выборку равную 30% </a:t>
             </a:r>
           </a:p>
           <a:p>
@@ -6399,7 +6480,7 @@
     </p:spTree>
     <p:extLst>
       <p:ext uri="{BB962C8B-B14F-4D97-AF65-F5344CB8AC3E}">
-        <p14:creationId xmlns:p14="http://schemas.microsoft.com/office/powerpoint/2010/main" val="3239326310"/>
+        <p14:creationId xmlns:p14="http://schemas.microsoft.com/office/powerpoint/2010/main" val="3035956862"/>
       </p:ext>
     </p:extLst>
   </p:cSld>
@@ -6489,13 +6570,13 @@
         </p:nvSpPr>
         <p:spPr>
           <a:xfrm>
-            <a:off x="826864" y="1281519"/>
-            <a:ext cx="10588021" cy="460376"/>
+            <a:off x="826864" y="1281518"/>
+            <a:ext cx="10588021" cy="3536085"/>
           </a:xfrm>
         </p:spPr>
         <p:txBody>
           <a:bodyPr>
-            <a:normAutofit lnSpcReduction="10000"/>
+            <a:normAutofit/>
           </a:bodyPr>
           <a:lstStyle/>
           <a:p>
@@ -6503,30 +6584,67 @@
               <a:buNone/>
             </a:pPr>
             <a:r>
-              <a:rPr lang="en-US" dirty="0" err="1" smtClean="0"/>
-              <a:t>Heatmap</a:t>
-            </a:r>
+              <a:rPr lang="ru-RU" dirty="0" smtClean="0"/>
+              <a:t>Результаты обучения</a:t>
+            </a:r>
+            <a:r>
+              <a:rPr lang="en-US" dirty="0"/>
+              <a:t> (wiki_movie_plots_deduped.csv)</a:t>
+            </a:r>
+            <a:r>
+              <a:rPr lang="ru-RU" dirty="0" smtClean="0"/>
+              <a:t>:</a:t>
+            </a:r>
+          </a:p>
+          <a:p>
+            <a:pPr marL="0" indent="0">
+              <a:buNone/>
+            </a:pPr>
+            <a:r>
+              <a:rPr lang="en-US" dirty="0"/>
+              <a:t>{'mcc': 0.5387296237435334, '</a:t>
+            </a:r>
+            <a:r>
+              <a:rPr lang="en-US" dirty="0" err="1"/>
+              <a:t>eval_loss</a:t>
+            </a:r>
+            <a:r>
+              <a:rPr lang="en-US" dirty="0"/>
+              <a:t>': 1.3980516397312983} </a:t>
+            </a:r>
+            <a:endParaRPr lang="ru-RU" dirty="0" smtClean="0"/>
+          </a:p>
+          <a:p>
+            <a:pPr marL="0" indent="0">
+              <a:buNone/>
+            </a:pPr>
             <a:r>
               <a:rPr lang="en-US" dirty="0" smtClean="0"/>
-              <a:t> w</a:t>
+              <a:t>CPU </a:t>
             </a:r>
             <a:r>
               <a:rPr lang="en-US" dirty="0"/>
-              <a:t>. labels &amp; </a:t>
-            </a:r>
+              <a:t>times: total: 1d 16h 27min 54s </a:t>
+            </a:r>
+            <a:endParaRPr lang="ru-RU" dirty="0" smtClean="0"/>
+          </a:p>
+          <a:p>
+            <a:pPr marL="0" indent="0">
+              <a:buNone/>
+            </a:pPr>
             <a:r>
               <a:rPr lang="en-US" dirty="0" smtClean="0"/>
-              <a:t>annotations (</a:t>
+              <a:t>Wall </a:t>
             </a:r>
             <a:r>
               <a:rPr lang="en-US" dirty="0"/>
-              <a:t>kinopoisk-top250.csv</a:t>
+              <a:t>time: 7h 7min </a:t>
             </a:r>
             <a:r>
               <a:rPr lang="en-US" dirty="0" smtClean="0"/>
-              <a:t>)</a:t>
-            </a:r>
-            <a:endParaRPr lang="en-US" dirty="0"/>
+              <a:t>33s</a:t>
+            </a:r>
+            <a:endParaRPr lang="ru-RU" dirty="0" smtClean="0"/>
           </a:p>
           <a:p>
             <a:pPr marL="0" indent="0">
@@ -6534,76 +6652,22 @@
             </a:pPr>
             <a:endParaRPr lang="ru-RU" dirty="0"/>
           </a:p>
+          <a:p>
+            <a:pPr marL="0" indent="0">
+              <a:buNone/>
+            </a:pPr>
+            <a:r>
+              <a:rPr lang="ru-RU" dirty="0" smtClean="0"/>
+              <a:t>На тестовой выборке из 100 случайных элементов модель делала верные предсказания в 50-60 случаях</a:t>
+            </a:r>
+            <a:endParaRPr lang="ru-RU" dirty="0"/>
+          </a:p>
         </p:txBody>
       </p:sp>
-      <p:pic>
-        <p:nvPicPr>
-          <p:cNvPr id="5122" name="Picture 2"/>
-          <p:cNvPicPr>
-            <a:picLocks noChangeAspect="1" noChangeArrowheads="1"/>
-          </p:cNvPicPr>
-          <p:nvPr/>
-        </p:nvPicPr>
-        <p:blipFill>
-          <a:blip r:embed="rId2" cstate="print">
-            <a:extLst>
-              <a:ext uri="{28A0092B-C50C-407E-A947-70E740481C1C}">
-                <a14:useLocalDpi xmlns:a14="http://schemas.microsoft.com/office/drawing/2010/main" val="0"/>
-              </a:ext>
-            </a:extLst>
-          </a:blip>
-          <a:srcRect/>
-          <a:stretch>
-            <a:fillRect/>
-          </a:stretch>
-        </p:blipFill>
-        <p:spPr bwMode="auto">
-          <a:xfrm>
-            <a:off x="869058" y="1748730"/>
-            <a:ext cx="4927180" cy="4464358"/>
-          </a:xfrm>
-          <a:prstGeom prst="rect">
-            <a:avLst/>
-          </a:prstGeom>
-          <a:noFill/>
-          <a:ln>
-            <a:noFill/>
-          </a:ln>
-          <a:effectLst/>
-          <a:extLst>
-            <a:ext uri="{909E8E84-426E-40DD-AFC4-6F175D3DCCD1}">
-              <a14:hiddenFill xmlns:a14="http://schemas.microsoft.com/office/drawing/2010/main">
-                <a:solidFill>
-                  <a:schemeClr val="accent1"/>
-                </a:solidFill>
-              </a14:hiddenFill>
-            </a:ext>
-            <a:ext uri="{91240B29-F687-4F45-9708-019B960494DF}">
-              <a14:hiddenLine xmlns:a14="http://schemas.microsoft.com/office/drawing/2010/main" w="9525">
-                <a:solidFill>
-                  <a:schemeClr val="tx1"/>
-                </a:solidFill>
-                <a:miter lim="800000"/>
-                <a:headEnd/>
-                <a:tailEnd/>
-              </a14:hiddenLine>
-            </a:ext>
-            <a:ext uri="{AF507438-7753-43E0-B8FC-AC1667EBCBE1}">
-              <a14:hiddenEffects xmlns:a14="http://schemas.microsoft.com/office/drawing/2010/main">
-                <a:effectLst>
-                  <a:outerShdw dist="35921" dir="2700000" algn="ctr" rotWithShape="0">
-                    <a:schemeClr val="bg2"/>
-                  </a:outerShdw>
-                </a:effectLst>
-              </a14:hiddenEffects>
-            </a:ext>
-          </a:extLst>
-        </p:spPr>
-      </p:pic>
     </p:spTree>
     <p:extLst>
       <p:ext uri="{BB962C8B-B14F-4D97-AF65-F5344CB8AC3E}">
-        <p14:creationId xmlns:p14="http://schemas.microsoft.com/office/powerpoint/2010/main" val="105919070"/>
+        <p14:creationId xmlns:p14="http://schemas.microsoft.com/office/powerpoint/2010/main" val="1988454811"/>
       </p:ext>
     </p:extLst>
   </p:cSld>
@@ -6647,11 +6711,35 @@
           <a:p>
             <a:r>
               <a:rPr lang="ru-RU" dirty="0" smtClean="0"/>
-              <a:t>Ссылки на </a:t>
+              <a:t>Часть </a:t>
+            </a:r>
+            <a:r>
+              <a:rPr lang="en-US" dirty="0" smtClean="0"/>
+              <a:t>I</a:t>
+            </a:r>
+            <a:r>
+              <a:rPr lang="en-US" dirty="0"/>
+              <a:t> </a:t>
             </a:r>
             <a:r>
               <a:rPr lang="en-US" dirty="0" err="1" smtClean="0"/>
-              <a:t>GitHub</a:t>
+              <a:t>I</a:t>
+            </a:r>
+            <a:r>
+              <a:rPr lang="en-US" dirty="0"/>
+              <a:t> </a:t>
+            </a:r>
+            <a:r>
+              <a:rPr lang="en-US" dirty="0" err="1"/>
+              <a:t>I</a:t>
+            </a:r>
+            <a:r>
+              <a:rPr lang="en-US" dirty="0" smtClean="0"/>
+              <a:t> – </a:t>
+            </a:r>
+            <a:r>
+              <a:rPr lang="ru-RU" dirty="0" smtClean="0"/>
+              <a:t>Предсказания Берты</a:t>
             </a:r>
             <a:endParaRPr lang="ru-RU" dirty="0"/>
           </a:p>
@@ -6667,180 +6755,38 @@
             <p:ph idx="1"/>
           </p:nvPr>
         </p:nvSpPr>
-        <p:spPr/>
+        <p:spPr>
+          <a:xfrm>
+            <a:off x="826864" y="1281519"/>
+            <a:ext cx="10588021" cy="460376"/>
+          </a:xfrm>
+        </p:spPr>
         <p:txBody>
-          <a:bodyPr/>
+          <a:bodyPr>
+            <a:normAutofit lnSpcReduction="10000"/>
+          </a:bodyPr>
           <a:lstStyle/>
           <a:p>
-            <a:r>
-              <a:rPr lang="en-US" sz="2000" i="1" dirty="0" smtClean="0">
-                <a:solidFill>
-                  <a:schemeClr val="tx1">
-                    <a:lumMod val="65000"/>
-                    <a:lumOff val="35000"/>
-                  </a:schemeClr>
-                </a:solidFill>
-                <a:hlinkClick r:id="rId2"/>
-              </a:rPr>
-              <a:t>https</a:t>
-            </a:r>
-            <a:r>
-              <a:rPr lang="en-US" sz="2000" i="1" dirty="0">
-                <a:solidFill>
-                  <a:schemeClr val="tx1">
-                    <a:lumMod val="65000"/>
-                    <a:lumOff val="35000"/>
-                  </a:schemeClr>
-                </a:solidFill>
-                <a:hlinkClick r:id="rId2"/>
-              </a:rPr>
-              <a:t>://</a:t>
-            </a:r>
-            <a:r>
-              <a:rPr lang="en-US" sz="2000" i="1" dirty="0" smtClean="0">
-                <a:solidFill>
-                  <a:schemeClr val="tx1">
-                    <a:lumMod val="65000"/>
-                    <a:lumOff val="35000"/>
-                  </a:schemeClr>
-                </a:solidFill>
-                <a:hlinkClick r:id="rId2"/>
-              </a:rPr>
-              <a:t>github.com/PavelVNovikov/DS_april_2022/blob/main/Diplom/diplom1.ipynb</a:t>
-            </a:r>
-            <a:endParaRPr lang="en-US" sz="2000" i="1" dirty="0" smtClean="0">
-              <a:solidFill>
-                <a:schemeClr val="tx1">
-                  <a:lumMod val="65000"/>
-                  <a:lumOff val="35000"/>
-                </a:schemeClr>
-              </a:solidFill>
-            </a:endParaRPr>
-          </a:p>
-          <a:p>
-            <a:r>
-              <a:rPr lang="en-US" sz="2000" i="1" dirty="0">
-                <a:solidFill>
-                  <a:schemeClr val="tx1">
-                    <a:lumMod val="65000"/>
-                    <a:lumOff val="35000"/>
-                  </a:schemeClr>
-                </a:solidFill>
-                <a:hlinkClick r:id="rId3"/>
-              </a:rPr>
-              <a:t>https://</a:t>
-            </a:r>
-            <a:r>
-              <a:rPr lang="en-US" sz="2000" i="1" dirty="0" smtClean="0">
-                <a:solidFill>
-                  <a:schemeClr val="tx1">
-                    <a:lumMod val="65000"/>
-                    <a:lumOff val="35000"/>
-                  </a:schemeClr>
-                </a:solidFill>
-                <a:hlinkClick r:id="rId3"/>
-              </a:rPr>
-              <a:t>github.com/PavelVNovikov/DS_april_2022/blob/main/Diplom/diplom2.ipynb</a:t>
-            </a:r>
-            <a:endParaRPr lang="en-US" sz="2000" i="1" dirty="0" smtClean="0">
-              <a:solidFill>
-                <a:schemeClr val="tx1">
-                  <a:lumMod val="65000"/>
-                  <a:lumOff val="35000"/>
-                </a:schemeClr>
-              </a:solidFill>
-            </a:endParaRPr>
-          </a:p>
-          <a:p>
-            <a:r>
-              <a:rPr lang="en-US" sz="2000" i="1" dirty="0">
-                <a:solidFill>
-                  <a:schemeClr val="tx1">
-                    <a:lumMod val="65000"/>
-                    <a:lumOff val="35000"/>
-                  </a:schemeClr>
-                </a:solidFill>
-                <a:hlinkClick r:id="rId4"/>
-              </a:rPr>
-              <a:t>https://</a:t>
-            </a:r>
-            <a:r>
-              <a:rPr lang="en-US" sz="2000" i="1" dirty="0" smtClean="0">
-                <a:solidFill>
-                  <a:schemeClr val="tx1">
-                    <a:lumMod val="65000"/>
-                    <a:lumOff val="35000"/>
-                  </a:schemeClr>
-                </a:solidFill>
-                <a:hlinkClick r:id="rId4"/>
-              </a:rPr>
-              <a:t>github.com/PavelVNovikov/DS_april_2022/blob/main/Diplom/diplom3.ipynb</a:t>
-            </a:r>
-            <a:endParaRPr lang="en-US" sz="2000" i="1" dirty="0" smtClean="0">
-              <a:solidFill>
-                <a:schemeClr val="tx1">
-                  <a:lumMod val="65000"/>
-                  <a:lumOff val="35000"/>
-                </a:schemeClr>
-              </a:solidFill>
-            </a:endParaRPr>
-          </a:p>
-          <a:p>
-            <a:r>
-              <a:rPr lang="en-US" sz="2000" i="1" dirty="0">
-                <a:solidFill>
-                  <a:schemeClr val="tx1">
-                    <a:lumMod val="65000"/>
-                    <a:lumOff val="35000"/>
-                  </a:schemeClr>
-                </a:solidFill>
-                <a:hlinkClick r:id="rId5"/>
-              </a:rPr>
-              <a:t>https://</a:t>
-            </a:r>
-            <a:r>
-              <a:rPr lang="en-US" sz="2000" i="1" dirty="0" smtClean="0">
-                <a:solidFill>
-                  <a:schemeClr val="tx1">
-                    <a:lumMod val="65000"/>
-                    <a:lumOff val="35000"/>
-                  </a:schemeClr>
-                </a:solidFill>
-                <a:hlinkClick r:id="rId5"/>
-              </a:rPr>
-              <a:t>github.com/PavelVNovikov/DS_april_2022/blob/main/Diplom/diplom3_ru.ipynb</a:t>
-            </a:r>
-            <a:endParaRPr lang="en-US" sz="2000" i="1" dirty="0" smtClean="0">
-              <a:solidFill>
-                <a:schemeClr val="tx1">
-                  <a:lumMod val="65000"/>
-                  <a:lumOff val="35000"/>
-                </a:schemeClr>
-              </a:solidFill>
-            </a:endParaRPr>
-          </a:p>
-          <a:p>
             <a:pPr marL="0" indent="0">
               <a:buNone/>
             </a:pPr>
-            <a:endParaRPr lang="ru-RU" i="1" dirty="0">
-              <a:solidFill>
-                <a:schemeClr val="tx1">
-                  <a:lumMod val="65000"/>
-                  <a:lumOff val="35000"/>
-                </a:schemeClr>
-              </a:solidFill>
-            </a:endParaRPr>
-          </a:p>
-          <a:p>
-            <a:endParaRPr lang="ru-RU" i="1" dirty="0">
-              <a:solidFill>
-                <a:schemeClr val="tx1">
-                  <a:lumMod val="65000"/>
-                  <a:lumOff val="35000"/>
-                </a:schemeClr>
-              </a:solidFill>
-            </a:endParaRPr>
+            <a:r>
+              <a:rPr lang="en-US" dirty="0" err="1" smtClean="0"/>
+              <a:t>Heatmap</a:t>
+            </a:r>
+            <a:r>
+              <a:rPr lang="en-US" dirty="0" smtClean="0"/>
+              <a:t> w</a:t>
+            </a:r>
+            <a:r>
+              <a:rPr lang="en-US" dirty="0"/>
+              <a:t>. labels &amp; </a:t>
+            </a:r>
+            <a:r>
+              <a:rPr lang="en-US" dirty="0" smtClean="0"/>
+              <a:t>annotations (wiki_movie_plots_deduped.csv)</a:t>
+            </a:r>
+            <a:endParaRPr lang="en-US" dirty="0"/>
           </a:p>
           <a:p>
             <a:pPr marL="0" indent="0">
@@ -6850,10 +6796,74 @@
           </a:p>
         </p:txBody>
       </p:sp>
+      <p:pic>
+        <p:nvPicPr>
+          <p:cNvPr id="3074" name="Picture 2"/>
+          <p:cNvPicPr>
+            <a:picLocks noChangeAspect="1" noChangeArrowheads="1"/>
+          </p:cNvPicPr>
+          <p:nvPr/>
+        </p:nvPicPr>
+        <p:blipFill>
+          <a:blip r:embed="rId2" cstate="print">
+            <a:extLst>
+              <a:ext uri="{28A0092B-C50C-407E-A947-70E740481C1C}">
+                <a14:useLocalDpi xmlns:a14="http://schemas.microsoft.com/office/drawing/2010/main" val="0"/>
+              </a:ext>
+            </a:extLst>
+          </a:blip>
+          <a:srcRect/>
+          <a:stretch>
+            <a:fillRect/>
+          </a:stretch>
+        </p:blipFill>
+        <p:spPr bwMode="auto">
+          <a:xfrm>
+            <a:off x="905017" y="1642026"/>
+            <a:ext cx="5027247" cy="4547000"/>
+          </a:xfrm>
+          <a:prstGeom prst="rect">
+            <a:avLst/>
+          </a:prstGeom>
+          <a:noFill/>
+          <a:ln>
+            <a:noFill/>
+          </a:ln>
+          <a:effectLst/>
+          <a:extLst>
+            <a:ext uri="{909E8E84-426E-40DD-AFC4-6F175D3DCCD1}">
+              <a14:hiddenFill xmlns:a14="http://schemas.microsoft.com/office/drawing/2010/main">
+                <a:solidFill>
+                  <a:schemeClr val="accent1"/>
+                </a:solidFill>
+              </a14:hiddenFill>
+            </a:ext>
+            <a:ext uri="{91240B29-F687-4F45-9708-019B960494DF}">
+              <a14:hiddenLine xmlns:a14="http://schemas.microsoft.com/office/drawing/2010/main" w="9525">
+                <a:solidFill>
+                  <a:schemeClr val="tx1"/>
+                </a:solidFill>
+                <a:miter lim="800000"/>
+                <a:headEnd/>
+                <a:tailEnd/>
+              </a14:hiddenLine>
+            </a:ext>
+            <a:ext uri="{AF507438-7753-43E0-B8FC-AC1667EBCBE1}">
+              <a14:hiddenEffects xmlns:a14="http://schemas.microsoft.com/office/drawing/2010/main">
+                <a:effectLst>
+                  <a:outerShdw dist="35921" dir="2700000" algn="ctr" rotWithShape="0">
+                    <a:schemeClr val="bg2"/>
+                  </a:outerShdw>
+                </a:effectLst>
+              </a14:hiddenEffects>
+            </a:ext>
+          </a:extLst>
+        </p:spPr>
+      </p:pic>
     </p:spTree>
     <p:extLst>
       <p:ext uri="{BB962C8B-B14F-4D97-AF65-F5344CB8AC3E}">
-        <p14:creationId xmlns:p14="http://schemas.microsoft.com/office/powerpoint/2010/main" val="2225149509"/>
+        <p14:creationId xmlns:p14="http://schemas.microsoft.com/office/powerpoint/2010/main" val="1988454811"/>
       </p:ext>
     </p:extLst>
   </p:cSld>
@@ -6882,42 +6892,1231 @@
       </p:grpSpPr>
       <p:sp>
         <p:nvSpPr>
-          <p:cNvPr id="2" name="TextBox 1"/>
-          <p:cNvSpPr txBox="1"/>
-          <p:nvPr/>
+          <p:cNvPr id="2" name="Заголовок 1"/>
+          <p:cNvSpPr>
+            <a:spLocks noGrp="1"/>
+          </p:cNvSpPr>
+          <p:nvPr>
+            <p:ph type="title"/>
+          </p:nvPr>
+        </p:nvSpPr>
+        <p:spPr/>
+        <p:txBody>
+          <a:bodyPr/>
+          <a:lstStyle/>
+          <a:p>
+            <a:r>
+              <a:rPr lang="ru-RU" dirty="0" smtClean="0"/>
+              <a:t>Часть </a:t>
+            </a:r>
+            <a:r>
+              <a:rPr lang="en-US" dirty="0" smtClean="0"/>
+              <a:t>I</a:t>
+            </a:r>
+            <a:r>
+              <a:rPr lang="en-US" dirty="0"/>
+              <a:t> </a:t>
+            </a:r>
+            <a:r>
+              <a:rPr lang="en-US" dirty="0" err="1" smtClean="0"/>
+              <a:t>I</a:t>
+            </a:r>
+            <a:r>
+              <a:rPr lang="en-US" dirty="0"/>
+              <a:t> </a:t>
+            </a:r>
+            <a:r>
+              <a:rPr lang="en-US" dirty="0" err="1"/>
+              <a:t>I</a:t>
+            </a:r>
+            <a:r>
+              <a:rPr lang="en-US" dirty="0" smtClean="0"/>
+              <a:t> – </a:t>
+            </a:r>
+            <a:r>
+              <a:rPr lang="ru-RU" dirty="0" smtClean="0"/>
+              <a:t>Предсказания Берты</a:t>
+            </a:r>
+            <a:endParaRPr lang="ru-RU" dirty="0"/>
+          </a:p>
+        </p:txBody>
+      </p:sp>
+      <p:sp>
+        <p:nvSpPr>
+          <p:cNvPr id="3" name="Объект 2"/>
+          <p:cNvSpPr>
+            <a:spLocks noGrp="1"/>
+          </p:cNvSpPr>
+          <p:nvPr>
+            <p:ph idx="1"/>
+          </p:nvPr>
         </p:nvSpPr>
         <p:spPr>
           <a:xfrm>
-            <a:off x="1500796" y="2440549"/>
-            <a:ext cx="9190008" cy="1015663"/>
+            <a:off x="842608" y="1270182"/>
+            <a:ext cx="10576056" cy="1797970"/>
+          </a:xfrm>
+        </p:spPr>
+        <p:txBody>
+          <a:bodyPr>
+            <a:normAutofit fontScale="25000" lnSpcReduction="20000"/>
+          </a:bodyPr>
+          <a:lstStyle/>
+          <a:p>
+            <a:pPr marL="0" indent="0">
+              <a:buNone/>
+            </a:pPr>
+            <a:r>
+              <a:rPr lang="ru-RU" sz="4800" dirty="0" smtClean="0"/>
+              <a:t>Результаты обучения </a:t>
+            </a:r>
+            <a:r>
+              <a:rPr lang="en-US" sz="4800" dirty="0" smtClean="0"/>
+              <a:t>BERT </a:t>
+            </a:r>
+            <a:r>
+              <a:rPr lang="ru-RU" sz="4800" dirty="0" smtClean="0"/>
+              <a:t>на </a:t>
+            </a:r>
+            <a:r>
+              <a:rPr lang="ru-RU" sz="4800" dirty="0" err="1" smtClean="0"/>
+              <a:t>датасете</a:t>
+            </a:r>
+            <a:r>
+              <a:rPr lang="ru-RU" sz="4800" dirty="0" smtClean="0"/>
+              <a:t> </a:t>
+            </a:r>
+            <a:r>
+              <a:rPr lang="en-US" sz="4800" dirty="0"/>
+              <a:t>kinopoisk-top250.csv</a:t>
+            </a:r>
+            <a:r>
+              <a:rPr lang="ru-RU" sz="4800" dirty="0" smtClean="0"/>
+              <a:t>:</a:t>
+            </a:r>
+          </a:p>
+          <a:p>
+            <a:pPr marL="0" indent="0">
+              <a:buNone/>
+            </a:pPr>
+            <a:r>
+              <a:rPr lang="ru-RU" sz="4800" dirty="0" smtClean="0"/>
+              <a:t>Подготовка данных:</a:t>
+            </a:r>
+          </a:p>
+          <a:p>
+            <a:r>
+              <a:rPr lang="ru-RU" sz="4800" dirty="0" smtClean="0"/>
+              <a:t>Из общего </a:t>
+            </a:r>
+            <a:r>
+              <a:rPr lang="ru-RU" sz="4800" dirty="0" err="1" smtClean="0"/>
+              <a:t>датасета</a:t>
+            </a:r>
+            <a:r>
+              <a:rPr lang="ru-RU" sz="4800" dirty="0" smtClean="0"/>
+              <a:t> столбец</a:t>
+            </a:r>
+            <a:r>
+              <a:rPr lang="en-US" sz="4800" dirty="0" smtClean="0"/>
+              <a:t> </a:t>
+            </a:r>
+            <a:r>
+              <a:rPr lang="ru-RU" sz="4800" dirty="0" smtClean="0"/>
+              <a:t>«</a:t>
+            </a:r>
+            <a:r>
+              <a:rPr lang="en-US" sz="4800" dirty="0" smtClean="0"/>
+              <a:t>Plot</a:t>
+            </a:r>
+            <a:r>
+              <a:rPr lang="ru-RU" sz="4800" dirty="0" smtClean="0"/>
+              <a:t>»</a:t>
+            </a:r>
+          </a:p>
+          <a:p>
+            <a:r>
+              <a:rPr lang="ru-RU" sz="4800" dirty="0" smtClean="0"/>
+              <a:t>Добавили столбец «</a:t>
+            </a:r>
+            <a:r>
+              <a:rPr lang="en-US" sz="4800" dirty="0" smtClean="0"/>
+              <a:t>Genre</a:t>
+            </a:r>
+            <a:r>
+              <a:rPr lang="ru-RU" sz="4800" dirty="0" smtClean="0"/>
+              <a:t>»</a:t>
+            </a:r>
+          </a:p>
+          <a:p>
+            <a:r>
+              <a:rPr lang="ru-RU" sz="4800" dirty="0" smtClean="0"/>
+              <a:t>Выбрали жанры встречающиеся более 2 раз</a:t>
+            </a:r>
+          </a:p>
+          <a:p>
+            <a:r>
+              <a:rPr lang="ru-RU" sz="4800" dirty="0" smtClean="0"/>
+              <a:t>Выбрали примерно равное </a:t>
+            </a:r>
+            <a:r>
+              <a:rPr lang="ru-RU" sz="4800" dirty="0"/>
+              <a:t>количества сюжетов фильмов из разных жанров (чтобы уменьшить проблемы классового </a:t>
+            </a:r>
+            <a:r>
+              <a:rPr lang="ru-RU" sz="4800" dirty="0" smtClean="0"/>
+              <a:t>дисбаланса)</a:t>
+            </a:r>
+          </a:p>
+          <a:p>
+            <a:r>
+              <a:rPr lang="ru-RU" sz="4800" dirty="0" smtClean="0"/>
+              <a:t>Добавили с</a:t>
+            </a:r>
+            <a:r>
+              <a:rPr lang="ru-RU" sz="4800" dirty="0"/>
+              <a:t>т</a:t>
+            </a:r>
+            <a:r>
+              <a:rPr lang="ru-RU" sz="4800" dirty="0" smtClean="0"/>
+              <a:t>олбец с кодом жанра «</a:t>
+            </a:r>
+            <a:r>
+              <a:rPr lang="en-US" sz="4800" dirty="0" err="1" smtClean="0"/>
+              <a:t>genre_encoded</a:t>
+            </a:r>
+            <a:r>
+              <a:rPr lang="ru-RU" sz="4800" dirty="0" smtClean="0"/>
+              <a:t>»</a:t>
+            </a:r>
+            <a:r>
+              <a:rPr lang="en-US" dirty="0"/>
+              <a:t/>
+            </a:r>
+            <a:br>
+              <a:rPr lang="en-US" dirty="0"/>
+            </a:br>
+            <a:endParaRPr lang="en-US" dirty="0"/>
+          </a:p>
+          <a:p>
+            <a:pPr marL="0" indent="0">
+              <a:buNone/>
+            </a:pPr>
+            <a:endParaRPr lang="ru-RU" dirty="0" smtClean="0"/>
+          </a:p>
+          <a:p>
+            <a:pPr marL="0" indent="0">
+              <a:buNone/>
+            </a:pPr>
+            <a:endParaRPr lang="ru-RU" dirty="0"/>
+          </a:p>
+          <a:p>
+            <a:pPr marL="0" indent="0">
+              <a:buNone/>
+            </a:pPr>
+            <a:endParaRPr lang="ru-RU" dirty="0"/>
+          </a:p>
+        </p:txBody>
+      </p:sp>
+      <p:pic>
+        <p:nvPicPr>
+          <p:cNvPr id="4098" name="Picture 2"/>
+          <p:cNvPicPr>
+            <a:picLocks noChangeAspect="1" noChangeArrowheads="1"/>
+          </p:cNvPicPr>
+          <p:nvPr/>
+        </p:nvPicPr>
+        <p:blipFill>
+          <a:blip r:embed="rId2">
+            <a:extLst>
+              <a:ext uri="{28A0092B-C50C-407E-A947-70E740481C1C}">
+                <a14:useLocalDpi xmlns:a14="http://schemas.microsoft.com/office/drawing/2010/main" val="0"/>
+              </a:ext>
+            </a:extLst>
+          </a:blip>
+          <a:srcRect/>
+          <a:stretch>
+            <a:fillRect/>
+          </a:stretch>
+        </p:blipFill>
+        <p:spPr bwMode="auto">
+          <a:xfrm>
+            <a:off x="918179" y="3200440"/>
+            <a:ext cx="5856550" cy="3292255"/>
           </a:xfrm>
           <a:prstGeom prst="rect">
             <a:avLst/>
           </a:prstGeom>
           <a:noFill/>
+          <a:ln>
+            <a:noFill/>
+          </a:ln>
+          <a:effectLst/>
+          <a:extLst>
+            <a:ext uri="{909E8E84-426E-40DD-AFC4-6F175D3DCCD1}">
+              <a14:hiddenFill xmlns:a14="http://schemas.microsoft.com/office/drawing/2010/main">
+                <a:solidFill>
+                  <a:schemeClr val="accent1"/>
+                </a:solidFill>
+              </a14:hiddenFill>
+            </a:ext>
+            <a:ext uri="{91240B29-F687-4F45-9708-019B960494DF}">
+              <a14:hiddenLine xmlns:a14="http://schemas.microsoft.com/office/drawing/2010/main" w="9525">
+                <a:solidFill>
+                  <a:schemeClr val="tx1"/>
+                </a:solidFill>
+                <a:miter lim="800000"/>
+                <a:headEnd/>
+                <a:tailEnd/>
+              </a14:hiddenLine>
+            </a:ext>
+            <a:ext uri="{AF507438-7753-43E0-B8FC-AC1667EBCBE1}">
+              <a14:hiddenEffects xmlns:a14="http://schemas.microsoft.com/office/drawing/2010/main">
+                <a:effectLst>
+                  <a:outerShdw dist="35921" dir="2700000" algn="ctr" rotWithShape="0">
+                    <a:schemeClr val="bg2"/>
+                  </a:outerShdw>
+                </a:effectLst>
+              </a14:hiddenEffects>
+            </a:ext>
+          </a:extLst>
+        </p:spPr>
+      </p:pic>
+    </p:spTree>
+    <p:extLst>
+      <p:ext uri="{BB962C8B-B14F-4D97-AF65-F5344CB8AC3E}">
+        <p14:creationId xmlns:p14="http://schemas.microsoft.com/office/powerpoint/2010/main" val="3804974947"/>
+      </p:ext>
+    </p:extLst>
+  </p:cSld>
+  <p:clrMapOvr>
+    <a:masterClrMapping/>
+  </p:clrMapOvr>
+</p:sld>
+</file>
+
+<file path=ppt/slides/slide26.xml><?xml version="1.0" encoding="utf-8"?>
+<p:sld xmlns:a="http://schemas.openxmlformats.org/drawingml/2006/main" xmlns:r="http://schemas.openxmlformats.org/officeDocument/2006/relationships" xmlns:p="http://schemas.openxmlformats.org/presentationml/2006/main">
+  <p:cSld>
+    <p:spTree>
+      <p:nvGrpSpPr>
+        <p:cNvPr id="1" name=""/>
+        <p:cNvGrpSpPr/>
+        <p:nvPr/>
+      </p:nvGrpSpPr>
+      <p:grpSpPr>
+        <a:xfrm>
+          <a:off x="0" y="0"/>
+          <a:ext cx="0" cy="0"/>
+          <a:chOff x="0" y="0"/>
+          <a:chExt cx="0" cy="0"/>
+        </a:xfrm>
+      </p:grpSpPr>
+      <p:sp>
+        <p:nvSpPr>
+          <p:cNvPr id="2" name="Заголовок 1"/>
+          <p:cNvSpPr>
+            <a:spLocks noGrp="1"/>
+          </p:cNvSpPr>
+          <p:nvPr>
+            <p:ph type="title"/>
+          </p:nvPr>
+        </p:nvSpPr>
+        <p:spPr/>
+        <p:txBody>
+          <a:bodyPr/>
+          <a:lstStyle/>
+          <a:p>
+            <a:r>
+              <a:rPr lang="ru-RU" dirty="0" smtClean="0"/>
+              <a:t>Часть </a:t>
+            </a:r>
+            <a:r>
+              <a:rPr lang="en-US" dirty="0" smtClean="0"/>
+              <a:t>I</a:t>
+            </a:r>
+            <a:r>
+              <a:rPr lang="en-US" dirty="0"/>
+              <a:t> </a:t>
+            </a:r>
+            <a:r>
+              <a:rPr lang="en-US" dirty="0" err="1" smtClean="0"/>
+              <a:t>I</a:t>
+            </a:r>
+            <a:r>
+              <a:rPr lang="en-US" dirty="0"/>
+              <a:t> </a:t>
+            </a:r>
+            <a:r>
+              <a:rPr lang="en-US" dirty="0" err="1"/>
+              <a:t>I</a:t>
+            </a:r>
+            <a:r>
+              <a:rPr lang="en-US" dirty="0" smtClean="0"/>
+              <a:t> – </a:t>
+            </a:r>
+            <a:r>
+              <a:rPr lang="ru-RU" dirty="0" smtClean="0"/>
+              <a:t>Предсказания Берты</a:t>
+            </a:r>
+            <a:endParaRPr lang="ru-RU" dirty="0"/>
+          </a:p>
+        </p:txBody>
+      </p:sp>
+      <p:sp>
+        <p:nvSpPr>
+          <p:cNvPr id="3" name="Объект 2"/>
+          <p:cNvSpPr>
+            <a:spLocks noGrp="1"/>
+          </p:cNvSpPr>
+          <p:nvPr>
+            <p:ph idx="1"/>
+          </p:nvPr>
+        </p:nvSpPr>
+        <p:spPr>
+          <a:xfrm>
+            <a:off x="770187" y="1304189"/>
+            <a:ext cx="10588021" cy="5036155"/>
+          </a:xfrm>
         </p:spPr>
         <p:txBody>
-          <a:bodyPr wrap="square" rtlCol="0">
-            <a:spAutoFit/>
+          <a:bodyPr>
+            <a:normAutofit fontScale="92500" lnSpcReduction="20000"/>
           </a:bodyPr>
           <a:lstStyle/>
           <a:p>
-            <a:pPr algn="ctr"/>
-            <a:r>
-              <a:rPr lang="ru-RU" sz="6000" dirty="0">
-                <a:solidFill>
-                  <a:srgbClr val="2BA630"/>
-                </a:solidFill>
-              </a:rPr>
-              <a:t>СПАСИБО ЗА ВНИМАНИЕ!</a:t>
-            </a:r>
+            <a:pPr marL="0" indent="0">
+              <a:buNone/>
+            </a:pPr>
+            <a:r>
+              <a:rPr lang="ru-RU" dirty="0" smtClean="0"/>
+              <a:t>Аргументы построения модели</a:t>
+            </a:r>
+            <a:r>
+              <a:rPr lang="en-US" dirty="0"/>
+              <a:t> (kinopoisk-top250.csv)</a:t>
+            </a:r>
+            <a:r>
+              <a:rPr lang="ru-RU" dirty="0" smtClean="0"/>
+              <a:t>:</a:t>
+            </a:r>
+          </a:p>
+          <a:p>
+            <a:r>
+              <a:rPr lang="en-US" dirty="0" err="1"/>
+              <a:t>model_args</a:t>
+            </a:r>
+            <a:r>
+              <a:rPr lang="en-US" dirty="0"/>
+              <a:t> = {</a:t>
+            </a:r>
+          </a:p>
+          <a:p>
+            <a:r>
+              <a:rPr lang="en-US" dirty="0"/>
+              <a:t>    "</a:t>
+            </a:r>
+            <a:r>
+              <a:rPr lang="en-US" dirty="0" err="1"/>
+              <a:t>reprocess_input_data</a:t>
+            </a:r>
+            <a:r>
+              <a:rPr lang="en-US" dirty="0"/>
+              <a:t>": True,</a:t>
+            </a:r>
+          </a:p>
+          <a:p>
+            <a:r>
+              <a:rPr lang="en-US" dirty="0"/>
+              <a:t>    "</a:t>
+            </a:r>
+            <a:r>
+              <a:rPr lang="en-US" dirty="0" err="1"/>
+              <a:t>overwrite_output_dir</a:t>
+            </a:r>
+            <a:r>
+              <a:rPr lang="en-US" dirty="0"/>
+              <a:t>": True,</a:t>
+            </a:r>
+          </a:p>
+          <a:p>
+            <a:r>
+              <a:rPr lang="en-US" dirty="0"/>
+              <a:t>    "</a:t>
+            </a:r>
+            <a:r>
+              <a:rPr lang="en-US" dirty="0" err="1"/>
+              <a:t>save_model_every_epoch</a:t>
+            </a:r>
+            <a:r>
+              <a:rPr lang="en-US" dirty="0"/>
+              <a:t>": False,</a:t>
+            </a:r>
+          </a:p>
+          <a:p>
+            <a:r>
+              <a:rPr lang="en-US" dirty="0"/>
+              <a:t>    "</a:t>
+            </a:r>
+            <a:r>
+              <a:rPr lang="en-US" dirty="0" err="1"/>
+              <a:t>save_eval_checkpoints</a:t>
+            </a:r>
+            <a:r>
+              <a:rPr lang="en-US" dirty="0"/>
+              <a:t>": False,</a:t>
+            </a:r>
+          </a:p>
+          <a:p>
+            <a:r>
+              <a:rPr lang="en-US" dirty="0"/>
+              <a:t>    "</a:t>
+            </a:r>
+            <a:r>
+              <a:rPr lang="en-US" dirty="0" err="1"/>
+              <a:t>max_seq_length</a:t>
+            </a:r>
+            <a:r>
+              <a:rPr lang="en-US" dirty="0"/>
+              <a:t>": 512,</a:t>
+            </a:r>
+          </a:p>
+          <a:p>
+            <a:r>
+              <a:rPr lang="en-US" dirty="0"/>
+              <a:t>    "</a:t>
+            </a:r>
+            <a:r>
+              <a:rPr lang="en-US" dirty="0" err="1"/>
+              <a:t>train_batch_size</a:t>
+            </a:r>
+            <a:r>
+              <a:rPr lang="en-US" dirty="0"/>
+              <a:t>": </a:t>
+            </a:r>
+            <a:r>
+              <a:rPr lang="ru-RU" dirty="0" smtClean="0"/>
+              <a:t>16</a:t>
+            </a:r>
+            <a:r>
+              <a:rPr lang="en-US" dirty="0" smtClean="0"/>
+              <a:t>,</a:t>
+            </a:r>
+            <a:endParaRPr lang="en-US" dirty="0"/>
+          </a:p>
+          <a:p>
+            <a:r>
+              <a:rPr lang="en-US" dirty="0"/>
+              <a:t>    "</a:t>
+            </a:r>
+            <a:r>
+              <a:rPr lang="en-US" dirty="0" err="1"/>
+              <a:t>num_train_epochs</a:t>
+            </a:r>
+            <a:r>
+              <a:rPr lang="en-US" dirty="0"/>
+              <a:t>": </a:t>
+            </a:r>
+            <a:r>
+              <a:rPr lang="ru-RU" dirty="0" smtClean="0"/>
+              <a:t>4</a:t>
+            </a:r>
+            <a:r>
+              <a:rPr lang="en-US" dirty="0" smtClean="0"/>
+              <a:t>,</a:t>
+            </a:r>
+            <a:endParaRPr lang="en-US" dirty="0"/>
+          </a:p>
+          <a:p>
+            <a:r>
+              <a:rPr lang="en-US" dirty="0"/>
+              <a:t>}</a:t>
+            </a:r>
+          </a:p>
+          <a:p>
+            <a:pPr marL="0" indent="0">
+              <a:buNone/>
+            </a:pPr>
+            <a:endParaRPr lang="ru-RU" dirty="0"/>
+          </a:p>
+          <a:p>
+            <a:pPr marL="0" indent="0">
+              <a:buNone/>
+            </a:pPr>
+            <a:r>
+              <a:rPr lang="ru-RU" dirty="0" smtClean="0"/>
+              <a:t>Определили тестовую выборку равную 30% </a:t>
+            </a:r>
+            <a:endParaRPr lang="ru-RU" dirty="0"/>
           </a:p>
         </p:txBody>
       </p:sp>
     </p:spTree>
     <p:extLst>
       <p:ext uri="{BB962C8B-B14F-4D97-AF65-F5344CB8AC3E}">
-        <p14:creationId xmlns:p14="http://schemas.microsoft.com/office/powerpoint/2010/main" val="3907949203"/>
+        <p14:creationId xmlns:p14="http://schemas.microsoft.com/office/powerpoint/2010/main" val="4073948790"/>
+      </p:ext>
+    </p:extLst>
+  </p:cSld>
+  <p:clrMapOvr>
+    <a:masterClrMapping/>
+  </p:clrMapOvr>
+</p:sld>
+</file>
+
+<file path=ppt/slides/slide27.xml><?xml version="1.0" encoding="utf-8"?>
+<p:sld xmlns:a="http://schemas.openxmlformats.org/drawingml/2006/main" xmlns:r="http://schemas.openxmlformats.org/officeDocument/2006/relationships" xmlns:p="http://schemas.openxmlformats.org/presentationml/2006/main">
+  <p:cSld>
+    <p:spTree>
+      <p:nvGrpSpPr>
+        <p:cNvPr id="1" name=""/>
+        <p:cNvGrpSpPr/>
+        <p:nvPr/>
+      </p:nvGrpSpPr>
+      <p:grpSpPr>
+        <a:xfrm>
+          <a:off x="0" y="0"/>
+          <a:ext cx="0" cy="0"/>
+          <a:chOff x="0" y="0"/>
+          <a:chExt cx="0" cy="0"/>
+        </a:xfrm>
+      </p:grpSpPr>
+      <p:sp>
+        <p:nvSpPr>
+          <p:cNvPr id="2" name="Заголовок 1"/>
+          <p:cNvSpPr>
+            <a:spLocks noGrp="1"/>
+          </p:cNvSpPr>
+          <p:nvPr>
+            <p:ph type="title"/>
+          </p:nvPr>
+        </p:nvSpPr>
+        <p:spPr/>
+        <p:txBody>
+          <a:bodyPr/>
+          <a:lstStyle/>
+          <a:p>
+            <a:r>
+              <a:rPr lang="ru-RU" dirty="0" smtClean="0"/>
+              <a:t>Часть </a:t>
+            </a:r>
+            <a:r>
+              <a:rPr lang="en-US" dirty="0" smtClean="0"/>
+              <a:t>I</a:t>
+            </a:r>
+            <a:r>
+              <a:rPr lang="en-US" dirty="0"/>
+              <a:t> </a:t>
+            </a:r>
+            <a:r>
+              <a:rPr lang="en-US" dirty="0" err="1" smtClean="0"/>
+              <a:t>I</a:t>
+            </a:r>
+            <a:r>
+              <a:rPr lang="en-US" dirty="0"/>
+              <a:t> </a:t>
+            </a:r>
+            <a:r>
+              <a:rPr lang="en-US" dirty="0" err="1"/>
+              <a:t>I</a:t>
+            </a:r>
+            <a:r>
+              <a:rPr lang="en-US" dirty="0" smtClean="0"/>
+              <a:t> – </a:t>
+            </a:r>
+            <a:r>
+              <a:rPr lang="ru-RU" dirty="0" smtClean="0"/>
+              <a:t>Предсказания Берты</a:t>
+            </a:r>
+            <a:endParaRPr lang="ru-RU" dirty="0"/>
+          </a:p>
+        </p:txBody>
+      </p:sp>
+      <p:sp>
+        <p:nvSpPr>
+          <p:cNvPr id="3" name="Объект 2"/>
+          <p:cNvSpPr>
+            <a:spLocks noGrp="1"/>
+          </p:cNvSpPr>
+          <p:nvPr>
+            <p:ph idx="1"/>
+          </p:nvPr>
+        </p:nvSpPr>
+        <p:spPr>
+          <a:xfrm>
+            <a:off x="826864" y="1281518"/>
+            <a:ext cx="10588021" cy="3536085"/>
+          </a:xfrm>
+        </p:spPr>
+        <p:txBody>
+          <a:bodyPr>
+            <a:normAutofit/>
+          </a:bodyPr>
+          <a:lstStyle/>
+          <a:p>
+            <a:pPr marL="0" indent="0">
+              <a:buNone/>
+            </a:pPr>
+            <a:r>
+              <a:rPr lang="ru-RU" dirty="0" smtClean="0"/>
+              <a:t>Результаты обучения</a:t>
+            </a:r>
+            <a:r>
+              <a:rPr lang="en-US" dirty="0"/>
+              <a:t> (kinopoisk-top250.csv)</a:t>
+            </a:r>
+            <a:r>
+              <a:rPr lang="ru-RU" dirty="0" smtClean="0"/>
+              <a:t>:</a:t>
+            </a:r>
+          </a:p>
+          <a:p>
+            <a:pPr marL="0" indent="0">
+              <a:buNone/>
+            </a:pPr>
+            <a:r>
+              <a:rPr lang="en-US" dirty="0"/>
+              <a:t>{'mcc': 0.0, '</a:t>
+            </a:r>
+            <a:r>
+              <a:rPr lang="en-US" dirty="0" err="1"/>
+              <a:t>eval_loss</a:t>
+            </a:r>
+            <a:r>
+              <a:rPr lang="en-US" dirty="0"/>
+              <a:t>': 2.6176433033413358} </a:t>
+            </a:r>
+            <a:endParaRPr lang="ru-RU" dirty="0" smtClean="0"/>
+          </a:p>
+          <a:p>
+            <a:pPr marL="0" indent="0">
+              <a:buNone/>
+            </a:pPr>
+            <a:r>
+              <a:rPr lang="en-US" dirty="0" smtClean="0"/>
+              <a:t>CPU </a:t>
+            </a:r>
+            <a:r>
+              <a:rPr lang="en-US" dirty="0"/>
+              <a:t>times: total: 1h 22min 37s </a:t>
+            </a:r>
+            <a:endParaRPr lang="ru-RU" dirty="0" smtClean="0"/>
+          </a:p>
+          <a:p>
+            <a:pPr marL="0" indent="0">
+              <a:buNone/>
+            </a:pPr>
+            <a:r>
+              <a:rPr lang="en-US" dirty="0" smtClean="0"/>
+              <a:t>Wall </a:t>
+            </a:r>
+            <a:r>
+              <a:rPr lang="en-US" dirty="0"/>
+              <a:t>time: 16min </a:t>
+            </a:r>
+            <a:r>
+              <a:rPr lang="en-US" dirty="0" smtClean="0"/>
+              <a:t>36s</a:t>
+            </a:r>
+            <a:endParaRPr lang="ru-RU" dirty="0" smtClean="0"/>
+          </a:p>
+          <a:p>
+            <a:pPr marL="0" indent="0">
+              <a:buNone/>
+            </a:pPr>
+            <a:endParaRPr lang="ru-RU" dirty="0"/>
+          </a:p>
+          <a:p>
+            <a:pPr marL="0" indent="0">
+              <a:buNone/>
+            </a:pPr>
+            <a:r>
+              <a:rPr lang="ru-RU" dirty="0" smtClean="0"/>
+              <a:t>На тестовой выборке из 10 случайных элементов модель </a:t>
+            </a:r>
+            <a:r>
+              <a:rPr lang="ru-RU" dirty="0" smtClean="0"/>
+              <a:t>все фильмы определила как драмы</a:t>
+            </a:r>
+            <a:endParaRPr lang="ru-RU" dirty="0" smtClean="0"/>
+          </a:p>
+          <a:p>
+            <a:pPr marL="0" indent="0">
+              <a:buNone/>
+            </a:pPr>
+            <a:endParaRPr lang="ru-RU" dirty="0"/>
+          </a:p>
+        </p:txBody>
+      </p:sp>
+    </p:spTree>
+    <p:extLst>
+      <p:ext uri="{BB962C8B-B14F-4D97-AF65-F5344CB8AC3E}">
+        <p14:creationId xmlns:p14="http://schemas.microsoft.com/office/powerpoint/2010/main" val="3239326310"/>
+      </p:ext>
+    </p:extLst>
+  </p:cSld>
+  <p:clrMapOvr>
+    <a:masterClrMapping/>
+  </p:clrMapOvr>
+</p:sld>
+</file>
+
+<file path=ppt/slides/slide28.xml><?xml version="1.0" encoding="utf-8"?>
+<p:sld xmlns:a="http://schemas.openxmlformats.org/drawingml/2006/main" xmlns:r="http://schemas.openxmlformats.org/officeDocument/2006/relationships" xmlns:p="http://schemas.openxmlformats.org/presentationml/2006/main">
+  <p:cSld>
+    <p:spTree>
+      <p:nvGrpSpPr>
+        <p:cNvPr id="1" name=""/>
+        <p:cNvGrpSpPr/>
+        <p:nvPr/>
+      </p:nvGrpSpPr>
+      <p:grpSpPr>
+        <a:xfrm>
+          <a:off x="0" y="0"/>
+          <a:ext cx="0" cy="0"/>
+          <a:chOff x="0" y="0"/>
+          <a:chExt cx="0" cy="0"/>
+        </a:xfrm>
+      </p:grpSpPr>
+      <p:sp>
+        <p:nvSpPr>
+          <p:cNvPr id="2" name="Заголовок 1"/>
+          <p:cNvSpPr>
+            <a:spLocks noGrp="1"/>
+          </p:cNvSpPr>
+          <p:nvPr>
+            <p:ph type="title"/>
+          </p:nvPr>
+        </p:nvSpPr>
+        <p:spPr/>
+        <p:txBody>
+          <a:bodyPr/>
+          <a:lstStyle/>
+          <a:p>
+            <a:r>
+              <a:rPr lang="ru-RU" dirty="0" smtClean="0"/>
+              <a:t>Часть </a:t>
+            </a:r>
+            <a:r>
+              <a:rPr lang="en-US" dirty="0" smtClean="0"/>
+              <a:t>I</a:t>
+            </a:r>
+            <a:r>
+              <a:rPr lang="en-US" dirty="0"/>
+              <a:t> </a:t>
+            </a:r>
+            <a:r>
+              <a:rPr lang="en-US" dirty="0" err="1" smtClean="0"/>
+              <a:t>I</a:t>
+            </a:r>
+            <a:r>
+              <a:rPr lang="en-US" dirty="0"/>
+              <a:t> </a:t>
+            </a:r>
+            <a:r>
+              <a:rPr lang="en-US" dirty="0" err="1"/>
+              <a:t>I</a:t>
+            </a:r>
+            <a:r>
+              <a:rPr lang="en-US" dirty="0" smtClean="0"/>
+              <a:t> – </a:t>
+            </a:r>
+            <a:r>
+              <a:rPr lang="ru-RU" dirty="0" smtClean="0"/>
+              <a:t>Предсказания Берты</a:t>
+            </a:r>
+            <a:endParaRPr lang="ru-RU" dirty="0"/>
+          </a:p>
+        </p:txBody>
+      </p:sp>
+      <p:sp>
+        <p:nvSpPr>
+          <p:cNvPr id="3" name="Объект 2"/>
+          <p:cNvSpPr>
+            <a:spLocks noGrp="1"/>
+          </p:cNvSpPr>
+          <p:nvPr>
+            <p:ph idx="1"/>
+          </p:nvPr>
+        </p:nvSpPr>
+        <p:spPr>
+          <a:xfrm>
+            <a:off x="826864" y="1281519"/>
+            <a:ext cx="10588021" cy="460376"/>
+          </a:xfrm>
+        </p:spPr>
+        <p:txBody>
+          <a:bodyPr>
+            <a:normAutofit lnSpcReduction="10000"/>
+          </a:bodyPr>
+          <a:lstStyle/>
+          <a:p>
+            <a:pPr marL="0" indent="0">
+              <a:buNone/>
+            </a:pPr>
+            <a:r>
+              <a:rPr lang="en-US" dirty="0" err="1" smtClean="0"/>
+              <a:t>Heatmap</a:t>
+            </a:r>
+            <a:r>
+              <a:rPr lang="en-US" dirty="0" smtClean="0"/>
+              <a:t> w</a:t>
+            </a:r>
+            <a:r>
+              <a:rPr lang="en-US" dirty="0"/>
+              <a:t>. labels &amp; </a:t>
+            </a:r>
+            <a:r>
+              <a:rPr lang="en-US" dirty="0" smtClean="0"/>
+              <a:t>annotations (</a:t>
+            </a:r>
+            <a:r>
+              <a:rPr lang="en-US" dirty="0"/>
+              <a:t>kinopoisk-top250.csv</a:t>
+            </a:r>
+            <a:r>
+              <a:rPr lang="en-US" dirty="0" smtClean="0"/>
+              <a:t>)</a:t>
+            </a:r>
+            <a:endParaRPr lang="en-US" dirty="0"/>
+          </a:p>
+          <a:p>
+            <a:pPr marL="0" indent="0">
+              <a:buNone/>
+            </a:pPr>
+            <a:endParaRPr lang="ru-RU" dirty="0"/>
+          </a:p>
+        </p:txBody>
+      </p:sp>
+      <p:pic>
+        <p:nvPicPr>
+          <p:cNvPr id="1026" name="Picture 2"/>
+          <p:cNvPicPr>
+            <a:picLocks noChangeAspect="1" noChangeArrowheads="1"/>
+          </p:cNvPicPr>
+          <p:nvPr/>
+        </p:nvPicPr>
+        <p:blipFill>
+          <a:blip r:embed="rId2" cstate="print">
+            <a:extLst>
+              <a:ext uri="{28A0092B-C50C-407E-A947-70E740481C1C}">
+                <a14:useLocalDpi xmlns:a14="http://schemas.microsoft.com/office/drawing/2010/main" val="0"/>
+              </a:ext>
+            </a:extLst>
+          </a:blip>
+          <a:srcRect/>
+          <a:stretch>
+            <a:fillRect/>
+          </a:stretch>
+        </p:blipFill>
+        <p:spPr bwMode="auto">
+          <a:xfrm>
+            <a:off x="919418" y="1654988"/>
+            <a:ext cx="5507832" cy="4998725"/>
+          </a:xfrm>
+          <a:prstGeom prst="rect">
+            <a:avLst/>
+          </a:prstGeom>
+          <a:noFill/>
+          <a:ln>
+            <a:noFill/>
+          </a:ln>
+          <a:effectLst/>
+          <a:extLst>
+            <a:ext uri="{909E8E84-426E-40DD-AFC4-6F175D3DCCD1}">
+              <a14:hiddenFill xmlns:a14="http://schemas.microsoft.com/office/drawing/2010/main">
+                <a:solidFill>
+                  <a:schemeClr val="accent1"/>
+                </a:solidFill>
+              </a14:hiddenFill>
+            </a:ext>
+            <a:ext uri="{91240B29-F687-4F45-9708-019B960494DF}">
+              <a14:hiddenLine xmlns:a14="http://schemas.microsoft.com/office/drawing/2010/main" w="9525">
+                <a:solidFill>
+                  <a:schemeClr val="tx1"/>
+                </a:solidFill>
+                <a:miter lim="800000"/>
+                <a:headEnd/>
+                <a:tailEnd/>
+              </a14:hiddenLine>
+            </a:ext>
+            <a:ext uri="{AF507438-7753-43E0-B8FC-AC1667EBCBE1}">
+              <a14:hiddenEffects xmlns:a14="http://schemas.microsoft.com/office/drawing/2010/main">
+                <a:effectLst>
+                  <a:outerShdw dist="35921" dir="2700000" algn="ctr" rotWithShape="0">
+                    <a:schemeClr val="bg2"/>
+                  </a:outerShdw>
+                </a:effectLst>
+              </a14:hiddenEffects>
+            </a:ext>
+          </a:extLst>
+        </p:spPr>
+      </p:pic>
+    </p:spTree>
+    <p:extLst>
+      <p:ext uri="{BB962C8B-B14F-4D97-AF65-F5344CB8AC3E}">
+        <p14:creationId xmlns:p14="http://schemas.microsoft.com/office/powerpoint/2010/main" val="105919070"/>
+      </p:ext>
+    </p:extLst>
+  </p:cSld>
+  <p:clrMapOvr>
+    <a:masterClrMapping/>
+  </p:clrMapOvr>
+</p:sld>
+</file>
+
+<file path=ppt/slides/slide29.xml><?xml version="1.0" encoding="utf-8"?>
+<p:sld xmlns:a="http://schemas.openxmlformats.org/drawingml/2006/main" xmlns:r="http://schemas.openxmlformats.org/officeDocument/2006/relationships" xmlns:p="http://schemas.openxmlformats.org/presentationml/2006/main">
+  <p:cSld>
+    <p:spTree>
+      <p:nvGrpSpPr>
+        <p:cNvPr id="1" name=""/>
+        <p:cNvGrpSpPr/>
+        <p:nvPr/>
+      </p:nvGrpSpPr>
+      <p:grpSpPr>
+        <a:xfrm>
+          <a:off x="0" y="0"/>
+          <a:ext cx="0" cy="0"/>
+          <a:chOff x="0" y="0"/>
+          <a:chExt cx="0" cy="0"/>
+        </a:xfrm>
+      </p:grpSpPr>
+      <p:sp>
+        <p:nvSpPr>
+          <p:cNvPr id="2" name="Заголовок 1"/>
+          <p:cNvSpPr>
+            <a:spLocks noGrp="1"/>
+          </p:cNvSpPr>
+          <p:nvPr>
+            <p:ph type="title"/>
+          </p:nvPr>
+        </p:nvSpPr>
+        <p:spPr/>
+        <p:txBody>
+          <a:bodyPr/>
+          <a:lstStyle/>
+          <a:p>
+            <a:r>
+              <a:rPr lang="ru-RU" dirty="0" smtClean="0"/>
+              <a:t>Часть </a:t>
+            </a:r>
+            <a:r>
+              <a:rPr lang="en-US" dirty="0" smtClean="0"/>
+              <a:t>I</a:t>
+            </a:r>
+            <a:r>
+              <a:rPr lang="en-US" dirty="0"/>
+              <a:t> </a:t>
+            </a:r>
+            <a:r>
+              <a:rPr lang="en-US" dirty="0" err="1" smtClean="0"/>
+              <a:t>I</a:t>
+            </a:r>
+            <a:r>
+              <a:rPr lang="en-US" dirty="0"/>
+              <a:t> </a:t>
+            </a:r>
+            <a:r>
+              <a:rPr lang="en-US" dirty="0" err="1"/>
+              <a:t>I</a:t>
+            </a:r>
+            <a:r>
+              <a:rPr lang="en-US" dirty="0" smtClean="0"/>
+              <a:t> – </a:t>
+            </a:r>
+            <a:r>
+              <a:rPr lang="ru-RU" dirty="0" smtClean="0"/>
+              <a:t>Предсказания Берты</a:t>
+            </a:r>
+            <a:endParaRPr lang="ru-RU" dirty="0"/>
+          </a:p>
+        </p:txBody>
+      </p:sp>
+      <p:sp>
+        <p:nvSpPr>
+          <p:cNvPr id="3" name="Объект 2"/>
+          <p:cNvSpPr>
+            <a:spLocks noGrp="1"/>
+          </p:cNvSpPr>
+          <p:nvPr>
+            <p:ph idx="1"/>
+          </p:nvPr>
+        </p:nvSpPr>
+        <p:spPr>
+          <a:xfrm>
+            <a:off x="770187" y="1304189"/>
+            <a:ext cx="10588021" cy="5036155"/>
+          </a:xfrm>
+        </p:spPr>
+        <p:txBody>
+          <a:bodyPr>
+            <a:normAutofit fontScale="92500" lnSpcReduction="20000"/>
+          </a:bodyPr>
+          <a:lstStyle/>
+          <a:p>
+            <a:pPr marL="0" indent="0">
+              <a:buNone/>
+            </a:pPr>
+            <a:r>
+              <a:rPr lang="ru-RU" dirty="0" smtClean="0"/>
+              <a:t>Аргументы построения модели</a:t>
+            </a:r>
+            <a:r>
+              <a:rPr lang="en-US" dirty="0"/>
+              <a:t> (kinopoisk-top250.csv)</a:t>
+            </a:r>
+            <a:r>
+              <a:rPr lang="ru-RU" dirty="0" smtClean="0"/>
+              <a:t>:</a:t>
+            </a:r>
+          </a:p>
+          <a:p>
+            <a:r>
+              <a:rPr lang="en-US" dirty="0" err="1"/>
+              <a:t>model_args</a:t>
+            </a:r>
+            <a:r>
+              <a:rPr lang="en-US" dirty="0"/>
+              <a:t> = {</a:t>
+            </a:r>
+          </a:p>
+          <a:p>
+            <a:r>
+              <a:rPr lang="en-US" dirty="0"/>
+              <a:t>    "</a:t>
+            </a:r>
+            <a:r>
+              <a:rPr lang="en-US" dirty="0" err="1"/>
+              <a:t>reprocess_input_data</a:t>
+            </a:r>
+            <a:r>
+              <a:rPr lang="en-US" dirty="0"/>
+              <a:t>": True,</a:t>
+            </a:r>
+          </a:p>
+          <a:p>
+            <a:r>
+              <a:rPr lang="en-US" dirty="0"/>
+              <a:t>    "</a:t>
+            </a:r>
+            <a:r>
+              <a:rPr lang="en-US" dirty="0" err="1"/>
+              <a:t>overwrite_output_dir</a:t>
+            </a:r>
+            <a:r>
+              <a:rPr lang="en-US" dirty="0"/>
+              <a:t>": True,</a:t>
+            </a:r>
+          </a:p>
+          <a:p>
+            <a:r>
+              <a:rPr lang="en-US" dirty="0"/>
+              <a:t>    "</a:t>
+            </a:r>
+            <a:r>
+              <a:rPr lang="en-US" dirty="0" err="1"/>
+              <a:t>save_model_every_epoch</a:t>
+            </a:r>
+            <a:r>
+              <a:rPr lang="en-US" dirty="0"/>
+              <a:t>": False,</a:t>
+            </a:r>
+          </a:p>
+          <a:p>
+            <a:r>
+              <a:rPr lang="en-US" dirty="0"/>
+              <a:t>    "</a:t>
+            </a:r>
+            <a:r>
+              <a:rPr lang="en-US" dirty="0" err="1"/>
+              <a:t>save_eval_checkpoints</a:t>
+            </a:r>
+            <a:r>
+              <a:rPr lang="en-US" dirty="0"/>
+              <a:t>": False,</a:t>
+            </a:r>
+          </a:p>
+          <a:p>
+            <a:r>
+              <a:rPr lang="en-US" dirty="0"/>
+              <a:t>    "</a:t>
+            </a:r>
+            <a:r>
+              <a:rPr lang="en-US" dirty="0" err="1"/>
+              <a:t>max_seq_length</a:t>
+            </a:r>
+            <a:r>
+              <a:rPr lang="en-US" dirty="0"/>
+              <a:t>": 512,</a:t>
+            </a:r>
+          </a:p>
+          <a:p>
+            <a:r>
+              <a:rPr lang="en-US" dirty="0"/>
+              <a:t>    "</a:t>
+            </a:r>
+            <a:r>
+              <a:rPr lang="en-US" dirty="0" err="1"/>
+              <a:t>train_batch_size</a:t>
+            </a:r>
+            <a:r>
+              <a:rPr lang="en-US" dirty="0"/>
+              <a:t>": </a:t>
+            </a:r>
+            <a:r>
+              <a:rPr lang="en-US" dirty="0" smtClean="0"/>
+              <a:t>8,</a:t>
+            </a:r>
+            <a:endParaRPr lang="en-US" dirty="0"/>
+          </a:p>
+          <a:p>
+            <a:r>
+              <a:rPr lang="en-US" dirty="0"/>
+              <a:t>    "</a:t>
+            </a:r>
+            <a:r>
+              <a:rPr lang="en-US" dirty="0" err="1"/>
+              <a:t>num_train_epochs</a:t>
+            </a:r>
+            <a:r>
+              <a:rPr lang="en-US" dirty="0"/>
+              <a:t>": </a:t>
+            </a:r>
+            <a:r>
+              <a:rPr lang="en-US" dirty="0" smtClean="0"/>
+              <a:t>10,</a:t>
+            </a:r>
+            <a:endParaRPr lang="en-US" dirty="0"/>
+          </a:p>
+          <a:p>
+            <a:r>
+              <a:rPr lang="en-US" dirty="0"/>
+              <a:t>}</a:t>
+            </a:r>
+          </a:p>
+          <a:p>
+            <a:pPr marL="0" indent="0">
+              <a:buNone/>
+            </a:pPr>
+            <a:endParaRPr lang="ru-RU" dirty="0"/>
+          </a:p>
+          <a:p>
+            <a:pPr marL="0" indent="0">
+              <a:buNone/>
+            </a:pPr>
+            <a:r>
+              <a:rPr lang="ru-RU" dirty="0" smtClean="0"/>
+              <a:t>Определили тестовую выборку равную 30% </a:t>
+            </a:r>
+            <a:endParaRPr lang="ru-RU" dirty="0"/>
+          </a:p>
+        </p:txBody>
+      </p:sp>
+    </p:spTree>
+    <p:extLst>
+      <p:ext uri="{BB962C8B-B14F-4D97-AF65-F5344CB8AC3E}">
+        <p14:creationId xmlns:p14="http://schemas.microsoft.com/office/powerpoint/2010/main" val="2373900768"/>
       </p:ext>
     </p:extLst>
   </p:cSld>
@@ -7170,6 +8369,716 @@
     <p:extLst>
       <p:ext uri="{BB962C8B-B14F-4D97-AF65-F5344CB8AC3E}">
         <p14:creationId xmlns:p14="http://schemas.microsoft.com/office/powerpoint/2010/main" val="2020167519"/>
+      </p:ext>
+    </p:extLst>
+  </p:cSld>
+  <p:clrMapOvr>
+    <a:masterClrMapping/>
+  </p:clrMapOvr>
+</p:sld>
+</file>
+
+<file path=ppt/slides/slide30.xml><?xml version="1.0" encoding="utf-8"?>
+<p:sld xmlns:a="http://schemas.openxmlformats.org/drawingml/2006/main" xmlns:r="http://schemas.openxmlformats.org/officeDocument/2006/relationships" xmlns:p="http://schemas.openxmlformats.org/presentationml/2006/main">
+  <p:cSld>
+    <p:spTree>
+      <p:nvGrpSpPr>
+        <p:cNvPr id="1" name=""/>
+        <p:cNvGrpSpPr/>
+        <p:nvPr/>
+      </p:nvGrpSpPr>
+      <p:grpSpPr>
+        <a:xfrm>
+          <a:off x="0" y="0"/>
+          <a:ext cx="0" cy="0"/>
+          <a:chOff x="0" y="0"/>
+          <a:chExt cx="0" cy="0"/>
+        </a:xfrm>
+      </p:grpSpPr>
+      <p:sp>
+        <p:nvSpPr>
+          <p:cNvPr id="2" name="Заголовок 1"/>
+          <p:cNvSpPr>
+            <a:spLocks noGrp="1"/>
+          </p:cNvSpPr>
+          <p:nvPr>
+            <p:ph type="title"/>
+          </p:nvPr>
+        </p:nvSpPr>
+        <p:spPr/>
+        <p:txBody>
+          <a:bodyPr/>
+          <a:lstStyle/>
+          <a:p>
+            <a:r>
+              <a:rPr lang="ru-RU" dirty="0" smtClean="0"/>
+              <a:t>Часть </a:t>
+            </a:r>
+            <a:r>
+              <a:rPr lang="en-US" dirty="0" smtClean="0"/>
+              <a:t>I</a:t>
+            </a:r>
+            <a:r>
+              <a:rPr lang="en-US" dirty="0"/>
+              <a:t> </a:t>
+            </a:r>
+            <a:r>
+              <a:rPr lang="en-US" dirty="0" err="1" smtClean="0"/>
+              <a:t>I</a:t>
+            </a:r>
+            <a:r>
+              <a:rPr lang="en-US" dirty="0"/>
+              <a:t> </a:t>
+            </a:r>
+            <a:r>
+              <a:rPr lang="en-US" dirty="0" err="1"/>
+              <a:t>I</a:t>
+            </a:r>
+            <a:r>
+              <a:rPr lang="en-US" dirty="0" smtClean="0"/>
+              <a:t> – </a:t>
+            </a:r>
+            <a:r>
+              <a:rPr lang="ru-RU" dirty="0" smtClean="0"/>
+              <a:t>Предсказания Берты</a:t>
+            </a:r>
+            <a:endParaRPr lang="ru-RU" dirty="0"/>
+          </a:p>
+        </p:txBody>
+      </p:sp>
+      <p:sp>
+        <p:nvSpPr>
+          <p:cNvPr id="3" name="Объект 2"/>
+          <p:cNvSpPr>
+            <a:spLocks noGrp="1"/>
+          </p:cNvSpPr>
+          <p:nvPr>
+            <p:ph idx="1"/>
+          </p:nvPr>
+        </p:nvSpPr>
+        <p:spPr>
+          <a:xfrm>
+            <a:off x="826864" y="1281518"/>
+            <a:ext cx="10588021" cy="3536085"/>
+          </a:xfrm>
+        </p:spPr>
+        <p:txBody>
+          <a:bodyPr>
+            <a:normAutofit/>
+          </a:bodyPr>
+          <a:lstStyle/>
+          <a:p>
+            <a:pPr marL="0" indent="0">
+              <a:buNone/>
+            </a:pPr>
+            <a:r>
+              <a:rPr lang="ru-RU" dirty="0" smtClean="0"/>
+              <a:t>Результаты обучения</a:t>
+            </a:r>
+            <a:r>
+              <a:rPr lang="en-US" dirty="0"/>
+              <a:t> (kinopoisk-top250.csv)</a:t>
+            </a:r>
+            <a:r>
+              <a:rPr lang="ru-RU" dirty="0" smtClean="0"/>
+              <a:t>:</a:t>
+            </a:r>
+          </a:p>
+          <a:p>
+            <a:pPr marL="0" indent="0">
+              <a:buNone/>
+            </a:pPr>
+            <a:r>
+              <a:rPr lang="en-US" dirty="0"/>
+              <a:t>{'mcc': 0.9525174544539858, '</a:t>
+            </a:r>
+            <a:r>
+              <a:rPr lang="en-US" dirty="0" err="1"/>
+              <a:t>eval_loss</a:t>
+            </a:r>
+            <a:r>
+              <a:rPr lang="en-US" dirty="0"/>
+              <a:t>': 0.29667600492636365} </a:t>
+            </a:r>
+            <a:endParaRPr lang="ru-RU" dirty="0" smtClean="0"/>
+          </a:p>
+          <a:p>
+            <a:pPr marL="0" indent="0">
+              <a:buNone/>
+            </a:pPr>
+            <a:r>
+              <a:rPr lang="en-US" dirty="0" smtClean="0"/>
+              <a:t>CPU </a:t>
+            </a:r>
+            <a:r>
+              <a:rPr lang="en-US" dirty="0"/>
+              <a:t>times: total: 3h 22min 43s </a:t>
+            </a:r>
+            <a:endParaRPr lang="ru-RU" dirty="0" smtClean="0"/>
+          </a:p>
+          <a:p>
+            <a:pPr marL="0" indent="0">
+              <a:buNone/>
+            </a:pPr>
+            <a:r>
+              <a:rPr lang="en-US" dirty="0" smtClean="0"/>
+              <a:t>Wall </a:t>
+            </a:r>
+            <a:r>
+              <a:rPr lang="en-US" dirty="0"/>
+              <a:t>time: 37min </a:t>
+            </a:r>
+            <a:r>
+              <a:rPr lang="en-US" dirty="0" smtClean="0"/>
+              <a:t>57s</a:t>
+            </a:r>
+            <a:endParaRPr lang="ru-RU" dirty="0" smtClean="0"/>
+          </a:p>
+          <a:p>
+            <a:pPr marL="0" indent="0">
+              <a:buNone/>
+            </a:pPr>
+            <a:endParaRPr lang="ru-RU" dirty="0"/>
+          </a:p>
+          <a:p>
+            <a:pPr marL="0" indent="0">
+              <a:buNone/>
+            </a:pPr>
+            <a:r>
+              <a:rPr lang="ru-RU" dirty="0" smtClean="0"/>
+              <a:t>На тестовой выборке из 10 случайных элементов модель делала верные предсказания в 2-3 случаях.</a:t>
+            </a:r>
+          </a:p>
+          <a:p>
+            <a:pPr marL="0" indent="0">
+              <a:buNone/>
+            </a:pPr>
+            <a:endParaRPr lang="ru-RU" dirty="0"/>
+          </a:p>
+        </p:txBody>
+      </p:sp>
+    </p:spTree>
+    <p:extLst>
+      <p:ext uri="{BB962C8B-B14F-4D97-AF65-F5344CB8AC3E}">
+        <p14:creationId xmlns:p14="http://schemas.microsoft.com/office/powerpoint/2010/main" val="1600631924"/>
+      </p:ext>
+    </p:extLst>
+  </p:cSld>
+  <p:clrMapOvr>
+    <a:masterClrMapping/>
+  </p:clrMapOvr>
+</p:sld>
+</file>
+
+<file path=ppt/slides/slide31.xml><?xml version="1.0" encoding="utf-8"?>
+<p:sld xmlns:a="http://schemas.openxmlformats.org/drawingml/2006/main" xmlns:r="http://schemas.openxmlformats.org/officeDocument/2006/relationships" xmlns:p="http://schemas.openxmlformats.org/presentationml/2006/main">
+  <p:cSld>
+    <p:spTree>
+      <p:nvGrpSpPr>
+        <p:cNvPr id="1" name=""/>
+        <p:cNvGrpSpPr/>
+        <p:nvPr/>
+      </p:nvGrpSpPr>
+      <p:grpSpPr>
+        <a:xfrm>
+          <a:off x="0" y="0"/>
+          <a:ext cx="0" cy="0"/>
+          <a:chOff x="0" y="0"/>
+          <a:chExt cx="0" cy="0"/>
+        </a:xfrm>
+      </p:grpSpPr>
+      <p:sp>
+        <p:nvSpPr>
+          <p:cNvPr id="2" name="Заголовок 1"/>
+          <p:cNvSpPr>
+            <a:spLocks noGrp="1"/>
+          </p:cNvSpPr>
+          <p:nvPr>
+            <p:ph type="title"/>
+          </p:nvPr>
+        </p:nvSpPr>
+        <p:spPr/>
+        <p:txBody>
+          <a:bodyPr/>
+          <a:lstStyle/>
+          <a:p>
+            <a:r>
+              <a:rPr lang="ru-RU" dirty="0" smtClean="0"/>
+              <a:t>Часть </a:t>
+            </a:r>
+            <a:r>
+              <a:rPr lang="en-US" dirty="0" smtClean="0"/>
+              <a:t>I</a:t>
+            </a:r>
+            <a:r>
+              <a:rPr lang="en-US" dirty="0"/>
+              <a:t> </a:t>
+            </a:r>
+            <a:r>
+              <a:rPr lang="en-US" dirty="0" err="1" smtClean="0"/>
+              <a:t>I</a:t>
+            </a:r>
+            <a:r>
+              <a:rPr lang="en-US" dirty="0"/>
+              <a:t> </a:t>
+            </a:r>
+            <a:r>
+              <a:rPr lang="en-US" dirty="0" err="1"/>
+              <a:t>I</a:t>
+            </a:r>
+            <a:r>
+              <a:rPr lang="en-US" dirty="0" smtClean="0"/>
+              <a:t> – </a:t>
+            </a:r>
+            <a:r>
+              <a:rPr lang="ru-RU" dirty="0" smtClean="0"/>
+              <a:t>Предсказания Берты</a:t>
+            </a:r>
+            <a:endParaRPr lang="ru-RU" dirty="0"/>
+          </a:p>
+        </p:txBody>
+      </p:sp>
+      <p:sp>
+        <p:nvSpPr>
+          <p:cNvPr id="3" name="Объект 2"/>
+          <p:cNvSpPr>
+            <a:spLocks noGrp="1"/>
+          </p:cNvSpPr>
+          <p:nvPr>
+            <p:ph idx="1"/>
+          </p:nvPr>
+        </p:nvSpPr>
+        <p:spPr>
+          <a:xfrm>
+            <a:off x="826864" y="1281519"/>
+            <a:ext cx="10588021" cy="460376"/>
+          </a:xfrm>
+        </p:spPr>
+        <p:txBody>
+          <a:bodyPr>
+            <a:normAutofit lnSpcReduction="10000"/>
+          </a:bodyPr>
+          <a:lstStyle/>
+          <a:p>
+            <a:pPr marL="0" indent="0">
+              <a:buNone/>
+            </a:pPr>
+            <a:r>
+              <a:rPr lang="en-US" dirty="0" err="1" smtClean="0"/>
+              <a:t>Heatmap</a:t>
+            </a:r>
+            <a:r>
+              <a:rPr lang="en-US" dirty="0" smtClean="0"/>
+              <a:t> w</a:t>
+            </a:r>
+            <a:r>
+              <a:rPr lang="en-US" dirty="0"/>
+              <a:t>. labels &amp; </a:t>
+            </a:r>
+            <a:r>
+              <a:rPr lang="en-US" dirty="0" smtClean="0"/>
+              <a:t>annotations (</a:t>
+            </a:r>
+            <a:r>
+              <a:rPr lang="en-US" dirty="0"/>
+              <a:t>kinopoisk-top250.csv</a:t>
+            </a:r>
+            <a:r>
+              <a:rPr lang="en-US" dirty="0" smtClean="0"/>
+              <a:t>)</a:t>
+            </a:r>
+            <a:endParaRPr lang="en-US" dirty="0"/>
+          </a:p>
+          <a:p>
+            <a:pPr marL="0" indent="0">
+              <a:buNone/>
+            </a:pPr>
+            <a:endParaRPr lang="ru-RU" dirty="0"/>
+          </a:p>
+        </p:txBody>
+      </p:sp>
+      <p:pic>
+        <p:nvPicPr>
+          <p:cNvPr id="5122" name="Picture 2"/>
+          <p:cNvPicPr>
+            <a:picLocks noChangeAspect="1" noChangeArrowheads="1"/>
+          </p:cNvPicPr>
+          <p:nvPr/>
+        </p:nvPicPr>
+        <p:blipFill>
+          <a:blip r:embed="rId2" cstate="print">
+            <a:extLst>
+              <a:ext uri="{28A0092B-C50C-407E-A947-70E740481C1C}">
+                <a14:useLocalDpi xmlns:a14="http://schemas.microsoft.com/office/drawing/2010/main" val="0"/>
+              </a:ext>
+            </a:extLst>
+          </a:blip>
+          <a:srcRect/>
+          <a:stretch>
+            <a:fillRect/>
+          </a:stretch>
+        </p:blipFill>
+        <p:spPr bwMode="auto">
+          <a:xfrm>
+            <a:off x="869058" y="1748730"/>
+            <a:ext cx="4927180" cy="4464358"/>
+          </a:xfrm>
+          <a:prstGeom prst="rect">
+            <a:avLst/>
+          </a:prstGeom>
+          <a:noFill/>
+          <a:ln>
+            <a:noFill/>
+          </a:ln>
+          <a:effectLst/>
+          <a:extLst>
+            <a:ext uri="{909E8E84-426E-40DD-AFC4-6F175D3DCCD1}">
+              <a14:hiddenFill xmlns:a14="http://schemas.microsoft.com/office/drawing/2010/main">
+                <a:solidFill>
+                  <a:schemeClr val="accent1"/>
+                </a:solidFill>
+              </a14:hiddenFill>
+            </a:ext>
+            <a:ext uri="{91240B29-F687-4F45-9708-019B960494DF}">
+              <a14:hiddenLine xmlns:a14="http://schemas.microsoft.com/office/drawing/2010/main" w="9525">
+                <a:solidFill>
+                  <a:schemeClr val="tx1"/>
+                </a:solidFill>
+                <a:miter lim="800000"/>
+                <a:headEnd/>
+                <a:tailEnd/>
+              </a14:hiddenLine>
+            </a:ext>
+            <a:ext uri="{AF507438-7753-43E0-B8FC-AC1667EBCBE1}">
+              <a14:hiddenEffects xmlns:a14="http://schemas.microsoft.com/office/drawing/2010/main">
+                <a:effectLst>
+                  <a:outerShdw dist="35921" dir="2700000" algn="ctr" rotWithShape="0">
+                    <a:schemeClr val="bg2"/>
+                  </a:outerShdw>
+                </a:effectLst>
+              </a14:hiddenEffects>
+            </a:ext>
+          </a:extLst>
+        </p:spPr>
+      </p:pic>
+    </p:spTree>
+    <p:extLst>
+      <p:ext uri="{BB962C8B-B14F-4D97-AF65-F5344CB8AC3E}">
+        <p14:creationId xmlns:p14="http://schemas.microsoft.com/office/powerpoint/2010/main" val="3250563738"/>
+      </p:ext>
+    </p:extLst>
+  </p:cSld>
+  <p:clrMapOvr>
+    <a:masterClrMapping/>
+  </p:clrMapOvr>
+</p:sld>
+</file>
+
+<file path=ppt/slides/slide32.xml><?xml version="1.0" encoding="utf-8"?>
+<p:sld xmlns:a="http://schemas.openxmlformats.org/drawingml/2006/main" xmlns:r="http://schemas.openxmlformats.org/officeDocument/2006/relationships" xmlns:p="http://schemas.openxmlformats.org/presentationml/2006/main">
+  <p:cSld>
+    <p:spTree>
+      <p:nvGrpSpPr>
+        <p:cNvPr id="1" name=""/>
+        <p:cNvGrpSpPr/>
+        <p:nvPr/>
+      </p:nvGrpSpPr>
+      <p:grpSpPr>
+        <a:xfrm>
+          <a:off x="0" y="0"/>
+          <a:ext cx="0" cy="0"/>
+          <a:chOff x="0" y="0"/>
+          <a:chExt cx="0" cy="0"/>
+        </a:xfrm>
+      </p:grpSpPr>
+      <p:sp>
+        <p:nvSpPr>
+          <p:cNvPr id="2" name="Заголовок 1"/>
+          <p:cNvSpPr>
+            <a:spLocks noGrp="1"/>
+          </p:cNvSpPr>
+          <p:nvPr>
+            <p:ph type="title"/>
+          </p:nvPr>
+        </p:nvSpPr>
+        <p:spPr/>
+        <p:txBody>
+          <a:bodyPr/>
+          <a:lstStyle/>
+          <a:p>
+            <a:r>
+              <a:rPr lang="ru-RU" dirty="0" smtClean="0"/>
+              <a:t>Ссылки на </a:t>
+            </a:r>
+            <a:r>
+              <a:rPr lang="en-US" dirty="0" err="1" smtClean="0"/>
+              <a:t>GitHub</a:t>
+            </a:r>
+            <a:endParaRPr lang="ru-RU" dirty="0"/>
+          </a:p>
+        </p:txBody>
+      </p:sp>
+      <p:sp>
+        <p:nvSpPr>
+          <p:cNvPr id="3" name="Объект 2"/>
+          <p:cNvSpPr>
+            <a:spLocks noGrp="1"/>
+          </p:cNvSpPr>
+          <p:nvPr>
+            <p:ph idx="1"/>
+          </p:nvPr>
+        </p:nvSpPr>
+        <p:spPr/>
+        <p:txBody>
+          <a:bodyPr/>
+          <a:lstStyle/>
+          <a:p>
+            <a:r>
+              <a:rPr lang="en-US" sz="2000" i="1" dirty="0" smtClean="0">
+                <a:solidFill>
+                  <a:schemeClr val="tx1">
+                    <a:lumMod val="65000"/>
+                    <a:lumOff val="35000"/>
+                  </a:schemeClr>
+                </a:solidFill>
+                <a:hlinkClick r:id="rId2"/>
+              </a:rPr>
+              <a:t>https</a:t>
+            </a:r>
+            <a:r>
+              <a:rPr lang="en-US" sz="2000" i="1" dirty="0">
+                <a:solidFill>
+                  <a:schemeClr val="tx1">
+                    <a:lumMod val="65000"/>
+                    <a:lumOff val="35000"/>
+                  </a:schemeClr>
+                </a:solidFill>
+                <a:hlinkClick r:id="rId2"/>
+              </a:rPr>
+              <a:t>://</a:t>
+            </a:r>
+            <a:r>
+              <a:rPr lang="en-US" sz="2000" i="1" dirty="0" smtClean="0">
+                <a:solidFill>
+                  <a:schemeClr val="tx1">
+                    <a:lumMod val="65000"/>
+                    <a:lumOff val="35000"/>
+                  </a:schemeClr>
+                </a:solidFill>
+                <a:hlinkClick r:id="rId2"/>
+              </a:rPr>
+              <a:t>github.com/PavelVNovikov/DS_april_2022/blob/main/Diplom/diplom1.ipynb</a:t>
+            </a:r>
+            <a:endParaRPr lang="en-US" sz="2000" i="1" dirty="0" smtClean="0">
+              <a:solidFill>
+                <a:schemeClr val="tx1">
+                  <a:lumMod val="65000"/>
+                  <a:lumOff val="35000"/>
+                </a:schemeClr>
+              </a:solidFill>
+            </a:endParaRPr>
+          </a:p>
+          <a:p>
+            <a:r>
+              <a:rPr lang="en-US" sz="2000" i="1" dirty="0">
+                <a:solidFill>
+                  <a:schemeClr val="tx1">
+                    <a:lumMod val="65000"/>
+                    <a:lumOff val="35000"/>
+                  </a:schemeClr>
+                </a:solidFill>
+                <a:hlinkClick r:id="rId3"/>
+              </a:rPr>
+              <a:t>https://</a:t>
+            </a:r>
+            <a:r>
+              <a:rPr lang="en-US" sz="2000" i="1" dirty="0" smtClean="0">
+                <a:solidFill>
+                  <a:schemeClr val="tx1">
+                    <a:lumMod val="65000"/>
+                    <a:lumOff val="35000"/>
+                  </a:schemeClr>
+                </a:solidFill>
+                <a:hlinkClick r:id="rId3"/>
+              </a:rPr>
+              <a:t>github.com/PavelVNovikov/DS_april_2022/blob/main/Diplom/diplom2.ipynb</a:t>
+            </a:r>
+            <a:endParaRPr lang="en-US" sz="2000" i="1" dirty="0" smtClean="0">
+              <a:solidFill>
+                <a:schemeClr val="tx1">
+                  <a:lumMod val="65000"/>
+                  <a:lumOff val="35000"/>
+                </a:schemeClr>
+              </a:solidFill>
+            </a:endParaRPr>
+          </a:p>
+          <a:p>
+            <a:r>
+              <a:rPr lang="en-US" sz="2000" i="1" dirty="0">
+                <a:solidFill>
+                  <a:schemeClr val="tx1">
+                    <a:lumMod val="65000"/>
+                    <a:lumOff val="35000"/>
+                  </a:schemeClr>
+                </a:solidFill>
+                <a:hlinkClick r:id="rId4"/>
+              </a:rPr>
+              <a:t>https://</a:t>
+            </a:r>
+            <a:r>
+              <a:rPr lang="en-US" sz="2000" i="1" dirty="0" smtClean="0">
+                <a:solidFill>
+                  <a:schemeClr val="tx1">
+                    <a:lumMod val="65000"/>
+                    <a:lumOff val="35000"/>
+                  </a:schemeClr>
+                </a:solidFill>
+                <a:hlinkClick r:id="rId4"/>
+              </a:rPr>
+              <a:t>github.com/PavelVNovikov/DS_april_2022/blob/main/Diplom/diplom3.ipynb</a:t>
+            </a:r>
+            <a:endParaRPr lang="en-US" sz="2000" i="1" dirty="0" smtClean="0">
+              <a:solidFill>
+                <a:schemeClr val="tx1">
+                  <a:lumMod val="65000"/>
+                  <a:lumOff val="35000"/>
+                </a:schemeClr>
+              </a:solidFill>
+            </a:endParaRPr>
+          </a:p>
+          <a:p>
+            <a:r>
+              <a:rPr lang="en-US" sz="2000" i="1" dirty="0">
+                <a:solidFill>
+                  <a:schemeClr val="tx1">
+                    <a:lumMod val="65000"/>
+                    <a:lumOff val="35000"/>
+                  </a:schemeClr>
+                </a:solidFill>
+                <a:hlinkClick r:id="rId5"/>
+              </a:rPr>
+              <a:t>https://</a:t>
+            </a:r>
+            <a:r>
+              <a:rPr lang="en-US" sz="2000" i="1" dirty="0" smtClean="0">
+                <a:solidFill>
+                  <a:schemeClr val="tx1">
+                    <a:lumMod val="65000"/>
+                    <a:lumOff val="35000"/>
+                  </a:schemeClr>
+                </a:solidFill>
+                <a:hlinkClick r:id="rId5"/>
+              </a:rPr>
+              <a:t>github.com/PavelVNovikov/DS_april_2022/blob/main/Diplom/diplom3_ru.ipynb</a:t>
+            </a:r>
+            <a:endParaRPr lang="en-US" sz="2000" i="1" dirty="0" smtClean="0">
+              <a:solidFill>
+                <a:schemeClr val="tx1">
+                  <a:lumMod val="65000"/>
+                  <a:lumOff val="35000"/>
+                </a:schemeClr>
+              </a:solidFill>
+            </a:endParaRPr>
+          </a:p>
+          <a:p>
+            <a:pPr marL="0" indent="0">
+              <a:buNone/>
+            </a:pPr>
+            <a:endParaRPr lang="ru-RU" i="1" dirty="0">
+              <a:solidFill>
+                <a:schemeClr val="tx1">
+                  <a:lumMod val="65000"/>
+                  <a:lumOff val="35000"/>
+                </a:schemeClr>
+              </a:solidFill>
+            </a:endParaRPr>
+          </a:p>
+          <a:p>
+            <a:endParaRPr lang="ru-RU" i="1" dirty="0">
+              <a:solidFill>
+                <a:schemeClr val="tx1">
+                  <a:lumMod val="65000"/>
+                  <a:lumOff val="35000"/>
+                </a:schemeClr>
+              </a:solidFill>
+            </a:endParaRPr>
+          </a:p>
+          <a:p>
+            <a:pPr marL="0" indent="0">
+              <a:buNone/>
+            </a:pPr>
+            <a:endParaRPr lang="ru-RU" dirty="0"/>
+          </a:p>
+        </p:txBody>
+      </p:sp>
+    </p:spTree>
+    <p:extLst>
+      <p:ext uri="{BB962C8B-B14F-4D97-AF65-F5344CB8AC3E}">
+        <p14:creationId xmlns:p14="http://schemas.microsoft.com/office/powerpoint/2010/main" val="2225149509"/>
+      </p:ext>
+    </p:extLst>
+  </p:cSld>
+  <p:clrMapOvr>
+    <a:masterClrMapping/>
+  </p:clrMapOvr>
+</p:sld>
+</file>
+
+<file path=ppt/slides/slide33.xml><?xml version="1.0" encoding="utf-8"?>
+<p:sld xmlns:a="http://schemas.openxmlformats.org/drawingml/2006/main" xmlns:r="http://schemas.openxmlformats.org/officeDocument/2006/relationships" xmlns:p="http://schemas.openxmlformats.org/presentationml/2006/main">
+  <p:cSld>
+    <p:spTree>
+      <p:nvGrpSpPr>
+        <p:cNvPr id="1" name=""/>
+        <p:cNvGrpSpPr/>
+        <p:nvPr/>
+      </p:nvGrpSpPr>
+      <p:grpSpPr>
+        <a:xfrm>
+          <a:off x="0" y="0"/>
+          <a:ext cx="0" cy="0"/>
+          <a:chOff x="0" y="0"/>
+          <a:chExt cx="0" cy="0"/>
+        </a:xfrm>
+      </p:grpSpPr>
+      <p:sp>
+        <p:nvSpPr>
+          <p:cNvPr id="2" name="TextBox 1"/>
+          <p:cNvSpPr txBox="1"/>
+          <p:nvPr/>
+        </p:nvSpPr>
+        <p:spPr>
+          <a:xfrm>
+            <a:off x="1500796" y="2440549"/>
+            <a:ext cx="9190008" cy="1015663"/>
+          </a:xfrm>
+          <a:prstGeom prst="rect">
+            <a:avLst/>
+          </a:prstGeom>
+          <a:noFill/>
+        </p:spPr>
+        <p:txBody>
+          <a:bodyPr wrap="square" rtlCol="0">
+            <a:spAutoFit/>
+          </a:bodyPr>
+          <a:lstStyle/>
+          <a:p>
+            <a:pPr algn="ctr"/>
+            <a:r>
+              <a:rPr lang="ru-RU" sz="6000" dirty="0">
+                <a:solidFill>
+                  <a:srgbClr val="2BA630"/>
+                </a:solidFill>
+              </a:rPr>
+              <a:t>СПАСИБО ЗА ВНИМАНИЕ!</a:t>
+            </a:r>
+          </a:p>
+        </p:txBody>
+      </p:sp>
+    </p:spTree>
+    <p:extLst>
+      <p:ext uri="{BB962C8B-B14F-4D97-AF65-F5344CB8AC3E}">
+        <p14:creationId xmlns:p14="http://schemas.microsoft.com/office/powerpoint/2010/main" val="3907949203"/>
       </p:ext>
     </p:extLst>
   </p:cSld>
@@ -9000,7 +10909,7 @@
   <a:extraClrSchemeLst/>
   <a:extLst>
     <a:ext uri="{05A4C25C-085E-4340-85A3-A5531E510DB2}">
-      <thm15:themeFamily xmlns:thm15="http://schemas.microsoft.com/office/thememl/2012/main" xmlns="" name="Office Theme" id="{62F939B6-93AF-4DB8-9C6B-D6C7DFDC589F}" vid="{4A3C46E8-61CC-4603-A589-7422A47A8E4A}"/>
+      <thm15:themeFamily xmlns="" xmlns:thm15="http://schemas.microsoft.com/office/thememl/2012/main" name="Office Theme" id="{62F939B6-93AF-4DB8-9C6B-D6C7DFDC589F}" vid="{4A3C46E8-61CC-4603-A589-7422A47A8E4A}"/>
     </a:ext>
   </a:extLst>
 </a:theme>

--- a/Diplom/ПЕРЕЗАПУСК_DS_Novikov.pptx
+++ b/Diplom/ПЕРЕЗАПУСК_DS_Novikov.pptx
@@ -22,22 +22,21 @@
     <p:sldId id="294" r:id="rId16"/>
     <p:sldId id="292" r:id="rId17"/>
     <p:sldId id="290" r:id="rId18"/>
-    <p:sldId id="291" r:id="rId19"/>
-    <p:sldId id="275" r:id="rId20"/>
-    <p:sldId id="277" r:id="rId21"/>
-    <p:sldId id="279" r:id="rId22"/>
-    <p:sldId id="278" r:id="rId23"/>
-    <p:sldId id="280" r:id="rId24"/>
-    <p:sldId id="281" r:id="rId25"/>
-    <p:sldId id="282" r:id="rId26"/>
-    <p:sldId id="283" r:id="rId27"/>
-    <p:sldId id="284" r:id="rId28"/>
-    <p:sldId id="285" r:id="rId29"/>
-    <p:sldId id="286" r:id="rId30"/>
-    <p:sldId id="287" r:id="rId31"/>
-    <p:sldId id="288" r:id="rId32"/>
-    <p:sldId id="264" r:id="rId33"/>
-    <p:sldId id="263" r:id="rId34"/>
+    <p:sldId id="275" r:id="rId19"/>
+    <p:sldId id="277" r:id="rId20"/>
+    <p:sldId id="279" r:id="rId21"/>
+    <p:sldId id="278" r:id="rId22"/>
+    <p:sldId id="280" r:id="rId23"/>
+    <p:sldId id="281" r:id="rId24"/>
+    <p:sldId id="282" r:id="rId25"/>
+    <p:sldId id="283" r:id="rId26"/>
+    <p:sldId id="284" r:id="rId27"/>
+    <p:sldId id="285" r:id="rId28"/>
+    <p:sldId id="286" r:id="rId29"/>
+    <p:sldId id="287" r:id="rId30"/>
+    <p:sldId id="288" r:id="rId31"/>
+    <p:sldId id="264" r:id="rId32"/>
+    <p:sldId id="263" r:id="rId33"/>
   </p:sldIdLst>
   <p:sldSz cx="12192000" cy="6858000"/>
   <p:notesSz cx="6858000" cy="9144000"/>
@@ -138,7 +137,7 @@
   </p:defaultTextStyle>
   <p:extLst>
     <p:ext uri="{EFAFB233-063F-42B5-8137-9DF3F51BA10A}">
-      <p15:sldGuideLst xmlns="" xmlns:p15="http://schemas.microsoft.com/office/powerpoint/2012/main"/>
+      <p15:sldGuideLst xmlns:p15="http://schemas.microsoft.com/office/powerpoint/2012/main" xmlns=""/>
     </p:ext>
   </p:extLst>
 </p:presentation>
@@ -312,7 +311,7 @@
           <p:cNvPr id="18" name="Прямоугольник 17">
             <a:extLst>
               <a:ext uri="{FF2B5EF4-FFF2-40B4-BE49-F238E27FC236}">
-                <a16:creationId xmlns="" xmlns:a16="http://schemas.microsoft.com/office/drawing/2014/main" id="{CBC5F2EB-A7EF-7341-95C5-1D35103D9A8D}"/>
+                <a16:creationId xmlns:a16="http://schemas.microsoft.com/office/drawing/2014/main" xmlns="" id="{CBC5F2EB-A7EF-7341-95C5-1D35103D9A8D}"/>
               </a:ext>
             </a:extLst>
           </p:cNvPr>
@@ -1018,7 +1017,7 @@
           <a:p>
             <a:fld id="{4583FB6F-ACA5-4987-9D7D-422181772236}" type="datetimeFigureOut">
               <a:rPr lang="ru-RU" smtClean="0"/>
-              <a:t>29.08.2022</a:t>
+              <a:t>30.08.2022</a:t>
             </a:fld>
             <a:endParaRPr lang="ru-RU"/>
           </a:p>
@@ -2124,7 +2123,7 @@
           <a:p>
             <a:fld id="{4583FB6F-ACA5-4987-9D7D-422181772236}" type="datetimeFigureOut">
               <a:rPr lang="ru-RU" smtClean="0"/>
-              <a:t>29.08.2022</a:t>
+              <a:t>30.08.2022</a:t>
             </a:fld>
             <a:endParaRPr lang="ru-RU"/>
           </a:p>
@@ -2335,7 +2334,7 @@
           <a:p>
             <a:fld id="{4583FB6F-ACA5-4987-9D7D-422181772236}" type="datetimeFigureOut">
               <a:rPr lang="ru-RU" smtClean="0"/>
-              <a:t>29.08.2022</a:t>
+              <a:t>30.08.2022</a:t>
             </a:fld>
             <a:endParaRPr lang="ru-RU"/>
           </a:p>
@@ -3656,8 +3655,8 @@
               <a:t>Тот же график с режиссёрами, но без столбца с </a:t>
             </a:r>
             <a:r>
-              <a:rPr lang="ru-RU" dirty="0" err="1" smtClean="0"/>
-              <a:t>неизсетными</a:t>
+              <a:rPr lang="ru-RU" dirty="0" smtClean="0"/>
+              <a:t>неизвестными</a:t>
             </a:r>
             <a:endParaRPr lang="ru-RU" dirty="0"/>
           </a:p>
@@ -4019,11 +4018,7 @@
             </a:pPr>
             <a:r>
               <a:rPr lang="ru-RU" dirty="0" smtClean="0"/>
-              <a:t>Из </a:t>
-            </a:r>
-            <a:r>
-              <a:rPr lang="ru-RU" dirty="0" smtClean="0"/>
-              <a:t>них выбираем строки</a:t>
+              <a:t>Из них выбираем строки</a:t>
             </a:r>
             <a:r>
               <a:rPr lang="en-US" dirty="0" smtClean="0"/>
@@ -5014,24 +5009,24 @@
               <a:t> </a:t>
             </a:r>
             <a:r>
+              <a:rPr lang="en-US" dirty="0" err="1" smtClean="0"/>
+              <a:t>I</a:t>
+            </a:r>
+            <a:r>
+              <a:rPr lang="en-US" dirty="0"/>
+              <a:t> </a:t>
+            </a:r>
+            <a:r>
               <a:rPr lang="en-US" dirty="0" err="1"/>
               <a:t>I</a:t>
             </a:r>
             <a:r>
               <a:rPr lang="en-US" dirty="0" smtClean="0"/>
-              <a:t> – S</a:t>
-            </a:r>
-            <a:r>
-              <a:rPr lang="ru-RU" dirty="0" err="1" smtClean="0"/>
-              <a:t>entiment</a:t>
-            </a:r>
-            <a:r>
-              <a:rPr lang="ru-RU" dirty="0" smtClean="0"/>
-              <a:t> </a:t>
-            </a:r>
-            <a:r>
-              <a:rPr lang="ru-RU" dirty="0" err="1" smtClean="0"/>
-              <a:t>analysis</a:t>
+              <a:t> – </a:t>
+            </a:r>
+            <a:r>
+              <a:rPr lang="ru-RU" dirty="0" smtClean="0"/>
+              <a:t>Предсказания Берты</a:t>
             </a:r>
             <a:endParaRPr lang="ru-RU" dirty="0"/>
           </a:p>
@@ -5049,31 +5044,153 @@
         </p:nvSpPr>
         <p:spPr>
           <a:xfrm>
-            <a:off x="838199" y="1258848"/>
-            <a:ext cx="10588021" cy="437704"/>
+            <a:off x="842609" y="1413163"/>
+            <a:ext cx="10477816" cy="5021643"/>
           </a:xfrm>
         </p:spPr>
         <p:txBody>
           <a:bodyPr>
-            <a:normAutofit fontScale="92500" lnSpcReduction="10000"/>
+            <a:normAutofit fontScale="70000" lnSpcReduction="20000"/>
           </a:bodyPr>
           <a:lstStyle/>
           <a:p>
-            <a:pPr marL="0" indent="0">
-              <a:buNone/>
-            </a:pPr>
-            <a:r>
-              <a:rPr lang="ru-RU" dirty="0" smtClean="0"/>
-              <a:t>Текст</a:t>
+            <a:r>
+              <a:rPr lang="ru-RU" b="1" dirty="0"/>
+              <a:t>BERT</a:t>
+            </a:r>
+            <a:r>
+              <a:rPr lang="ru-RU" dirty="0"/>
+              <a:t> – это двунаправленная </a:t>
+            </a:r>
+            <a:r>
+              <a:rPr lang="ru-RU" dirty="0" err="1"/>
+              <a:t>мультиязычная</a:t>
+            </a:r>
+            <a:r>
+              <a:rPr lang="ru-RU" dirty="0"/>
+              <a:t> модель с </a:t>
+            </a:r>
+            <a:r>
+              <a:rPr lang="ru-RU" dirty="0" err="1" smtClean="0"/>
+              <a:t>transformer</a:t>
+            </a:r>
+            <a:r>
+              <a:rPr lang="ru-RU" dirty="0" smtClean="0"/>
+              <a:t>-архитектурой, </a:t>
+            </a:r>
+            <a:r>
+              <a:rPr lang="ru-RU" dirty="0"/>
+              <a:t>предназначенная для решения конкретных NLP-задач, например, определение эмоциональной окраски (тональности) текста, вопросно-ответные системы, классификация текстов, построение выводов по тексту и т.д. Помимо распознавания речи, классической NLP-задачей является анализ текста, включая извлечение данных, информационный поиск и анализ высказываний. Также к обработке естественного языка относятся генерирование текстов, синтез речи, машинный перевод и автоматическое реферирование, аннотирование и упрощение текстовой информации. Таким образом, цель применения NLP-технологий – это не только распознавание живого языка средствами искусственного интеллекта, но и возможность адекватного с ним взаимодействия. Последнее, фактически, означает понимание AI-инструментом устной или письменной </a:t>
+            </a:r>
+            <a:r>
+              <a:rPr lang="ru-RU" dirty="0" smtClean="0"/>
+              <a:t>речи.</a:t>
             </a:r>
             <a:endParaRPr lang="ru-RU" dirty="0"/>
+          </a:p>
+          <a:p>
+            <a:r>
+              <a:rPr lang="ru-RU" b="1" dirty="0"/>
+              <a:t>BERT</a:t>
+            </a:r>
+            <a:r>
+              <a:rPr lang="ru-RU" dirty="0"/>
+              <a:t>-модель предварительно обучена без учителя на 2-х NLP-задачах: моделирование языковых масок и предсказание следующего предложения. В основу работы BERT положены самые последние достижения в области </a:t>
+            </a:r>
+            <a:r>
+              <a:rPr lang="ru-RU" dirty="0" err="1"/>
+              <a:t>нейросетей</a:t>
+            </a:r>
+            <a:r>
+              <a:rPr lang="ru-RU" dirty="0"/>
+              <a:t> и NLP-технологий, опубликованные в 2018 году (</a:t>
+            </a:r>
+            <a:r>
+              <a:rPr lang="ru-RU" dirty="0" err="1">
+                <a:hlinkClick r:id="rId2"/>
+              </a:rPr>
+              <a:t>ELMo</a:t>
+            </a:r>
+            <a:r>
+              <a:rPr lang="ru-RU" dirty="0"/>
+              <a:t>, </a:t>
+            </a:r>
+            <a:r>
+              <a:rPr lang="ru-RU" dirty="0" err="1">
+                <a:hlinkClick r:id="rId3"/>
+              </a:rPr>
+              <a:t>ULMFiT</a:t>
+            </a:r>
+            <a:r>
+              <a:rPr lang="ru-RU" dirty="0">
+                <a:hlinkClick r:id="rId3"/>
+              </a:rPr>
+              <a:t>,</a:t>
+            </a:r>
+            <a:r>
+              <a:rPr lang="ru-RU" dirty="0"/>
+              <a:t> </a:t>
+            </a:r>
+            <a:r>
+              <a:rPr lang="ru-RU" dirty="0" err="1">
+                <a:hlinkClick r:id="rId4"/>
+              </a:rPr>
+              <a:t>OpenAI</a:t>
+            </a:r>
+            <a:r>
+              <a:rPr lang="ru-RU" dirty="0">
+                <a:hlinkClick r:id="rId4"/>
+              </a:rPr>
+              <a:t> </a:t>
+            </a:r>
+            <a:r>
+              <a:rPr lang="ru-RU" dirty="0" err="1">
+                <a:hlinkClick r:id="rId4"/>
+              </a:rPr>
+              <a:t>Transformer</a:t>
+            </a:r>
+            <a:r>
+              <a:rPr lang="ru-RU" dirty="0"/>
+              <a:t> и </a:t>
+            </a:r>
+            <a:r>
+              <a:rPr lang="ru-RU" dirty="0">
+                <a:hlinkClick r:id="rId5"/>
+              </a:rPr>
+              <a:t>GPT-2</a:t>
+            </a:r>
+            <a:r>
+              <a:rPr lang="ru-RU" dirty="0"/>
+              <a:t>), которые позволяют </a:t>
+            </a:r>
+            <a:r>
+              <a:rPr lang="ru-RU" dirty="0" err="1"/>
+              <a:t>предобучать</a:t>
+            </a:r>
+            <a:r>
+              <a:rPr lang="ru-RU" dirty="0"/>
+              <a:t> языковые модели без учителя на больших корпусах данных и затем подстраивать их под конкретные </a:t>
+            </a:r>
+            <a:r>
+              <a:rPr lang="ru-RU" dirty="0" smtClean="0"/>
+              <a:t>проблемы. </a:t>
+            </a:r>
+            <a:r>
+              <a:rPr lang="ru-RU" dirty="0"/>
+              <a:t>Благодаря этому с помощью BERT можно разрабатывать эффективные ИИ-программы для обработки естественного языка: отвечать на вопросы, заданные в произвольной форме, создавать чат-ботов, выполнять автоматические переводы, анализировать текст и </a:t>
+            </a:r>
+            <a:r>
+              <a:rPr lang="ru-RU" dirty="0" smtClean="0"/>
+              <a:t>пр.</a:t>
+            </a:r>
+            <a:endParaRPr lang="en-US" dirty="0" smtClean="0"/>
           </a:p>
         </p:txBody>
       </p:sp>
     </p:spTree>
     <p:extLst>
       <p:ext uri="{BB962C8B-B14F-4D97-AF65-F5344CB8AC3E}">
-        <p14:creationId xmlns:p14="http://schemas.microsoft.com/office/powerpoint/2010/main" val="1663487804"/>
+        <p14:creationId xmlns:p14="http://schemas.microsoft.com/office/powerpoint/2010/main" val="3161654792"/>
       </p:ext>
     </p:extLst>
   </p:cSld>
@@ -5163,153 +5280,108 @@
         </p:nvSpPr>
         <p:spPr>
           <a:xfrm>
-            <a:off x="842609" y="1413163"/>
-            <a:ext cx="10477816" cy="5021643"/>
+            <a:off x="841978" y="1651813"/>
+            <a:ext cx="10588021" cy="1661944"/>
           </a:xfrm>
         </p:spPr>
         <p:txBody>
           <a:bodyPr>
-            <a:normAutofit fontScale="70000" lnSpcReduction="20000"/>
+            <a:normAutofit/>
           </a:bodyPr>
           <a:lstStyle/>
           <a:p>
-            <a:r>
-              <a:rPr lang="ru-RU" b="1" dirty="0"/>
-              <a:t>BERT</a:t>
-            </a:r>
+            <a:pPr marL="0" indent="0">
+              <a:buNone/>
+            </a:pPr>
             <a:r>
               <a:rPr lang="ru-RU" dirty="0"/>
-              <a:t> – это двунаправленная </a:t>
-            </a:r>
-            <a:r>
-              <a:rPr lang="ru-RU" dirty="0" err="1"/>
-              <a:t>мультиязычная</a:t>
+              <a:t>Одним из классических NLP-кейсов считается задача классификации текста, которая предполагает, что каждый документ принадлежит одному или нескольким классам (</a:t>
+            </a:r>
+            <a:r>
+              <a:rPr lang="ru-RU" dirty="0" smtClean="0"/>
+              <a:t>меткам)</a:t>
+            </a:r>
+            <a:r>
+              <a:rPr lang="en-US" dirty="0" smtClean="0"/>
+              <a:t> </a:t>
+            </a:r>
+            <a:r>
+              <a:rPr lang="ru-RU" dirty="0" smtClean="0"/>
+              <a:t>например</a:t>
+            </a:r>
+            <a:r>
+              <a:rPr lang="en-US" dirty="0"/>
+              <a:t>,</a:t>
+            </a:r>
+            <a:r>
+              <a:rPr lang="en-US" dirty="0" smtClean="0"/>
+              <a:t> </a:t>
+            </a:r>
+            <a:r>
+              <a:rPr lang="ru-RU" dirty="0" smtClean="0"/>
+              <a:t>определение </a:t>
             </a:r>
             <a:r>
               <a:rPr lang="ru-RU" dirty="0"/>
-              <a:t> модель с </a:t>
-            </a:r>
-            <a:r>
-              <a:rPr lang="ru-RU" dirty="0" err="1" smtClean="0"/>
-              <a:t>transformer</a:t>
-            </a:r>
-            <a:r>
-              <a:rPr lang="ru-RU" dirty="0" smtClean="0"/>
-              <a:t>-архитектурой, </a:t>
-            </a:r>
-            <a:r>
-              <a:rPr lang="ru-RU" dirty="0"/>
-              <a:t>предназначенная для решения конкретных NLP-задач, например, определение эмоциональной окраски (тональности) текста, вопросно-ответные системы, классификация текстов, построение выводов по тексту и т.д. Помимо распознавания речи, классической NLP-задачей является анализ текста, включая извлечение данных, информационный поиск и анализ высказываний. Также к обработке естественного языка относятся генерирование текстов, синтез речи, машинный перевод и автоматическое реферирование, аннотирование и упрощение текстовой информации. Таким образом, цель применения NLP-технологий – это не только распознавание живого языка средствами искусственного интеллекта, но и возможность адекватного с ним взаимодействия. Последнее, фактически, означает понимание AI-инструментом устной или письменной </a:t>
-            </a:r>
-            <a:r>
-              <a:rPr lang="ru-RU" dirty="0" smtClean="0"/>
-              <a:t>речи.</a:t>
+              <a:t>жанра у </a:t>
+            </a:r>
+            <a:r>
+              <a:rPr lang="ru-RU" dirty="0" smtClean="0"/>
+              <a:t>фильма</a:t>
+            </a:r>
+            <a:r>
+              <a:rPr lang="en-US" dirty="0"/>
+              <a:t>.</a:t>
             </a:r>
             <a:endParaRPr lang="ru-RU" dirty="0"/>
-          </a:p>
-          <a:p>
-            <a:r>
-              <a:rPr lang="ru-RU" b="1" dirty="0"/>
-              <a:t>BERT</a:t>
-            </a:r>
-            <a:r>
-              <a:rPr lang="ru-RU" dirty="0"/>
-              <a:t>-модель предварительно обучена без учителя на 2-х NLP-задачах: моделирование языковых масок и предсказание следующего предложения. В основу работы BERT положены самые последние достижения в области </a:t>
-            </a:r>
-            <a:r>
-              <a:rPr lang="ru-RU" dirty="0" err="1"/>
-              <a:t>нейросетей</a:t>
-            </a:r>
-            <a:r>
-              <a:rPr lang="ru-RU" dirty="0"/>
-              <a:t> и NLP-технологий, опубликованные в 2018 году (</a:t>
-            </a:r>
-            <a:r>
-              <a:rPr lang="ru-RU" dirty="0" err="1">
-                <a:hlinkClick r:id="rId2"/>
-              </a:rPr>
-              <a:t>ELMo</a:t>
-            </a:r>
-            <a:r>
-              <a:rPr lang="ru-RU" dirty="0"/>
-              <a:t>, </a:t>
-            </a:r>
-            <a:r>
-              <a:rPr lang="ru-RU" dirty="0" err="1">
-                <a:hlinkClick r:id="rId3"/>
-              </a:rPr>
-              <a:t>ULMFiT</a:t>
-            </a:r>
-            <a:r>
-              <a:rPr lang="ru-RU" dirty="0">
-                <a:hlinkClick r:id="rId3"/>
-              </a:rPr>
-              <a:t>,</a:t>
-            </a:r>
-            <a:r>
-              <a:rPr lang="ru-RU" dirty="0"/>
-              <a:t> </a:t>
-            </a:r>
-            <a:r>
-              <a:rPr lang="ru-RU" dirty="0" err="1">
-                <a:hlinkClick r:id="rId4"/>
-              </a:rPr>
-              <a:t>OpenAI</a:t>
-            </a:r>
-            <a:r>
-              <a:rPr lang="ru-RU" dirty="0">
-                <a:hlinkClick r:id="rId4"/>
-              </a:rPr>
-              <a:t> </a:t>
-            </a:r>
-            <a:r>
-              <a:rPr lang="ru-RU" dirty="0" err="1">
-                <a:hlinkClick r:id="rId4"/>
-              </a:rPr>
-              <a:t>Transformer</a:t>
-            </a:r>
-            <a:r>
-              <a:rPr lang="ru-RU" dirty="0"/>
-              <a:t> и </a:t>
-            </a:r>
-            <a:r>
-              <a:rPr lang="ru-RU" dirty="0">
-                <a:hlinkClick r:id="rId5"/>
-              </a:rPr>
-              <a:t>GPT-2</a:t>
-            </a:r>
-            <a:r>
-              <a:rPr lang="ru-RU" dirty="0"/>
-              <a:t>), которые позволяют </a:t>
-            </a:r>
-            <a:r>
-              <a:rPr lang="ru-RU" dirty="0" err="1"/>
-              <a:t>предобучать</a:t>
-            </a:r>
-            <a:r>
-              <a:rPr lang="ru-RU" dirty="0"/>
-              <a:t> языковые модели без учителя на больших корпусах данных и затем подстраивать их под конкретные </a:t>
-            </a:r>
-            <a:r>
-              <a:rPr lang="ru-RU" dirty="0" smtClean="0"/>
-              <a:t>проблемы. </a:t>
-            </a:r>
-            <a:r>
-              <a:rPr lang="ru-RU" dirty="0"/>
-              <a:t>Благодаря этому с помощью BERT можно разрабатывать эффективные ИИ-программы для обработки естественного языка: отвечать на вопросы, заданные в произвольной форме, создавать чат-ботов, выполнять автоматические переводы, анализировать текст и </a:t>
-            </a:r>
-            <a:r>
-              <a:rPr lang="ru-RU" dirty="0" smtClean="0"/>
-              <a:t>пр.</a:t>
-            </a:r>
-            <a:endParaRPr lang="en-US" dirty="0" smtClean="0"/>
           </a:p>
         </p:txBody>
       </p:sp>
+      <p:pic>
+        <p:nvPicPr>
+          <p:cNvPr id="1026" name="Picture 2" descr="Рис. 2. Бинарная и мультиклассовая классификации"/>
+          <p:cNvPicPr>
+            <a:picLocks noChangeAspect="1" noChangeArrowheads="1"/>
+          </p:cNvPicPr>
+          <p:nvPr/>
+        </p:nvPicPr>
+        <p:blipFill>
+          <a:blip r:embed="rId2">
+            <a:extLst>
+              <a:ext uri="{28A0092B-C50C-407E-A947-70E740481C1C}">
+                <a14:useLocalDpi xmlns:a14="http://schemas.microsoft.com/office/drawing/2010/main" val="0"/>
+              </a:ext>
+            </a:extLst>
+          </a:blip>
+          <a:srcRect/>
+          <a:stretch>
+            <a:fillRect/>
+          </a:stretch>
+        </p:blipFill>
+        <p:spPr bwMode="auto">
+          <a:xfrm>
+            <a:off x="956619" y="3492604"/>
+            <a:ext cx="4886325" cy="2552700"/>
+          </a:xfrm>
+          <a:prstGeom prst="rect">
+            <a:avLst/>
+          </a:prstGeom>
+          <a:noFill/>
+          <a:extLst>
+            <a:ext uri="{909E8E84-426E-40DD-AFC4-6F175D3DCCD1}">
+              <a14:hiddenFill xmlns:a14="http://schemas.microsoft.com/office/drawing/2010/main">
+                <a:solidFill>
+                  <a:srgbClr val="FFFFFF"/>
+                </a:solidFill>
+              </a14:hiddenFill>
+            </a:ext>
+          </a:extLst>
+        </p:spPr>
+      </p:pic>
     </p:spTree>
     <p:extLst>
       <p:ext uri="{BB962C8B-B14F-4D97-AF65-F5344CB8AC3E}">
-        <p14:creationId xmlns:p14="http://schemas.microsoft.com/office/powerpoint/2010/main" val="3161654792"/>
+        <p14:creationId xmlns:p14="http://schemas.microsoft.com/office/powerpoint/2010/main" val="3035956862"/>
       </p:ext>
     </p:extLst>
   </p:cSld>
@@ -5501,10 +5573,10 @@
                   </a:schemeClr>
                 </a:solidFill>
               </a:rPr>
-              <a:t> – ДИТ КИБ, главный инженер, сопровождение АС </a:t>
-            </a:r>
-            <a:r>
-              <a:rPr lang="ru-RU" i="1" dirty="0">
+              <a:t> – ДИТ КИБ, главный инженер, сопровождение </a:t>
+            </a:r>
+            <a:r>
+              <a:rPr lang="ru-RU" i="1" dirty="0" smtClean="0">
                 <a:solidFill>
                   <a:schemeClr val="tx1">
                     <a:lumMod val="65000"/>
@@ -5512,12 +5584,12 @@
                   </a:schemeClr>
                 </a:solidFill>
               </a:rPr>
-              <a:t>(подразделение, должность, основной функционал, системы/процессы</a:t>
-            </a:r>
-          </a:p>
-          <a:p>
-            <a:r>
-              <a:rPr lang="ru-RU" i="1" dirty="0">
+              <a:t>АС</a:t>
+            </a:r>
+          </a:p>
+          <a:p>
+            <a:r>
+              <a:rPr lang="ru-RU" i="1" dirty="0" smtClean="0">
                 <a:solidFill>
                   <a:schemeClr val="tx1">
                     <a:lumMod val="65000"/>
@@ -5525,7 +5597,18 @@
                   </a:schemeClr>
                 </a:solidFill>
               </a:rPr>
-              <a:t>Город и готовность к </a:t>
+              <a:t>Город </a:t>
+            </a:r>
+            <a:r>
+              <a:rPr lang="ru-RU" i="1" dirty="0">
+                <a:solidFill>
+                  <a:schemeClr val="tx1">
+                    <a:lumMod val="65000"/>
+                    <a:lumOff val="35000"/>
+                  </a:schemeClr>
+                </a:solidFill>
+              </a:rPr>
+              <a:t>и готовность к </a:t>
             </a:r>
             <a:r>
               <a:rPr lang="ru-RU" i="1" dirty="0" smtClean="0">
@@ -5666,13 +5749,13 @@
         </p:nvSpPr>
         <p:spPr>
           <a:xfrm>
-            <a:off x="841978" y="1651813"/>
-            <a:ext cx="10588021" cy="1661944"/>
+            <a:off x="830643" y="1270182"/>
+            <a:ext cx="10588021" cy="2107414"/>
           </a:xfrm>
         </p:spPr>
         <p:txBody>
           <a:bodyPr>
-            <a:normAutofit/>
+            <a:normAutofit fontScale="25000" lnSpcReduction="20000"/>
           </a:bodyPr>
           <a:lstStyle/>
           <a:p>
@@ -5680,52 +5763,264 @@
               <a:buNone/>
             </a:pPr>
             <a:r>
-              <a:rPr lang="ru-RU" dirty="0"/>
-              <a:t>Одним из классических NLP-кейсов считается задача классификации текста, которая предполагает, что каждый документ принадлежит одному или нескольким классам (</a:t>
-            </a:r>
-            <a:r>
-              <a:rPr lang="ru-RU" dirty="0" smtClean="0"/>
-              <a:t>меткам)</a:t>
-            </a:r>
-            <a:r>
-              <a:rPr lang="en-US" dirty="0" smtClean="0"/>
+              <a:rPr lang="ru-RU" sz="4800" dirty="0" smtClean="0"/>
+              <a:t>Результаты обучения </a:t>
+            </a:r>
+            <a:r>
+              <a:rPr lang="en-US" sz="4800" dirty="0" smtClean="0"/>
+              <a:t>BERT </a:t>
+            </a:r>
+            <a:r>
+              <a:rPr lang="ru-RU" sz="4800" dirty="0" smtClean="0"/>
+              <a:t>на </a:t>
+            </a:r>
+            <a:r>
+              <a:rPr lang="ru-RU" sz="4800" dirty="0" err="1" smtClean="0"/>
+              <a:t>датасете</a:t>
+            </a:r>
+            <a:r>
+              <a:rPr lang="ru-RU" sz="4800" dirty="0" smtClean="0"/>
               <a:t> </a:t>
             </a:r>
             <a:r>
-              <a:rPr lang="ru-RU" dirty="0" smtClean="0"/>
-              <a:t>например</a:t>
+              <a:rPr lang="en-US" sz="4800" dirty="0"/>
+              <a:t>wiki_movie_plots_deduped.csv</a:t>
+            </a:r>
+            <a:r>
+              <a:rPr lang="ru-RU" sz="4800" dirty="0" smtClean="0"/>
+              <a:t>:</a:t>
+            </a:r>
+          </a:p>
+          <a:p>
+            <a:pPr marL="0" indent="0">
+              <a:buNone/>
+            </a:pPr>
+            <a:r>
+              <a:rPr lang="ru-RU" sz="4800" dirty="0" smtClean="0"/>
+              <a:t>Подготовка данных:</a:t>
+            </a:r>
+          </a:p>
+          <a:p>
+            <a:r>
+              <a:rPr lang="ru-RU" sz="4800" dirty="0" smtClean="0"/>
+              <a:t>Из общего </a:t>
+            </a:r>
+            <a:r>
+              <a:rPr lang="ru-RU" sz="4800" dirty="0" err="1" smtClean="0"/>
+              <a:t>датасета</a:t>
+            </a:r>
+            <a:r>
+              <a:rPr lang="ru-RU" sz="4800" dirty="0" smtClean="0"/>
+              <a:t> выбрали столбцы</a:t>
+            </a:r>
+            <a:r>
+              <a:rPr lang="en-US" sz="4800" dirty="0" smtClean="0"/>
+              <a:t> </a:t>
+            </a:r>
+            <a:r>
+              <a:rPr lang="ru-RU" sz="4800" dirty="0" smtClean="0"/>
+              <a:t>«</a:t>
+            </a:r>
+            <a:r>
+              <a:rPr lang="en-US" sz="4800" dirty="0" smtClean="0"/>
+              <a:t>Plot</a:t>
+            </a:r>
+            <a:r>
+              <a:rPr lang="ru-RU" sz="4800" dirty="0" smtClean="0"/>
+              <a:t>» и «</a:t>
+            </a:r>
+            <a:r>
+              <a:rPr lang="en-US" sz="4800" dirty="0" smtClean="0"/>
+              <a:t>Genre</a:t>
+            </a:r>
+            <a:r>
+              <a:rPr lang="ru-RU" sz="4800" dirty="0" smtClean="0"/>
+              <a:t>»</a:t>
+            </a:r>
+          </a:p>
+          <a:p>
+            <a:r>
+              <a:rPr lang="ru-RU" sz="4800" dirty="0" smtClean="0"/>
+              <a:t>Преобразование жанров</a:t>
+            </a:r>
+            <a:r>
+              <a:rPr lang="en-US" sz="4800" dirty="0" smtClean="0"/>
+              <a:t>: </a:t>
+            </a:r>
+            <a:endParaRPr lang="ru-RU" sz="4800" dirty="0" smtClean="0"/>
+          </a:p>
+          <a:p>
+            <a:pPr lvl="1"/>
+            <a:r>
+              <a:rPr lang="en-US" sz="4400" dirty="0" smtClean="0"/>
+              <a:t>1</a:t>
+            </a:r>
+            <a:r>
+              <a:rPr lang="en-US" sz="4400" dirty="0"/>
+              <a:t>) </a:t>
+            </a:r>
+            <a:r>
+              <a:rPr lang="ru-RU" sz="4400" dirty="0" smtClean="0"/>
+              <a:t>«</a:t>
+            </a:r>
+            <a:r>
+              <a:rPr lang="en-US" sz="4400" dirty="0" smtClean="0"/>
+              <a:t>sci-fi</a:t>
+            </a:r>
+            <a:r>
+              <a:rPr lang="ru-RU" sz="4400" dirty="0" smtClean="0"/>
+              <a:t>»</a:t>
+            </a:r>
+            <a:r>
+              <a:rPr lang="en-US" sz="4400" dirty="0" smtClean="0"/>
+              <a:t> </a:t>
+            </a:r>
+            <a:r>
+              <a:rPr lang="ru-RU" sz="4400" dirty="0" smtClean="0">
+                <a:sym typeface="Wingdings" pitchFamily="2" charset="2"/>
+              </a:rPr>
+              <a:t></a:t>
+            </a:r>
+            <a:r>
+              <a:rPr lang="en-US" sz="4400" dirty="0" smtClean="0"/>
+              <a:t> </a:t>
+            </a:r>
+            <a:r>
+              <a:rPr lang="ru-RU" sz="4400" dirty="0" smtClean="0"/>
+              <a:t>«</a:t>
+            </a:r>
+            <a:r>
+              <a:rPr lang="en-US" sz="4400" dirty="0" smtClean="0"/>
+              <a:t>science fiction</a:t>
+            </a:r>
+            <a:r>
+              <a:rPr lang="ru-RU" sz="4400" dirty="0" smtClean="0"/>
+              <a:t>»</a:t>
+            </a:r>
+          </a:p>
+          <a:p>
+            <a:pPr lvl="1"/>
+            <a:r>
+              <a:rPr lang="en-US" sz="4400" dirty="0" smtClean="0"/>
+              <a:t>2</a:t>
+            </a:r>
+            <a:r>
+              <a:rPr lang="en-US" sz="4400" dirty="0"/>
+              <a:t>) </a:t>
+            </a:r>
+            <a:r>
+              <a:rPr lang="ru-RU" sz="4400" dirty="0" smtClean="0"/>
+              <a:t>«</a:t>
+            </a:r>
+            <a:r>
+              <a:rPr lang="en-US" sz="4400" dirty="0" smtClean="0"/>
+              <a:t>romantic comedy</a:t>
+            </a:r>
+            <a:r>
+              <a:rPr lang="ru-RU" sz="4400" dirty="0" smtClean="0"/>
+              <a:t>»</a:t>
+            </a:r>
+            <a:r>
+              <a:rPr lang="en-US" sz="4400" dirty="0" smtClean="0"/>
+              <a:t> </a:t>
+            </a:r>
+            <a:r>
+              <a:rPr lang="en-US" sz="4400" dirty="0" smtClean="0">
+                <a:sym typeface="Wingdings" pitchFamily="2" charset="2"/>
+              </a:rPr>
+              <a:t></a:t>
+            </a:r>
+            <a:r>
+              <a:rPr lang="en-US" sz="4400" dirty="0" smtClean="0"/>
+              <a:t> </a:t>
+            </a:r>
+            <a:r>
+              <a:rPr lang="ru-RU" sz="4400" dirty="0" smtClean="0"/>
+              <a:t>«</a:t>
+            </a:r>
+            <a:r>
+              <a:rPr lang="en-US" sz="4400" dirty="0" smtClean="0"/>
+              <a:t>romance</a:t>
+            </a:r>
+            <a:r>
+              <a:rPr lang="ru-RU" sz="4400" dirty="0" smtClean="0"/>
+              <a:t>»</a:t>
+            </a:r>
+            <a:endParaRPr lang="en-US" sz="4400" dirty="0" smtClean="0"/>
+          </a:p>
+          <a:p>
+            <a:r>
+              <a:rPr lang="ru-RU" sz="4800" dirty="0" smtClean="0"/>
+              <a:t>Выбрали жанры встречающиеся более 200 раз</a:t>
+            </a:r>
+          </a:p>
+          <a:p>
+            <a:r>
+              <a:rPr lang="ru-RU" sz="4800" dirty="0" smtClean="0"/>
+              <a:t>Выбрали примерно равное </a:t>
+            </a:r>
+            <a:r>
+              <a:rPr lang="ru-RU" sz="4800" dirty="0"/>
+              <a:t>количества сюжетов фильмов из разных жанров (чтобы уменьшить проблемы классового </a:t>
+            </a:r>
+            <a:r>
+              <a:rPr lang="ru-RU" sz="4800" dirty="0" smtClean="0"/>
+              <a:t>дисбаланса)</a:t>
+            </a:r>
+          </a:p>
+          <a:p>
+            <a:r>
+              <a:rPr lang="ru-RU" sz="4800" dirty="0" smtClean="0"/>
+              <a:t>Добавили с</a:t>
+            </a:r>
+            <a:r>
+              <a:rPr lang="ru-RU" sz="4800" dirty="0"/>
+              <a:t>т</a:t>
+            </a:r>
+            <a:r>
+              <a:rPr lang="ru-RU" sz="4800" dirty="0" smtClean="0"/>
+              <a:t>олбец с кодом жанра «</a:t>
+            </a:r>
+            <a:r>
+              <a:rPr lang="en-US" sz="4800" dirty="0" err="1" smtClean="0"/>
+              <a:t>genre_encoded</a:t>
+            </a:r>
+            <a:r>
+              <a:rPr lang="ru-RU" sz="4800" dirty="0" smtClean="0"/>
+              <a:t>»</a:t>
             </a:r>
             <a:r>
               <a:rPr lang="en-US" dirty="0"/>
-              <a:t>,</a:t>
-            </a:r>
-            <a:r>
-              <a:rPr lang="en-US" dirty="0" smtClean="0"/>
-              <a:t> </a:t>
-            </a:r>
-            <a:r>
-              <a:rPr lang="ru-RU" dirty="0" smtClean="0"/>
-              <a:t>определение </a:t>
-            </a:r>
-            <a:r>
-              <a:rPr lang="ru-RU" dirty="0"/>
-              <a:t>жанра у </a:t>
-            </a:r>
-            <a:r>
-              <a:rPr lang="ru-RU" dirty="0" smtClean="0"/>
-              <a:t>фильма</a:t>
-            </a:r>
-            <a:r>
+              <a:t/>
+            </a:r>
+            <a:br>
               <a:rPr lang="en-US" dirty="0"/>
-              <a:t>.</a:t>
-            </a:r>
+            </a:br>
+            <a:endParaRPr lang="en-US" dirty="0"/>
+          </a:p>
+          <a:p>
+            <a:pPr marL="0" indent="0">
+              <a:buNone/>
+            </a:pPr>
+            <a:endParaRPr lang="ru-RU" dirty="0" smtClean="0"/>
+          </a:p>
+          <a:p>
+            <a:pPr marL="0" indent="0">
+              <a:buNone/>
+            </a:pPr>
+            <a:endParaRPr lang="ru-RU" dirty="0"/>
+          </a:p>
+          <a:p>
+            <a:pPr marL="0" indent="0">
+              <a:buNone/>
+            </a:pPr>
             <a:endParaRPr lang="ru-RU" dirty="0"/>
           </a:p>
         </p:txBody>
       </p:sp>
       <p:pic>
         <p:nvPicPr>
-          <p:cNvPr id="1026" name="Picture 2" descr="Рис. 2. Бинарная и мультиклассовая классификации"/>
+          <p:cNvPr id="2050" name="Picture 2"/>
           <p:cNvPicPr>
             <a:picLocks noChangeAspect="1" noChangeArrowheads="1"/>
           </p:cNvPicPr>
@@ -5746,20 +6041,43 @@
         </p:blipFill>
         <p:spPr bwMode="auto">
           <a:xfrm>
-            <a:off x="956619" y="3492604"/>
-            <a:ext cx="4886325" cy="2552700"/>
+            <a:off x="880392" y="3377596"/>
+            <a:ext cx="4811083" cy="3254910"/>
           </a:xfrm>
           <a:prstGeom prst="rect">
             <a:avLst/>
           </a:prstGeom>
           <a:noFill/>
+          <a:ln>
+            <a:noFill/>
+          </a:ln>
+          <a:effectLst/>
           <a:extLst>
             <a:ext uri="{909E8E84-426E-40DD-AFC4-6F175D3DCCD1}">
               <a14:hiddenFill xmlns:a14="http://schemas.microsoft.com/office/drawing/2010/main">
                 <a:solidFill>
-                  <a:srgbClr val="FFFFFF"/>
+                  <a:schemeClr val="accent1"/>
                 </a:solidFill>
               </a14:hiddenFill>
+            </a:ext>
+            <a:ext uri="{91240B29-F687-4F45-9708-019B960494DF}">
+              <a14:hiddenLine xmlns:a14="http://schemas.microsoft.com/office/drawing/2010/main" w="9525">
+                <a:solidFill>
+                  <a:schemeClr val="tx1"/>
+                </a:solidFill>
+                <a:miter lim="800000"/>
+                <a:headEnd/>
+                <a:tailEnd/>
+              </a14:hiddenLine>
+            </a:ext>
+            <a:ext uri="{AF507438-7753-43E0-B8FC-AC1667EBCBE1}">
+              <a14:hiddenEffects xmlns:a14="http://schemas.microsoft.com/office/drawing/2010/main">
+                <a:effectLst>
+                  <a:outerShdw dist="35921" dir="2700000" algn="ctr" rotWithShape="0">
+                    <a:schemeClr val="bg2"/>
+                  </a:outerShdw>
+                </a:effectLst>
+              </a14:hiddenEffects>
             </a:ext>
           </a:extLst>
         </p:spPr>
@@ -5857,13 +6175,13 @@
         </p:nvSpPr>
         <p:spPr>
           <a:xfrm>
-            <a:off x="830643" y="1270182"/>
-            <a:ext cx="10588021" cy="2107414"/>
+            <a:off x="826864" y="1281518"/>
+            <a:ext cx="10588021" cy="4843451"/>
           </a:xfrm>
         </p:spPr>
         <p:txBody>
           <a:bodyPr>
-            <a:normAutofit fontScale="25000" lnSpcReduction="20000"/>
+            <a:normAutofit fontScale="85000" lnSpcReduction="20000"/>
           </a:bodyPr>
           <a:lstStyle/>
           <a:p>
@@ -5871,31 +6189,15 @@
               <a:buNone/>
             </a:pPr>
             <a:r>
-              <a:rPr lang="ru-RU" sz="4800" dirty="0" smtClean="0"/>
-              <a:t>Результаты обучения </a:t>
-            </a:r>
-            <a:r>
-              <a:rPr lang="en-US" sz="4800" dirty="0" smtClean="0"/>
-              <a:t>BERT </a:t>
-            </a:r>
-            <a:r>
-              <a:rPr lang="ru-RU" sz="4800" dirty="0" smtClean="0"/>
-              <a:t>на </a:t>
-            </a:r>
-            <a:r>
-              <a:rPr lang="ru-RU" sz="4800" dirty="0" err="1" smtClean="0"/>
-              <a:t>датасете</a:t>
-            </a:r>
-            <a:r>
-              <a:rPr lang="ru-RU" sz="4800" dirty="0" smtClean="0"/>
-              <a:t> </a:t>
-            </a:r>
-            <a:r>
-              <a:rPr lang="en-US" sz="4800" dirty="0"/>
-              <a:t>wiki_movie_plots_deduped.csv</a:t>
-            </a:r>
-            <a:r>
-              <a:rPr lang="ru-RU" sz="4800" dirty="0" smtClean="0"/>
+              <a:rPr lang="ru-RU" dirty="0" smtClean="0"/>
+              <a:t>Аргументы построения модели</a:t>
+            </a:r>
+            <a:r>
+              <a:rPr lang="en-US" dirty="0"/>
+              <a:t> (wiki_movie_plots_deduped.csv)</a:t>
+            </a:r>
+            <a:r>
+              <a:rPr lang="ru-RU" dirty="0" smtClean="0"/>
               <a:t>:</a:t>
             </a:r>
           </a:p>
@@ -5904,207 +6206,145 @@
               <a:buNone/>
             </a:pPr>
             <a:r>
-              <a:rPr lang="ru-RU" sz="4800" dirty="0" smtClean="0"/>
-              <a:t>Подготовка данных:</a:t>
-            </a:r>
-          </a:p>
-          <a:p>
-            <a:r>
-              <a:rPr lang="ru-RU" sz="4800" dirty="0" smtClean="0"/>
-              <a:t>Из общего </a:t>
-            </a:r>
-            <a:r>
-              <a:rPr lang="ru-RU" sz="4800" dirty="0" err="1" smtClean="0"/>
-              <a:t>датасета</a:t>
-            </a:r>
-            <a:r>
-              <a:rPr lang="ru-RU" sz="4800" dirty="0" smtClean="0"/>
-              <a:t> выбрали столбцы</a:t>
-            </a:r>
-            <a:r>
-              <a:rPr lang="en-US" sz="4800" dirty="0" smtClean="0"/>
-              <a:t> </a:t>
-            </a:r>
-            <a:r>
-              <a:rPr lang="ru-RU" sz="4800" dirty="0" smtClean="0"/>
-              <a:t>«</a:t>
-            </a:r>
-            <a:r>
-              <a:rPr lang="en-US" sz="4800" dirty="0" smtClean="0"/>
-              <a:t>Plot</a:t>
-            </a:r>
-            <a:r>
-              <a:rPr lang="ru-RU" sz="4800" dirty="0" smtClean="0"/>
-              <a:t>» и «</a:t>
-            </a:r>
-            <a:r>
-              <a:rPr lang="en-US" sz="4800" dirty="0" smtClean="0"/>
-              <a:t>Genre</a:t>
-            </a:r>
-            <a:r>
-              <a:rPr lang="ru-RU" sz="4800" dirty="0" smtClean="0"/>
-              <a:t>»</a:t>
-            </a:r>
-          </a:p>
-          <a:p>
-            <a:r>
-              <a:rPr lang="ru-RU" sz="4800" dirty="0" smtClean="0"/>
-              <a:t>Преобразование жанров</a:t>
-            </a:r>
-            <a:r>
-              <a:rPr lang="en-US" sz="4800" dirty="0" smtClean="0"/>
-              <a:t>: </a:t>
-            </a:r>
-            <a:endParaRPr lang="ru-RU" sz="4800" dirty="0" smtClean="0"/>
-          </a:p>
-          <a:p>
-            <a:pPr lvl="1"/>
-            <a:r>
-              <a:rPr lang="en-US" sz="4400" dirty="0" smtClean="0"/>
-              <a:t>1</a:t>
-            </a:r>
-            <a:r>
-              <a:rPr lang="en-US" sz="4400" dirty="0"/>
-              <a:t>) </a:t>
-            </a:r>
-            <a:r>
-              <a:rPr lang="ru-RU" sz="4400" dirty="0" smtClean="0"/>
-              <a:t>«</a:t>
-            </a:r>
-            <a:r>
-              <a:rPr lang="en-US" sz="4400" dirty="0" smtClean="0"/>
-              <a:t>sci-fi</a:t>
-            </a:r>
-            <a:r>
-              <a:rPr lang="ru-RU" sz="4400" dirty="0" smtClean="0"/>
-              <a:t>»</a:t>
-            </a:r>
-            <a:r>
-              <a:rPr lang="en-US" sz="4400" dirty="0" smtClean="0"/>
-              <a:t> </a:t>
-            </a:r>
-            <a:r>
-              <a:rPr lang="ru-RU" sz="4400" dirty="0" smtClean="0">
-                <a:sym typeface="Wingdings" pitchFamily="2" charset="2"/>
-              </a:rPr>
-              <a:t></a:t>
-            </a:r>
-            <a:r>
-              <a:rPr lang="en-US" sz="4400" dirty="0" smtClean="0"/>
-              <a:t> </a:t>
-            </a:r>
-            <a:r>
-              <a:rPr lang="ru-RU" sz="4400" dirty="0" smtClean="0"/>
-              <a:t>«</a:t>
-            </a:r>
-            <a:r>
-              <a:rPr lang="en-US" sz="4400" dirty="0" smtClean="0"/>
-              <a:t>science fiction</a:t>
-            </a:r>
-            <a:r>
-              <a:rPr lang="ru-RU" sz="4400" dirty="0" smtClean="0"/>
-              <a:t>»</a:t>
-            </a:r>
-          </a:p>
-          <a:p>
-            <a:pPr lvl="1"/>
-            <a:r>
-              <a:rPr lang="en-US" sz="4400" dirty="0" smtClean="0"/>
-              <a:t>2</a:t>
-            </a:r>
-            <a:r>
-              <a:rPr lang="en-US" sz="4400" dirty="0"/>
-              <a:t>) </a:t>
-            </a:r>
-            <a:r>
-              <a:rPr lang="ru-RU" sz="4400" dirty="0" smtClean="0"/>
-              <a:t>«</a:t>
-            </a:r>
-            <a:r>
-              <a:rPr lang="en-US" sz="4400" dirty="0" smtClean="0"/>
-              <a:t>romantic comedy</a:t>
-            </a:r>
-            <a:r>
-              <a:rPr lang="ru-RU" sz="4400" dirty="0" smtClean="0"/>
-              <a:t>»</a:t>
-            </a:r>
-            <a:r>
-              <a:rPr lang="en-US" sz="4400" dirty="0" smtClean="0"/>
-              <a:t> </a:t>
-            </a:r>
-            <a:r>
-              <a:rPr lang="en-US" sz="4400" dirty="0" smtClean="0">
-                <a:sym typeface="Wingdings" pitchFamily="2" charset="2"/>
-              </a:rPr>
-              <a:t></a:t>
-            </a:r>
-            <a:r>
-              <a:rPr lang="en-US" sz="4400" dirty="0" smtClean="0"/>
-              <a:t> </a:t>
-            </a:r>
-            <a:r>
-              <a:rPr lang="ru-RU" sz="4400" dirty="0" smtClean="0"/>
-              <a:t>«</a:t>
-            </a:r>
-            <a:r>
-              <a:rPr lang="en-US" sz="4400" dirty="0" smtClean="0"/>
-              <a:t>romance</a:t>
-            </a:r>
-            <a:r>
-              <a:rPr lang="ru-RU" sz="4400" dirty="0" smtClean="0"/>
-              <a:t>»</a:t>
-            </a:r>
-            <a:endParaRPr lang="en-US" sz="4400" dirty="0" smtClean="0"/>
-          </a:p>
-          <a:p>
-            <a:r>
-              <a:rPr lang="ru-RU" sz="4800" dirty="0" smtClean="0"/>
-              <a:t>Выбрали жанры встречающиеся более 200 раз</a:t>
-            </a:r>
-          </a:p>
-          <a:p>
-            <a:r>
-              <a:rPr lang="ru-RU" sz="4800" dirty="0" smtClean="0"/>
-              <a:t>Выбрали примерно равное </a:t>
-            </a:r>
-            <a:r>
-              <a:rPr lang="ru-RU" sz="4800" dirty="0"/>
-              <a:t>количества сюжетов фильмов из разных жанров (чтобы уменьшить проблемы классового </a:t>
-            </a:r>
-            <a:r>
-              <a:rPr lang="ru-RU" sz="4800" dirty="0" smtClean="0"/>
-              <a:t>дисбаланса)</a:t>
-            </a:r>
-          </a:p>
-          <a:p>
-            <a:r>
-              <a:rPr lang="ru-RU" sz="4800" dirty="0" smtClean="0"/>
-              <a:t>Добавили с</a:t>
-            </a:r>
-            <a:r>
-              <a:rPr lang="ru-RU" sz="4800" dirty="0"/>
-              <a:t>т</a:t>
-            </a:r>
-            <a:r>
-              <a:rPr lang="ru-RU" sz="4800" dirty="0" smtClean="0"/>
-              <a:t>олбец с кодом жанра «</a:t>
-            </a:r>
-            <a:r>
-              <a:rPr lang="en-US" sz="4800" dirty="0" err="1" smtClean="0"/>
-              <a:t>genre_encoded</a:t>
-            </a:r>
-            <a:r>
-              <a:rPr lang="ru-RU" sz="4800" dirty="0" smtClean="0"/>
-              <a:t>»</a:t>
+              <a:rPr lang="en-US" dirty="0" err="1"/>
+              <a:t>model_args</a:t>
             </a:r>
             <a:r>
               <a:rPr lang="en-US" dirty="0"/>
-              <a:t/>
-            </a:r>
-            <a:br>
+              <a:t> = {</a:t>
+            </a:r>
+          </a:p>
+          <a:p>
+            <a:pPr marL="0" indent="0">
+              <a:buNone/>
+            </a:pPr>
+            <a:r>
               <a:rPr lang="en-US" dirty="0"/>
-            </a:br>
-            <a:endParaRPr lang="en-US" dirty="0"/>
+              <a:t> </a:t>
+            </a:r>
+            <a:r>
+              <a:rPr lang="en-US" dirty="0" smtClean="0"/>
+              <a:t>   "</a:t>
+            </a:r>
+            <a:r>
+              <a:rPr lang="en-US" dirty="0" err="1" smtClean="0"/>
+              <a:t>reprocess_input_data</a:t>
+            </a:r>
+            <a:r>
+              <a:rPr lang="en-US" dirty="0" smtClean="0"/>
+              <a:t>": True,</a:t>
+            </a:r>
+          </a:p>
+          <a:p>
+            <a:pPr marL="0" indent="0">
+              <a:buNone/>
+            </a:pPr>
+            <a:r>
+              <a:rPr lang="en-US" dirty="0" smtClean="0"/>
+              <a:t>    "</a:t>
+            </a:r>
+            <a:r>
+              <a:rPr lang="en-US" dirty="0" err="1" smtClean="0"/>
+              <a:t>overwrite_output_dir</a:t>
+            </a:r>
+            <a:r>
+              <a:rPr lang="en-US" dirty="0" smtClean="0"/>
+              <a:t>": True,</a:t>
+            </a:r>
+          </a:p>
+          <a:p>
+            <a:pPr marL="0" indent="0">
+              <a:buNone/>
+            </a:pPr>
+            <a:r>
+              <a:rPr lang="en-US" dirty="0" smtClean="0"/>
+              <a:t>    "</a:t>
+            </a:r>
+            <a:r>
+              <a:rPr lang="en-US" dirty="0" err="1" smtClean="0"/>
+              <a:t>save_model_every_epoch</a:t>
+            </a:r>
+            <a:r>
+              <a:rPr lang="en-US" dirty="0" smtClean="0"/>
+              <a:t>": False,</a:t>
+            </a:r>
+          </a:p>
+          <a:p>
+            <a:pPr marL="0" indent="0">
+              <a:buNone/>
+            </a:pPr>
+            <a:r>
+              <a:rPr lang="en-US" dirty="0" smtClean="0"/>
+              <a:t>    "</a:t>
+            </a:r>
+            <a:r>
+              <a:rPr lang="en-US" dirty="0" err="1" smtClean="0"/>
+              <a:t>save_eval_checkpoints</a:t>
+            </a:r>
+            <a:r>
+              <a:rPr lang="en-US" dirty="0" smtClean="0"/>
+              <a:t>": False,</a:t>
+            </a:r>
+          </a:p>
+          <a:p>
+            <a:pPr marL="0" indent="0">
+              <a:buNone/>
+            </a:pPr>
+            <a:r>
+              <a:rPr lang="en-US" dirty="0" smtClean="0"/>
+              <a:t>    "</a:t>
+            </a:r>
+            <a:r>
+              <a:rPr lang="en-US" dirty="0" err="1" smtClean="0"/>
+              <a:t>max_seq_length</a:t>
+            </a:r>
+            <a:r>
+              <a:rPr lang="en-US" dirty="0" smtClean="0"/>
+              <a:t>": 512,</a:t>
+            </a:r>
+          </a:p>
+          <a:p>
+            <a:pPr marL="0" indent="0">
+              <a:buNone/>
+            </a:pPr>
+            <a:r>
+              <a:rPr lang="en-US" dirty="0"/>
+              <a:t>    "</a:t>
+            </a:r>
+            <a:r>
+              <a:rPr lang="en-US" dirty="0" err="1"/>
+              <a:t>train_batch_size</a:t>
+            </a:r>
+            <a:r>
+              <a:rPr lang="en-US" dirty="0"/>
+              <a:t>": 16,</a:t>
+            </a:r>
+          </a:p>
+          <a:p>
+            <a:pPr marL="0" indent="0">
+              <a:buNone/>
+            </a:pPr>
+            <a:r>
+              <a:rPr lang="en-US" dirty="0"/>
+              <a:t>    "</a:t>
+            </a:r>
+            <a:r>
+              <a:rPr lang="en-US" dirty="0" err="1"/>
+              <a:t>num_train_epochs</a:t>
+            </a:r>
+            <a:r>
+              <a:rPr lang="en-US" dirty="0"/>
+              <a:t>": 4,</a:t>
+            </a:r>
+          </a:p>
+          <a:p>
+            <a:pPr marL="0" indent="0">
+              <a:buNone/>
+            </a:pPr>
+            <a:r>
+              <a:rPr lang="en-US" dirty="0"/>
+              <a:t>}</a:t>
+            </a:r>
           </a:p>
           <a:p>
             <a:pPr marL="0" indent="0">
@@ -6116,7 +6356,10 @@
             <a:pPr marL="0" indent="0">
               <a:buNone/>
             </a:pPr>
-            <a:endParaRPr lang="ru-RU" dirty="0"/>
+            <a:r>
+              <a:rPr lang="ru-RU" dirty="0"/>
+              <a:t>Определили тестовую выборку равную 30% </a:t>
+            </a:r>
           </a:p>
           <a:p>
             <a:pPr marL="0" indent="0">
@@ -6126,70 +6369,6 @@
           </a:p>
         </p:txBody>
       </p:sp>
-      <p:pic>
-        <p:nvPicPr>
-          <p:cNvPr id="2050" name="Picture 2"/>
-          <p:cNvPicPr>
-            <a:picLocks noChangeAspect="1" noChangeArrowheads="1"/>
-          </p:cNvPicPr>
-          <p:nvPr/>
-        </p:nvPicPr>
-        <p:blipFill>
-          <a:blip r:embed="rId2">
-            <a:extLst>
-              <a:ext uri="{28A0092B-C50C-407E-A947-70E740481C1C}">
-                <a14:useLocalDpi xmlns:a14="http://schemas.microsoft.com/office/drawing/2010/main" val="0"/>
-              </a:ext>
-            </a:extLst>
-          </a:blip>
-          <a:srcRect/>
-          <a:stretch>
-            <a:fillRect/>
-          </a:stretch>
-        </p:blipFill>
-        <p:spPr bwMode="auto">
-          <a:xfrm>
-            <a:off x="880392" y="3377596"/>
-            <a:ext cx="4811083" cy="3254910"/>
-          </a:xfrm>
-          <a:prstGeom prst="rect">
-            <a:avLst/>
-          </a:prstGeom>
-          <a:noFill/>
-          <a:ln>
-            <a:noFill/>
-          </a:ln>
-          <a:effectLst/>
-          <a:extLst>
-            <a:ext uri="{909E8E84-426E-40DD-AFC4-6F175D3DCCD1}">
-              <a14:hiddenFill xmlns:a14="http://schemas.microsoft.com/office/drawing/2010/main">
-                <a:solidFill>
-                  <a:schemeClr val="accent1"/>
-                </a:solidFill>
-              </a14:hiddenFill>
-            </a:ext>
-            <a:ext uri="{91240B29-F687-4F45-9708-019B960494DF}">
-              <a14:hiddenLine xmlns:a14="http://schemas.microsoft.com/office/drawing/2010/main" w="9525">
-                <a:solidFill>
-                  <a:schemeClr val="tx1"/>
-                </a:solidFill>
-                <a:miter lim="800000"/>
-                <a:headEnd/>
-                <a:tailEnd/>
-              </a14:hiddenLine>
-            </a:ext>
-            <a:ext uri="{AF507438-7753-43E0-B8FC-AC1667EBCBE1}">
-              <a14:hiddenEffects xmlns:a14="http://schemas.microsoft.com/office/drawing/2010/main">
-                <a:effectLst>
-                  <a:outerShdw dist="35921" dir="2700000" algn="ctr" rotWithShape="0">
-                    <a:schemeClr val="bg2"/>
-                  </a:outerShdw>
-                </a:effectLst>
-              </a14:hiddenEffects>
-            </a:ext>
-          </a:extLst>
-        </p:spPr>
-      </p:pic>
     </p:spTree>
     <p:extLst>
       <p:ext uri="{BB962C8B-B14F-4D97-AF65-F5344CB8AC3E}">
@@ -6284,12 +6463,12 @@
         <p:spPr>
           <a:xfrm>
             <a:off x="826864" y="1281518"/>
-            <a:ext cx="10588021" cy="4843451"/>
+            <a:ext cx="10588021" cy="3536085"/>
           </a:xfrm>
         </p:spPr>
         <p:txBody>
           <a:bodyPr>
-            <a:normAutofit fontScale="85000" lnSpcReduction="20000"/>
+            <a:normAutofit/>
           </a:bodyPr>
           <a:lstStyle/>
           <a:p>
@@ -6298,7 +6477,7 @@
             </a:pPr>
             <a:r>
               <a:rPr lang="ru-RU" dirty="0" smtClean="0"/>
-              <a:t>Аргументы построения модели</a:t>
+              <a:t>Результаты обучения</a:t>
             </a:r>
             <a:r>
               <a:rPr lang="en-US" dirty="0"/>
@@ -6314,165 +6493,65 @@
               <a:buNone/>
             </a:pPr>
             <a:r>
+              <a:rPr lang="en-US" dirty="0"/>
+              <a:t>{'mcc': 0.5387296237435334, '</a:t>
+            </a:r>
+            <a:r>
               <a:rPr lang="en-US" dirty="0" err="1"/>
-              <a:t>model_args</a:t>
+              <a:t>eval_loss</a:t>
             </a:r>
             <a:r>
               <a:rPr lang="en-US" dirty="0"/>
-              <a:t> = {</a:t>
-            </a:r>
+              <a:t>': 1.3980516397312983} </a:t>
+            </a:r>
+            <a:endParaRPr lang="ru-RU" dirty="0" smtClean="0"/>
           </a:p>
           <a:p>
             <a:pPr marL="0" indent="0">
               <a:buNone/>
             </a:pPr>
             <a:r>
+              <a:rPr lang="en-US" dirty="0" smtClean="0"/>
+              <a:t>CPU </a:t>
+            </a:r>
+            <a:r>
               <a:rPr lang="en-US" dirty="0"/>
-              <a:t> </a:t>
-            </a:r>
+              <a:t>times: total: 1d 16h 27min 54s </a:t>
+            </a:r>
+            <a:endParaRPr lang="ru-RU" dirty="0" smtClean="0"/>
+          </a:p>
+          <a:p>
+            <a:pPr marL="0" indent="0">
+              <a:buNone/>
+            </a:pPr>
             <a:r>
               <a:rPr lang="en-US" dirty="0" smtClean="0"/>
-              <a:t>   "</a:t>
-            </a:r>
-            <a:r>
-              <a:rPr lang="en-US" dirty="0" err="1" smtClean="0"/>
-              <a:t>reprocess_input_data</a:t>
+              <a:t>Wall </a:t>
+            </a:r>
+            <a:r>
+              <a:rPr lang="en-US" dirty="0"/>
+              <a:t>time: 7h 7min </a:t>
             </a:r>
             <a:r>
               <a:rPr lang="en-US" dirty="0" smtClean="0"/>
-              <a:t>": True,</a:t>
-            </a:r>
+              <a:t>33s</a:t>
+            </a:r>
+            <a:endParaRPr lang="ru-RU" dirty="0" smtClean="0"/>
           </a:p>
           <a:p>
             <a:pPr marL="0" indent="0">
               <a:buNone/>
             </a:pPr>
-            <a:r>
-              <a:rPr lang="en-US" dirty="0" smtClean="0"/>
-              <a:t>    "</a:t>
-            </a:r>
-            <a:r>
-              <a:rPr lang="en-US" dirty="0" err="1" smtClean="0"/>
-              <a:t>overwrite_output_dir</a:t>
-            </a:r>
-            <a:r>
-              <a:rPr lang="en-US" dirty="0" smtClean="0"/>
-              <a:t>": True,</a:t>
-            </a:r>
+            <a:endParaRPr lang="ru-RU" dirty="0"/>
           </a:p>
           <a:p>
             <a:pPr marL="0" indent="0">
               <a:buNone/>
             </a:pPr>
             <a:r>
-              <a:rPr lang="en-US" dirty="0" smtClean="0"/>
-              <a:t>    "</a:t>
-            </a:r>
-            <a:r>
-              <a:rPr lang="en-US" dirty="0" err="1" smtClean="0"/>
-              <a:t>save_model_every_epoch</a:t>
-            </a:r>
-            <a:r>
-              <a:rPr lang="en-US" dirty="0" smtClean="0"/>
-              <a:t>": False,</a:t>
-            </a:r>
-          </a:p>
-          <a:p>
-            <a:pPr marL="0" indent="0">
-              <a:buNone/>
-            </a:pPr>
-            <a:r>
-              <a:rPr lang="en-US" dirty="0" smtClean="0"/>
-              <a:t>    "</a:t>
-            </a:r>
-            <a:r>
-              <a:rPr lang="en-US" dirty="0" err="1" smtClean="0"/>
-              <a:t>save_eval_checkpoints</a:t>
-            </a:r>
-            <a:r>
-              <a:rPr lang="en-US" dirty="0" smtClean="0"/>
-              <a:t>": False,</a:t>
-            </a:r>
-          </a:p>
-          <a:p>
-            <a:pPr marL="0" indent="0">
-              <a:buNone/>
-            </a:pPr>
-            <a:r>
-              <a:rPr lang="en-US" dirty="0" smtClean="0"/>
-              <a:t>    "</a:t>
-            </a:r>
-            <a:r>
-              <a:rPr lang="en-US" dirty="0" err="1" smtClean="0"/>
-              <a:t>max_seq_length</a:t>
-            </a:r>
-            <a:r>
-              <a:rPr lang="en-US" dirty="0" smtClean="0"/>
-              <a:t>": 512,</a:t>
-            </a:r>
-          </a:p>
-          <a:p>
-            <a:pPr marL="0" indent="0">
-              <a:buNone/>
-            </a:pPr>
-            <a:r>
-              <a:rPr lang="en-US" dirty="0"/>
-              <a:t>    "</a:t>
-            </a:r>
-            <a:r>
-              <a:rPr lang="en-US" dirty="0" err="1"/>
-              <a:t>train_batch_size</a:t>
-            </a:r>
-            <a:r>
-              <a:rPr lang="en-US" dirty="0"/>
-              <a:t>": 16,</a:t>
-            </a:r>
-          </a:p>
-          <a:p>
-            <a:pPr marL="0" indent="0">
-              <a:buNone/>
-            </a:pPr>
-            <a:r>
-              <a:rPr lang="en-US" dirty="0"/>
-              <a:t>    "</a:t>
-            </a:r>
-            <a:r>
-              <a:rPr lang="en-US" dirty="0" err="1"/>
-              <a:t>num_train_epochs</a:t>
-            </a:r>
-            <a:r>
-              <a:rPr lang="en-US" dirty="0"/>
-              <a:t>": 4,</a:t>
-            </a:r>
-          </a:p>
-          <a:p>
-            <a:pPr marL="0" indent="0">
-              <a:buNone/>
-            </a:pPr>
-            <a:r>
-              <a:rPr lang="en-US" dirty="0"/>
-              <a:t>}</a:t>
-            </a:r>
-          </a:p>
-          <a:p>
-            <a:pPr marL="0" indent="0">
-              <a:buNone/>
-            </a:pPr>
-            <a:endParaRPr lang="ru-RU" dirty="0" smtClean="0"/>
-          </a:p>
-          <a:p>
-            <a:pPr marL="0" indent="0">
-              <a:buNone/>
-            </a:pPr>
-            <a:r>
-              <a:rPr lang="ru-RU" dirty="0"/>
-              <a:t>Определили тестовую выборку равную 30% </a:t>
-            </a:r>
-          </a:p>
-          <a:p>
-            <a:pPr marL="0" indent="0">
-              <a:buNone/>
-            </a:pPr>
+              <a:rPr lang="ru-RU" dirty="0" smtClean="0"/>
+              <a:t>На тестовой выборке из 100 случайных элементов модель делала верные предсказания в 50-60 случаях</a:t>
+            </a:r>
             <a:endParaRPr lang="ru-RU" dirty="0"/>
           </a:p>
         </p:txBody>
@@ -6480,7 +6559,7 @@
     </p:spTree>
     <p:extLst>
       <p:ext uri="{BB962C8B-B14F-4D97-AF65-F5344CB8AC3E}">
-        <p14:creationId xmlns:p14="http://schemas.microsoft.com/office/powerpoint/2010/main" val="3035956862"/>
+        <p14:creationId xmlns:p14="http://schemas.microsoft.com/office/powerpoint/2010/main" val="1988454811"/>
       </p:ext>
     </p:extLst>
   </p:cSld>
@@ -6570,13 +6649,13 @@
         </p:nvSpPr>
         <p:spPr>
           <a:xfrm>
-            <a:off x="826864" y="1281518"/>
-            <a:ext cx="10588021" cy="3536085"/>
+            <a:off x="826864" y="1281519"/>
+            <a:ext cx="10588021" cy="460376"/>
           </a:xfrm>
         </p:spPr>
         <p:txBody>
           <a:bodyPr>
-            <a:normAutofit/>
+            <a:normAutofit lnSpcReduction="10000"/>
           </a:bodyPr>
           <a:lstStyle/>
           <a:p>
@@ -6584,67 +6663,22 @@
               <a:buNone/>
             </a:pPr>
             <a:r>
-              <a:rPr lang="ru-RU" dirty="0" smtClean="0"/>
-              <a:t>Результаты обучения</a:t>
+              <a:rPr lang="en-US" dirty="0" err="1" smtClean="0"/>
+              <a:t>Heatmap</a:t>
+            </a:r>
+            <a:r>
+              <a:rPr lang="en-US" dirty="0" smtClean="0"/>
+              <a:t> w</a:t>
             </a:r>
             <a:r>
               <a:rPr lang="en-US" dirty="0"/>
-              <a:t> (wiki_movie_plots_deduped.csv)</a:t>
-            </a:r>
-            <a:r>
-              <a:rPr lang="ru-RU" dirty="0" smtClean="0"/>
-              <a:t>:</a:t>
-            </a:r>
-          </a:p>
-          <a:p>
-            <a:pPr marL="0" indent="0">
-              <a:buNone/>
-            </a:pPr>
-            <a:r>
-              <a:rPr lang="en-US" dirty="0"/>
-              <a:t>{'mcc': 0.5387296237435334, '</a:t>
-            </a:r>
-            <a:r>
-              <a:rPr lang="en-US" dirty="0" err="1"/>
-              <a:t>eval_loss</a:t>
-            </a:r>
-            <a:r>
-              <a:rPr lang="en-US" dirty="0"/>
-              <a:t>': 1.3980516397312983} </a:t>
-            </a:r>
-            <a:endParaRPr lang="ru-RU" dirty="0" smtClean="0"/>
-          </a:p>
-          <a:p>
-            <a:pPr marL="0" indent="0">
-              <a:buNone/>
-            </a:pPr>
+              <a:t>. labels &amp; </a:t>
+            </a:r>
             <a:r>
               <a:rPr lang="en-US" dirty="0" smtClean="0"/>
-              <a:t>CPU </a:t>
-            </a:r>
-            <a:r>
-              <a:rPr lang="en-US" dirty="0"/>
-              <a:t>times: total: 1d 16h 27min 54s </a:t>
-            </a:r>
-            <a:endParaRPr lang="ru-RU" dirty="0" smtClean="0"/>
-          </a:p>
-          <a:p>
-            <a:pPr marL="0" indent="0">
-              <a:buNone/>
-            </a:pPr>
-            <a:r>
-              <a:rPr lang="en-US" dirty="0" smtClean="0"/>
-              <a:t>Wall </a:t>
-            </a:r>
-            <a:r>
-              <a:rPr lang="en-US" dirty="0"/>
-              <a:t>time: 7h 7min </a:t>
-            </a:r>
-            <a:r>
-              <a:rPr lang="en-US" dirty="0" smtClean="0"/>
-              <a:t>33s</a:t>
-            </a:r>
-            <a:endParaRPr lang="ru-RU" dirty="0" smtClean="0"/>
+              <a:t>annotations (wiki_movie_plots_deduped.csv)</a:t>
+            </a:r>
+            <a:endParaRPr lang="en-US" dirty="0"/>
           </a:p>
           <a:p>
             <a:pPr marL="0" indent="0">
@@ -6652,18 +6686,72 @@
             </a:pPr>
             <a:endParaRPr lang="ru-RU" dirty="0"/>
           </a:p>
-          <a:p>
-            <a:pPr marL="0" indent="0">
-              <a:buNone/>
-            </a:pPr>
-            <a:r>
-              <a:rPr lang="ru-RU" dirty="0" smtClean="0"/>
-              <a:t>На тестовой выборке из 100 случайных элементов модель делала верные предсказания в 50-60 случаях</a:t>
-            </a:r>
-            <a:endParaRPr lang="ru-RU" dirty="0"/>
-          </a:p>
         </p:txBody>
       </p:sp>
+      <p:pic>
+        <p:nvPicPr>
+          <p:cNvPr id="3074" name="Picture 2"/>
+          <p:cNvPicPr>
+            <a:picLocks noChangeAspect="1" noChangeArrowheads="1"/>
+          </p:cNvPicPr>
+          <p:nvPr/>
+        </p:nvPicPr>
+        <p:blipFill>
+          <a:blip r:embed="rId2" cstate="print">
+            <a:extLst>
+              <a:ext uri="{28A0092B-C50C-407E-A947-70E740481C1C}">
+                <a14:useLocalDpi xmlns:a14="http://schemas.microsoft.com/office/drawing/2010/main" val="0"/>
+              </a:ext>
+            </a:extLst>
+          </a:blip>
+          <a:srcRect/>
+          <a:stretch>
+            <a:fillRect/>
+          </a:stretch>
+        </p:blipFill>
+        <p:spPr bwMode="auto">
+          <a:xfrm>
+            <a:off x="905017" y="1642026"/>
+            <a:ext cx="5027247" cy="4547000"/>
+          </a:xfrm>
+          <a:prstGeom prst="rect">
+            <a:avLst/>
+          </a:prstGeom>
+          <a:noFill/>
+          <a:ln>
+            <a:noFill/>
+          </a:ln>
+          <a:effectLst/>
+          <a:extLst>
+            <a:ext uri="{909E8E84-426E-40DD-AFC4-6F175D3DCCD1}">
+              <a14:hiddenFill xmlns:a14="http://schemas.microsoft.com/office/drawing/2010/main">
+                <a:solidFill>
+                  <a:schemeClr val="accent1"/>
+                </a:solidFill>
+              </a14:hiddenFill>
+            </a:ext>
+            <a:ext uri="{91240B29-F687-4F45-9708-019B960494DF}">
+              <a14:hiddenLine xmlns:a14="http://schemas.microsoft.com/office/drawing/2010/main" w="9525">
+                <a:solidFill>
+                  <a:schemeClr val="tx1"/>
+                </a:solidFill>
+                <a:miter lim="800000"/>
+                <a:headEnd/>
+                <a:tailEnd/>
+              </a14:hiddenLine>
+            </a:ext>
+            <a:ext uri="{AF507438-7753-43E0-B8FC-AC1667EBCBE1}">
+              <a14:hiddenEffects xmlns:a14="http://schemas.microsoft.com/office/drawing/2010/main">
+                <a:effectLst>
+                  <a:outerShdw dist="35921" dir="2700000" algn="ctr" rotWithShape="0">
+                    <a:schemeClr val="bg2"/>
+                  </a:outerShdw>
+                </a:effectLst>
+              </a14:hiddenEffects>
+            </a:ext>
+          </a:extLst>
+        </p:spPr>
+      </p:pic>
     </p:spTree>
     <p:extLst>
       <p:ext uri="{BB962C8B-B14F-4D97-AF65-F5344CB8AC3E}">
@@ -6757,13 +6845,13 @@
         </p:nvSpPr>
         <p:spPr>
           <a:xfrm>
-            <a:off x="826864" y="1281519"/>
-            <a:ext cx="10588021" cy="460376"/>
+            <a:off x="842608" y="1270182"/>
+            <a:ext cx="10576056" cy="1797970"/>
           </a:xfrm>
         </p:spPr>
         <p:txBody>
           <a:bodyPr>
-            <a:normAutofit lnSpcReduction="10000"/>
+            <a:normAutofit fontScale="25000" lnSpcReduction="20000"/>
           </a:bodyPr>
           <a:lstStyle/>
           <a:p>
@@ -6771,22 +6859,148 @@
               <a:buNone/>
             </a:pPr>
             <a:r>
-              <a:rPr lang="en-US" dirty="0" err="1" smtClean="0"/>
-              <a:t>Heatmap</a:t>
-            </a:r>
-            <a:r>
-              <a:rPr lang="en-US" dirty="0" smtClean="0"/>
-              <a:t> w</a:t>
+              <a:rPr lang="ru-RU" sz="4800" dirty="0" smtClean="0"/>
+              <a:t>Результаты обучения </a:t>
+            </a:r>
+            <a:r>
+              <a:rPr lang="en-US" sz="4800" dirty="0" smtClean="0"/>
+              <a:t>BERT </a:t>
+            </a:r>
+            <a:r>
+              <a:rPr lang="ru-RU" sz="4800" dirty="0" smtClean="0"/>
+              <a:t>на </a:t>
+            </a:r>
+            <a:r>
+              <a:rPr lang="ru-RU" sz="4800" dirty="0" err="1" smtClean="0"/>
+              <a:t>датасете</a:t>
+            </a:r>
+            <a:r>
+              <a:rPr lang="ru-RU" sz="4800" dirty="0" smtClean="0"/>
+              <a:t> </a:t>
+            </a:r>
+            <a:r>
+              <a:rPr lang="en-US" sz="4800" dirty="0"/>
+              <a:t>kinopoisk-top250.csv</a:t>
+            </a:r>
+            <a:r>
+              <a:rPr lang="ru-RU" sz="4800" dirty="0" smtClean="0"/>
+              <a:t>:</a:t>
+            </a:r>
+          </a:p>
+          <a:p>
+            <a:pPr marL="0" indent="0">
+              <a:buNone/>
+            </a:pPr>
+            <a:r>
+              <a:rPr lang="ru-RU" sz="4800" dirty="0" smtClean="0"/>
+              <a:t>Подготовка данных:</a:t>
+            </a:r>
+          </a:p>
+          <a:p>
+            <a:r>
+              <a:rPr lang="ru-RU" sz="4800" dirty="0" smtClean="0"/>
+              <a:t>Из общего </a:t>
+            </a:r>
+            <a:r>
+              <a:rPr lang="ru-RU" sz="4800" dirty="0" err="1" smtClean="0"/>
+              <a:t>датасета</a:t>
+            </a:r>
+            <a:r>
+              <a:rPr lang="ru-RU" sz="4800" dirty="0" smtClean="0"/>
+              <a:t> столбец</a:t>
+            </a:r>
+            <a:r>
+              <a:rPr lang="en-US" sz="4800" dirty="0" smtClean="0"/>
+              <a:t> </a:t>
+            </a:r>
+            <a:r>
+              <a:rPr lang="ru-RU" sz="4800" dirty="0" smtClean="0"/>
+              <a:t>«</a:t>
+            </a:r>
+            <a:r>
+              <a:rPr lang="en-US" sz="4800" dirty="0" smtClean="0"/>
+              <a:t>Plot</a:t>
+            </a:r>
+            <a:r>
+              <a:rPr lang="ru-RU" sz="4800" dirty="0" smtClean="0"/>
+              <a:t>»</a:t>
+            </a:r>
+          </a:p>
+          <a:p>
+            <a:r>
+              <a:rPr lang="ru-RU" sz="4800" dirty="0" smtClean="0"/>
+              <a:t>Добавили столбец «</a:t>
+            </a:r>
+            <a:r>
+              <a:rPr lang="en-US" sz="4800" dirty="0" smtClean="0"/>
+              <a:t>Genre</a:t>
+            </a:r>
+            <a:r>
+              <a:rPr lang="ru-RU" sz="4800" dirty="0" smtClean="0"/>
+              <a:t>»</a:t>
+            </a:r>
+          </a:p>
+          <a:p>
+            <a:r>
+              <a:rPr lang="ru-RU" sz="4800" dirty="0" smtClean="0"/>
+              <a:t>Выбрали жанры встречающиеся более 2 раз</a:t>
+            </a:r>
+          </a:p>
+          <a:p>
+            <a:r>
+              <a:rPr lang="ru-RU" sz="4800" dirty="0" smtClean="0"/>
+              <a:t>Выбрали примерно равное </a:t>
+            </a:r>
+            <a:r>
+              <a:rPr lang="ru-RU" sz="4800" dirty="0"/>
+              <a:t>количества сюжетов фильмов из разных жанров (чтобы уменьшить проблемы классового </a:t>
+            </a:r>
+            <a:r>
+              <a:rPr lang="ru-RU" sz="4800" dirty="0" smtClean="0"/>
+              <a:t>дисбаланса)</a:t>
+            </a:r>
+          </a:p>
+          <a:p>
+            <a:r>
+              <a:rPr lang="ru-RU" sz="4800" dirty="0" smtClean="0"/>
+              <a:t>Добавили с</a:t>
+            </a:r>
+            <a:r>
+              <a:rPr lang="ru-RU" sz="4800" dirty="0"/>
+              <a:t>т</a:t>
+            </a:r>
+            <a:r>
+              <a:rPr lang="ru-RU" sz="4800" dirty="0" smtClean="0"/>
+              <a:t>олбец с кодом жанра «</a:t>
+            </a:r>
+            <a:r>
+              <a:rPr lang="en-US" sz="4800" dirty="0" err="1" smtClean="0"/>
+              <a:t>genre_encoded</a:t>
+            </a:r>
+            <a:r>
+              <a:rPr lang="ru-RU" sz="4800" dirty="0" smtClean="0"/>
+              <a:t>»</a:t>
             </a:r>
             <a:r>
               <a:rPr lang="en-US" dirty="0"/>
-              <a:t>. labels &amp; </a:t>
-            </a:r>
-            <a:r>
-              <a:rPr lang="en-US" dirty="0" smtClean="0"/>
-              <a:t>annotations (wiki_movie_plots_deduped.csv)</a:t>
-            </a:r>
+              <a:t/>
+            </a:r>
+            <a:br>
+              <a:rPr lang="en-US" dirty="0"/>
+            </a:br>
             <a:endParaRPr lang="en-US" dirty="0"/>
+          </a:p>
+          <a:p>
+            <a:pPr marL="0" indent="0">
+              <a:buNone/>
+            </a:pPr>
+            <a:endParaRPr lang="ru-RU" dirty="0" smtClean="0"/>
+          </a:p>
+          <a:p>
+            <a:pPr marL="0" indent="0">
+              <a:buNone/>
+            </a:pPr>
+            <a:endParaRPr lang="ru-RU" dirty="0"/>
           </a:p>
           <a:p>
             <a:pPr marL="0" indent="0">
@@ -6798,14 +7012,14 @@
       </p:sp>
       <p:pic>
         <p:nvPicPr>
-          <p:cNvPr id="3074" name="Picture 2"/>
+          <p:cNvPr id="4098" name="Picture 2"/>
           <p:cNvPicPr>
             <a:picLocks noChangeAspect="1" noChangeArrowheads="1"/>
           </p:cNvPicPr>
           <p:nvPr/>
         </p:nvPicPr>
         <p:blipFill>
-          <a:blip r:embed="rId2" cstate="print">
+          <a:blip r:embed="rId2">
             <a:extLst>
               <a:ext uri="{28A0092B-C50C-407E-A947-70E740481C1C}">
                 <a14:useLocalDpi xmlns:a14="http://schemas.microsoft.com/office/drawing/2010/main" val="0"/>
@@ -6819,8 +7033,8 @@
         </p:blipFill>
         <p:spPr bwMode="auto">
           <a:xfrm>
-            <a:off x="905017" y="1642026"/>
-            <a:ext cx="5027247" cy="4547000"/>
+            <a:off x="918179" y="3200440"/>
+            <a:ext cx="5856550" cy="3292255"/>
           </a:xfrm>
           <a:prstGeom prst="rect">
             <a:avLst/>
@@ -6863,7 +7077,7 @@
     </p:spTree>
     <p:extLst>
       <p:ext uri="{BB962C8B-B14F-4D97-AF65-F5344CB8AC3E}">
-        <p14:creationId xmlns:p14="http://schemas.microsoft.com/office/powerpoint/2010/main" val="1988454811"/>
+        <p14:creationId xmlns:p14="http://schemas.microsoft.com/office/powerpoint/2010/main" val="3804974947"/>
       </p:ext>
     </p:extLst>
   </p:cSld>
@@ -6953,13 +7167,13 @@
         </p:nvSpPr>
         <p:spPr>
           <a:xfrm>
-            <a:off x="842608" y="1270182"/>
-            <a:ext cx="10576056" cy="1797970"/>
+            <a:off x="770187" y="1304189"/>
+            <a:ext cx="10588021" cy="5036155"/>
           </a:xfrm>
         </p:spPr>
         <p:txBody>
           <a:bodyPr>
-            <a:normAutofit fontScale="25000" lnSpcReduction="20000"/>
+            <a:normAutofit fontScale="92500" lnSpcReduction="20000"/>
           </a:bodyPr>
           <a:lstStyle/>
           <a:p>
@@ -6967,142 +7181,149 @@
               <a:buNone/>
             </a:pPr>
             <a:r>
-              <a:rPr lang="ru-RU" sz="4800" dirty="0" smtClean="0"/>
-              <a:t>Результаты обучения </a:t>
-            </a:r>
-            <a:r>
-              <a:rPr lang="en-US" sz="4800" dirty="0" smtClean="0"/>
-              <a:t>BERT </a:t>
-            </a:r>
-            <a:r>
-              <a:rPr lang="ru-RU" sz="4800" dirty="0" smtClean="0"/>
-              <a:t>на </a:t>
-            </a:r>
-            <a:r>
-              <a:rPr lang="ru-RU" sz="4800" dirty="0" err="1" smtClean="0"/>
-              <a:t>датасете</a:t>
-            </a:r>
-            <a:r>
-              <a:rPr lang="ru-RU" sz="4800" dirty="0" smtClean="0"/>
-              <a:t> </a:t>
-            </a:r>
-            <a:r>
-              <a:rPr lang="en-US" sz="4800" dirty="0"/>
-              <a:t>kinopoisk-top250.csv</a:t>
-            </a:r>
-            <a:r>
-              <a:rPr lang="ru-RU" sz="4800" dirty="0" smtClean="0"/>
+              <a:rPr lang="ru-RU" dirty="0" smtClean="0"/>
+              <a:t>Аргументы построения модели</a:t>
+            </a:r>
+            <a:r>
+              <a:rPr lang="en-US" dirty="0"/>
+              <a:t> (kinopoisk-top250.csv)</a:t>
+            </a:r>
+            <a:r>
+              <a:rPr lang="ru-RU" dirty="0" smtClean="0"/>
               <a:t>:</a:t>
             </a:r>
           </a:p>
           <a:p>
-            <a:pPr marL="0" indent="0">
-              <a:buNone/>
-            </a:pPr>
-            <a:r>
-              <a:rPr lang="ru-RU" sz="4800" dirty="0" smtClean="0"/>
-              <a:t>Подготовка данных:</a:t>
-            </a:r>
-          </a:p>
-          <a:p>
-            <a:r>
-              <a:rPr lang="ru-RU" sz="4800" dirty="0" smtClean="0"/>
-              <a:t>Из общего </a:t>
-            </a:r>
-            <a:r>
-              <a:rPr lang="ru-RU" sz="4800" dirty="0" err="1" smtClean="0"/>
-              <a:t>датасета</a:t>
-            </a:r>
-            <a:r>
-              <a:rPr lang="ru-RU" sz="4800" dirty="0" smtClean="0"/>
-              <a:t> столбец</a:t>
-            </a:r>
-            <a:r>
-              <a:rPr lang="en-US" sz="4800" dirty="0" smtClean="0"/>
-              <a:t> </a:t>
-            </a:r>
-            <a:r>
-              <a:rPr lang="ru-RU" sz="4800" dirty="0" smtClean="0"/>
-              <a:t>«</a:t>
-            </a:r>
-            <a:r>
-              <a:rPr lang="en-US" sz="4800" dirty="0" smtClean="0"/>
-              <a:t>Plot</a:t>
-            </a:r>
-            <a:r>
-              <a:rPr lang="ru-RU" sz="4800" dirty="0" smtClean="0"/>
-              <a:t>»</a:t>
-            </a:r>
-          </a:p>
-          <a:p>
-            <a:r>
-              <a:rPr lang="ru-RU" sz="4800" dirty="0" smtClean="0"/>
-              <a:t>Добавили столбец «</a:t>
-            </a:r>
-            <a:r>
-              <a:rPr lang="en-US" sz="4800" dirty="0" smtClean="0"/>
-              <a:t>Genre</a:t>
-            </a:r>
-            <a:r>
-              <a:rPr lang="ru-RU" sz="4800" dirty="0" smtClean="0"/>
-              <a:t>»</a:t>
-            </a:r>
-          </a:p>
-          <a:p>
-            <a:r>
-              <a:rPr lang="ru-RU" sz="4800" dirty="0" smtClean="0"/>
-              <a:t>Выбрали жанры встречающиеся более 2 раз</a:t>
-            </a:r>
-          </a:p>
-          <a:p>
-            <a:r>
-              <a:rPr lang="ru-RU" sz="4800" dirty="0" smtClean="0"/>
-              <a:t>Выбрали примерно равное </a:t>
-            </a:r>
-            <a:r>
-              <a:rPr lang="ru-RU" sz="4800" dirty="0"/>
-              <a:t>количества сюжетов фильмов из разных жанров (чтобы уменьшить проблемы классового </a:t>
-            </a:r>
-            <a:r>
-              <a:rPr lang="ru-RU" sz="4800" dirty="0" smtClean="0"/>
-              <a:t>дисбаланса)</a:t>
-            </a:r>
-          </a:p>
-          <a:p>
-            <a:r>
-              <a:rPr lang="ru-RU" sz="4800" dirty="0" smtClean="0"/>
-              <a:t>Добавили с</a:t>
-            </a:r>
-            <a:r>
-              <a:rPr lang="ru-RU" sz="4800" dirty="0"/>
-              <a:t>т</a:t>
-            </a:r>
-            <a:r>
-              <a:rPr lang="ru-RU" sz="4800" dirty="0" smtClean="0"/>
-              <a:t>олбец с кодом жанра «</a:t>
-            </a:r>
-            <a:r>
-              <a:rPr lang="en-US" sz="4800" dirty="0" err="1" smtClean="0"/>
-              <a:t>genre_encoded</a:t>
-            </a:r>
-            <a:r>
-              <a:rPr lang="ru-RU" sz="4800" dirty="0" smtClean="0"/>
-              <a:t>»</a:t>
+            <a:r>
+              <a:rPr lang="en-US" dirty="0" err="1"/>
+              <a:t>model_args</a:t>
             </a:r>
             <a:r>
               <a:rPr lang="en-US" dirty="0"/>
-              <a:t/>
-            </a:r>
-            <a:br>
+              <a:t> = {</a:t>
+            </a:r>
+          </a:p>
+          <a:p>
+            <a:r>
               <a:rPr lang="en-US" dirty="0"/>
-            </a:br>
+              <a:t>    "</a:t>
+            </a:r>
+            <a:r>
+              <a:rPr lang="en-US" dirty="0" err="1"/>
+              <a:t>reprocess_input_data</a:t>
+            </a:r>
+            <a:r>
+              <a:rPr lang="en-US" dirty="0"/>
+              <a:t>": True,</a:t>
+            </a:r>
+          </a:p>
+          <a:p>
+            <a:r>
+              <a:rPr lang="en-US" dirty="0"/>
+              <a:t>    "</a:t>
+            </a:r>
+            <a:r>
+              <a:rPr lang="en-US" dirty="0" err="1"/>
+              <a:t>overwrite_output_dir</a:t>
+            </a:r>
+            <a:r>
+              <a:rPr lang="en-US" dirty="0"/>
+              <a:t>": True,</a:t>
+            </a:r>
+          </a:p>
+          <a:p>
+            <a:r>
+              <a:rPr lang="en-US" dirty="0"/>
+              <a:t>    "</a:t>
+            </a:r>
+            <a:r>
+              <a:rPr lang="en-US" dirty="0" err="1"/>
+              <a:t>save_model_every_epoch</a:t>
+            </a:r>
+            <a:r>
+              <a:rPr lang="en-US" dirty="0"/>
+              <a:t>": False,</a:t>
+            </a:r>
+          </a:p>
+          <a:p>
+            <a:r>
+              <a:rPr lang="en-US" dirty="0"/>
+              <a:t>    "</a:t>
+            </a:r>
+            <a:r>
+              <a:rPr lang="en-US" dirty="0" err="1"/>
+              <a:t>save_eval_checkpoints</a:t>
+            </a:r>
+            <a:r>
+              <a:rPr lang="en-US" dirty="0"/>
+              <a:t>": False,</a:t>
+            </a:r>
+          </a:p>
+          <a:p>
+            <a:r>
+              <a:rPr lang="en-US" dirty="0"/>
+              <a:t>    "</a:t>
+            </a:r>
+            <a:r>
+              <a:rPr lang="en-US" dirty="0" err="1"/>
+              <a:t>max_seq_length</a:t>
+            </a:r>
+            <a:r>
+              <a:rPr lang="en-US" dirty="0"/>
+              <a:t>": 512,</a:t>
+            </a:r>
+          </a:p>
+          <a:p>
+            <a:r>
+              <a:rPr lang="en-US" dirty="0"/>
+              <a:t>    "</a:t>
+            </a:r>
+            <a:r>
+              <a:rPr lang="en-US" dirty="0" err="1"/>
+              <a:t>train_batch_size</a:t>
+            </a:r>
+            <a:r>
+              <a:rPr lang="en-US" dirty="0"/>
+              <a:t>": </a:t>
+            </a:r>
+            <a:r>
+              <a:rPr lang="ru-RU" dirty="0" smtClean="0"/>
+              <a:t>16</a:t>
+            </a:r>
+            <a:r>
+              <a:rPr lang="en-US" dirty="0" smtClean="0"/>
+              <a:t>,</a:t>
+            </a:r>
             <a:endParaRPr lang="en-US" dirty="0"/>
           </a:p>
           <a:p>
-            <a:pPr marL="0" indent="0">
-              <a:buNone/>
-            </a:pPr>
-            <a:endParaRPr lang="ru-RU" dirty="0" smtClean="0"/>
+            <a:r>
+              <a:rPr lang="en-US" dirty="0"/>
+              <a:t>    "</a:t>
+            </a:r>
+            <a:r>
+              <a:rPr lang="en-US" dirty="0" err="1"/>
+              <a:t>num_train_epochs</a:t>
+            </a:r>
+            <a:r>
+              <a:rPr lang="en-US" dirty="0"/>
+              <a:t>": </a:t>
+            </a:r>
+            <a:r>
+              <a:rPr lang="ru-RU" dirty="0" smtClean="0"/>
+              <a:t>4</a:t>
+            </a:r>
+            <a:r>
+              <a:rPr lang="en-US" dirty="0" smtClean="0"/>
+              <a:t>,</a:t>
+            </a:r>
+            <a:endParaRPr lang="en-US" dirty="0"/>
+          </a:p>
+          <a:p>
+            <a:r>
+              <a:rPr lang="en-US" dirty="0"/>
+              <a:t>}</a:t>
+            </a:r>
           </a:p>
           <a:p>
             <a:pPr marL="0" indent="0">
@@ -7114,78 +7335,18 @@
             <a:pPr marL="0" indent="0">
               <a:buNone/>
             </a:pPr>
+            <a:r>
+              <a:rPr lang="ru-RU" dirty="0" smtClean="0"/>
+              <a:t>Определили тестовую выборку равную 30% </a:t>
+            </a:r>
             <a:endParaRPr lang="ru-RU" dirty="0"/>
           </a:p>
         </p:txBody>
       </p:sp>
-      <p:pic>
-        <p:nvPicPr>
-          <p:cNvPr id="4098" name="Picture 2"/>
-          <p:cNvPicPr>
-            <a:picLocks noChangeAspect="1" noChangeArrowheads="1"/>
-          </p:cNvPicPr>
-          <p:nvPr/>
-        </p:nvPicPr>
-        <p:blipFill>
-          <a:blip r:embed="rId2">
-            <a:extLst>
-              <a:ext uri="{28A0092B-C50C-407E-A947-70E740481C1C}">
-                <a14:useLocalDpi xmlns:a14="http://schemas.microsoft.com/office/drawing/2010/main" val="0"/>
-              </a:ext>
-            </a:extLst>
-          </a:blip>
-          <a:srcRect/>
-          <a:stretch>
-            <a:fillRect/>
-          </a:stretch>
-        </p:blipFill>
-        <p:spPr bwMode="auto">
-          <a:xfrm>
-            <a:off x="918179" y="3200440"/>
-            <a:ext cx="5856550" cy="3292255"/>
-          </a:xfrm>
-          <a:prstGeom prst="rect">
-            <a:avLst/>
-          </a:prstGeom>
-          <a:noFill/>
-          <a:ln>
-            <a:noFill/>
-          </a:ln>
-          <a:effectLst/>
-          <a:extLst>
-            <a:ext uri="{909E8E84-426E-40DD-AFC4-6F175D3DCCD1}">
-              <a14:hiddenFill xmlns:a14="http://schemas.microsoft.com/office/drawing/2010/main">
-                <a:solidFill>
-                  <a:schemeClr val="accent1"/>
-                </a:solidFill>
-              </a14:hiddenFill>
-            </a:ext>
-            <a:ext uri="{91240B29-F687-4F45-9708-019B960494DF}">
-              <a14:hiddenLine xmlns:a14="http://schemas.microsoft.com/office/drawing/2010/main" w="9525">
-                <a:solidFill>
-                  <a:schemeClr val="tx1"/>
-                </a:solidFill>
-                <a:miter lim="800000"/>
-                <a:headEnd/>
-                <a:tailEnd/>
-              </a14:hiddenLine>
-            </a:ext>
-            <a:ext uri="{AF507438-7753-43E0-B8FC-AC1667EBCBE1}">
-              <a14:hiddenEffects xmlns:a14="http://schemas.microsoft.com/office/drawing/2010/main">
-                <a:effectLst>
-                  <a:outerShdw dist="35921" dir="2700000" algn="ctr" rotWithShape="0">
-                    <a:schemeClr val="bg2"/>
-                  </a:outerShdw>
-                </a:effectLst>
-              </a14:hiddenEffects>
-            </a:ext>
-          </a:extLst>
-        </p:spPr>
-      </p:pic>
     </p:spTree>
     <p:extLst>
       <p:ext uri="{BB962C8B-B14F-4D97-AF65-F5344CB8AC3E}">
-        <p14:creationId xmlns:p14="http://schemas.microsoft.com/office/powerpoint/2010/main" val="3804974947"/>
+        <p14:creationId xmlns:p14="http://schemas.microsoft.com/office/powerpoint/2010/main" val="4073948790"/>
       </p:ext>
     </p:extLst>
   </p:cSld>
@@ -7275,13 +7436,13 @@
         </p:nvSpPr>
         <p:spPr>
           <a:xfrm>
-            <a:off x="770187" y="1304189"/>
-            <a:ext cx="10588021" cy="5036155"/>
+            <a:off x="826864" y="1281518"/>
+            <a:ext cx="10588021" cy="3536085"/>
           </a:xfrm>
         </p:spPr>
         <p:txBody>
           <a:bodyPr>
-            <a:normAutofit fontScale="92500" lnSpcReduction="20000"/>
+            <a:normAutofit/>
           </a:bodyPr>
           <a:lstStyle/>
           <a:p>
@@ -7290,7 +7451,7 @@
             </a:pPr>
             <a:r>
               <a:rPr lang="ru-RU" dirty="0" smtClean="0"/>
-              <a:t>Аргументы построения модели</a:t>
+              <a:t>Результаты обучения</a:t>
             </a:r>
             <a:r>
               <a:rPr lang="en-US" dirty="0"/>
@@ -7302,136 +7463,54 @@
             </a:r>
           </a:p>
           <a:p>
+            <a:pPr marL="0" indent="0">
+              <a:buNone/>
+            </a:pPr>
+            <a:r>
+              <a:rPr lang="en-US" dirty="0"/>
+              <a:t>{'mcc': 0.0, '</a:t>
+            </a:r>
             <a:r>
               <a:rPr lang="en-US" dirty="0" err="1"/>
-              <a:t>model_args</a:t>
+              <a:t>eval_loss</a:t>
             </a:r>
             <a:r>
               <a:rPr lang="en-US" dirty="0"/>
-              <a:t> = {</a:t>
-            </a:r>
-          </a:p>
-          <a:p>
+              <a:t>': 2.6176433033413358} </a:t>
+            </a:r>
+            <a:endParaRPr lang="ru-RU" dirty="0" smtClean="0"/>
+          </a:p>
+          <a:p>
+            <a:pPr marL="0" indent="0">
+              <a:buNone/>
+            </a:pPr>
+            <a:r>
+              <a:rPr lang="en-US" dirty="0" smtClean="0"/>
+              <a:t>CPU </a:t>
+            </a:r>
             <a:r>
               <a:rPr lang="en-US" dirty="0"/>
-              <a:t>    "</a:t>
-            </a:r>
-            <a:r>
-              <a:rPr lang="en-US" dirty="0" err="1"/>
-              <a:t>reprocess_input_data</a:t>
+              <a:t>times: total: 1h 22min 37s </a:t>
+            </a:r>
+            <a:endParaRPr lang="ru-RU" dirty="0" smtClean="0"/>
+          </a:p>
+          <a:p>
+            <a:pPr marL="0" indent="0">
+              <a:buNone/>
+            </a:pPr>
+            <a:r>
+              <a:rPr lang="en-US" dirty="0" smtClean="0"/>
+              <a:t>Wall </a:t>
             </a:r>
             <a:r>
               <a:rPr lang="en-US" dirty="0"/>
-              <a:t>": True,</a:t>
-            </a:r>
-          </a:p>
-          <a:p>
-            <a:r>
-              <a:rPr lang="en-US" dirty="0"/>
-              <a:t>    "</a:t>
-            </a:r>
-            <a:r>
-              <a:rPr lang="en-US" dirty="0" err="1"/>
-              <a:t>overwrite_output_dir</a:t>
-            </a:r>
-            <a:r>
-              <a:rPr lang="en-US" dirty="0"/>
-              <a:t>": True,</a:t>
-            </a:r>
-          </a:p>
-          <a:p>
-            <a:r>
-              <a:rPr lang="en-US" dirty="0"/>
-              <a:t>    "</a:t>
-            </a:r>
-            <a:r>
-              <a:rPr lang="en-US" dirty="0" err="1"/>
-              <a:t>save_model_every_epoch</a:t>
-            </a:r>
-            <a:r>
-              <a:rPr lang="en-US" dirty="0"/>
-              <a:t>": False,</a:t>
-            </a:r>
-          </a:p>
-          <a:p>
-            <a:r>
-              <a:rPr lang="en-US" dirty="0"/>
-              <a:t>    "</a:t>
-            </a:r>
-            <a:r>
-              <a:rPr lang="en-US" dirty="0" err="1"/>
-              <a:t>save_eval_checkpoints</a:t>
-            </a:r>
-            <a:r>
-              <a:rPr lang="en-US" dirty="0"/>
-              <a:t>": False,</a:t>
-            </a:r>
-          </a:p>
-          <a:p>
-            <a:r>
-              <a:rPr lang="en-US" dirty="0"/>
-              <a:t>    "</a:t>
-            </a:r>
-            <a:r>
-              <a:rPr lang="en-US" dirty="0" err="1"/>
-              <a:t>max_seq_length</a:t>
-            </a:r>
-            <a:r>
-              <a:rPr lang="en-US" dirty="0"/>
-              <a:t>": 512,</a:t>
-            </a:r>
-          </a:p>
-          <a:p>
-            <a:r>
-              <a:rPr lang="en-US" dirty="0"/>
-              <a:t>    "</a:t>
-            </a:r>
-            <a:r>
-              <a:rPr lang="en-US" dirty="0" err="1"/>
-              <a:t>train_batch_size</a:t>
-            </a:r>
-            <a:r>
-              <a:rPr lang="en-US" dirty="0"/>
-              <a:t>": </a:t>
-            </a:r>
-            <a:r>
-              <a:rPr lang="ru-RU" dirty="0" smtClean="0"/>
-              <a:t>16</a:t>
+              <a:t>time: 16min </a:t>
             </a:r>
             <a:r>
               <a:rPr lang="en-US" dirty="0" smtClean="0"/>
-              <a:t>,</a:t>
-            </a:r>
-            <a:endParaRPr lang="en-US" dirty="0"/>
-          </a:p>
-          <a:p>
-            <a:r>
-              <a:rPr lang="en-US" dirty="0"/>
-              <a:t>    "</a:t>
-            </a:r>
-            <a:r>
-              <a:rPr lang="en-US" dirty="0" err="1"/>
-              <a:t>num_train_epochs</a:t>
-            </a:r>
-            <a:r>
-              <a:rPr lang="en-US" dirty="0"/>
-              <a:t>": </a:t>
-            </a:r>
-            <a:r>
-              <a:rPr lang="ru-RU" dirty="0" smtClean="0"/>
-              <a:t>4</a:t>
-            </a:r>
-            <a:r>
-              <a:rPr lang="en-US" dirty="0" smtClean="0"/>
-              <a:t>,</a:t>
-            </a:r>
-            <a:endParaRPr lang="en-US" dirty="0"/>
-          </a:p>
-          <a:p>
-            <a:r>
-              <a:rPr lang="en-US" dirty="0"/>
-              <a:t>}</a:t>
-            </a:r>
+              <a:t>36s</a:t>
+            </a:r>
+            <a:endParaRPr lang="ru-RU" dirty="0" smtClean="0"/>
           </a:p>
           <a:p>
             <a:pPr marL="0" indent="0">
@@ -7445,8 +7524,13 @@
             </a:pPr>
             <a:r>
               <a:rPr lang="ru-RU" dirty="0" smtClean="0"/>
-              <a:t>Определили тестовую выборку равную 30% </a:t>
-            </a:r>
+              <a:t>На тестовой выборке из 10 случайных элементов модель все фильмы определила как драмы</a:t>
+            </a:r>
+          </a:p>
+          <a:p>
+            <a:pPr marL="0" indent="0">
+              <a:buNone/>
+            </a:pPr>
             <a:endParaRPr lang="ru-RU" dirty="0"/>
           </a:p>
         </p:txBody>
@@ -7454,7 +7538,7 @@
     </p:spTree>
     <p:extLst>
       <p:ext uri="{BB962C8B-B14F-4D97-AF65-F5344CB8AC3E}">
-        <p14:creationId xmlns:p14="http://schemas.microsoft.com/office/powerpoint/2010/main" val="4073948790"/>
+        <p14:creationId xmlns:p14="http://schemas.microsoft.com/office/powerpoint/2010/main" val="3239326310"/>
       </p:ext>
     </p:extLst>
   </p:cSld>
@@ -7544,13 +7628,13 @@
         </p:nvSpPr>
         <p:spPr>
           <a:xfrm>
-            <a:off x="826864" y="1281518"/>
-            <a:ext cx="10588021" cy="3536085"/>
+            <a:off x="826864" y="1281519"/>
+            <a:ext cx="10588021" cy="460376"/>
           </a:xfrm>
         </p:spPr>
         <p:txBody>
           <a:bodyPr>
-            <a:normAutofit/>
+            <a:normAutofit lnSpcReduction="10000"/>
           </a:bodyPr>
           <a:lstStyle/>
           <a:p>
@@ -7558,67 +7642,30 @@
               <a:buNone/>
             </a:pPr>
             <a:r>
-              <a:rPr lang="ru-RU" dirty="0" smtClean="0"/>
-              <a:t>Результаты обучения</a:t>
+              <a:rPr lang="en-US" dirty="0" err="1" smtClean="0"/>
+              <a:t>Heatmap</a:t>
+            </a:r>
+            <a:r>
+              <a:rPr lang="en-US" dirty="0" smtClean="0"/>
+              <a:t> w</a:t>
             </a:r>
             <a:r>
               <a:rPr lang="en-US" dirty="0"/>
-              <a:t> (kinopoisk-top250.csv)</a:t>
-            </a:r>
-            <a:r>
-              <a:rPr lang="ru-RU" dirty="0" smtClean="0"/>
-              <a:t>:</a:t>
-            </a:r>
-          </a:p>
-          <a:p>
-            <a:pPr marL="0" indent="0">
-              <a:buNone/>
-            </a:pPr>
+              <a:t>. labels &amp; </a:t>
+            </a:r>
+            <a:r>
+              <a:rPr lang="en-US" dirty="0" smtClean="0"/>
+              <a:t>annotations (</a:t>
+            </a:r>
             <a:r>
               <a:rPr lang="en-US" dirty="0"/>
-              <a:t>{'mcc': 0.0, '</a:t>
-            </a:r>
-            <a:r>
-              <a:rPr lang="en-US" dirty="0" err="1"/>
-              <a:t>eval_loss</a:t>
-            </a:r>
-            <a:r>
-              <a:rPr lang="en-US" dirty="0"/>
-              <a:t>': 2.6176433033413358} </a:t>
-            </a:r>
-            <a:endParaRPr lang="ru-RU" dirty="0" smtClean="0"/>
-          </a:p>
-          <a:p>
-            <a:pPr marL="0" indent="0">
-              <a:buNone/>
-            </a:pPr>
+              <a:t>kinopoisk-top250.csv</a:t>
+            </a:r>
             <a:r>
               <a:rPr lang="en-US" dirty="0" smtClean="0"/>
-              <a:t>CPU </a:t>
-            </a:r>
-            <a:r>
-              <a:rPr lang="en-US" dirty="0"/>
-              <a:t>times: total: 1h 22min 37s </a:t>
-            </a:r>
-            <a:endParaRPr lang="ru-RU" dirty="0" smtClean="0"/>
-          </a:p>
-          <a:p>
-            <a:pPr marL="0" indent="0">
-              <a:buNone/>
-            </a:pPr>
-            <a:r>
-              <a:rPr lang="en-US" dirty="0" smtClean="0"/>
-              <a:t>Wall </a:t>
-            </a:r>
-            <a:r>
-              <a:rPr lang="en-US" dirty="0"/>
-              <a:t>time: 16min </a:t>
-            </a:r>
-            <a:r>
-              <a:rPr lang="en-US" dirty="0" smtClean="0"/>
-              <a:t>36s</a:t>
-            </a:r>
-            <a:endParaRPr lang="ru-RU" dirty="0" smtClean="0"/>
+              <a:t>)</a:t>
+            </a:r>
+            <a:endParaRPr lang="en-US" dirty="0"/>
           </a:p>
           <a:p>
             <a:pPr marL="0" indent="0">
@@ -7626,32 +7673,76 @@
             </a:pPr>
             <a:endParaRPr lang="ru-RU" dirty="0"/>
           </a:p>
-          <a:p>
-            <a:pPr marL="0" indent="0">
-              <a:buNone/>
-            </a:pPr>
-            <a:r>
-              <a:rPr lang="ru-RU" dirty="0" smtClean="0"/>
-              <a:t>На тестовой выборке из 10 случайных элементов модель </a:t>
-            </a:r>
-            <a:r>
-              <a:rPr lang="ru-RU" dirty="0" smtClean="0"/>
-              <a:t>все фильмы определила как драмы</a:t>
-            </a:r>
-            <a:endParaRPr lang="ru-RU" dirty="0" smtClean="0"/>
-          </a:p>
-          <a:p>
-            <a:pPr marL="0" indent="0">
-              <a:buNone/>
-            </a:pPr>
-            <a:endParaRPr lang="ru-RU" dirty="0"/>
-          </a:p>
         </p:txBody>
       </p:sp>
+      <p:pic>
+        <p:nvPicPr>
+          <p:cNvPr id="1026" name="Picture 2"/>
+          <p:cNvPicPr>
+            <a:picLocks noChangeAspect="1" noChangeArrowheads="1"/>
+          </p:cNvPicPr>
+          <p:nvPr/>
+        </p:nvPicPr>
+        <p:blipFill>
+          <a:blip r:embed="rId2" cstate="print">
+            <a:extLst>
+              <a:ext uri="{28A0092B-C50C-407E-A947-70E740481C1C}">
+                <a14:useLocalDpi xmlns:a14="http://schemas.microsoft.com/office/drawing/2010/main" val="0"/>
+              </a:ext>
+            </a:extLst>
+          </a:blip>
+          <a:srcRect/>
+          <a:stretch>
+            <a:fillRect/>
+          </a:stretch>
+        </p:blipFill>
+        <p:spPr bwMode="auto">
+          <a:xfrm>
+            <a:off x="919418" y="1654988"/>
+            <a:ext cx="5507832" cy="4998725"/>
+          </a:xfrm>
+          <a:prstGeom prst="rect">
+            <a:avLst/>
+          </a:prstGeom>
+          <a:noFill/>
+          <a:ln>
+            <a:noFill/>
+          </a:ln>
+          <a:effectLst/>
+          <a:extLst>
+            <a:ext uri="{909E8E84-426E-40DD-AFC4-6F175D3DCCD1}">
+              <a14:hiddenFill xmlns:a14="http://schemas.microsoft.com/office/drawing/2010/main">
+                <a:solidFill>
+                  <a:schemeClr val="accent1"/>
+                </a:solidFill>
+              </a14:hiddenFill>
+            </a:ext>
+            <a:ext uri="{91240B29-F687-4F45-9708-019B960494DF}">
+              <a14:hiddenLine xmlns:a14="http://schemas.microsoft.com/office/drawing/2010/main" w="9525">
+                <a:solidFill>
+                  <a:schemeClr val="tx1"/>
+                </a:solidFill>
+                <a:miter lim="800000"/>
+                <a:headEnd/>
+                <a:tailEnd/>
+              </a14:hiddenLine>
+            </a:ext>
+            <a:ext uri="{AF507438-7753-43E0-B8FC-AC1667EBCBE1}">
+              <a14:hiddenEffects xmlns:a14="http://schemas.microsoft.com/office/drawing/2010/main">
+                <a:effectLst>
+                  <a:outerShdw dist="35921" dir="2700000" algn="ctr" rotWithShape="0">
+                    <a:schemeClr val="bg2"/>
+                  </a:outerShdw>
+                </a:effectLst>
+              </a14:hiddenEffects>
+            </a:ext>
+          </a:extLst>
+        </p:spPr>
+      </p:pic>
     </p:spTree>
     <p:extLst>
       <p:ext uri="{BB962C8B-B14F-4D97-AF65-F5344CB8AC3E}">
-        <p14:creationId xmlns:p14="http://schemas.microsoft.com/office/powerpoint/2010/main" val="3239326310"/>
+        <p14:creationId xmlns:p14="http://schemas.microsoft.com/office/powerpoint/2010/main" val="105919070"/>
       </p:ext>
     </p:extLst>
   </p:cSld>
@@ -7741,13 +7832,13 @@
         </p:nvSpPr>
         <p:spPr>
           <a:xfrm>
-            <a:off x="826864" y="1281519"/>
-            <a:ext cx="10588021" cy="460376"/>
+            <a:off x="770187" y="1304189"/>
+            <a:ext cx="10588021" cy="5036155"/>
           </a:xfrm>
         </p:spPr>
         <p:txBody>
           <a:bodyPr>
-            <a:normAutofit lnSpcReduction="10000"/>
+            <a:normAutofit fontScale="92500" lnSpcReduction="20000"/>
           </a:bodyPr>
           <a:lstStyle/>
           <a:p>
@@ -7755,30 +7846,141 @@
               <a:buNone/>
             </a:pPr>
             <a:r>
-              <a:rPr lang="en-US" dirty="0" err="1" smtClean="0"/>
-              <a:t>Heatmap</a:t>
+              <a:rPr lang="ru-RU" dirty="0" smtClean="0"/>
+              <a:t>Аргументы построения модели</a:t>
+            </a:r>
+            <a:r>
+              <a:rPr lang="en-US" dirty="0"/>
+              <a:t> (kinopoisk-top250.csv)</a:t>
+            </a:r>
+            <a:r>
+              <a:rPr lang="ru-RU" dirty="0" smtClean="0"/>
+              <a:t>:</a:t>
+            </a:r>
+          </a:p>
+          <a:p>
+            <a:r>
+              <a:rPr lang="en-US" dirty="0" err="1"/>
+              <a:t>model_args</a:t>
+            </a:r>
+            <a:r>
+              <a:rPr lang="en-US" dirty="0"/>
+              <a:t> = {</a:t>
+            </a:r>
+          </a:p>
+          <a:p>
+            <a:r>
+              <a:rPr lang="en-US" dirty="0"/>
+              <a:t>    "</a:t>
+            </a:r>
+            <a:r>
+              <a:rPr lang="en-US" dirty="0" err="1"/>
+              <a:t>reprocess_input_data</a:t>
+            </a:r>
+            <a:r>
+              <a:rPr lang="en-US" dirty="0"/>
+              <a:t>": True,</a:t>
+            </a:r>
+          </a:p>
+          <a:p>
+            <a:r>
+              <a:rPr lang="en-US" dirty="0"/>
+              <a:t>    "</a:t>
+            </a:r>
+            <a:r>
+              <a:rPr lang="en-US" dirty="0" err="1"/>
+              <a:t>overwrite_output_dir</a:t>
+            </a:r>
+            <a:r>
+              <a:rPr lang="en-US" dirty="0"/>
+              <a:t>": True,</a:t>
+            </a:r>
+          </a:p>
+          <a:p>
+            <a:r>
+              <a:rPr lang="en-US" dirty="0"/>
+              <a:t>    "</a:t>
+            </a:r>
+            <a:r>
+              <a:rPr lang="en-US" dirty="0" err="1"/>
+              <a:t>save_model_every_epoch</a:t>
+            </a:r>
+            <a:r>
+              <a:rPr lang="en-US" dirty="0"/>
+              <a:t>": False,</a:t>
+            </a:r>
+          </a:p>
+          <a:p>
+            <a:r>
+              <a:rPr lang="en-US" dirty="0"/>
+              <a:t>    "</a:t>
+            </a:r>
+            <a:r>
+              <a:rPr lang="en-US" dirty="0" err="1"/>
+              <a:t>save_eval_checkpoints</a:t>
+            </a:r>
+            <a:r>
+              <a:rPr lang="en-US" dirty="0"/>
+              <a:t>": False,</a:t>
+            </a:r>
+          </a:p>
+          <a:p>
+            <a:r>
+              <a:rPr lang="en-US" dirty="0"/>
+              <a:t>    "</a:t>
+            </a:r>
+            <a:r>
+              <a:rPr lang="en-US" dirty="0" err="1"/>
+              <a:t>max_seq_length</a:t>
+            </a:r>
+            <a:r>
+              <a:rPr lang="en-US" dirty="0"/>
+              <a:t>": 512,</a:t>
+            </a:r>
+          </a:p>
+          <a:p>
+            <a:r>
+              <a:rPr lang="en-US" dirty="0"/>
+              <a:t>    "</a:t>
+            </a:r>
+            <a:r>
+              <a:rPr lang="en-US" dirty="0" err="1"/>
+              <a:t>train_batch_size</a:t>
+            </a:r>
+            <a:r>
+              <a:rPr lang="en-US" dirty="0"/>
+              <a:t>": </a:t>
             </a:r>
             <a:r>
               <a:rPr lang="en-US" dirty="0" smtClean="0"/>
-              <a:t> w</a:t>
-            </a:r>
+              <a:t>8,</a:t>
+            </a:r>
+            <a:endParaRPr lang="en-US" dirty="0"/>
+          </a:p>
+          <a:p>
             <a:r>
               <a:rPr lang="en-US" dirty="0"/>
-              <a:t>. labels &amp; </a:t>
+              <a:t>    "</a:t>
+            </a:r>
+            <a:r>
+              <a:rPr lang="en-US" dirty="0" err="1"/>
+              <a:t>num_train_epochs</a:t>
+            </a:r>
+            <a:r>
+              <a:rPr lang="en-US" dirty="0"/>
+              <a:t>": </a:t>
             </a:r>
             <a:r>
               <a:rPr lang="en-US" dirty="0" smtClean="0"/>
-              <a:t>annotations (</a:t>
-            </a:r>
+              <a:t>10,</a:t>
+            </a:r>
+            <a:endParaRPr lang="en-US" dirty="0"/>
+          </a:p>
+          <a:p>
             <a:r>
               <a:rPr lang="en-US" dirty="0"/>
-              <a:t>kinopoisk-top250.csv</a:t>
-            </a:r>
-            <a:r>
-              <a:rPr lang="en-US" dirty="0" smtClean="0"/>
-              <a:t>)</a:t>
-            </a:r>
-            <a:endParaRPr lang="en-US" dirty="0"/>
+              <a:t>}</a:t>
+            </a:r>
           </a:p>
           <a:p>
             <a:pPr marL="0" indent="0">
@@ -7786,76 +7988,22 @@
             </a:pPr>
             <a:endParaRPr lang="ru-RU" dirty="0"/>
           </a:p>
+          <a:p>
+            <a:pPr marL="0" indent="0">
+              <a:buNone/>
+            </a:pPr>
+            <a:r>
+              <a:rPr lang="ru-RU" dirty="0" smtClean="0"/>
+              <a:t>Определили тестовую выборку равную 30% </a:t>
+            </a:r>
+            <a:endParaRPr lang="ru-RU" dirty="0"/>
+          </a:p>
         </p:txBody>
       </p:sp>
-      <p:pic>
-        <p:nvPicPr>
-          <p:cNvPr id="1026" name="Picture 2"/>
-          <p:cNvPicPr>
-            <a:picLocks noChangeAspect="1" noChangeArrowheads="1"/>
-          </p:cNvPicPr>
-          <p:nvPr/>
-        </p:nvPicPr>
-        <p:blipFill>
-          <a:blip r:embed="rId2" cstate="print">
-            <a:extLst>
-              <a:ext uri="{28A0092B-C50C-407E-A947-70E740481C1C}">
-                <a14:useLocalDpi xmlns:a14="http://schemas.microsoft.com/office/drawing/2010/main" val="0"/>
-              </a:ext>
-            </a:extLst>
-          </a:blip>
-          <a:srcRect/>
-          <a:stretch>
-            <a:fillRect/>
-          </a:stretch>
-        </p:blipFill>
-        <p:spPr bwMode="auto">
-          <a:xfrm>
-            <a:off x="919418" y="1654988"/>
-            <a:ext cx="5507832" cy="4998725"/>
-          </a:xfrm>
-          <a:prstGeom prst="rect">
-            <a:avLst/>
-          </a:prstGeom>
-          <a:noFill/>
-          <a:ln>
-            <a:noFill/>
-          </a:ln>
-          <a:effectLst/>
-          <a:extLst>
-            <a:ext uri="{909E8E84-426E-40DD-AFC4-6F175D3DCCD1}">
-              <a14:hiddenFill xmlns:a14="http://schemas.microsoft.com/office/drawing/2010/main">
-                <a:solidFill>
-                  <a:schemeClr val="accent1"/>
-                </a:solidFill>
-              </a14:hiddenFill>
-            </a:ext>
-            <a:ext uri="{91240B29-F687-4F45-9708-019B960494DF}">
-              <a14:hiddenLine xmlns:a14="http://schemas.microsoft.com/office/drawing/2010/main" w="9525">
-                <a:solidFill>
-                  <a:schemeClr val="tx1"/>
-                </a:solidFill>
-                <a:miter lim="800000"/>
-                <a:headEnd/>
-                <a:tailEnd/>
-              </a14:hiddenLine>
-            </a:ext>
-            <a:ext uri="{AF507438-7753-43E0-B8FC-AC1667EBCBE1}">
-              <a14:hiddenEffects xmlns:a14="http://schemas.microsoft.com/office/drawing/2010/main">
-                <a:effectLst>
-                  <a:outerShdw dist="35921" dir="2700000" algn="ctr" rotWithShape="0">
-                    <a:schemeClr val="bg2"/>
-                  </a:outerShdw>
-                </a:effectLst>
-              </a14:hiddenEffects>
-            </a:ext>
-          </a:extLst>
-        </p:spPr>
-      </p:pic>
     </p:spTree>
     <p:extLst>
       <p:ext uri="{BB962C8B-B14F-4D97-AF65-F5344CB8AC3E}">
-        <p14:creationId xmlns:p14="http://schemas.microsoft.com/office/powerpoint/2010/main" val="105919070"/>
+        <p14:creationId xmlns:p14="http://schemas.microsoft.com/office/powerpoint/2010/main" val="2373900768"/>
       </p:ext>
     </p:extLst>
   </p:cSld>
@@ -7945,13 +8093,13 @@
         </p:nvSpPr>
         <p:spPr>
           <a:xfrm>
-            <a:off x="770187" y="1304189"/>
-            <a:ext cx="10588021" cy="5036155"/>
+            <a:off x="826864" y="1281518"/>
+            <a:ext cx="10588021" cy="3536085"/>
           </a:xfrm>
         </p:spPr>
         <p:txBody>
           <a:bodyPr>
-            <a:normAutofit fontScale="92500" lnSpcReduction="20000"/>
+            <a:normAutofit/>
           </a:bodyPr>
           <a:lstStyle/>
           <a:p>
@@ -7960,7 +8108,7 @@
             </a:pPr>
             <a:r>
               <a:rPr lang="ru-RU" dirty="0" smtClean="0"/>
-              <a:t>Аргументы построения модели</a:t>
+              <a:t>Результаты обучения</a:t>
             </a:r>
             <a:r>
               <a:rPr lang="en-US" dirty="0"/>
@@ -7972,128 +8120,54 @@
             </a:r>
           </a:p>
           <a:p>
+            <a:pPr marL="0" indent="0">
+              <a:buNone/>
+            </a:pPr>
+            <a:r>
+              <a:rPr lang="en-US" dirty="0"/>
+              <a:t>{'mcc': 0.9525174544539858, '</a:t>
+            </a:r>
             <a:r>
               <a:rPr lang="en-US" dirty="0" err="1"/>
-              <a:t>model_args</a:t>
+              <a:t>eval_loss</a:t>
             </a:r>
             <a:r>
               <a:rPr lang="en-US" dirty="0"/>
-              <a:t> = {</a:t>
-            </a:r>
-          </a:p>
-          <a:p>
+              <a:t>': 0.29667600492636365} </a:t>
+            </a:r>
+            <a:endParaRPr lang="ru-RU" dirty="0" smtClean="0"/>
+          </a:p>
+          <a:p>
+            <a:pPr marL="0" indent="0">
+              <a:buNone/>
+            </a:pPr>
+            <a:r>
+              <a:rPr lang="en-US" dirty="0" smtClean="0"/>
+              <a:t>CPU </a:t>
+            </a:r>
             <a:r>
               <a:rPr lang="en-US" dirty="0"/>
-              <a:t>    "</a:t>
-            </a:r>
-            <a:r>
-              <a:rPr lang="en-US" dirty="0" err="1"/>
-              <a:t>reprocess_input_data</a:t>
+              <a:t>times: total: 3h 22min 43s </a:t>
+            </a:r>
+            <a:endParaRPr lang="ru-RU" dirty="0" smtClean="0"/>
+          </a:p>
+          <a:p>
+            <a:pPr marL="0" indent="0">
+              <a:buNone/>
+            </a:pPr>
+            <a:r>
+              <a:rPr lang="en-US" dirty="0" smtClean="0"/>
+              <a:t>Wall </a:t>
             </a:r>
             <a:r>
               <a:rPr lang="en-US" dirty="0"/>
-              <a:t>": True,</a:t>
-            </a:r>
-          </a:p>
-          <a:p>
-            <a:r>
-              <a:rPr lang="en-US" dirty="0"/>
-              <a:t>    "</a:t>
-            </a:r>
-            <a:r>
-              <a:rPr lang="en-US" dirty="0" err="1"/>
-              <a:t>overwrite_output_dir</a:t>
-            </a:r>
-            <a:r>
-              <a:rPr lang="en-US" dirty="0"/>
-              <a:t>": True,</a:t>
-            </a:r>
-          </a:p>
-          <a:p>
-            <a:r>
-              <a:rPr lang="en-US" dirty="0"/>
-              <a:t>    "</a:t>
-            </a:r>
-            <a:r>
-              <a:rPr lang="en-US" dirty="0" err="1"/>
-              <a:t>save_model_every_epoch</a:t>
-            </a:r>
-            <a:r>
-              <a:rPr lang="en-US" dirty="0"/>
-              <a:t>": False,</a:t>
-            </a:r>
-          </a:p>
-          <a:p>
-            <a:r>
-              <a:rPr lang="en-US" dirty="0"/>
-              <a:t>    "</a:t>
-            </a:r>
-            <a:r>
-              <a:rPr lang="en-US" dirty="0" err="1"/>
-              <a:t>save_eval_checkpoints</a:t>
-            </a:r>
-            <a:r>
-              <a:rPr lang="en-US" dirty="0"/>
-              <a:t>": False,</a:t>
-            </a:r>
-          </a:p>
-          <a:p>
-            <a:r>
-              <a:rPr lang="en-US" dirty="0"/>
-              <a:t>    "</a:t>
-            </a:r>
-            <a:r>
-              <a:rPr lang="en-US" dirty="0" err="1"/>
-              <a:t>max_seq_length</a:t>
-            </a:r>
-            <a:r>
-              <a:rPr lang="en-US" dirty="0"/>
-              <a:t>": 512,</a:t>
-            </a:r>
-          </a:p>
-          <a:p>
-            <a:r>
-              <a:rPr lang="en-US" dirty="0"/>
-              <a:t>    "</a:t>
-            </a:r>
-            <a:r>
-              <a:rPr lang="en-US" dirty="0" err="1"/>
-              <a:t>train_batch_size</a:t>
-            </a:r>
-            <a:r>
-              <a:rPr lang="en-US" dirty="0"/>
-              <a:t>": </a:t>
+              <a:t>time: 37min </a:t>
             </a:r>
             <a:r>
               <a:rPr lang="en-US" dirty="0" smtClean="0"/>
-              <a:t>8,</a:t>
-            </a:r>
-            <a:endParaRPr lang="en-US" dirty="0"/>
-          </a:p>
-          <a:p>
-            <a:r>
-              <a:rPr lang="en-US" dirty="0"/>
-              <a:t>    "</a:t>
-            </a:r>
-            <a:r>
-              <a:rPr lang="en-US" dirty="0" err="1"/>
-              <a:t>num_train_epochs</a:t>
-            </a:r>
-            <a:r>
-              <a:rPr lang="en-US" dirty="0"/>
-              <a:t>": </a:t>
-            </a:r>
-            <a:r>
-              <a:rPr lang="en-US" dirty="0" smtClean="0"/>
-              <a:t>10,</a:t>
-            </a:r>
-            <a:endParaRPr lang="en-US" dirty="0"/>
-          </a:p>
-          <a:p>
-            <a:r>
-              <a:rPr lang="en-US" dirty="0"/>
-              <a:t>}</a:t>
-            </a:r>
+              <a:t>57s</a:t>
+            </a:r>
+            <a:endParaRPr lang="ru-RU" dirty="0" smtClean="0"/>
           </a:p>
           <a:p>
             <a:pPr marL="0" indent="0">
@@ -8107,8 +8181,13 @@
             </a:pPr>
             <a:r>
               <a:rPr lang="ru-RU" dirty="0" smtClean="0"/>
-              <a:t>Определили тестовую выборку равную 30% </a:t>
-            </a:r>
+              <a:t>На тестовой выборке из 10 случайных элементов модель делала верные предсказания в 2-3 случаях.</a:t>
+            </a:r>
+          </a:p>
+          <a:p>
+            <a:pPr marL="0" indent="0">
+              <a:buNone/>
+            </a:pPr>
             <a:endParaRPr lang="ru-RU" dirty="0"/>
           </a:p>
         </p:txBody>
@@ -8116,7 +8195,7 @@
     </p:spTree>
     <p:extLst>
       <p:ext uri="{BB962C8B-B14F-4D97-AF65-F5344CB8AC3E}">
-        <p14:creationId xmlns:p14="http://schemas.microsoft.com/office/powerpoint/2010/main" val="2373900768"/>
+        <p14:creationId xmlns:p14="http://schemas.microsoft.com/office/powerpoint/2010/main" val="1600631924"/>
       </p:ext>
     </p:extLst>
   </p:cSld>
@@ -8178,53 +8257,20 @@
         <p:spPr/>
         <p:txBody>
           <a:bodyPr>
-            <a:normAutofit fontScale="85000" lnSpcReduction="20000"/>
+            <a:normAutofit fontScale="92500" lnSpcReduction="20000"/>
           </a:bodyPr>
           <a:lstStyle/>
           <a:p>
-            <a:r>
-              <a:rPr lang="ru-RU" i="1" dirty="0">
-                <a:solidFill>
-                  <a:schemeClr val="tx1">
-                    <a:lumMod val="65000"/>
-                    <a:lumOff val="35000"/>
-                  </a:schemeClr>
-                </a:solidFill>
-              </a:rPr>
-              <a:t>Опишите кратко суть проекта и функционал</a:t>
-            </a:r>
-          </a:p>
-          <a:p>
-            <a:r>
-              <a:rPr lang="ru-RU" i="1" dirty="0">
-                <a:solidFill>
-                  <a:schemeClr val="tx1">
-                    <a:lumMod val="65000"/>
-                    <a:lumOff val="35000"/>
-                  </a:schemeClr>
-                </a:solidFill>
-              </a:rPr>
-              <a:t>Приложите ссылку на репозиторий с </a:t>
-            </a:r>
-            <a:r>
-              <a:rPr lang="ru-RU" i="1" dirty="0" smtClean="0">
-                <a:solidFill>
-                  <a:schemeClr val="tx1">
-                    <a:lumMod val="65000"/>
-                    <a:lumOff val="35000"/>
-                  </a:schemeClr>
-                </a:solidFill>
-              </a:rPr>
-              <a:t>кодом</a:t>
-            </a:r>
-          </a:p>
-          <a:p>
             <a:pPr marL="0" indent="0">
               <a:buNone/>
             </a:pPr>
             <a:r>
+              <a:rPr lang="ru-RU" dirty="0" smtClean="0"/>
+              <a:t>Фильмы </a:t>
+            </a:r>
+            <a:r>
               <a:rPr lang="ru-RU" dirty="0"/>
-              <a:t>Фильмы с данными из </a:t>
+              <a:t>с данными из </a:t>
             </a:r>
             <a:r>
               <a:rPr lang="ru-RU" dirty="0" err="1"/>
@@ -8458,13 +8504,13 @@
         </p:nvSpPr>
         <p:spPr>
           <a:xfrm>
-            <a:off x="826864" y="1281518"/>
-            <a:ext cx="10588021" cy="3536085"/>
+            <a:off x="826864" y="1281519"/>
+            <a:ext cx="10588021" cy="460376"/>
           </a:xfrm>
         </p:spPr>
         <p:txBody>
           <a:bodyPr>
-            <a:normAutofit/>
+            <a:normAutofit lnSpcReduction="10000"/>
           </a:bodyPr>
           <a:lstStyle/>
           <a:p>
@@ -8472,67 +8518,30 @@
               <a:buNone/>
             </a:pPr>
             <a:r>
-              <a:rPr lang="ru-RU" dirty="0" smtClean="0"/>
-              <a:t>Результаты обучения</a:t>
+              <a:rPr lang="en-US" dirty="0" err="1" smtClean="0"/>
+              <a:t>Heatmap</a:t>
+            </a:r>
+            <a:r>
+              <a:rPr lang="en-US" dirty="0" smtClean="0"/>
+              <a:t> w</a:t>
             </a:r>
             <a:r>
               <a:rPr lang="en-US" dirty="0"/>
-              <a:t> (kinopoisk-top250.csv)</a:t>
-            </a:r>
-            <a:r>
-              <a:rPr lang="ru-RU" dirty="0" smtClean="0"/>
-              <a:t>:</a:t>
-            </a:r>
-          </a:p>
-          <a:p>
-            <a:pPr marL="0" indent="0">
-              <a:buNone/>
-            </a:pPr>
+              <a:t>. labels &amp; </a:t>
+            </a:r>
+            <a:r>
+              <a:rPr lang="en-US" dirty="0" smtClean="0"/>
+              <a:t>annotations (</a:t>
+            </a:r>
             <a:r>
               <a:rPr lang="en-US" dirty="0"/>
-              <a:t>{'mcc': 0.9525174544539858, '</a:t>
-            </a:r>
-            <a:r>
-              <a:rPr lang="en-US" dirty="0" err="1"/>
-              <a:t>eval_loss</a:t>
-            </a:r>
-            <a:r>
-              <a:rPr lang="en-US" dirty="0"/>
-              <a:t>': 0.29667600492636365} </a:t>
-            </a:r>
-            <a:endParaRPr lang="ru-RU" dirty="0" smtClean="0"/>
-          </a:p>
-          <a:p>
-            <a:pPr marL="0" indent="0">
-              <a:buNone/>
-            </a:pPr>
+              <a:t>kinopoisk-top250.csv</a:t>
+            </a:r>
             <a:r>
               <a:rPr lang="en-US" dirty="0" smtClean="0"/>
-              <a:t>CPU </a:t>
-            </a:r>
-            <a:r>
-              <a:rPr lang="en-US" dirty="0"/>
-              <a:t>times: total: 3h 22min 43s </a:t>
-            </a:r>
-            <a:endParaRPr lang="ru-RU" dirty="0" smtClean="0"/>
-          </a:p>
-          <a:p>
-            <a:pPr marL="0" indent="0">
-              <a:buNone/>
-            </a:pPr>
-            <a:r>
-              <a:rPr lang="en-US" dirty="0" smtClean="0"/>
-              <a:t>Wall </a:t>
-            </a:r>
-            <a:r>
-              <a:rPr lang="en-US" dirty="0"/>
-              <a:t>time: 37min </a:t>
-            </a:r>
-            <a:r>
-              <a:rPr lang="en-US" dirty="0" smtClean="0"/>
-              <a:t>57s</a:t>
-            </a:r>
-            <a:endParaRPr lang="ru-RU" dirty="0" smtClean="0"/>
+              <a:t>)</a:t>
+            </a:r>
+            <a:endParaRPr lang="en-US" dirty="0"/>
           </a:p>
           <a:p>
             <a:pPr marL="0" indent="0">
@@ -8540,27 +8549,76 @@
             </a:pPr>
             <a:endParaRPr lang="ru-RU" dirty="0"/>
           </a:p>
-          <a:p>
-            <a:pPr marL="0" indent="0">
-              <a:buNone/>
-            </a:pPr>
-            <a:r>
-              <a:rPr lang="ru-RU" dirty="0" smtClean="0"/>
-              <a:t>На тестовой выборке из 10 случайных элементов модель делала верные предсказания в 2-3 случаях.</a:t>
-            </a:r>
-          </a:p>
-          <a:p>
-            <a:pPr marL="0" indent="0">
-              <a:buNone/>
-            </a:pPr>
-            <a:endParaRPr lang="ru-RU" dirty="0"/>
-          </a:p>
         </p:txBody>
       </p:sp>
+      <p:pic>
+        <p:nvPicPr>
+          <p:cNvPr id="5122" name="Picture 2"/>
+          <p:cNvPicPr>
+            <a:picLocks noChangeAspect="1" noChangeArrowheads="1"/>
+          </p:cNvPicPr>
+          <p:nvPr/>
+        </p:nvPicPr>
+        <p:blipFill>
+          <a:blip r:embed="rId2" cstate="print">
+            <a:extLst>
+              <a:ext uri="{28A0092B-C50C-407E-A947-70E740481C1C}">
+                <a14:useLocalDpi xmlns:a14="http://schemas.microsoft.com/office/drawing/2010/main" val="0"/>
+              </a:ext>
+            </a:extLst>
+          </a:blip>
+          <a:srcRect/>
+          <a:stretch>
+            <a:fillRect/>
+          </a:stretch>
+        </p:blipFill>
+        <p:spPr bwMode="auto">
+          <a:xfrm>
+            <a:off x="869058" y="1748730"/>
+            <a:ext cx="4927180" cy="4464358"/>
+          </a:xfrm>
+          <a:prstGeom prst="rect">
+            <a:avLst/>
+          </a:prstGeom>
+          <a:noFill/>
+          <a:ln>
+            <a:noFill/>
+          </a:ln>
+          <a:effectLst/>
+          <a:extLst>
+            <a:ext uri="{909E8E84-426E-40DD-AFC4-6F175D3DCCD1}">
+              <a14:hiddenFill xmlns:a14="http://schemas.microsoft.com/office/drawing/2010/main">
+                <a:solidFill>
+                  <a:schemeClr val="accent1"/>
+                </a:solidFill>
+              </a14:hiddenFill>
+            </a:ext>
+            <a:ext uri="{91240B29-F687-4F45-9708-019B960494DF}">
+              <a14:hiddenLine xmlns:a14="http://schemas.microsoft.com/office/drawing/2010/main" w="9525">
+                <a:solidFill>
+                  <a:schemeClr val="tx1"/>
+                </a:solidFill>
+                <a:miter lim="800000"/>
+                <a:headEnd/>
+                <a:tailEnd/>
+              </a14:hiddenLine>
+            </a:ext>
+            <a:ext uri="{AF507438-7753-43E0-B8FC-AC1667EBCBE1}">
+              <a14:hiddenEffects xmlns:a14="http://schemas.microsoft.com/office/drawing/2010/main">
+                <a:effectLst>
+                  <a:outerShdw dist="35921" dir="2700000" algn="ctr" rotWithShape="0">
+                    <a:schemeClr val="bg2"/>
+                  </a:outerShdw>
+                </a:effectLst>
+              </a14:hiddenEffects>
+            </a:ext>
+          </a:extLst>
+        </p:spPr>
+      </p:pic>
     </p:spTree>
     <p:extLst>
       <p:ext uri="{BB962C8B-B14F-4D97-AF65-F5344CB8AC3E}">
-        <p14:creationId xmlns:p14="http://schemas.microsoft.com/office/powerpoint/2010/main" val="1600631924"/>
+        <p14:creationId xmlns:p14="http://schemas.microsoft.com/office/powerpoint/2010/main" val="3250563738"/>
       </p:ext>
     </p:extLst>
   </p:cSld>
@@ -8604,210 +8662,6 @@
           <a:p>
             <a:r>
               <a:rPr lang="ru-RU" dirty="0" smtClean="0"/>
-              <a:t>Часть </a:t>
-            </a:r>
-            <a:r>
-              <a:rPr lang="en-US" dirty="0" smtClean="0"/>
-              <a:t>I</a:t>
-            </a:r>
-            <a:r>
-              <a:rPr lang="en-US" dirty="0"/>
-              <a:t> </a:t>
-            </a:r>
-            <a:r>
-              <a:rPr lang="en-US" dirty="0" err="1" smtClean="0"/>
-              <a:t>I</a:t>
-            </a:r>
-            <a:r>
-              <a:rPr lang="en-US" dirty="0"/>
-              <a:t> </a:t>
-            </a:r>
-            <a:r>
-              <a:rPr lang="en-US" dirty="0" err="1"/>
-              <a:t>I</a:t>
-            </a:r>
-            <a:r>
-              <a:rPr lang="en-US" dirty="0" smtClean="0"/>
-              <a:t> – </a:t>
-            </a:r>
-            <a:r>
-              <a:rPr lang="ru-RU" dirty="0" smtClean="0"/>
-              <a:t>Предсказания Берты</a:t>
-            </a:r>
-            <a:endParaRPr lang="ru-RU" dirty="0"/>
-          </a:p>
-        </p:txBody>
-      </p:sp>
-      <p:sp>
-        <p:nvSpPr>
-          <p:cNvPr id="3" name="Объект 2"/>
-          <p:cNvSpPr>
-            <a:spLocks noGrp="1"/>
-          </p:cNvSpPr>
-          <p:nvPr>
-            <p:ph idx="1"/>
-          </p:nvPr>
-        </p:nvSpPr>
-        <p:spPr>
-          <a:xfrm>
-            <a:off x="826864" y="1281519"/>
-            <a:ext cx="10588021" cy="460376"/>
-          </a:xfrm>
-        </p:spPr>
-        <p:txBody>
-          <a:bodyPr>
-            <a:normAutofit lnSpcReduction="10000"/>
-          </a:bodyPr>
-          <a:lstStyle/>
-          <a:p>
-            <a:pPr marL="0" indent="0">
-              <a:buNone/>
-            </a:pPr>
-            <a:r>
-              <a:rPr lang="en-US" dirty="0" err="1" smtClean="0"/>
-              <a:t>Heatmap</a:t>
-            </a:r>
-            <a:r>
-              <a:rPr lang="en-US" dirty="0" smtClean="0"/>
-              <a:t> w</a:t>
-            </a:r>
-            <a:r>
-              <a:rPr lang="en-US" dirty="0"/>
-              <a:t>. labels &amp; </a:t>
-            </a:r>
-            <a:r>
-              <a:rPr lang="en-US" dirty="0" smtClean="0"/>
-              <a:t>annotations (</a:t>
-            </a:r>
-            <a:r>
-              <a:rPr lang="en-US" dirty="0"/>
-              <a:t>kinopoisk-top250.csv</a:t>
-            </a:r>
-            <a:r>
-              <a:rPr lang="en-US" dirty="0" smtClean="0"/>
-              <a:t>)</a:t>
-            </a:r>
-            <a:endParaRPr lang="en-US" dirty="0"/>
-          </a:p>
-          <a:p>
-            <a:pPr marL="0" indent="0">
-              <a:buNone/>
-            </a:pPr>
-            <a:endParaRPr lang="ru-RU" dirty="0"/>
-          </a:p>
-        </p:txBody>
-      </p:sp>
-      <p:pic>
-        <p:nvPicPr>
-          <p:cNvPr id="5122" name="Picture 2"/>
-          <p:cNvPicPr>
-            <a:picLocks noChangeAspect="1" noChangeArrowheads="1"/>
-          </p:cNvPicPr>
-          <p:nvPr/>
-        </p:nvPicPr>
-        <p:blipFill>
-          <a:blip r:embed="rId2" cstate="print">
-            <a:extLst>
-              <a:ext uri="{28A0092B-C50C-407E-A947-70E740481C1C}">
-                <a14:useLocalDpi xmlns:a14="http://schemas.microsoft.com/office/drawing/2010/main" val="0"/>
-              </a:ext>
-            </a:extLst>
-          </a:blip>
-          <a:srcRect/>
-          <a:stretch>
-            <a:fillRect/>
-          </a:stretch>
-        </p:blipFill>
-        <p:spPr bwMode="auto">
-          <a:xfrm>
-            <a:off x="869058" y="1748730"/>
-            <a:ext cx="4927180" cy="4464358"/>
-          </a:xfrm>
-          <a:prstGeom prst="rect">
-            <a:avLst/>
-          </a:prstGeom>
-          <a:noFill/>
-          <a:ln>
-            <a:noFill/>
-          </a:ln>
-          <a:effectLst/>
-          <a:extLst>
-            <a:ext uri="{909E8E84-426E-40DD-AFC4-6F175D3DCCD1}">
-              <a14:hiddenFill xmlns:a14="http://schemas.microsoft.com/office/drawing/2010/main">
-                <a:solidFill>
-                  <a:schemeClr val="accent1"/>
-                </a:solidFill>
-              </a14:hiddenFill>
-            </a:ext>
-            <a:ext uri="{91240B29-F687-4F45-9708-019B960494DF}">
-              <a14:hiddenLine xmlns:a14="http://schemas.microsoft.com/office/drawing/2010/main" w="9525">
-                <a:solidFill>
-                  <a:schemeClr val="tx1"/>
-                </a:solidFill>
-                <a:miter lim="800000"/>
-                <a:headEnd/>
-                <a:tailEnd/>
-              </a14:hiddenLine>
-            </a:ext>
-            <a:ext uri="{AF507438-7753-43E0-B8FC-AC1667EBCBE1}">
-              <a14:hiddenEffects xmlns:a14="http://schemas.microsoft.com/office/drawing/2010/main">
-                <a:effectLst>
-                  <a:outerShdw dist="35921" dir="2700000" algn="ctr" rotWithShape="0">
-                    <a:schemeClr val="bg2"/>
-                  </a:outerShdw>
-                </a:effectLst>
-              </a14:hiddenEffects>
-            </a:ext>
-          </a:extLst>
-        </p:spPr>
-      </p:pic>
-    </p:spTree>
-    <p:extLst>
-      <p:ext uri="{BB962C8B-B14F-4D97-AF65-F5344CB8AC3E}">
-        <p14:creationId xmlns:p14="http://schemas.microsoft.com/office/powerpoint/2010/main" val="3250563738"/>
-      </p:ext>
-    </p:extLst>
-  </p:cSld>
-  <p:clrMapOvr>
-    <a:masterClrMapping/>
-  </p:clrMapOvr>
-</p:sld>
-</file>
-
-<file path=ppt/slides/slide32.xml><?xml version="1.0" encoding="utf-8"?>
-<p:sld xmlns:a="http://schemas.openxmlformats.org/drawingml/2006/main" xmlns:r="http://schemas.openxmlformats.org/officeDocument/2006/relationships" xmlns:p="http://schemas.openxmlformats.org/presentationml/2006/main">
-  <p:cSld>
-    <p:spTree>
-      <p:nvGrpSpPr>
-        <p:cNvPr id="1" name=""/>
-        <p:cNvGrpSpPr/>
-        <p:nvPr/>
-      </p:nvGrpSpPr>
-      <p:grpSpPr>
-        <a:xfrm>
-          <a:off x="0" y="0"/>
-          <a:ext cx="0" cy="0"/>
-          <a:chOff x="0" y="0"/>
-          <a:chExt cx="0" cy="0"/>
-        </a:xfrm>
-      </p:grpSpPr>
-      <p:sp>
-        <p:nvSpPr>
-          <p:cNvPr id="2" name="Заголовок 1"/>
-          <p:cNvSpPr>
-            <a:spLocks noGrp="1"/>
-          </p:cNvSpPr>
-          <p:nvPr>
-            <p:ph type="title"/>
-          </p:nvPr>
-        </p:nvSpPr>
-        <p:spPr/>
-        <p:txBody>
-          <a:bodyPr/>
-          <a:lstStyle/>
-          <a:p>
-            <a:r>
-              <a:rPr lang="ru-RU" dirty="0" smtClean="0"/>
               <a:t>Ссылки на </a:t>
             </a:r>
             <a:r>
@@ -9024,7 +8878,7 @@
 </p:sld>
 </file>
 
-<file path=ppt/slides/slide33.xml><?xml version="1.0" encoding="utf-8"?>
+<file path=ppt/slides/slide32.xml><?xml version="1.0" encoding="utf-8"?>
 <p:sld xmlns:a="http://schemas.openxmlformats.org/drawingml/2006/main" xmlns:r="http://schemas.openxmlformats.org/officeDocument/2006/relationships" xmlns:p="http://schemas.openxmlformats.org/presentationml/2006/main">
   <p:cSld>
     <p:spTree>
@@ -10909,7 +10763,7 @@
   <a:extraClrSchemeLst/>
   <a:extLst>
     <a:ext uri="{05A4C25C-085E-4340-85A3-A5531E510DB2}">
-      <thm15:themeFamily xmlns="" xmlns:thm15="http://schemas.microsoft.com/office/thememl/2012/main" name="Office Theme" id="{62F939B6-93AF-4DB8-9C6B-D6C7DFDC589F}" vid="{4A3C46E8-61CC-4603-A589-7422A47A8E4A}"/>
+      <thm15:themeFamily xmlns:thm15="http://schemas.microsoft.com/office/thememl/2012/main" xmlns="" name="Office Theme" id="{62F939B6-93AF-4DB8-9C6B-D6C7DFDC589F}" vid="{4A3C46E8-61CC-4603-A589-7422A47A8E4A}"/>
     </a:ext>
   </a:extLst>
 </a:theme>
